--- a/Documents/Presentations/Presentation1.pptx
+++ b/Documents/Presentations/Presentation1.pptx
@@ -17,8 +17,7 @@
     <p:sldId id="267" r:id="rId11"/>
     <p:sldId id="263" r:id="rId12"/>
     <p:sldId id="264" r:id="rId13"/>
-    <p:sldId id="266" r:id="rId14"/>
-    <p:sldId id="265" r:id="rId15"/>
+    <p:sldId id="265" r:id="rId14"/>
   </p:sldIdLst>
   <p:sldSz cx="9144000" cy="6858000" type="screen4x3"/>
   <p:notesSz cx="6858000" cy="9144000"/>
@@ -117,6 +116,22 @@
       </a:defRPr>
     </a:lvl9pPr>
   </p:defaultTextStyle>
+  <p:extLst>
+    <p:ext uri="{EFAFB233-063F-42B5-8137-9DF3F51BA10A}">
+      <p15:sldGuideLst xmlns:p15="http://schemas.microsoft.com/office/powerpoint/2012/main">
+        <p15:guide id="1" orient="horz" pos="2160">
+          <p15:clr>
+            <a:srgbClr val="A4A3A4"/>
+          </p15:clr>
+        </p15:guide>
+        <p15:guide id="2" pos="2880">
+          <p15:clr>
+            <a:srgbClr val="A4A3A4"/>
+          </p15:clr>
+        </p15:guide>
+      </p15:sldGuideLst>
+    </p:ext>
+  </p:extLst>
 </p:presentation>
 </file>
 
@@ -301,7 +316,7 @@
           <a:p>
             <a:fld id="{4A88F55E-F3C8-451A-88F1-3CC070D1BD1A}" type="datetimeFigureOut">
               <a:rPr lang="en-US" smtClean="0"/>
-              <a:t>10/4/2016</a:t>
+              <a:t>10/5/2016</a:t>
             </a:fld>
             <a:endParaRPr lang="en-US"/>
           </a:p>
@@ -471,7 +486,7 @@
           <a:p>
             <a:fld id="{4A88F55E-F3C8-451A-88F1-3CC070D1BD1A}" type="datetimeFigureOut">
               <a:rPr lang="en-US" smtClean="0"/>
-              <a:t>10/4/2016</a:t>
+              <a:t>10/5/2016</a:t>
             </a:fld>
             <a:endParaRPr lang="en-US"/>
           </a:p>
@@ -651,7 +666,7 @@
           <a:p>
             <a:fld id="{4A88F55E-F3C8-451A-88F1-3CC070D1BD1A}" type="datetimeFigureOut">
               <a:rPr lang="en-US" smtClean="0"/>
-              <a:t>10/4/2016</a:t>
+              <a:t>10/5/2016</a:t>
             </a:fld>
             <a:endParaRPr lang="en-US"/>
           </a:p>
@@ -821,7 +836,7 @@
           <a:p>
             <a:fld id="{4A88F55E-F3C8-451A-88F1-3CC070D1BD1A}" type="datetimeFigureOut">
               <a:rPr lang="en-US" smtClean="0"/>
-              <a:t>10/4/2016</a:t>
+              <a:t>10/5/2016</a:t>
             </a:fld>
             <a:endParaRPr lang="en-US"/>
           </a:p>
@@ -1067,7 +1082,7 @@
           <a:p>
             <a:fld id="{4A88F55E-F3C8-451A-88F1-3CC070D1BD1A}" type="datetimeFigureOut">
               <a:rPr lang="en-US" smtClean="0"/>
-              <a:t>10/4/2016</a:t>
+              <a:t>10/5/2016</a:t>
             </a:fld>
             <a:endParaRPr lang="en-US"/>
           </a:p>
@@ -1355,7 +1370,7 @@
           <a:p>
             <a:fld id="{4A88F55E-F3C8-451A-88F1-3CC070D1BD1A}" type="datetimeFigureOut">
               <a:rPr lang="en-US" smtClean="0"/>
-              <a:t>10/4/2016</a:t>
+              <a:t>10/5/2016</a:t>
             </a:fld>
             <a:endParaRPr lang="en-US"/>
           </a:p>
@@ -1777,7 +1792,7 @@
           <a:p>
             <a:fld id="{4A88F55E-F3C8-451A-88F1-3CC070D1BD1A}" type="datetimeFigureOut">
               <a:rPr lang="en-US" smtClean="0"/>
-              <a:t>10/4/2016</a:t>
+              <a:t>10/5/2016</a:t>
             </a:fld>
             <a:endParaRPr lang="en-US"/>
           </a:p>
@@ -1895,7 +1910,7 @@
           <a:p>
             <a:fld id="{4A88F55E-F3C8-451A-88F1-3CC070D1BD1A}" type="datetimeFigureOut">
               <a:rPr lang="en-US" smtClean="0"/>
-              <a:t>10/4/2016</a:t>
+              <a:t>10/5/2016</a:t>
             </a:fld>
             <a:endParaRPr lang="en-US"/>
           </a:p>
@@ -1990,7 +2005,7 @@
           <a:p>
             <a:fld id="{4A88F55E-F3C8-451A-88F1-3CC070D1BD1A}" type="datetimeFigureOut">
               <a:rPr lang="en-US" smtClean="0"/>
-              <a:t>10/4/2016</a:t>
+              <a:t>10/5/2016</a:t>
             </a:fld>
             <a:endParaRPr lang="en-US"/>
           </a:p>
@@ -2267,7 +2282,7 @@
           <a:p>
             <a:fld id="{4A88F55E-F3C8-451A-88F1-3CC070D1BD1A}" type="datetimeFigureOut">
               <a:rPr lang="en-US" smtClean="0"/>
-              <a:t>10/4/2016</a:t>
+              <a:t>10/5/2016</a:t>
             </a:fld>
             <a:endParaRPr lang="en-US"/>
           </a:p>
@@ -2520,7 +2535,7 @@
           <a:p>
             <a:fld id="{4A88F55E-F3C8-451A-88F1-3CC070D1BD1A}" type="datetimeFigureOut">
               <a:rPr lang="en-US" smtClean="0"/>
-              <a:t>10/4/2016</a:t>
+              <a:t>10/5/2016</a:t>
             </a:fld>
             <a:endParaRPr lang="en-US"/>
           </a:p>
@@ -2733,7 +2748,7 @@
           <a:p>
             <a:fld id="{4A88F55E-F3C8-451A-88F1-3CC070D1BD1A}" type="datetimeFigureOut">
               <a:rPr lang="en-US" smtClean="0"/>
-              <a:t>10/4/2016</a:t>
+              <a:t>10/5/2016</a:t>
             </a:fld>
             <a:endParaRPr lang="en-US"/>
           </a:p>
@@ -3378,12 +3393,12 @@
           <a:graphicData uri="http://schemas.openxmlformats.org/presentationml/2006/ole">
             <mc:AlternateContent xmlns:mc="http://schemas.openxmlformats.org/markup-compatibility/2006">
               <mc:Choice xmlns:v="urn:schemas-microsoft-com:vml" Requires="v">
-                <p:oleObj spid="_x0000_s5124" r:id="rId3" imgW="6305443" imgH="5124330" progId="Visio.Drawing.15">
+                <p:oleObj spid="_x0000_s5125" r:id="rId4" imgW="6305443" imgH="5124330" progId="Visio.Drawing.15">
                   <p:embed/>
                 </p:oleObj>
               </mc:Choice>
               <mc:Fallback>
-                <p:oleObj r:id="rId3" imgW="6305443" imgH="5124330" progId="Visio.Drawing.15">
+                <p:oleObj r:id="rId4" imgW="6305443" imgH="5124330" progId="Visio.Drawing.15">
                   <p:embed/>
                   <p:pic>
                     <p:nvPicPr>
@@ -3394,7 +3409,7 @@
                       <p:nvPr/>
                     </p:nvPicPr>
                     <p:blipFill>
-                      <a:blip r:embed="rId4">
+                      <a:blip r:embed="rId5">
                         <a:extLst>
                           <a:ext uri="{28A0092B-C50C-407E-A947-70E740481C1C}">
                             <a14:useLocalDpi xmlns:a14="http://schemas.microsoft.com/office/drawing/2010/main" val="0"/>
@@ -3561,12 +3576,12 @@
           <a:graphicData uri="http://schemas.openxmlformats.org/presentationml/2006/ole">
             <mc:AlternateContent xmlns:mc="http://schemas.openxmlformats.org/markup-compatibility/2006">
               <mc:Choice xmlns:v="urn:schemas-microsoft-com:vml" Requires="v">
-                <p:oleObj spid="_x0000_s6148" r:id="rId3" imgW="6991311" imgH="4667220" progId="Visio.Drawing.15">
+                <p:oleObj spid="_x0000_s6149" r:id="rId4" imgW="6991311" imgH="4667220" progId="Visio.Drawing.15">
                   <p:embed/>
                 </p:oleObj>
               </mc:Choice>
               <mc:Fallback>
-                <p:oleObj r:id="rId3" imgW="6991311" imgH="4667220" progId="Visio.Drawing.15">
+                <p:oleObj r:id="rId4" imgW="6991311" imgH="4667220" progId="Visio.Drawing.15">
                   <p:embed/>
                   <p:pic>
                     <p:nvPicPr>
@@ -3577,7 +3592,7 @@
                       <p:nvPr/>
                     </p:nvPicPr>
                     <p:blipFill>
-                      <a:blip r:embed="rId4">
+                      <a:blip r:embed="rId5">
                         <a:extLst>
                           <a:ext uri="{28A0092B-C50C-407E-A947-70E740481C1C}">
                             <a14:useLocalDpi xmlns:a14="http://schemas.microsoft.com/office/drawing/2010/main" val="0"/>
@@ -3620,93 +3635,6 @@
 </file>
 
 <file path=ppt/slides/slide13.xml><?xml version="1.0" encoding="utf-8"?>
-<p:sld xmlns:a="http://schemas.openxmlformats.org/drawingml/2006/main" xmlns:r="http://schemas.openxmlformats.org/officeDocument/2006/relationships" xmlns:p="http://schemas.openxmlformats.org/presentationml/2006/main">
-  <p:cSld>
-    <p:spTree>
-      <p:nvGrpSpPr>
-        <p:cNvPr id="1" name=""/>
-        <p:cNvGrpSpPr/>
-        <p:nvPr/>
-      </p:nvGrpSpPr>
-      <p:grpSpPr>
-        <a:xfrm>
-          <a:off x="0" y="0"/>
-          <a:ext cx="0" cy="0"/>
-          <a:chOff x="0" y="0"/>
-          <a:chExt cx="0" cy="0"/>
-        </a:xfrm>
-      </p:grpSpPr>
-      <p:sp>
-        <p:nvSpPr>
-          <p:cNvPr id="2" name="Title 1"/>
-          <p:cNvSpPr>
-            <a:spLocks noGrp="1"/>
-          </p:cNvSpPr>
-          <p:nvPr>
-            <p:ph type="title"/>
-          </p:nvPr>
-        </p:nvSpPr>
-        <p:spPr/>
-        <p:txBody>
-          <a:bodyPr/>
-          <a:lstStyle/>
-          <a:p>
-            <a:r>
-              <a:rPr lang="en-US" dirty="0" smtClean="0"/>
-              <a:t>Impact &amp; Studies</a:t>
-            </a:r>
-            <a:endParaRPr lang="en-US" dirty="0"/>
-          </a:p>
-        </p:txBody>
-      </p:sp>
-      <p:sp>
-        <p:nvSpPr>
-          <p:cNvPr id="3" name="Content Placeholder 2"/>
-          <p:cNvSpPr>
-            <a:spLocks noGrp="1"/>
-          </p:cNvSpPr>
-          <p:nvPr>
-            <p:ph idx="1"/>
-          </p:nvPr>
-        </p:nvSpPr>
-        <p:spPr/>
-        <p:txBody>
-          <a:bodyPr/>
-          <a:lstStyle/>
-          <a:p>
-            <a:r>
-              <a:rPr lang="en-US" dirty="0" smtClean="0"/>
-              <a:t>Local:</a:t>
-            </a:r>
-          </a:p>
-          <a:p>
-            <a:r>
-              <a:rPr lang="en-US" dirty="0" smtClean="0"/>
-              <a:t>Global:</a:t>
-            </a:r>
-          </a:p>
-          <a:p>
-            <a:endParaRPr lang="en-US" dirty="0"/>
-          </a:p>
-          <a:p>
-            <a:endParaRPr lang="en-US" dirty="0"/>
-          </a:p>
-        </p:txBody>
-      </p:sp>
-    </p:spTree>
-    <p:extLst>
-      <p:ext uri="{BB962C8B-B14F-4D97-AF65-F5344CB8AC3E}">
-        <p14:creationId xmlns:p14="http://schemas.microsoft.com/office/powerpoint/2010/main" val="968305415"/>
-      </p:ext>
-    </p:extLst>
-  </p:cSld>
-  <p:clrMapOvr>
-    <a:masterClrMapping/>
-  </p:clrMapOvr>
-</p:sld>
-</file>
-
-<file path=ppt/slides/slide14.xml><?xml version="1.0" encoding="utf-8"?>
 <p:sld xmlns:a="http://schemas.openxmlformats.org/drawingml/2006/main" xmlns:r="http://schemas.openxmlformats.org/officeDocument/2006/relationships" xmlns:p="http://schemas.openxmlformats.org/presentationml/2006/main">
   <p:cSld>
     <p:spTree>
@@ -4441,12 +4369,12 @@
           <a:graphicData uri="http://schemas.openxmlformats.org/presentationml/2006/ole">
             <mc:AlternateContent xmlns:mc="http://schemas.openxmlformats.org/markup-compatibility/2006">
               <mc:Choice xmlns:v="urn:schemas-microsoft-com:vml" Requires="v">
-                <p:oleObj spid="_x0000_s4100" r:id="rId3" imgW="5086333" imgH="2457540" progId="Visio.Drawing.15">
+                <p:oleObj spid="_x0000_s4101" r:id="rId4" imgW="5086333" imgH="2457540" progId="Visio.Drawing.15">
                   <p:embed/>
                 </p:oleObj>
               </mc:Choice>
               <mc:Fallback>
-                <p:oleObj r:id="rId3" imgW="5086333" imgH="2457540" progId="Visio.Drawing.15">
+                <p:oleObj r:id="rId4" imgW="5086333" imgH="2457540" progId="Visio.Drawing.15">
                   <p:embed/>
                   <p:pic>
                     <p:nvPicPr>
@@ -4457,7 +4385,7 @@
                       <p:nvPr/>
                     </p:nvPicPr>
                     <p:blipFill>
-                      <a:blip r:embed="rId4">
+                      <a:blip r:embed="rId5">
                         <a:extLst>
                           <a:ext uri="{28A0092B-C50C-407E-A947-70E740481C1C}">
                             <a14:useLocalDpi xmlns:a14="http://schemas.microsoft.com/office/drawing/2010/main" val="0"/>

--- a/Documents/Presentations/Presentation1.pptx
+++ b/Documents/Presentations/Presentation1.pptx
@@ -2,7 +2,7 @@
 <file path=ppt/presentation.xml><?xml version="1.0" encoding="utf-8"?>
 <p:presentation xmlns:a="http://schemas.openxmlformats.org/drawingml/2006/main" xmlns:r="http://schemas.openxmlformats.org/officeDocument/2006/relationships" xmlns:p="http://schemas.openxmlformats.org/presentationml/2006/main" saveSubsetFonts="1">
   <p:sldMasterIdLst>
-    <p:sldMasterId id="2147483648" r:id="rId1"/>
+    <p:sldMasterId id="2147483660" r:id="rId1"/>
   </p:sldMasterIdLst>
   <p:sldIdLst>
     <p:sldId id="256" r:id="rId2"/>
@@ -152,6 +152,36 @@
           <a:chExt cx="0" cy="0"/>
         </a:xfrm>
       </p:grpSpPr>
+      <p:pic>
+        <p:nvPicPr>
+          <p:cNvPr id="7" name="Picture 6" descr="C0-HD-BTM.png"/>
+          <p:cNvPicPr>
+            <a:picLocks noChangeAspect="1"/>
+          </p:cNvPicPr>
+          <p:nvPr/>
+        </p:nvPicPr>
+        <p:blipFill>
+          <a:blip r:embed="rId2">
+            <a:extLst>
+              <a:ext uri="{28A0092B-C50C-407E-A947-70E740481C1C}">
+                <a14:useLocalDpi xmlns:a14="http://schemas.microsoft.com/office/drawing/2010/main" val="0"/>
+              </a:ext>
+            </a:extLst>
+          </a:blip>
+          <a:stretch>
+            <a:fillRect/>
+          </a:stretch>
+        </p:blipFill>
+        <p:spPr>
+          <a:xfrm>
+            <a:off x="0" y="4995862"/>
+            <a:ext cx="9144000" cy="1862138"/>
+          </a:xfrm>
+          <a:prstGeom prst="rect">
+            <a:avLst/>
+          </a:prstGeom>
+        </p:spPr>
+      </p:pic>
       <p:sp>
         <p:nvSpPr>
           <p:cNvPr id="2" name="Title 1"/>
@@ -164,19 +194,25 @@
         </p:nvSpPr>
         <p:spPr>
           <a:xfrm>
-            <a:off x="685800" y="2130425"/>
-            <a:ext cx="7772400" cy="1470025"/>
-          </a:xfrm>
-        </p:spPr>
-        <p:txBody>
-          <a:bodyPr/>
-          <a:lstStyle/>
+            <a:off x="914400" y="1803405"/>
+            <a:ext cx="7315200" cy="1825096"/>
+          </a:xfrm>
+        </p:spPr>
+        <p:txBody>
+          <a:bodyPr anchor="b">
+            <a:normAutofit/>
+          </a:bodyPr>
+          <a:lstStyle>
+            <a:lvl1pPr algn="l">
+              <a:defRPr sz="6000"/>
+            </a:lvl1pPr>
+          </a:lstStyle>
           <a:p>
             <a:r>
               <a:rPr lang="en-US" smtClean="0"/>
               <a:t>Click to edit Master title style</a:t>
             </a:r>
-            <a:endParaRPr lang="en-US"/>
+            <a:endParaRPr lang="en-US" dirty="0"/>
           </a:p>
         </p:txBody>
       </p:sp>
@@ -192,102 +228,50 @@
         </p:nvSpPr>
         <p:spPr>
           <a:xfrm>
-            <a:off x="1371600" y="3886200"/>
-            <a:ext cx="6400800" cy="1752600"/>
-          </a:xfrm>
-        </p:spPr>
-        <p:txBody>
-          <a:bodyPr/>
+            <a:off x="914400" y="3632201"/>
+            <a:ext cx="7315200" cy="685800"/>
+          </a:xfrm>
+        </p:spPr>
+        <p:txBody>
+          <a:bodyPr>
+            <a:normAutofit/>
+          </a:bodyPr>
           <a:lstStyle>
-            <a:lvl1pPr marL="0" indent="0" algn="ctr">
-              <a:buNone/>
-              <a:defRPr>
-                <a:solidFill>
-                  <a:schemeClr val="tx1">
-                    <a:tint val="75000"/>
-                  </a:schemeClr>
-                </a:solidFill>
-              </a:defRPr>
+            <a:lvl1pPr marL="0" indent="0" algn="l">
+              <a:buNone/>
+              <a:defRPr sz="2000"/>
             </a:lvl1pPr>
             <a:lvl2pPr marL="457200" indent="0" algn="ctr">
               <a:buNone/>
-              <a:defRPr>
-                <a:solidFill>
-                  <a:schemeClr val="tx1">
-                    <a:tint val="75000"/>
-                  </a:schemeClr>
-                </a:solidFill>
-              </a:defRPr>
+              <a:defRPr sz="2000"/>
             </a:lvl2pPr>
             <a:lvl3pPr marL="914400" indent="0" algn="ctr">
               <a:buNone/>
-              <a:defRPr>
-                <a:solidFill>
-                  <a:schemeClr val="tx1">
-                    <a:tint val="75000"/>
-                  </a:schemeClr>
-                </a:solidFill>
-              </a:defRPr>
+              <a:defRPr sz="1800"/>
             </a:lvl3pPr>
             <a:lvl4pPr marL="1371600" indent="0" algn="ctr">
               <a:buNone/>
-              <a:defRPr>
-                <a:solidFill>
-                  <a:schemeClr val="tx1">
-                    <a:tint val="75000"/>
-                  </a:schemeClr>
-                </a:solidFill>
-              </a:defRPr>
+              <a:defRPr sz="1600"/>
             </a:lvl4pPr>
             <a:lvl5pPr marL="1828800" indent="0" algn="ctr">
               <a:buNone/>
-              <a:defRPr>
-                <a:solidFill>
-                  <a:schemeClr val="tx1">
-                    <a:tint val="75000"/>
-                  </a:schemeClr>
-                </a:solidFill>
-              </a:defRPr>
+              <a:defRPr sz="1600"/>
             </a:lvl5pPr>
             <a:lvl6pPr marL="2286000" indent="0" algn="ctr">
               <a:buNone/>
-              <a:defRPr>
-                <a:solidFill>
-                  <a:schemeClr val="tx1">
-                    <a:tint val="75000"/>
-                  </a:schemeClr>
-                </a:solidFill>
-              </a:defRPr>
+              <a:defRPr sz="1600"/>
             </a:lvl6pPr>
             <a:lvl7pPr marL="2743200" indent="0" algn="ctr">
               <a:buNone/>
-              <a:defRPr>
-                <a:solidFill>
-                  <a:schemeClr val="tx1">
-                    <a:tint val="75000"/>
-                  </a:schemeClr>
-                </a:solidFill>
-              </a:defRPr>
+              <a:defRPr sz="1600"/>
             </a:lvl7pPr>
             <a:lvl8pPr marL="3200400" indent="0" algn="ctr">
               <a:buNone/>
-              <a:defRPr>
-                <a:solidFill>
-                  <a:schemeClr val="tx1">
-                    <a:tint val="75000"/>
-                  </a:schemeClr>
-                </a:solidFill>
-              </a:defRPr>
+              <a:defRPr sz="1600"/>
             </a:lvl8pPr>
             <a:lvl9pPr marL="3657600" indent="0" algn="ctr">
               <a:buNone/>
-              <a:defRPr>
-                <a:solidFill>
-                  <a:schemeClr val="tx1">
-                    <a:tint val="75000"/>
-                  </a:schemeClr>
-                </a:solidFill>
-              </a:defRPr>
+              <a:defRPr sz="1600"/>
             </a:lvl9pPr>
           </a:lstStyle>
           <a:p>
@@ -295,7 +279,7 @@
               <a:rPr lang="en-US" smtClean="0"/>
               <a:t>Click to edit Master subtitle style</a:t>
             </a:r>
-            <a:endParaRPr lang="en-US"/>
+            <a:endParaRPr lang="en-US" dirty="0"/>
           </a:p>
         </p:txBody>
       </p:sp>
@@ -309,7 +293,12 @@
             <p:ph type="dt" sz="half" idx="10"/>
           </p:nvPr>
         </p:nvSpPr>
-        <p:spPr/>
+        <p:spPr>
+          <a:xfrm>
+            <a:off x="5932170" y="4323845"/>
+            <a:ext cx="2297429" cy="365125"/>
+          </a:xfrm>
+        </p:spPr>
         <p:txBody>
           <a:bodyPr/>
           <a:lstStyle/>
@@ -332,7 +321,12 @@
             <p:ph type="ftr" sz="quarter" idx="11"/>
           </p:nvPr>
         </p:nvSpPr>
-        <p:spPr/>
+        <p:spPr>
+          <a:xfrm>
+            <a:off x="914400" y="4323846"/>
+            <a:ext cx="4880610" cy="365125"/>
+          </a:xfrm>
+        </p:spPr>
         <p:txBody>
           <a:bodyPr/>
           <a:lstStyle/>
@@ -351,7 +345,12 @@
             <p:ph type="sldNum" sz="quarter" idx="12"/>
           </p:nvPr>
         </p:nvSpPr>
-        <p:spPr/>
+        <p:spPr>
+          <a:xfrm>
+            <a:off x="6057900" y="1430867"/>
+            <a:ext cx="2171700" cy="365125"/>
+          </a:xfrm>
+        </p:spPr>
         <p:txBody>
           <a:bodyPr/>
           <a:lstStyle/>
@@ -367,7 +366,7 @@
     </p:spTree>
     <p:extLst>
       <p:ext uri="{BB962C8B-B14F-4D97-AF65-F5344CB8AC3E}">
-        <p14:creationId xmlns:p14="http://schemas.microsoft.com/office/powerpoint/2010/main" val="34466878"/>
+        <p14:creationId xmlns:p14="http://schemas.microsoft.com/office/powerpoint/2010/main" val="1641043610"/>
       </p:ext>
     </p:extLst>
   </p:cSld>
@@ -378,6 +377,2598 @@
 </file>
 
 <file path=ppt/slideLayouts/slideLayout10.xml><?xml version="1.0" encoding="utf-8"?>
+<p:sldLayout xmlns:a="http://schemas.openxmlformats.org/drawingml/2006/main" xmlns:r="http://schemas.openxmlformats.org/officeDocument/2006/relationships" xmlns:p="http://schemas.openxmlformats.org/presentationml/2006/main" preserve="1">
+  <p:cSld name="Panoramic Picture with Caption">
+    <p:spTree>
+      <p:nvGrpSpPr>
+        <p:cNvPr id="1" name=""/>
+        <p:cNvGrpSpPr/>
+        <p:nvPr/>
+      </p:nvGrpSpPr>
+      <p:grpSpPr>
+        <a:xfrm>
+          <a:off x="0" y="0"/>
+          <a:ext cx="0" cy="0"/>
+          <a:chOff x="0" y="0"/>
+          <a:chExt cx="0" cy="0"/>
+        </a:xfrm>
+      </p:grpSpPr>
+      <p:sp>
+        <p:nvSpPr>
+          <p:cNvPr id="2" name="Title 1"/>
+          <p:cNvSpPr>
+            <a:spLocks noGrp="1"/>
+          </p:cNvSpPr>
+          <p:nvPr>
+            <p:ph type="title"/>
+          </p:nvPr>
+        </p:nvSpPr>
+        <p:spPr>
+          <a:xfrm>
+            <a:off x="594355" y="4697361"/>
+            <a:ext cx="7956482" cy="819355"/>
+          </a:xfrm>
+        </p:spPr>
+        <p:txBody>
+          <a:bodyPr anchor="b"/>
+          <a:lstStyle>
+            <a:lvl1pPr algn="l">
+              <a:defRPr sz="3200"/>
+            </a:lvl1pPr>
+          </a:lstStyle>
+          <a:p>
+            <a:r>
+              <a:rPr lang="en-US" smtClean="0"/>
+              <a:t>Click to edit Master title style</a:t>
+            </a:r>
+            <a:endParaRPr lang="en-US" dirty="0"/>
+          </a:p>
+        </p:txBody>
+      </p:sp>
+      <p:sp>
+        <p:nvSpPr>
+          <p:cNvPr id="3" name="Picture Placeholder 2"/>
+          <p:cNvSpPr>
+            <a:spLocks noGrp="1" noChangeAspect="1"/>
+          </p:cNvSpPr>
+          <p:nvPr>
+            <p:ph type="pic" idx="1"/>
+          </p:nvPr>
+        </p:nvSpPr>
+        <p:spPr>
+          <a:xfrm>
+            <a:off x="594355" y="977035"/>
+            <a:ext cx="7950260" cy="3406972"/>
+          </a:xfrm>
+        </p:spPr>
+        <p:txBody>
+          <a:bodyPr anchor="t"/>
+          <a:lstStyle>
+            <a:lvl1pPr marL="0" indent="0">
+              <a:buNone/>
+              <a:defRPr sz="3200"/>
+            </a:lvl1pPr>
+            <a:lvl2pPr marL="457200" indent="0">
+              <a:buNone/>
+              <a:defRPr sz="2800"/>
+            </a:lvl2pPr>
+            <a:lvl3pPr marL="914400" indent="0">
+              <a:buNone/>
+              <a:defRPr sz="2400"/>
+            </a:lvl3pPr>
+            <a:lvl4pPr marL="1371600" indent="0">
+              <a:buNone/>
+              <a:defRPr sz="2000"/>
+            </a:lvl4pPr>
+            <a:lvl5pPr marL="1828800" indent="0">
+              <a:buNone/>
+              <a:defRPr sz="2000"/>
+            </a:lvl5pPr>
+            <a:lvl6pPr marL="2286000" indent="0">
+              <a:buNone/>
+              <a:defRPr sz="2000"/>
+            </a:lvl6pPr>
+            <a:lvl7pPr marL="2743200" indent="0">
+              <a:buNone/>
+              <a:defRPr sz="2000"/>
+            </a:lvl7pPr>
+            <a:lvl8pPr marL="3200400" indent="0">
+              <a:buNone/>
+              <a:defRPr sz="2000"/>
+            </a:lvl8pPr>
+            <a:lvl9pPr marL="3657600" indent="0">
+              <a:buNone/>
+              <a:defRPr sz="2000"/>
+            </a:lvl9pPr>
+          </a:lstStyle>
+          <a:p>
+            <a:r>
+              <a:rPr lang="en-US" smtClean="0"/>
+              <a:t>Click icon to add picture</a:t>
+            </a:r>
+            <a:endParaRPr lang="en-US" dirty="0"/>
+          </a:p>
+        </p:txBody>
+      </p:sp>
+      <p:sp>
+        <p:nvSpPr>
+          <p:cNvPr id="4" name="Text Placeholder 3"/>
+          <p:cNvSpPr>
+            <a:spLocks noGrp="1"/>
+          </p:cNvSpPr>
+          <p:nvPr>
+            <p:ph type="body" sz="half" idx="2"/>
+          </p:nvPr>
+        </p:nvSpPr>
+        <p:spPr>
+          <a:xfrm>
+            <a:off x="594360" y="5516716"/>
+            <a:ext cx="7955280" cy="746924"/>
+          </a:xfrm>
+        </p:spPr>
+        <p:txBody>
+          <a:bodyPr/>
+          <a:lstStyle>
+            <a:lvl1pPr marL="0" indent="0" algn="l">
+              <a:buNone/>
+              <a:defRPr sz="1600"/>
+            </a:lvl1pPr>
+            <a:lvl2pPr marL="457200" indent="0">
+              <a:buNone/>
+              <a:defRPr sz="1400"/>
+            </a:lvl2pPr>
+            <a:lvl3pPr marL="914400" indent="0">
+              <a:buNone/>
+              <a:defRPr sz="1200"/>
+            </a:lvl3pPr>
+            <a:lvl4pPr marL="1371600" indent="0">
+              <a:buNone/>
+              <a:defRPr sz="1000"/>
+            </a:lvl4pPr>
+            <a:lvl5pPr marL="1828800" indent="0">
+              <a:buNone/>
+              <a:defRPr sz="1000"/>
+            </a:lvl5pPr>
+            <a:lvl6pPr marL="2286000" indent="0">
+              <a:buNone/>
+              <a:defRPr sz="1000"/>
+            </a:lvl6pPr>
+            <a:lvl7pPr marL="2743200" indent="0">
+              <a:buNone/>
+              <a:defRPr sz="1000"/>
+            </a:lvl7pPr>
+            <a:lvl8pPr marL="3200400" indent="0">
+              <a:buNone/>
+              <a:defRPr sz="1000"/>
+            </a:lvl8pPr>
+            <a:lvl9pPr marL="3657600" indent="0">
+              <a:buNone/>
+              <a:defRPr sz="1000"/>
+            </a:lvl9pPr>
+          </a:lstStyle>
+          <a:p>
+            <a:pPr lvl="0"/>
+            <a:r>
+              <a:rPr lang="en-US" smtClean="0"/>
+              <a:t>Click to edit Master text styles</a:t>
+            </a:r>
+          </a:p>
+        </p:txBody>
+      </p:sp>
+      <p:sp>
+        <p:nvSpPr>
+          <p:cNvPr id="5" name="Date Placeholder 4"/>
+          <p:cNvSpPr>
+            <a:spLocks noGrp="1"/>
+          </p:cNvSpPr>
+          <p:nvPr>
+            <p:ph type="dt" sz="half" idx="10"/>
+          </p:nvPr>
+        </p:nvSpPr>
+        <p:spPr/>
+        <p:txBody>
+          <a:bodyPr/>
+          <a:lstStyle/>
+          <a:p>
+            <a:fld id="{4A88F55E-F3C8-451A-88F1-3CC070D1BD1A}" type="datetimeFigureOut">
+              <a:rPr lang="en-US" smtClean="0"/>
+              <a:t>10/5/2016</a:t>
+            </a:fld>
+            <a:endParaRPr lang="en-US"/>
+          </a:p>
+        </p:txBody>
+      </p:sp>
+      <p:sp>
+        <p:nvSpPr>
+          <p:cNvPr id="6" name="Footer Placeholder 5"/>
+          <p:cNvSpPr>
+            <a:spLocks noGrp="1"/>
+          </p:cNvSpPr>
+          <p:nvPr>
+            <p:ph type="ftr" sz="quarter" idx="11"/>
+          </p:nvPr>
+        </p:nvSpPr>
+        <p:spPr/>
+        <p:txBody>
+          <a:bodyPr/>
+          <a:lstStyle/>
+          <a:p>
+            <a:endParaRPr lang="en-US"/>
+          </a:p>
+        </p:txBody>
+      </p:sp>
+      <p:sp>
+        <p:nvSpPr>
+          <p:cNvPr id="7" name="Slide Number Placeholder 6"/>
+          <p:cNvSpPr>
+            <a:spLocks noGrp="1"/>
+          </p:cNvSpPr>
+          <p:nvPr>
+            <p:ph type="sldNum" sz="quarter" idx="12"/>
+          </p:nvPr>
+        </p:nvSpPr>
+        <p:spPr/>
+        <p:txBody>
+          <a:bodyPr/>
+          <a:lstStyle/>
+          <a:p>
+            <a:fld id="{ECBC0D16-44B3-4B8F-B172-164D143D4BA2}" type="slidenum">
+              <a:rPr lang="en-US" smtClean="0"/>
+              <a:t>‹#›</a:t>
+            </a:fld>
+            <a:endParaRPr lang="en-US"/>
+          </a:p>
+        </p:txBody>
+      </p:sp>
+    </p:spTree>
+    <p:extLst>
+      <p:ext uri="{BB962C8B-B14F-4D97-AF65-F5344CB8AC3E}">
+        <p14:creationId xmlns:p14="http://schemas.microsoft.com/office/powerpoint/2010/main" val="2266532280"/>
+      </p:ext>
+    </p:extLst>
+  </p:cSld>
+  <p:clrMapOvr>
+    <a:masterClrMapping/>
+  </p:clrMapOvr>
+</p:sldLayout>
+</file>
+
+<file path=ppt/slideLayouts/slideLayout11.xml><?xml version="1.0" encoding="utf-8"?>
+<p:sldLayout xmlns:a="http://schemas.openxmlformats.org/drawingml/2006/main" xmlns:r="http://schemas.openxmlformats.org/officeDocument/2006/relationships" xmlns:p="http://schemas.openxmlformats.org/presentationml/2006/main" showMasterSp="0" preserve="1">
+  <p:cSld name="Title and Caption">
+    <p:spTree>
+      <p:nvGrpSpPr>
+        <p:cNvPr id="1" name=""/>
+        <p:cNvGrpSpPr/>
+        <p:nvPr/>
+      </p:nvGrpSpPr>
+      <p:grpSpPr>
+        <a:xfrm>
+          <a:off x="0" y="0"/>
+          <a:ext cx="0" cy="0"/>
+          <a:chOff x="0" y="0"/>
+          <a:chExt cx="0" cy="0"/>
+        </a:xfrm>
+      </p:grpSpPr>
+      <p:pic>
+        <p:nvPicPr>
+          <p:cNvPr id="9" name="Picture 8" descr="C0-HD-BTM.png"/>
+          <p:cNvPicPr>
+            <a:picLocks noChangeAspect="1"/>
+          </p:cNvPicPr>
+          <p:nvPr/>
+        </p:nvPicPr>
+        <p:blipFill>
+          <a:blip r:embed="rId2">
+            <a:extLst>
+              <a:ext uri="{28A0092B-C50C-407E-A947-70E740481C1C}">
+                <a14:useLocalDpi xmlns:a14="http://schemas.microsoft.com/office/drawing/2010/main" val="0"/>
+              </a:ext>
+            </a:extLst>
+          </a:blip>
+          <a:stretch>
+            <a:fillRect/>
+          </a:stretch>
+        </p:blipFill>
+        <p:spPr>
+          <a:xfrm>
+            <a:off x="0" y="4995862"/>
+            <a:ext cx="9144000" cy="1862138"/>
+          </a:xfrm>
+          <a:prstGeom prst="rect">
+            <a:avLst/>
+          </a:prstGeom>
+        </p:spPr>
+      </p:pic>
+      <p:sp>
+        <p:nvSpPr>
+          <p:cNvPr id="2" name="Title 1"/>
+          <p:cNvSpPr>
+            <a:spLocks noGrp="1"/>
+          </p:cNvSpPr>
+          <p:nvPr>
+            <p:ph type="title"/>
+          </p:nvPr>
+        </p:nvSpPr>
+        <p:spPr>
+          <a:xfrm>
+            <a:off x="594360" y="753533"/>
+            <a:ext cx="7955280" cy="2802467"/>
+          </a:xfrm>
+        </p:spPr>
+        <p:txBody>
+          <a:bodyPr anchor="ctr"/>
+          <a:lstStyle>
+            <a:lvl1pPr algn="l">
+              <a:defRPr sz="3200"/>
+            </a:lvl1pPr>
+          </a:lstStyle>
+          <a:p>
+            <a:r>
+              <a:rPr lang="en-US" smtClean="0"/>
+              <a:t>Click to edit Master title style</a:t>
+            </a:r>
+            <a:endParaRPr lang="en-US" dirty="0"/>
+          </a:p>
+        </p:txBody>
+      </p:sp>
+      <p:sp>
+        <p:nvSpPr>
+          <p:cNvPr id="4" name="Text Placeholder 3"/>
+          <p:cNvSpPr>
+            <a:spLocks noGrp="1"/>
+          </p:cNvSpPr>
+          <p:nvPr>
+            <p:ph type="body" sz="half" idx="2"/>
+          </p:nvPr>
+        </p:nvSpPr>
+        <p:spPr>
+          <a:xfrm>
+            <a:off x="685800" y="3649134"/>
+            <a:ext cx="7772400" cy="1330852"/>
+          </a:xfrm>
+        </p:spPr>
+        <p:txBody>
+          <a:bodyPr anchor="ctr"/>
+          <a:lstStyle>
+            <a:lvl1pPr marL="0" indent="0">
+              <a:buNone/>
+              <a:defRPr sz="1600"/>
+            </a:lvl1pPr>
+            <a:lvl2pPr marL="457200" indent="0">
+              <a:buNone/>
+              <a:defRPr sz="1400"/>
+            </a:lvl2pPr>
+            <a:lvl3pPr marL="914400" indent="0">
+              <a:buNone/>
+              <a:defRPr sz="1200"/>
+            </a:lvl3pPr>
+            <a:lvl4pPr marL="1371600" indent="0">
+              <a:buNone/>
+              <a:defRPr sz="1000"/>
+            </a:lvl4pPr>
+            <a:lvl5pPr marL="1828800" indent="0">
+              <a:buNone/>
+              <a:defRPr sz="1000"/>
+            </a:lvl5pPr>
+            <a:lvl6pPr marL="2286000" indent="0">
+              <a:buNone/>
+              <a:defRPr sz="1000"/>
+            </a:lvl6pPr>
+            <a:lvl7pPr marL="2743200" indent="0">
+              <a:buNone/>
+              <a:defRPr sz="1000"/>
+            </a:lvl7pPr>
+            <a:lvl8pPr marL="3200400" indent="0">
+              <a:buNone/>
+              <a:defRPr sz="1000"/>
+            </a:lvl8pPr>
+            <a:lvl9pPr marL="3657600" indent="0">
+              <a:buNone/>
+              <a:defRPr sz="1000"/>
+            </a:lvl9pPr>
+          </a:lstStyle>
+          <a:p>
+            <a:pPr lvl="0"/>
+            <a:r>
+              <a:rPr lang="en-US" smtClean="0"/>
+              <a:t>Click to edit Master text styles</a:t>
+            </a:r>
+          </a:p>
+        </p:txBody>
+      </p:sp>
+      <p:sp>
+        <p:nvSpPr>
+          <p:cNvPr id="5" name="Date Placeholder 4"/>
+          <p:cNvSpPr>
+            <a:spLocks noGrp="1"/>
+          </p:cNvSpPr>
+          <p:nvPr>
+            <p:ph type="dt" sz="half" idx="10"/>
+          </p:nvPr>
+        </p:nvSpPr>
+        <p:spPr>
+          <a:xfrm>
+            <a:off x="5562176" y="381001"/>
+            <a:ext cx="2183130" cy="365125"/>
+          </a:xfrm>
+        </p:spPr>
+        <p:txBody>
+          <a:bodyPr/>
+          <a:lstStyle>
+            <a:lvl1pPr algn="r">
+              <a:defRPr/>
+            </a:lvl1pPr>
+          </a:lstStyle>
+          <a:p>
+            <a:fld id="{4A88F55E-F3C8-451A-88F1-3CC070D1BD1A}" type="datetimeFigureOut">
+              <a:rPr lang="en-US" smtClean="0"/>
+              <a:t>10/5/2016</a:t>
+            </a:fld>
+            <a:endParaRPr lang="en-US"/>
+          </a:p>
+        </p:txBody>
+      </p:sp>
+      <p:sp>
+        <p:nvSpPr>
+          <p:cNvPr id="6" name="Footer Placeholder 5"/>
+          <p:cNvSpPr>
+            <a:spLocks noGrp="1"/>
+          </p:cNvSpPr>
+          <p:nvPr>
+            <p:ph type="ftr" sz="quarter" idx="11"/>
+          </p:nvPr>
+        </p:nvSpPr>
+        <p:spPr>
+          <a:xfrm>
+            <a:off x="594360" y="381001"/>
+            <a:ext cx="4830656" cy="365125"/>
+          </a:xfrm>
+        </p:spPr>
+        <p:txBody>
+          <a:bodyPr/>
+          <a:lstStyle/>
+          <a:p>
+            <a:endParaRPr lang="en-US"/>
+          </a:p>
+        </p:txBody>
+      </p:sp>
+      <p:sp>
+        <p:nvSpPr>
+          <p:cNvPr id="7" name="Slide Number Placeholder 6"/>
+          <p:cNvSpPr>
+            <a:spLocks noGrp="1"/>
+          </p:cNvSpPr>
+          <p:nvPr>
+            <p:ph type="sldNum" sz="quarter" idx="12"/>
+          </p:nvPr>
+        </p:nvSpPr>
+        <p:spPr>
+          <a:xfrm>
+            <a:off x="7882466" y="381001"/>
+            <a:ext cx="667174" cy="365125"/>
+          </a:xfrm>
+        </p:spPr>
+        <p:txBody>
+          <a:bodyPr/>
+          <a:lstStyle/>
+          <a:p>
+            <a:fld id="{ECBC0D16-44B3-4B8F-B172-164D143D4BA2}" type="slidenum">
+              <a:rPr lang="en-US" smtClean="0"/>
+              <a:t>‹#›</a:t>
+            </a:fld>
+            <a:endParaRPr lang="en-US"/>
+          </a:p>
+        </p:txBody>
+      </p:sp>
+    </p:spTree>
+    <p:extLst>
+      <p:ext uri="{BB962C8B-B14F-4D97-AF65-F5344CB8AC3E}">
+        <p14:creationId xmlns:p14="http://schemas.microsoft.com/office/powerpoint/2010/main" val="2109055193"/>
+      </p:ext>
+    </p:extLst>
+  </p:cSld>
+  <p:clrMapOvr>
+    <a:masterClrMapping/>
+  </p:clrMapOvr>
+</p:sldLayout>
+</file>
+
+<file path=ppt/slideLayouts/slideLayout12.xml><?xml version="1.0" encoding="utf-8"?>
+<p:sldLayout xmlns:a="http://schemas.openxmlformats.org/drawingml/2006/main" xmlns:r="http://schemas.openxmlformats.org/officeDocument/2006/relationships" xmlns:p="http://schemas.openxmlformats.org/presentationml/2006/main" showMasterSp="0" preserve="1">
+  <p:cSld name="Quote with Caption">
+    <p:spTree>
+      <p:nvGrpSpPr>
+        <p:cNvPr id="1" name=""/>
+        <p:cNvGrpSpPr/>
+        <p:nvPr/>
+      </p:nvGrpSpPr>
+      <p:grpSpPr>
+        <a:xfrm>
+          <a:off x="0" y="0"/>
+          <a:ext cx="0" cy="0"/>
+          <a:chOff x="0" y="0"/>
+          <a:chExt cx="0" cy="0"/>
+        </a:xfrm>
+      </p:grpSpPr>
+      <p:pic>
+        <p:nvPicPr>
+          <p:cNvPr id="11" name="Picture 10" descr="C0-HD-BTM.png"/>
+          <p:cNvPicPr>
+            <a:picLocks noChangeAspect="1"/>
+          </p:cNvPicPr>
+          <p:nvPr/>
+        </p:nvPicPr>
+        <p:blipFill>
+          <a:blip r:embed="rId2">
+            <a:extLst>
+              <a:ext uri="{28A0092B-C50C-407E-A947-70E740481C1C}">
+                <a14:useLocalDpi xmlns:a14="http://schemas.microsoft.com/office/drawing/2010/main" val="0"/>
+              </a:ext>
+            </a:extLst>
+          </a:blip>
+          <a:stretch>
+            <a:fillRect/>
+          </a:stretch>
+        </p:blipFill>
+        <p:spPr>
+          <a:xfrm>
+            <a:off x="0" y="4995862"/>
+            <a:ext cx="9144000" cy="1862138"/>
+          </a:xfrm>
+          <a:prstGeom prst="rect">
+            <a:avLst/>
+          </a:prstGeom>
+        </p:spPr>
+      </p:pic>
+      <p:sp>
+        <p:nvSpPr>
+          <p:cNvPr id="2" name="Title 1"/>
+          <p:cNvSpPr>
+            <a:spLocks noGrp="1"/>
+          </p:cNvSpPr>
+          <p:nvPr>
+            <p:ph type="title"/>
+          </p:nvPr>
+        </p:nvSpPr>
+        <p:spPr>
+          <a:xfrm>
+            <a:off x="768351" y="753534"/>
+            <a:ext cx="7613650" cy="2756234"/>
+          </a:xfrm>
+        </p:spPr>
+        <p:txBody>
+          <a:bodyPr anchor="ctr"/>
+          <a:lstStyle>
+            <a:lvl1pPr algn="l">
+              <a:defRPr sz="3200"/>
+            </a:lvl1pPr>
+          </a:lstStyle>
+          <a:p>
+            <a:r>
+              <a:rPr lang="en-US" smtClean="0"/>
+              <a:t>Click to edit Master title style</a:t>
+            </a:r>
+            <a:endParaRPr lang="en-US" dirty="0"/>
+          </a:p>
+        </p:txBody>
+      </p:sp>
+      <p:sp>
+        <p:nvSpPr>
+          <p:cNvPr id="12" name="Text Placeholder 3"/>
+          <p:cNvSpPr>
+            <a:spLocks noGrp="1"/>
+          </p:cNvSpPr>
+          <p:nvPr>
+            <p:ph type="body" sz="half" idx="13"/>
+          </p:nvPr>
+        </p:nvSpPr>
+        <p:spPr>
+          <a:xfrm>
+            <a:off x="977899" y="3509768"/>
+            <a:ext cx="7194552" cy="444443"/>
+          </a:xfrm>
+        </p:spPr>
+        <p:txBody>
+          <a:bodyPr anchor="t">
+            <a:normAutofit/>
+          </a:bodyPr>
+          <a:lstStyle>
+            <a:lvl1pPr marL="0" indent="0">
+              <a:buNone/>
+              <a:defRPr sz="1400"/>
+            </a:lvl1pPr>
+            <a:lvl2pPr marL="457200" indent="0">
+              <a:buNone/>
+              <a:defRPr sz="1400"/>
+            </a:lvl2pPr>
+            <a:lvl3pPr marL="914400" indent="0">
+              <a:buNone/>
+              <a:defRPr sz="1200"/>
+            </a:lvl3pPr>
+            <a:lvl4pPr marL="1371600" indent="0">
+              <a:buNone/>
+              <a:defRPr sz="1000"/>
+            </a:lvl4pPr>
+            <a:lvl5pPr marL="1828800" indent="0">
+              <a:buNone/>
+              <a:defRPr sz="1000"/>
+            </a:lvl5pPr>
+            <a:lvl6pPr marL="2286000" indent="0">
+              <a:buNone/>
+              <a:defRPr sz="1000"/>
+            </a:lvl6pPr>
+            <a:lvl7pPr marL="2743200" indent="0">
+              <a:buNone/>
+              <a:defRPr sz="1000"/>
+            </a:lvl7pPr>
+            <a:lvl8pPr marL="3200400" indent="0">
+              <a:buNone/>
+              <a:defRPr sz="1000"/>
+            </a:lvl8pPr>
+            <a:lvl9pPr marL="3657600" indent="0">
+              <a:buNone/>
+              <a:defRPr sz="1000"/>
+            </a:lvl9pPr>
+          </a:lstStyle>
+          <a:p>
+            <a:pPr lvl="0"/>
+            <a:r>
+              <a:rPr lang="en-US" smtClean="0"/>
+              <a:t>Click to edit Master text styles</a:t>
+            </a:r>
+          </a:p>
+        </p:txBody>
+      </p:sp>
+      <p:sp>
+        <p:nvSpPr>
+          <p:cNvPr id="4" name="Text Placeholder 3"/>
+          <p:cNvSpPr>
+            <a:spLocks noGrp="1"/>
+          </p:cNvSpPr>
+          <p:nvPr>
+            <p:ph type="body" sz="half" idx="2"/>
+          </p:nvPr>
+        </p:nvSpPr>
+        <p:spPr>
+          <a:xfrm>
+            <a:off x="685800" y="4174597"/>
+            <a:ext cx="7778752" cy="821265"/>
+          </a:xfrm>
+        </p:spPr>
+        <p:txBody>
+          <a:bodyPr anchor="ctr">
+            <a:normAutofit/>
+          </a:bodyPr>
+          <a:lstStyle>
+            <a:lvl1pPr marL="0" indent="0">
+              <a:buNone/>
+              <a:defRPr sz="1600"/>
+            </a:lvl1pPr>
+            <a:lvl2pPr marL="457200" indent="0">
+              <a:buNone/>
+              <a:defRPr sz="1400"/>
+            </a:lvl2pPr>
+            <a:lvl3pPr marL="914400" indent="0">
+              <a:buNone/>
+              <a:defRPr sz="1200"/>
+            </a:lvl3pPr>
+            <a:lvl4pPr marL="1371600" indent="0">
+              <a:buNone/>
+              <a:defRPr sz="1000"/>
+            </a:lvl4pPr>
+            <a:lvl5pPr marL="1828800" indent="0">
+              <a:buNone/>
+              <a:defRPr sz="1000"/>
+            </a:lvl5pPr>
+            <a:lvl6pPr marL="2286000" indent="0">
+              <a:buNone/>
+              <a:defRPr sz="1000"/>
+            </a:lvl6pPr>
+            <a:lvl7pPr marL="2743200" indent="0">
+              <a:buNone/>
+              <a:defRPr sz="1000"/>
+            </a:lvl7pPr>
+            <a:lvl8pPr marL="3200400" indent="0">
+              <a:buNone/>
+              <a:defRPr sz="1000"/>
+            </a:lvl8pPr>
+            <a:lvl9pPr marL="3657600" indent="0">
+              <a:buNone/>
+              <a:defRPr sz="1000"/>
+            </a:lvl9pPr>
+          </a:lstStyle>
+          <a:p>
+            <a:pPr lvl="0"/>
+            <a:r>
+              <a:rPr lang="en-US" smtClean="0"/>
+              <a:t>Click to edit Master text styles</a:t>
+            </a:r>
+          </a:p>
+        </p:txBody>
+      </p:sp>
+      <p:sp>
+        <p:nvSpPr>
+          <p:cNvPr id="5" name="Date Placeholder 4"/>
+          <p:cNvSpPr>
+            <a:spLocks noGrp="1"/>
+          </p:cNvSpPr>
+          <p:nvPr>
+            <p:ph type="dt" sz="half" idx="10"/>
+          </p:nvPr>
+        </p:nvSpPr>
+        <p:spPr>
+          <a:xfrm>
+            <a:off x="5562176" y="381001"/>
+            <a:ext cx="2183130" cy="365125"/>
+          </a:xfrm>
+        </p:spPr>
+        <p:txBody>
+          <a:bodyPr/>
+          <a:lstStyle>
+            <a:lvl1pPr algn="r">
+              <a:defRPr/>
+            </a:lvl1pPr>
+          </a:lstStyle>
+          <a:p>
+            <a:fld id="{4A88F55E-F3C8-451A-88F1-3CC070D1BD1A}" type="datetimeFigureOut">
+              <a:rPr lang="en-US" smtClean="0"/>
+              <a:t>10/5/2016</a:t>
+            </a:fld>
+            <a:endParaRPr lang="en-US"/>
+          </a:p>
+        </p:txBody>
+      </p:sp>
+      <p:sp>
+        <p:nvSpPr>
+          <p:cNvPr id="6" name="Footer Placeholder 5"/>
+          <p:cNvSpPr>
+            <a:spLocks noGrp="1"/>
+          </p:cNvSpPr>
+          <p:nvPr>
+            <p:ph type="ftr" sz="quarter" idx="11"/>
+          </p:nvPr>
+        </p:nvSpPr>
+        <p:spPr>
+          <a:xfrm>
+            <a:off x="594360" y="379438"/>
+            <a:ext cx="4830656" cy="365125"/>
+          </a:xfrm>
+        </p:spPr>
+        <p:txBody>
+          <a:bodyPr/>
+          <a:lstStyle/>
+          <a:p>
+            <a:endParaRPr lang="en-US"/>
+          </a:p>
+        </p:txBody>
+      </p:sp>
+      <p:sp>
+        <p:nvSpPr>
+          <p:cNvPr id="7" name="Slide Number Placeholder 6"/>
+          <p:cNvSpPr>
+            <a:spLocks noGrp="1"/>
+          </p:cNvSpPr>
+          <p:nvPr>
+            <p:ph type="sldNum" sz="quarter" idx="12"/>
+          </p:nvPr>
+        </p:nvSpPr>
+        <p:spPr>
+          <a:xfrm>
+            <a:off x="7882466" y="381001"/>
+            <a:ext cx="667174" cy="365125"/>
+          </a:xfrm>
+        </p:spPr>
+        <p:txBody>
+          <a:bodyPr/>
+          <a:lstStyle/>
+          <a:p>
+            <a:fld id="{ECBC0D16-44B3-4B8F-B172-164D143D4BA2}" type="slidenum">
+              <a:rPr lang="en-US" smtClean="0"/>
+              <a:t>‹#›</a:t>
+            </a:fld>
+            <a:endParaRPr lang="en-US"/>
+          </a:p>
+        </p:txBody>
+      </p:sp>
+      <p:sp>
+        <p:nvSpPr>
+          <p:cNvPr id="13" name="TextBox 12"/>
+          <p:cNvSpPr txBox="1"/>
+          <p:nvPr/>
+        </p:nvSpPr>
+        <p:spPr>
+          <a:xfrm>
+            <a:off x="231458" y="807720"/>
+            <a:ext cx="457200" cy="584776"/>
+          </a:xfrm>
+          <a:prstGeom prst="rect">
+            <a:avLst/>
+          </a:prstGeom>
+        </p:spPr>
+        <p:txBody>
+          <a:bodyPr vert="horz" lIns="91440" tIns="45720" rIns="91440" bIns="45720" rtlCol="0" anchor="ctr">
+            <a:noAutofit/>
+          </a:bodyPr>
+          <a:lstStyle>
+            <a:lvl1pPr>
+              <a:spcBef>
+                <a:spcPct val="0"/>
+              </a:spcBef>
+              <a:buNone/>
+              <a:defRPr sz="3200" b="0" cap="all">
+                <a:ln w="3175" cmpd="sng">
+                  <a:noFill/>
+                </a:ln>
+                <a:effectLst>
+                  <a:glow rad="38100">
+                    <a:schemeClr val="bg1">
+                      <a:lumMod val="65000"/>
+                      <a:lumOff val="35000"/>
+                      <a:alpha val="40000"/>
+                    </a:schemeClr>
+                  </a:glow>
+                  <a:outerShdw blurRad="28575" dist="38100" dir="14040000" algn="tl" rotWithShape="0">
+                    <a:srgbClr val="000000">
+                      <a:alpha val="25000"/>
+                    </a:srgbClr>
+                  </a:outerShdw>
+                </a:effectLst>
+              </a:defRPr>
+            </a:lvl1pPr>
+            <a:lvl2pPr>
+              <a:defRPr>
+                <a:solidFill>
+                  <a:schemeClr val="tx2"/>
+                </a:solidFill>
+              </a:defRPr>
+            </a:lvl2pPr>
+            <a:lvl3pPr>
+              <a:defRPr>
+                <a:solidFill>
+                  <a:schemeClr val="tx2"/>
+                </a:solidFill>
+              </a:defRPr>
+            </a:lvl3pPr>
+            <a:lvl4pPr>
+              <a:defRPr>
+                <a:solidFill>
+                  <a:schemeClr val="tx2"/>
+                </a:solidFill>
+              </a:defRPr>
+            </a:lvl4pPr>
+            <a:lvl5pPr>
+              <a:defRPr>
+                <a:solidFill>
+                  <a:schemeClr val="tx2"/>
+                </a:solidFill>
+              </a:defRPr>
+            </a:lvl5pPr>
+            <a:lvl6pPr>
+              <a:defRPr>
+                <a:solidFill>
+                  <a:schemeClr val="tx2"/>
+                </a:solidFill>
+              </a:defRPr>
+            </a:lvl6pPr>
+            <a:lvl7pPr>
+              <a:defRPr>
+                <a:solidFill>
+                  <a:schemeClr val="tx2"/>
+                </a:solidFill>
+              </a:defRPr>
+            </a:lvl7pPr>
+            <a:lvl8pPr>
+              <a:defRPr>
+                <a:solidFill>
+                  <a:schemeClr val="tx2"/>
+                </a:solidFill>
+              </a:defRPr>
+            </a:lvl8pPr>
+            <a:lvl9pPr>
+              <a:defRPr>
+                <a:solidFill>
+                  <a:schemeClr val="tx2"/>
+                </a:solidFill>
+              </a:defRPr>
+            </a:lvl9pPr>
+          </a:lstStyle>
+          <a:p>
+            <a:pPr lvl="0"/>
+            <a:r>
+              <a:rPr lang="en-US" sz="8000" dirty="0">
+                <a:solidFill>
+                  <a:schemeClr val="tx1"/>
+                </a:solidFill>
+                <a:effectLst/>
+              </a:rPr>
+              <a:t>“</a:t>
+            </a:r>
+          </a:p>
+        </p:txBody>
+      </p:sp>
+      <p:sp>
+        <p:nvSpPr>
+          <p:cNvPr id="14" name="TextBox 13"/>
+          <p:cNvSpPr txBox="1"/>
+          <p:nvPr/>
+        </p:nvSpPr>
+        <p:spPr>
+          <a:xfrm>
+            <a:off x="8146733" y="3021330"/>
+            <a:ext cx="457200" cy="584776"/>
+          </a:xfrm>
+          <a:prstGeom prst="rect">
+            <a:avLst/>
+          </a:prstGeom>
+        </p:spPr>
+        <p:txBody>
+          <a:bodyPr vert="horz" lIns="91440" tIns="45720" rIns="91440" bIns="45720" rtlCol="0" anchor="ctr">
+            <a:noAutofit/>
+          </a:bodyPr>
+          <a:lstStyle>
+            <a:lvl1pPr>
+              <a:spcBef>
+                <a:spcPct val="0"/>
+              </a:spcBef>
+              <a:buNone/>
+              <a:defRPr sz="3200" b="0" cap="all">
+                <a:ln w="3175" cmpd="sng">
+                  <a:noFill/>
+                </a:ln>
+                <a:effectLst>
+                  <a:glow rad="38100">
+                    <a:schemeClr val="bg1">
+                      <a:lumMod val="65000"/>
+                      <a:lumOff val="35000"/>
+                      <a:alpha val="40000"/>
+                    </a:schemeClr>
+                  </a:glow>
+                  <a:outerShdw blurRad="28575" dist="38100" dir="14040000" algn="tl" rotWithShape="0">
+                    <a:srgbClr val="000000">
+                      <a:alpha val="25000"/>
+                    </a:srgbClr>
+                  </a:outerShdw>
+                </a:effectLst>
+              </a:defRPr>
+            </a:lvl1pPr>
+            <a:lvl2pPr>
+              <a:defRPr>
+                <a:solidFill>
+                  <a:schemeClr val="tx2"/>
+                </a:solidFill>
+              </a:defRPr>
+            </a:lvl2pPr>
+            <a:lvl3pPr>
+              <a:defRPr>
+                <a:solidFill>
+                  <a:schemeClr val="tx2"/>
+                </a:solidFill>
+              </a:defRPr>
+            </a:lvl3pPr>
+            <a:lvl4pPr>
+              <a:defRPr>
+                <a:solidFill>
+                  <a:schemeClr val="tx2"/>
+                </a:solidFill>
+              </a:defRPr>
+            </a:lvl4pPr>
+            <a:lvl5pPr>
+              <a:defRPr>
+                <a:solidFill>
+                  <a:schemeClr val="tx2"/>
+                </a:solidFill>
+              </a:defRPr>
+            </a:lvl5pPr>
+            <a:lvl6pPr>
+              <a:defRPr>
+                <a:solidFill>
+                  <a:schemeClr val="tx2"/>
+                </a:solidFill>
+              </a:defRPr>
+            </a:lvl6pPr>
+            <a:lvl7pPr>
+              <a:defRPr>
+                <a:solidFill>
+                  <a:schemeClr val="tx2"/>
+                </a:solidFill>
+              </a:defRPr>
+            </a:lvl7pPr>
+            <a:lvl8pPr>
+              <a:defRPr>
+                <a:solidFill>
+                  <a:schemeClr val="tx2"/>
+                </a:solidFill>
+              </a:defRPr>
+            </a:lvl8pPr>
+            <a:lvl9pPr>
+              <a:defRPr>
+                <a:solidFill>
+                  <a:schemeClr val="tx2"/>
+                </a:solidFill>
+              </a:defRPr>
+            </a:lvl9pPr>
+          </a:lstStyle>
+          <a:p>
+            <a:pPr lvl="0" algn="r"/>
+            <a:r>
+              <a:rPr lang="en-US" sz="8000" dirty="0">
+                <a:solidFill>
+                  <a:schemeClr val="tx1"/>
+                </a:solidFill>
+                <a:effectLst/>
+              </a:rPr>
+              <a:t>”</a:t>
+            </a:r>
+          </a:p>
+        </p:txBody>
+      </p:sp>
+    </p:spTree>
+    <p:extLst>
+      <p:ext uri="{BB962C8B-B14F-4D97-AF65-F5344CB8AC3E}">
+        <p14:creationId xmlns:p14="http://schemas.microsoft.com/office/powerpoint/2010/main" val="1095768330"/>
+      </p:ext>
+    </p:extLst>
+  </p:cSld>
+  <p:clrMapOvr>
+    <a:masterClrMapping/>
+  </p:clrMapOvr>
+</p:sldLayout>
+</file>
+
+<file path=ppt/slideLayouts/slideLayout13.xml><?xml version="1.0" encoding="utf-8"?>
+<p:sldLayout xmlns:a="http://schemas.openxmlformats.org/drawingml/2006/main" xmlns:r="http://schemas.openxmlformats.org/officeDocument/2006/relationships" xmlns:p="http://schemas.openxmlformats.org/presentationml/2006/main" showMasterSp="0" preserve="1">
+  <p:cSld name="Name Card">
+    <p:spTree>
+      <p:nvGrpSpPr>
+        <p:cNvPr id="1" name=""/>
+        <p:cNvGrpSpPr/>
+        <p:nvPr/>
+      </p:nvGrpSpPr>
+      <p:grpSpPr>
+        <a:xfrm>
+          <a:off x="0" y="0"/>
+          <a:ext cx="0" cy="0"/>
+          <a:chOff x="0" y="0"/>
+          <a:chExt cx="0" cy="0"/>
+        </a:xfrm>
+      </p:grpSpPr>
+      <p:pic>
+        <p:nvPicPr>
+          <p:cNvPr id="8" name="Picture 7" descr="C0-HD-BTM.png"/>
+          <p:cNvPicPr>
+            <a:picLocks noChangeAspect="1"/>
+          </p:cNvPicPr>
+          <p:nvPr/>
+        </p:nvPicPr>
+        <p:blipFill>
+          <a:blip r:embed="rId2">
+            <a:extLst>
+              <a:ext uri="{28A0092B-C50C-407E-A947-70E740481C1C}">
+                <a14:useLocalDpi xmlns:a14="http://schemas.microsoft.com/office/drawing/2010/main" val="0"/>
+              </a:ext>
+            </a:extLst>
+          </a:blip>
+          <a:stretch>
+            <a:fillRect/>
+          </a:stretch>
+        </p:blipFill>
+        <p:spPr>
+          <a:xfrm>
+            <a:off x="0" y="4995862"/>
+            <a:ext cx="9144000" cy="1862138"/>
+          </a:xfrm>
+          <a:prstGeom prst="rect">
+            <a:avLst/>
+          </a:prstGeom>
+        </p:spPr>
+      </p:pic>
+      <p:sp>
+        <p:nvSpPr>
+          <p:cNvPr id="2" name="Title 1"/>
+          <p:cNvSpPr>
+            <a:spLocks noGrp="1"/>
+          </p:cNvSpPr>
+          <p:nvPr>
+            <p:ph type="title"/>
+          </p:nvPr>
+        </p:nvSpPr>
+        <p:spPr>
+          <a:xfrm>
+            <a:off x="685800" y="1124702"/>
+            <a:ext cx="7774782" cy="2511835"/>
+          </a:xfrm>
+        </p:spPr>
+        <p:txBody>
+          <a:bodyPr anchor="b"/>
+          <a:lstStyle>
+            <a:lvl1pPr algn="l">
+              <a:defRPr sz="3200"/>
+            </a:lvl1pPr>
+          </a:lstStyle>
+          <a:p>
+            <a:r>
+              <a:rPr lang="en-US" smtClean="0"/>
+              <a:t>Click to edit Master title style</a:t>
+            </a:r>
+            <a:endParaRPr lang="en-US" dirty="0"/>
+          </a:p>
+        </p:txBody>
+      </p:sp>
+      <p:sp>
+        <p:nvSpPr>
+          <p:cNvPr id="4" name="Text Placeholder 3"/>
+          <p:cNvSpPr>
+            <a:spLocks noGrp="1"/>
+          </p:cNvSpPr>
+          <p:nvPr>
+            <p:ph type="body" sz="half" idx="2"/>
+          </p:nvPr>
+        </p:nvSpPr>
+        <p:spPr>
+          <a:xfrm>
+            <a:off x="685792" y="3648316"/>
+            <a:ext cx="7773608" cy="999885"/>
+          </a:xfrm>
+        </p:spPr>
+        <p:txBody>
+          <a:bodyPr anchor="t"/>
+          <a:lstStyle>
+            <a:lvl1pPr marL="0" indent="0">
+              <a:buNone/>
+              <a:defRPr sz="1600"/>
+            </a:lvl1pPr>
+            <a:lvl2pPr marL="457200" indent="0">
+              <a:buNone/>
+              <a:defRPr sz="1400"/>
+            </a:lvl2pPr>
+            <a:lvl3pPr marL="914400" indent="0">
+              <a:buNone/>
+              <a:defRPr sz="1200"/>
+            </a:lvl3pPr>
+            <a:lvl4pPr marL="1371600" indent="0">
+              <a:buNone/>
+              <a:defRPr sz="1000"/>
+            </a:lvl4pPr>
+            <a:lvl5pPr marL="1828800" indent="0">
+              <a:buNone/>
+              <a:defRPr sz="1000"/>
+            </a:lvl5pPr>
+            <a:lvl6pPr marL="2286000" indent="0">
+              <a:buNone/>
+              <a:defRPr sz="1000"/>
+            </a:lvl6pPr>
+            <a:lvl7pPr marL="2743200" indent="0">
+              <a:buNone/>
+              <a:defRPr sz="1000"/>
+            </a:lvl7pPr>
+            <a:lvl8pPr marL="3200400" indent="0">
+              <a:buNone/>
+              <a:defRPr sz="1000"/>
+            </a:lvl8pPr>
+            <a:lvl9pPr marL="3657600" indent="0">
+              <a:buNone/>
+              <a:defRPr sz="1000"/>
+            </a:lvl9pPr>
+          </a:lstStyle>
+          <a:p>
+            <a:pPr lvl="0"/>
+            <a:r>
+              <a:rPr lang="en-US" smtClean="0"/>
+              <a:t>Click to edit Master text styles</a:t>
+            </a:r>
+          </a:p>
+        </p:txBody>
+      </p:sp>
+      <p:sp>
+        <p:nvSpPr>
+          <p:cNvPr id="5" name="Date Placeholder 4"/>
+          <p:cNvSpPr>
+            <a:spLocks noGrp="1"/>
+          </p:cNvSpPr>
+          <p:nvPr>
+            <p:ph type="dt" sz="half" idx="10"/>
+          </p:nvPr>
+        </p:nvSpPr>
+        <p:spPr>
+          <a:xfrm>
+            <a:off x="5562176" y="378884"/>
+            <a:ext cx="2183130" cy="365125"/>
+          </a:xfrm>
+        </p:spPr>
+        <p:txBody>
+          <a:bodyPr/>
+          <a:lstStyle>
+            <a:lvl1pPr algn="r">
+              <a:defRPr/>
+            </a:lvl1pPr>
+          </a:lstStyle>
+          <a:p>
+            <a:fld id="{4A88F55E-F3C8-451A-88F1-3CC070D1BD1A}" type="datetimeFigureOut">
+              <a:rPr lang="en-US" smtClean="0"/>
+              <a:t>10/5/2016</a:t>
+            </a:fld>
+            <a:endParaRPr lang="en-US"/>
+          </a:p>
+        </p:txBody>
+      </p:sp>
+      <p:sp>
+        <p:nvSpPr>
+          <p:cNvPr id="6" name="Footer Placeholder 5"/>
+          <p:cNvSpPr>
+            <a:spLocks noGrp="1"/>
+          </p:cNvSpPr>
+          <p:nvPr>
+            <p:ph type="ftr" sz="quarter" idx="11"/>
+          </p:nvPr>
+        </p:nvSpPr>
+        <p:spPr>
+          <a:xfrm>
+            <a:off x="594360" y="378884"/>
+            <a:ext cx="4830656" cy="365125"/>
+          </a:xfrm>
+        </p:spPr>
+        <p:txBody>
+          <a:bodyPr/>
+          <a:lstStyle/>
+          <a:p>
+            <a:endParaRPr lang="en-US"/>
+          </a:p>
+        </p:txBody>
+      </p:sp>
+      <p:sp>
+        <p:nvSpPr>
+          <p:cNvPr id="7" name="Slide Number Placeholder 6"/>
+          <p:cNvSpPr>
+            <a:spLocks noGrp="1"/>
+          </p:cNvSpPr>
+          <p:nvPr>
+            <p:ph type="sldNum" sz="quarter" idx="12"/>
+          </p:nvPr>
+        </p:nvSpPr>
+        <p:spPr>
+          <a:xfrm>
+            <a:off x="7882466" y="381001"/>
+            <a:ext cx="667174" cy="365125"/>
+          </a:xfrm>
+        </p:spPr>
+        <p:txBody>
+          <a:bodyPr/>
+          <a:lstStyle/>
+          <a:p>
+            <a:fld id="{ECBC0D16-44B3-4B8F-B172-164D143D4BA2}" type="slidenum">
+              <a:rPr lang="en-US" smtClean="0"/>
+              <a:t>‹#›</a:t>
+            </a:fld>
+            <a:endParaRPr lang="en-US"/>
+          </a:p>
+        </p:txBody>
+      </p:sp>
+    </p:spTree>
+    <p:extLst>
+      <p:ext uri="{BB962C8B-B14F-4D97-AF65-F5344CB8AC3E}">
+        <p14:creationId xmlns:p14="http://schemas.microsoft.com/office/powerpoint/2010/main" val="3158760900"/>
+      </p:ext>
+    </p:extLst>
+  </p:cSld>
+  <p:clrMapOvr>
+    <a:masterClrMapping/>
+  </p:clrMapOvr>
+</p:sldLayout>
+</file>
+
+<file path=ppt/slideLayouts/slideLayout14.xml><?xml version="1.0" encoding="utf-8"?>
+<p:sldLayout xmlns:a="http://schemas.openxmlformats.org/drawingml/2006/main" xmlns:r="http://schemas.openxmlformats.org/officeDocument/2006/relationships" xmlns:p="http://schemas.openxmlformats.org/presentationml/2006/main" preserve="1">
+  <p:cSld name="3 Column">
+    <p:spTree>
+      <p:nvGrpSpPr>
+        <p:cNvPr id="1" name=""/>
+        <p:cNvGrpSpPr/>
+        <p:nvPr/>
+      </p:nvGrpSpPr>
+      <p:grpSpPr>
+        <a:xfrm>
+          <a:off x="0" y="0"/>
+          <a:ext cx="0" cy="0"/>
+          <a:chOff x="0" y="0"/>
+          <a:chExt cx="0" cy="0"/>
+        </a:xfrm>
+      </p:grpSpPr>
+      <p:sp>
+        <p:nvSpPr>
+          <p:cNvPr id="15" name="Title 1"/>
+          <p:cNvSpPr>
+            <a:spLocks noGrp="1"/>
+          </p:cNvSpPr>
+          <p:nvPr>
+            <p:ph type="title"/>
+          </p:nvPr>
+        </p:nvSpPr>
+        <p:spPr>
+          <a:xfrm>
+            <a:off x="2171701" y="762000"/>
+            <a:ext cx="6377939" cy="1303867"/>
+          </a:xfrm>
+        </p:spPr>
+        <p:txBody>
+          <a:bodyPr/>
+          <a:lstStyle/>
+          <a:p>
+            <a:r>
+              <a:rPr lang="en-US" smtClean="0"/>
+              <a:t>Click to edit Master title style</a:t>
+            </a:r>
+            <a:endParaRPr lang="en-US" dirty="0"/>
+          </a:p>
+        </p:txBody>
+      </p:sp>
+      <p:sp>
+        <p:nvSpPr>
+          <p:cNvPr id="7" name="Text Placeholder 2"/>
+          <p:cNvSpPr>
+            <a:spLocks noGrp="1"/>
+          </p:cNvSpPr>
+          <p:nvPr>
+            <p:ph type="body" idx="1"/>
+          </p:nvPr>
+        </p:nvSpPr>
+        <p:spPr>
+          <a:xfrm>
+            <a:off x="594361" y="2202080"/>
+            <a:ext cx="2560320" cy="617320"/>
+          </a:xfrm>
+        </p:spPr>
+        <p:txBody>
+          <a:bodyPr anchor="b">
+            <a:noAutofit/>
+          </a:bodyPr>
+          <a:lstStyle>
+            <a:lvl1pPr marL="0" indent="0">
+              <a:buNone/>
+              <a:defRPr sz="2400" b="0">
+                <a:solidFill>
+                  <a:schemeClr val="tx1"/>
+                </a:solidFill>
+              </a:defRPr>
+            </a:lvl1pPr>
+            <a:lvl2pPr marL="457200" indent="0">
+              <a:buNone/>
+              <a:defRPr sz="2000" b="1"/>
+            </a:lvl2pPr>
+            <a:lvl3pPr marL="914400" indent="0">
+              <a:buNone/>
+              <a:defRPr sz="1800" b="1"/>
+            </a:lvl3pPr>
+            <a:lvl4pPr marL="1371600" indent="0">
+              <a:buNone/>
+              <a:defRPr sz="1600" b="1"/>
+            </a:lvl4pPr>
+            <a:lvl5pPr marL="1828800" indent="0">
+              <a:buNone/>
+              <a:defRPr sz="1600" b="1"/>
+            </a:lvl5pPr>
+            <a:lvl6pPr marL="2286000" indent="0">
+              <a:buNone/>
+              <a:defRPr sz="1600" b="1"/>
+            </a:lvl6pPr>
+            <a:lvl7pPr marL="2743200" indent="0">
+              <a:buNone/>
+              <a:defRPr sz="1600" b="1"/>
+            </a:lvl7pPr>
+            <a:lvl8pPr marL="3200400" indent="0">
+              <a:buNone/>
+              <a:defRPr sz="1600" b="1"/>
+            </a:lvl8pPr>
+            <a:lvl9pPr marL="3657600" indent="0">
+              <a:buNone/>
+              <a:defRPr sz="1600" b="1"/>
+            </a:lvl9pPr>
+          </a:lstStyle>
+          <a:p>
+            <a:pPr lvl="0"/>
+            <a:r>
+              <a:rPr lang="en-US" smtClean="0"/>
+              <a:t>Click to edit Master text styles</a:t>
+            </a:r>
+          </a:p>
+        </p:txBody>
+      </p:sp>
+      <p:sp>
+        <p:nvSpPr>
+          <p:cNvPr id="8" name="Text Placeholder 3"/>
+          <p:cNvSpPr>
+            <a:spLocks noGrp="1"/>
+          </p:cNvSpPr>
+          <p:nvPr>
+            <p:ph type="body" sz="half" idx="15"/>
+          </p:nvPr>
+        </p:nvSpPr>
+        <p:spPr>
+          <a:xfrm>
+            <a:off x="594360" y="2904564"/>
+            <a:ext cx="2560320" cy="3359079"/>
+          </a:xfrm>
+        </p:spPr>
+        <p:txBody>
+          <a:bodyPr anchor="t">
+            <a:normAutofit/>
+          </a:bodyPr>
+          <a:lstStyle>
+            <a:lvl1pPr marL="0" indent="0">
+              <a:buNone/>
+              <a:defRPr sz="1400"/>
+            </a:lvl1pPr>
+            <a:lvl2pPr marL="457200" indent="0">
+              <a:buNone/>
+              <a:defRPr sz="1200"/>
+            </a:lvl2pPr>
+            <a:lvl3pPr marL="914400" indent="0">
+              <a:buNone/>
+              <a:defRPr sz="1000"/>
+            </a:lvl3pPr>
+            <a:lvl4pPr marL="1371600" indent="0">
+              <a:buNone/>
+              <a:defRPr sz="900"/>
+            </a:lvl4pPr>
+            <a:lvl5pPr marL="1828800" indent="0">
+              <a:buNone/>
+              <a:defRPr sz="900"/>
+            </a:lvl5pPr>
+            <a:lvl6pPr marL="2286000" indent="0">
+              <a:buNone/>
+              <a:defRPr sz="900"/>
+            </a:lvl6pPr>
+            <a:lvl7pPr marL="2743200" indent="0">
+              <a:buNone/>
+              <a:defRPr sz="900"/>
+            </a:lvl7pPr>
+            <a:lvl8pPr marL="3200400" indent="0">
+              <a:buNone/>
+              <a:defRPr sz="900"/>
+            </a:lvl8pPr>
+            <a:lvl9pPr marL="3657600" indent="0">
+              <a:buNone/>
+              <a:defRPr sz="900"/>
+            </a:lvl9pPr>
+          </a:lstStyle>
+          <a:p>
+            <a:pPr lvl="0"/>
+            <a:r>
+              <a:rPr lang="en-US" smtClean="0"/>
+              <a:t>Click to edit Master text styles</a:t>
+            </a:r>
+          </a:p>
+        </p:txBody>
+      </p:sp>
+      <p:sp>
+        <p:nvSpPr>
+          <p:cNvPr id="9" name="Text Placeholder 4"/>
+          <p:cNvSpPr>
+            <a:spLocks noGrp="1"/>
+          </p:cNvSpPr>
+          <p:nvPr>
+            <p:ph type="body" sz="quarter" idx="3"/>
+          </p:nvPr>
+        </p:nvSpPr>
+        <p:spPr>
+          <a:xfrm>
+            <a:off x="3302237" y="2201333"/>
+            <a:ext cx="2560320" cy="626534"/>
+          </a:xfrm>
+        </p:spPr>
+        <p:txBody>
+          <a:bodyPr anchor="b">
+            <a:noAutofit/>
+          </a:bodyPr>
+          <a:lstStyle>
+            <a:lvl1pPr marL="0" indent="0">
+              <a:buNone/>
+              <a:defRPr sz="2400" b="0">
+                <a:solidFill>
+                  <a:schemeClr val="tx1"/>
+                </a:solidFill>
+              </a:defRPr>
+            </a:lvl1pPr>
+            <a:lvl2pPr marL="457200" indent="0">
+              <a:buNone/>
+              <a:defRPr sz="2000" b="1"/>
+            </a:lvl2pPr>
+            <a:lvl3pPr marL="914400" indent="0">
+              <a:buNone/>
+              <a:defRPr sz="1800" b="1"/>
+            </a:lvl3pPr>
+            <a:lvl4pPr marL="1371600" indent="0">
+              <a:buNone/>
+              <a:defRPr sz="1600" b="1"/>
+            </a:lvl4pPr>
+            <a:lvl5pPr marL="1828800" indent="0">
+              <a:buNone/>
+              <a:defRPr sz="1600" b="1"/>
+            </a:lvl5pPr>
+            <a:lvl6pPr marL="2286000" indent="0">
+              <a:buNone/>
+              <a:defRPr sz="1600" b="1"/>
+            </a:lvl6pPr>
+            <a:lvl7pPr marL="2743200" indent="0">
+              <a:buNone/>
+              <a:defRPr sz="1600" b="1"/>
+            </a:lvl7pPr>
+            <a:lvl8pPr marL="3200400" indent="0">
+              <a:buNone/>
+              <a:defRPr sz="1600" b="1"/>
+            </a:lvl8pPr>
+            <a:lvl9pPr marL="3657600" indent="0">
+              <a:buNone/>
+              <a:defRPr sz="1600" b="1"/>
+            </a:lvl9pPr>
+          </a:lstStyle>
+          <a:p>
+            <a:pPr lvl="0"/>
+            <a:r>
+              <a:rPr lang="en-US" smtClean="0"/>
+              <a:t>Click to edit Master text styles</a:t>
+            </a:r>
+          </a:p>
+        </p:txBody>
+      </p:sp>
+      <p:sp>
+        <p:nvSpPr>
+          <p:cNvPr id="10" name="Text Placeholder 3"/>
+          <p:cNvSpPr>
+            <a:spLocks noGrp="1"/>
+          </p:cNvSpPr>
+          <p:nvPr>
+            <p:ph type="body" sz="half" idx="16"/>
+          </p:nvPr>
+        </p:nvSpPr>
+        <p:spPr>
+          <a:xfrm>
+            <a:off x="3300781" y="2904068"/>
+            <a:ext cx="2560320" cy="3359572"/>
+          </a:xfrm>
+        </p:spPr>
+        <p:txBody>
+          <a:bodyPr anchor="t">
+            <a:normAutofit/>
+          </a:bodyPr>
+          <a:lstStyle>
+            <a:lvl1pPr marL="0" indent="0">
+              <a:buNone/>
+              <a:defRPr sz="1400"/>
+            </a:lvl1pPr>
+            <a:lvl2pPr marL="457200" indent="0">
+              <a:buNone/>
+              <a:defRPr sz="1200"/>
+            </a:lvl2pPr>
+            <a:lvl3pPr marL="914400" indent="0">
+              <a:buNone/>
+              <a:defRPr sz="1000"/>
+            </a:lvl3pPr>
+            <a:lvl4pPr marL="1371600" indent="0">
+              <a:buNone/>
+              <a:defRPr sz="900"/>
+            </a:lvl4pPr>
+            <a:lvl5pPr marL="1828800" indent="0">
+              <a:buNone/>
+              <a:defRPr sz="900"/>
+            </a:lvl5pPr>
+            <a:lvl6pPr marL="2286000" indent="0">
+              <a:buNone/>
+              <a:defRPr sz="900"/>
+            </a:lvl6pPr>
+            <a:lvl7pPr marL="2743200" indent="0">
+              <a:buNone/>
+              <a:defRPr sz="900"/>
+            </a:lvl7pPr>
+            <a:lvl8pPr marL="3200400" indent="0">
+              <a:buNone/>
+              <a:defRPr sz="900"/>
+            </a:lvl8pPr>
+            <a:lvl9pPr marL="3657600" indent="0">
+              <a:buNone/>
+              <a:defRPr sz="900"/>
+            </a:lvl9pPr>
+          </a:lstStyle>
+          <a:p>
+            <a:pPr lvl="0"/>
+            <a:r>
+              <a:rPr lang="en-US" smtClean="0"/>
+              <a:t>Click to edit Master text styles</a:t>
+            </a:r>
+          </a:p>
+        </p:txBody>
+      </p:sp>
+      <p:sp>
+        <p:nvSpPr>
+          <p:cNvPr id="11" name="Text Placeholder 4"/>
+          <p:cNvSpPr>
+            <a:spLocks noGrp="1"/>
+          </p:cNvSpPr>
+          <p:nvPr>
+            <p:ph type="body" sz="quarter" idx="13"/>
+          </p:nvPr>
+        </p:nvSpPr>
+        <p:spPr>
+          <a:xfrm>
+            <a:off x="5989319" y="2192866"/>
+            <a:ext cx="2560320" cy="626534"/>
+          </a:xfrm>
+        </p:spPr>
+        <p:txBody>
+          <a:bodyPr anchor="b">
+            <a:noAutofit/>
+          </a:bodyPr>
+          <a:lstStyle>
+            <a:lvl1pPr marL="0" indent="0">
+              <a:buNone/>
+              <a:defRPr sz="2400" b="0">
+                <a:solidFill>
+                  <a:schemeClr val="tx1"/>
+                </a:solidFill>
+              </a:defRPr>
+            </a:lvl1pPr>
+            <a:lvl2pPr marL="457200" indent="0">
+              <a:buNone/>
+              <a:defRPr sz="2000" b="1"/>
+            </a:lvl2pPr>
+            <a:lvl3pPr marL="914400" indent="0">
+              <a:buNone/>
+              <a:defRPr sz="1800" b="1"/>
+            </a:lvl3pPr>
+            <a:lvl4pPr marL="1371600" indent="0">
+              <a:buNone/>
+              <a:defRPr sz="1600" b="1"/>
+            </a:lvl4pPr>
+            <a:lvl5pPr marL="1828800" indent="0">
+              <a:buNone/>
+              <a:defRPr sz="1600" b="1"/>
+            </a:lvl5pPr>
+            <a:lvl6pPr marL="2286000" indent="0">
+              <a:buNone/>
+              <a:defRPr sz="1600" b="1"/>
+            </a:lvl6pPr>
+            <a:lvl7pPr marL="2743200" indent="0">
+              <a:buNone/>
+              <a:defRPr sz="1600" b="1"/>
+            </a:lvl7pPr>
+            <a:lvl8pPr marL="3200400" indent="0">
+              <a:buNone/>
+              <a:defRPr sz="1600" b="1"/>
+            </a:lvl8pPr>
+            <a:lvl9pPr marL="3657600" indent="0">
+              <a:buNone/>
+              <a:defRPr sz="1600" b="1"/>
+            </a:lvl9pPr>
+          </a:lstStyle>
+          <a:p>
+            <a:pPr lvl="0"/>
+            <a:r>
+              <a:rPr lang="en-US" smtClean="0"/>
+              <a:t>Click to edit Master text styles</a:t>
+            </a:r>
+          </a:p>
+        </p:txBody>
+      </p:sp>
+      <p:sp>
+        <p:nvSpPr>
+          <p:cNvPr id="12" name="Text Placeholder 3"/>
+          <p:cNvSpPr>
+            <a:spLocks noGrp="1"/>
+          </p:cNvSpPr>
+          <p:nvPr>
+            <p:ph type="body" sz="half" idx="17"/>
+          </p:nvPr>
+        </p:nvSpPr>
+        <p:spPr>
+          <a:xfrm>
+            <a:off x="5989320" y="2904564"/>
+            <a:ext cx="2560320" cy="3359079"/>
+          </a:xfrm>
+        </p:spPr>
+        <p:txBody>
+          <a:bodyPr anchor="t">
+            <a:normAutofit/>
+          </a:bodyPr>
+          <a:lstStyle>
+            <a:lvl1pPr marL="0" indent="0">
+              <a:buNone/>
+              <a:defRPr sz="1400"/>
+            </a:lvl1pPr>
+            <a:lvl2pPr marL="457200" indent="0">
+              <a:buNone/>
+              <a:defRPr sz="1200"/>
+            </a:lvl2pPr>
+            <a:lvl3pPr marL="914400" indent="0">
+              <a:buNone/>
+              <a:defRPr sz="1000"/>
+            </a:lvl3pPr>
+            <a:lvl4pPr marL="1371600" indent="0">
+              <a:buNone/>
+              <a:defRPr sz="900"/>
+            </a:lvl4pPr>
+            <a:lvl5pPr marL="1828800" indent="0">
+              <a:buNone/>
+              <a:defRPr sz="900"/>
+            </a:lvl5pPr>
+            <a:lvl6pPr marL="2286000" indent="0">
+              <a:buNone/>
+              <a:defRPr sz="900"/>
+            </a:lvl6pPr>
+            <a:lvl7pPr marL="2743200" indent="0">
+              <a:buNone/>
+              <a:defRPr sz="900"/>
+            </a:lvl7pPr>
+            <a:lvl8pPr marL="3200400" indent="0">
+              <a:buNone/>
+              <a:defRPr sz="900"/>
+            </a:lvl8pPr>
+            <a:lvl9pPr marL="3657600" indent="0">
+              <a:buNone/>
+              <a:defRPr sz="900"/>
+            </a:lvl9pPr>
+          </a:lstStyle>
+          <a:p>
+            <a:pPr lvl="0"/>
+            <a:r>
+              <a:rPr lang="en-US" smtClean="0"/>
+              <a:t>Click to edit Master text styles</a:t>
+            </a:r>
+          </a:p>
+        </p:txBody>
+      </p:sp>
+      <p:sp>
+        <p:nvSpPr>
+          <p:cNvPr id="3" name="Date Placeholder 2"/>
+          <p:cNvSpPr>
+            <a:spLocks noGrp="1"/>
+          </p:cNvSpPr>
+          <p:nvPr>
+            <p:ph type="dt" sz="half" idx="10"/>
+          </p:nvPr>
+        </p:nvSpPr>
+        <p:spPr/>
+        <p:txBody>
+          <a:bodyPr/>
+          <a:lstStyle/>
+          <a:p>
+            <a:fld id="{4A88F55E-F3C8-451A-88F1-3CC070D1BD1A}" type="datetimeFigureOut">
+              <a:rPr lang="en-US" smtClean="0"/>
+              <a:t>10/5/2016</a:t>
+            </a:fld>
+            <a:endParaRPr lang="en-US"/>
+          </a:p>
+        </p:txBody>
+      </p:sp>
+      <p:sp>
+        <p:nvSpPr>
+          <p:cNvPr id="4" name="Footer Placeholder 3"/>
+          <p:cNvSpPr>
+            <a:spLocks noGrp="1"/>
+          </p:cNvSpPr>
+          <p:nvPr>
+            <p:ph type="ftr" sz="quarter" idx="11"/>
+          </p:nvPr>
+        </p:nvSpPr>
+        <p:spPr/>
+        <p:txBody>
+          <a:bodyPr/>
+          <a:lstStyle/>
+          <a:p>
+            <a:endParaRPr lang="en-US"/>
+          </a:p>
+        </p:txBody>
+      </p:sp>
+      <p:sp>
+        <p:nvSpPr>
+          <p:cNvPr id="5" name="Slide Number Placeholder 4"/>
+          <p:cNvSpPr>
+            <a:spLocks noGrp="1"/>
+          </p:cNvSpPr>
+          <p:nvPr>
+            <p:ph type="sldNum" sz="quarter" idx="12"/>
+          </p:nvPr>
+        </p:nvSpPr>
+        <p:spPr/>
+        <p:txBody>
+          <a:bodyPr/>
+          <a:lstStyle/>
+          <a:p>
+            <a:fld id="{ECBC0D16-44B3-4B8F-B172-164D143D4BA2}" type="slidenum">
+              <a:rPr lang="en-US" smtClean="0"/>
+              <a:t>‹#›</a:t>
+            </a:fld>
+            <a:endParaRPr lang="en-US"/>
+          </a:p>
+        </p:txBody>
+      </p:sp>
+    </p:spTree>
+    <p:extLst>
+      <p:ext uri="{BB962C8B-B14F-4D97-AF65-F5344CB8AC3E}">
+        <p14:creationId xmlns:p14="http://schemas.microsoft.com/office/powerpoint/2010/main" val="2045201708"/>
+      </p:ext>
+    </p:extLst>
+  </p:cSld>
+  <p:clrMapOvr>
+    <a:masterClrMapping/>
+  </p:clrMapOvr>
+</p:sldLayout>
+</file>
+
+<file path=ppt/slideLayouts/slideLayout15.xml><?xml version="1.0" encoding="utf-8"?>
+<p:sldLayout xmlns:a="http://schemas.openxmlformats.org/drawingml/2006/main" xmlns:r="http://schemas.openxmlformats.org/officeDocument/2006/relationships" xmlns:p="http://schemas.openxmlformats.org/presentationml/2006/main" preserve="1">
+  <p:cSld name="3 Picture Column">
+    <p:spTree>
+      <p:nvGrpSpPr>
+        <p:cNvPr id="1" name=""/>
+        <p:cNvGrpSpPr/>
+        <p:nvPr/>
+      </p:nvGrpSpPr>
+      <p:grpSpPr>
+        <a:xfrm>
+          <a:off x="0" y="0"/>
+          <a:ext cx="0" cy="0"/>
+          <a:chOff x="0" y="0"/>
+          <a:chExt cx="0" cy="0"/>
+        </a:xfrm>
+      </p:grpSpPr>
+      <p:sp>
+        <p:nvSpPr>
+          <p:cNvPr id="30" name="Title 1"/>
+          <p:cNvSpPr>
+            <a:spLocks noGrp="1"/>
+          </p:cNvSpPr>
+          <p:nvPr>
+            <p:ph type="title"/>
+          </p:nvPr>
+        </p:nvSpPr>
+        <p:spPr>
+          <a:xfrm>
+            <a:off x="2171702" y="762000"/>
+            <a:ext cx="6381984" cy="1295400"/>
+          </a:xfrm>
+        </p:spPr>
+        <p:txBody>
+          <a:bodyPr/>
+          <a:lstStyle/>
+          <a:p>
+            <a:r>
+              <a:rPr lang="en-US" smtClean="0"/>
+              <a:t>Click to edit Master title style</a:t>
+            </a:r>
+            <a:endParaRPr lang="en-US" dirty="0"/>
+          </a:p>
+        </p:txBody>
+      </p:sp>
+      <p:sp>
+        <p:nvSpPr>
+          <p:cNvPr id="19" name="Text Placeholder 2"/>
+          <p:cNvSpPr>
+            <a:spLocks noGrp="1"/>
+          </p:cNvSpPr>
+          <p:nvPr>
+            <p:ph type="body" idx="1"/>
+          </p:nvPr>
+        </p:nvSpPr>
+        <p:spPr>
+          <a:xfrm>
+            <a:off x="594360" y="4113340"/>
+            <a:ext cx="2560320" cy="682765"/>
+          </a:xfrm>
+        </p:spPr>
+        <p:txBody>
+          <a:bodyPr anchor="b">
+            <a:noAutofit/>
+          </a:bodyPr>
+          <a:lstStyle>
+            <a:lvl1pPr marL="0" indent="0">
+              <a:buNone/>
+              <a:defRPr sz="2400" b="0">
+                <a:solidFill>
+                  <a:schemeClr val="tx1"/>
+                </a:solidFill>
+              </a:defRPr>
+            </a:lvl1pPr>
+            <a:lvl2pPr marL="457200" indent="0">
+              <a:buNone/>
+              <a:defRPr sz="2000" b="1"/>
+            </a:lvl2pPr>
+            <a:lvl3pPr marL="914400" indent="0">
+              <a:buNone/>
+              <a:defRPr sz="1800" b="1"/>
+            </a:lvl3pPr>
+            <a:lvl4pPr marL="1371600" indent="0">
+              <a:buNone/>
+              <a:defRPr sz="1600" b="1"/>
+            </a:lvl4pPr>
+            <a:lvl5pPr marL="1828800" indent="0">
+              <a:buNone/>
+              <a:defRPr sz="1600" b="1"/>
+            </a:lvl5pPr>
+            <a:lvl6pPr marL="2286000" indent="0">
+              <a:buNone/>
+              <a:defRPr sz="1600" b="1"/>
+            </a:lvl6pPr>
+            <a:lvl7pPr marL="2743200" indent="0">
+              <a:buNone/>
+              <a:defRPr sz="1600" b="1"/>
+            </a:lvl7pPr>
+            <a:lvl8pPr marL="3200400" indent="0">
+              <a:buNone/>
+              <a:defRPr sz="1600" b="1"/>
+            </a:lvl8pPr>
+            <a:lvl9pPr marL="3657600" indent="0">
+              <a:buNone/>
+              <a:defRPr sz="1600" b="1"/>
+            </a:lvl9pPr>
+          </a:lstStyle>
+          <a:p>
+            <a:pPr lvl="0"/>
+            <a:r>
+              <a:rPr lang="en-US" smtClean="0"/>
+              <a:t>Click to edit Master text styles</a:t>
+            </a:r>
+          </a:p>
+        </p:txBody>
+      </p:sp>
+      <p:sp>
+        <p:nvSpPr>
+          <p:cNvPr id="20" name="Picture Placeholder 2"/>
+          <p:cNvSpPr>
+            <a:spLocks noGrp="1" noChangeAspect="1"/>
+          </p:cNvSpPr>
+          <p:nvPr>
+            <p:ph type="pic" idx="15"/>
+          </p:nvPr>
+        </p:nvSpPr>
+        <p:spPr>
+          <a:xfrm>
+            <a:off x="594360" y="2331720"/>
+            <a:ext cx="2560320" cy="1507300"/>
+          </a:xfrm>
+          <a:prstGeom prst="roundRect">
+            <a:avLst>
+              <a:gd name="adj" fmla="val 0"/>
+            </a:avLst>
+          </a:prstGeom>
+          <a:effectLst>
+            <a:outerShdw blurRad="50800" dist="50800" dir="5400000" algn="tl" rotWithShape="0">
+              <a:srgbClr val="000000">
+                <a:alpha val="43000"/>
+              </a:srgbClr>
+            </a:outerShdw>
+          </a:effectLst>
+        </p:spPr>
+        <p:txBody>
+          <a:bodyPr anchor="t">
+            <a:normAutofit/>
+          </a:bodyPr>
+          <a:lstStyle>
+            <a:lvl1pPr marL="0" indent="0" algn="ctr">
+              <a:buNone/>
+              <a:defRPr sz="1600"/>
+            </a:lvl1pPr>
+            <a:lvl2pPr marL="457200" indent="0">
+              <a:buNone/>
+              <a:defRPr sz="1600"/>
+            </a:lvl2pPr>
+            <a:lvl3pPr marL="914400" indent="0">
+              <a:buNone/>
+              <a:defRPr sz="1600"/>
+            </a:lvl3pPr>
+            <a:lvl4pPr marL="1371600" indent="0">
+              <a:buNone/>
+              <a:defRPr sz="1600"/>
+            </a:lvl4pPr>
+            <a:lvl5pPr marL="1828800" indent="0">
+              <a:buNone/>
+              <a:defRPr sz="1600"/>
+            </a:lvl5pPr>
+            <a:lvl6pPr marL="2286000" indent="0">
+              <a:buNone/>
+              <a:defRPr sz="1600"/>
+            </a:lvl6pPr>
+            <a:lvl7pPr marL="2743200" indent="0">
+              <a:buNone/>
+              <a:defRPr sz="1600"/>
+            </a:lvl7pPr>
+            <a:lvl8pPr marL="3200400" indent="0">
+              <a:buNone/>
+              <a:defRPr sz="1600"/>
+            </a:lvl8pPr>
+            <a:lvl9pPr marL="3657600" indent="0">
+              <a:buNone/>
+              <a:defRPr sz="1600"/>
+            </a:lvl9pPr>
+          </a:lstStyle>
+          <a:p>
+            <a:r>
+              <a:rPr lang="en-US" smtClean="0"/>
+              <a:t>Click icon to add picture</a:t>
+            </a:r>
+            <a:endParaRPr lang="en-US" dirty="0"/>
+          </a:p>
+        </p:txBody>
+      </p:sp>
+      <p:sp>
+        <p:nvSpPr>
+          <p:cNvPr id="21" name="Text Placeholder 3"/>
+          <p:cNvSpPr>
+            <a:spLocks noGrp="1"/>
+          </p:cNvSpPr>
+          <p:nvPr>
+            <p:ph type="body" sz="half" idx="18"/>
+          </p:nvPr>
+        </p:nvSpPr>
+        <p:spPr>
+          <a:xfrm>
+            <a:off x="594360" y="4796103"/>
+            <a:ext cx="2560320" cy="1467537"/>
+          </a:xfrm>
+        </p:spPr>
+        <p:txBody>
+          <a:bodyPr anchor="t">
+            <a:normAutofit/>
+          </a:bodyPr>
+          <a:lstStyle>
+            <a:lvl1pPr marL="0" indent="0">
+              <a:buNone/>
+              <a:defRPr sz="1400"/>
+            </a:lvl1pPr>
+            <a:lvl2pPr marL="457200" indent="0">
+              <a:buNone/>
+              <a:defRPr sz="1200"/>
+            </a:lvl2pPr>
+            <a:lvl3pPr marL="914400" indent="0">
+              <a:buNone/>
+              <a:defRPr sz="1000"/>
+            </a:lvl3pPr>
+            <a:lvl4pPr marL="1371600" indent="0">
+              <a:buNone/>
+              <a:defRPr sz="900"/>
+            </a:lvl4pPr>
+            <a:lvl5pPr marL="1828800" indent="0">
+              <a:buNone/>
+              <a:defRPr sz="900"/>
+            </a:lvl5pPr>
+            <a:lvl6pPr marL="2286000" indent="0">
+              <a:buNone/>
+              <a:defRPr sz="900"/>
+            </a:lvl6pPr>
+            <a:lvl7pPr marL="2743200" indent="0">
+              <a:buNone/>
+              <a:defRPr sz="900"/>
+            </a:lvl7pPr>
+            <a:lvl8pPr marL="3200400" indent="0">
+              <a:buNone/>
+              <a:defRPr sz="900"/>
+            </a:lvl8pPr>
+            <a:lvl9pPr marL="3657600" indent="0">
+              <a:buNone/>
+              <a:defRPr sz="900"/>
+            </a:lvl9pPr>
+          </a:lstStyle>
+          <a:p>
+            <a:pPr lvl="0"/>
+            <a:r>
+              <a:rPr lang="en-US" smtClean="0"/>
+              <a:t>Click to edit Master text styles</a:t>
+            </a:r>
+          </a:p>
+        </p:txBody>
+      </p:sp>
+      <p:sp>
+        <p:nvSpPr>
+          <p:cNvPr id="22" name="Text Placeholder 4"/>
+          <p:cNvSpPr>
+            <a:spLocks noGrp="1"/>
+          </p:cNvSpPr>
+          <p:nvPr>
+            <p:ph type="body" sz="quarter" idx="3"/>
+          </p:nvPr>
+        </p:nvSpPr>
+        <p:spPr>
+          <a:xfrm>
+            <a:off x="3291873" y="4113340"/>
+            <a:ext cx="2560320" cy="682765"/>
+          </a:xfrm>
+        </p:spPr>
+        <p:txBody>
+          <a:bodyPr anchor="b">
+            <a:noAutofit/>
+          </a:bodyPr>
+          <a:lstStyle>
+            <a:lvl1pPr marL="0" indent="0">
+              <a:buNone/>
+              <a:defRPr sz="2400" b="0">
+                <a:solidFill>
+                  <a:schemeClr val="tx1"/>
+                </a:solidFill>
+              </a:defRPr>
+            </a:lvl1pPr>
+            <a:lvl2pPr marL="457200" indent="0">
+              <a:buNone/>
+              <a:defRPr sz="2000" b="1"/>
+            </a:lvl2pPr>
+            <a:lvl3pPr marL="914400" indent="0">
+              <a:buNone/>
+              <a:defRPr sz="1800" b="1"/>
+            </a:lvl3pPr>
+            <a:lvl4pPr marL="1371600" indent="0">
+              <a:buNone/>
+              <a:defRPr sz="1600" b="1"/>
+            </a:lvl4pPr>
+            <a:lvl5pPr marL="1828800" indent="0">
+              <a:buNone/>
+              <a:defRPr sz="1600" b="1"/>
+            </a:lvl5pPr>
+            <a:lvl6pPr marL="2286000" indent="0">
+              <a:buNone/>
+              <a:defRPr sz="1600" b="1"/>
+            </a:lvl6pPr>
+            <a:lvl7pPr marL="2743200" indent="0">
+              <a:buNone/>
+              <a:defRPr sz="1600" b="1"/>
+            </a:lvl7pPr>
+            <a:lvl8pPr marL="3200400" indent="0">
+              <a:buNone/>
+              <a:defRPr sz="1600" b="1"/>
+            </a:lvl8pPr>
+            <a:lvl9pPr marL="3657600" indent="0">
+              <a:buNone/>
+              <a:defRPr sz="1600" b="1"/>
+            </a:lvl9pPr>
+          </a:lstStyle>
+          <a:p>
+            <a:pPr lvl="0"/>
+            <a:r>
+              <a:rPr lang="en-US" smtClean="0"/>
+              <a:t>Click to edit Master text styles</a:t>
+            </a:r>
+          </a:p>
+        </p:txBody>
+      </p:sp>
+      <p:sp>
+        <p:nvSpPr>
+          <p:cNvPr id="23" name="Picture Placeholder 2"/>
+          <p:cNvSpPr>
+            <a:spLocks noGrp="1" noChangeAspect="1"/>
+          </p:cNvSpPr>
+          <p:nvPr>
+            <p:ph type="pic" idx="21"/>
+          </p:nvPr>
+        </p:nvSpPr>
+        <p:spPr>
+          <a:xfrm>
+            <a:off x="3291872" y="2331720"/>
+            <a:ext cx="2560320" cy="1509862"/>
+          </a:xfrm>
+          <a:prstGeom prst="roundRect">
+            <a:avLst>
+              <a:gd name="adj" fmla="val 0"/>
+            </a:avLst>
+          </a:prstGeom>
+          <a:effectLst>
+            <a:outerShdw blurRad="50800" dist="50800" dir="5400000" algn="tl" rotWithShape="0">
+              <a:srgbClr val="000000">
+                <a:alpha val="43000"/>
+              </a:srgbClr>
+            </a:outerShdw>
+          </a:effectLst>
+        </p:spPr>
+        <p:txBody>
+          <a:bodyPr anchor="t">
+            <a:normAutofit/>
+          </a:bodyPr>
+          <a:lstStyle>
+            <a:lvl1pPr marL="0" indent="0" algn="ctr">
+              <a:buNone/>
+              <a:defRPr sz="1600"/>
+            </a:lvl1pPr>
+            <a:lvl2pPr marL="457200" indent="0">
+              <a:buNone/>
+              <a:defRPr sz="1600"/>
+            </a:lvl2pPr>
+            <a:lvl3pPr marL="914400" indent="0">
+              <a:buNone/>
+              <a:defRPr sz="1600"/>
+            </a:lvl3pPr>
+            <a:lvl4pPr marL="1371600" indent="0">
+              <a:buNone/>
+              <a:defRPr sz="1600"/>
+            </a:lvl4pPr>
+            <a:lvl5pPr marL="1828800" indent="0">
+              <a:buNone/>
+              <a:defRPr sz="1600"/>
+            </a:lvl5pPr>
+            <a:lvl6pPr marL="2286000" indent="0">
+              <a:buNone/>
+              <a:defRPr sz="1600"/>
+            </a:lvl6pPr>
+            <a:lvl7pPr marL="2743200" indent="0">
+              <a:buNone/>
+              <a:defRPr sz="1600"/>
+            </a:lvl7pPr>
+            <a:lvl8pPr marL="3200400" indent="0">
+              <a:buNone/>
+              <a:defRPr sz="1600"/>
+            </a:lvl8pPr>
+            <a:lvl9pPr marL="3657600" indent="0">
+              <a:buNone/>
+              <a:defRPr sz="1600"/>
+            </a:lvl9pPr>
+          </a:lstStyle>
+          <a:p>
+            <a:r>
+              <a:rPr lang="en-US" smtClean="0"/>
+              <a:t>Click icon to add picture</a:t>
+            </a:r>
+            <a:endParaRPr lang="en-US" dirty="0"/>
+          </a:p>
+        </p:txBody>
+      </p:sp>
+      <p:sp>
+        <p:nvSpPr>
+          <p:cNvPr id="24" name="Text Placeholder 3"/>
+          <p:cNvSpPr>
+            <a:spLocks noGrp="1"/>
+          </p:cNvSpPr>
+          <p:nvPr>
+            <p:ph type="body" sz="half" idx="19"/>
+          </p:nvPr>
+        </p:nvSpPr>
+        <p:spPr>
+          <a:xfrm>
+            <a:off x="3290858" y="4796102"/>
+            <a:ext cx="2560320" cy="1467537"/>
+          </a:xfrm>
+        </p:spPr>
+        <p:txBody>
+          <a:bodyPr anchor="t">
+            <a:normAutofit/>
+          </a:bodyPr>
+          <a:lstStyle>
+            <a:lvl1pPr marL="0" indent="0">
+              <a:buNone/>
+              <a:defRPr sz="1400"/>
+            </a:lvl1pPr>
+            <a:lvl2pPr marL="457200" indent="0">
+              <a:buNone/>
+              <a:defRPr sz="1200"/>
+            </a:lvl2pPr>
+            <a:lvl3pPr marL="914400" indent="0">
+              <a:buNone/>
+              <a:defRPr sz="1000"/>
+            </a:lvl3pPr>
+            <a:lvl4pPr marL="1371600" indent="0">
+              <a:buNone/>
+              <a:defRPr sz="900"/>
+            </a:lvl4pPr>
+            <a:lvl5pPr marL="1828800" indent="0">
+              <a:buNone/>
+              <a:defRPr sz="900"/>
+            </a:lvl5pPr>
+            <a:lvl6pPr marL="2286000" indent="0">
+              <a:buNone/>
+              <a:defRPr sz="900"/>
+            </a:lvl6pPr>
+            <a:lvl7pPr marL="2743200" indent="0">
+              <a:buNone/>
+              <a:defRPr sz="900"/>
+            </a:lvl7pPr>
+            <a:lvl8pPr marL="3200400" indent="0">
+              <a:buNone/>
+              <a:defRPr sz="900"/>
+            </a:lvl8pPr>
+            <a:lvl9pPr marL="3657600" indent="0">
+              <a:buNone/>
+              <a:defRPr sz="900"/>
+            </a:lvl9pPr>
+          </a:lstStyle>
+          <a:p>
+            <a:pPr lvl="0"/>
+            <a:r>
+              <a:rPr lang="en-US" smtClean="0"/>
+              <a:t>Click to edit Master text styles</a:t>
+            </a:r>
+          </a:p>
+        </p:txBody>
+      </p:sp>
+      <p:sp>
+        <p:nvSpPr>
+          <p:cNvPr id="25" name="Text Placeholder 4"/>
+          <p:cNvSpPr>
+            <a:spLocks noGrp="1"/>
+          </p:cNvSpPr>
+          <p:nvPr>
+            <p:ph type="body" sz="quarter" idx="13"/>
+          </p:nvPr>
+        </p:nvSpPr>
+        <p:spPr>
+          <a:xfrm>
+            <a:off x="5993365" y="4113340"/>
+            <a:ext cx="2560320" cy="682765"/>
+          </a:xfrm>
+        </p:spPr>
+        <p:txBody>
+          <a:bodyPr anchor="b">
+            <a:noAutofit/>
+          </a:bodyPr>
+          <a:lstStyle>
+            <a:lvl1pPr marL="0" indent="0">
+              <a:buNone/>
+              <a:defRPr sz="2400" b="0">
+                <a:solidFill>
+                  <a:schemeClr val="tx1"/>
+                </a:solidFill>
+              </a:defRPr>
+            </a:lvl1pPr>
+            <a:lvl2pPr marL="457200" indent="0">
+              <a:buNone/>
+              <a:defRPr sz="2000" b="1"/>
+            </a:lvl2pPr>
+            <a:lvl3pPr marL="914400" indent="0">
+              <a:buNone/>
+              <a:defRPr sz="1800" b="1"/>
+            </a:lvl3pPr>
+            <a:lvl4pPr marL="1371600" indent="0">
+              <a:buNone/>
+              <a:defRPr sz="1600" b="1"/>
+            </a:lvl4pPr>
+            <a:lvl5pPr marL="1828800" indent="0">
+              <a:buNone/>
+              <a:defRPr sz="1600" b="1"/>
+            </a:lvl5pPr>
+            <a:lvl6pPr marL="2286000" indent="0">
+              <a:buNone/>
+              <a:defRPr sz="1600" b="1"/>
+            </a:lvl6pPr>
+            <a:lvl7pPr marL="2743200" indent="0">
+              <a:buNone/>
+              <a:defRPr sz="1600" b="1"/>
+            </a:lvl7pPr>
+            <a:lvl8pPr marL="3200400" indent="0">
+              <a:buNone/>
+              <a:defRPr sz="1600" b="1"/>
+            </a:lvl8pPr>
+            <a:lvl9pPr marL="3657600" indent="0">
+              <a:buNone/>
+              <a:defRPr sz="1600" b="1"/>
+            </a:lvl9pPr>
+          </a:lstStyle>
+          <a:p>
+            <a:pPr lvl="0"/>
+            <a:r>
+              <a:rPr lang="en-US" smtClean="0"/>
+              <a:t>Click to edit Master text styles</a:t>
+            </a:r>
+          </a:p>
+        </p:txBody>
+      </p:sp>
+      <p:sp>
+        <p:nvSpPr>
+          <p:cNvPr id="26" name="Picture Placeholder 2"/>
+          <p:cNvSpPr>
+            <a:spLocks noGrp="1" noChangeAspect="1"/>
+          </p:cNvSpPr>
+          <p:nvPr>
+            <p:ph type="pic" idx="22"/>
+          </p:nvPr>
+        </p:nvSpPr>
+        <p:spPr>
+          <a:xfrm>
+            <a:off x="5993364" y="2331721"/>
+            <a:ext cx="2560320" cy="1508919"/>
+          </a:xfrm>
+          <a:prstGeom prst="roundRect">
+            <a:avLst>
+              <a:gd name="adj" fmla="val 0"/>
+            </a:avLst>
+          </a:prstGeom>
+          <a:effectLst>
+            <a:outerShdw blurRad="50800" dist="50800" dir="5400000" algn="tl" rotWithShape="0">
+              <a:srgbClr val="000000">
+                <a:alpha val="43000"/>
+              </a:srgbClr>
+            </a:outerShdw>
+          </a:effectLst>
+        </p:spPr>
+        <p:txBody>
+          <a:bodyPr anchor="t">
+            <a:normAutofit/>
+          </a:bodyPr>
+          <a:lstStyle>
+            <a:lvl1pPr marL="0" indent="0" algn="ctr">
+              <a:buNone/>
+              <a:defRPr sz="1600"/>
+            </a:lvl1pPr>
+            <a:lvl2pPr marL="457200" indent="0">
+              <a:buNone/>
+              <a:defRPr sz="1600"/>
+            </a:lvl2pPr>
+            <a:lvl3pPr marL="914400" indent="0">
+              <a:buNone/>
+              <a:defRPr sz="1600"/>
+            </a:lvl3pPr>
+            <a:lvl4pPr marL="1371600" indent="0">
+              <a:buNone/>
+              <a:defRPr sz="1600"/>
+            </a:lvl4pPr>
+            <a:lvl5pPr marL="1828800" indent="0">
+              <a:buNone/>
+              <a:defRPr sz="1600"/>
+            </a:lvl5pPr>
+            <a:lvl6pPr marL="2286000" indent="0">
+              <a:buNone/>
+              <a:defRPr sz="1600"/>
+            </a:lvl6pPr>
+            <a:lvl7pPr marL="2743200" indent="0">
+              <a:buNone/>
+              <a:defRPr sz="1600"/>
+            </a:lvl7pPr>
+            <a:lvl8pPr marL="3200400" indent="0">
+              <a:buNone/>
+              <a:defRPr sz="1600"/>
+            </a:lvl8pPr>
+            <a:lvl9pPr marL="3657600" indent="0">
+              <a:buNone/>
+              <a:defRPr sz="1600"/>
+            </a:lvl9pPr>
+          </a:lstStyle>
+          <a:p>
+            <a:r>
+              <a:rPr lang="en-US" smtClean="0"/>
+              <a:t>Click icon to add picture</a:t>
+            </a:r>
+            <a:endParaRPr lang="en-US" dirty="0"/>
+          </a:p>
+        </p:txBody>
+      </p:sp>
+      <p:sp>
+        <p:nvSpPr>
+          <p:cNvPr id="27" name="Text Placeholder 3"/>
+          <p:cNvSpPr>
+            <a:spLocks noGrp="1"/>
+          </p:cNvSpPr>
+          <p:nvPr>
+            <p:ph type="body" sz="half" idx="20"/>
+          </p:nvPr>
+        </p:nvSpPr>
+        <p:spPr>
+          <a:xfrm>
+            <a:off x="5993272" y="4796100"/>
+            <a:ext cx="2560320" cy="1467537"/>
+          </a:xfrm>
+        </p:spPr>
+        <p:txBody>
+          <a:bodyPr anchor="t">
+            <a:normAutofit/>
+          </a:bodyPr>
+          <a:lstStyle>
+            <a:lvl1pPr marL="0" indent="0">
+              <a:buNone/>
+              <a:defRPr sz="1400"/>
+            </a:lvl1pPr>
+            <a:lvl2pPr marL="457200" indent="0">
+              <a:buNone/>
+              <a:defRPr sz="1200"/>
+            </a:lvl2pPr>
+            <a:lvl3pPr marL="914400" indent="0">
+              <a:buNone/>
+              <a:defRPr sz="1000"/>
+            </a:lvl3pPr>
+            <a:lvl4pPr marL="1371600" indent="0">
+              <a:buNone/>
+              <a:defRPr sz="900"/>
+            </a:lvl4pPr>
+            <a:lvl5pPr marL="1828800" indent="0">
+              <a:buNone/>
+              <a:defRPr sz="900"/>
+            </a:lvl5pPr>
+            <a:lvl6pPr marL="2286000" indent="0">
+              <a:buNone/>
+              <a:defRPr sz="900"/>
+            </a:lvl6pPr>
+            <a:lvl7pPr marL="2743200" indent="0">
+              <a:buNone/>
+              <a:defRPr sz="900"/>
+            </a:lvl7pPr>
+            <a:lvl8pPr marL="3200400" indent="0">
+              <a:buNone/>
+              <a:defRPr sz="900"/>
+            </a:lvl8pPr>
+            <a:lvl9pPr marL="3657600" indent="0">
+              <a:buNone/>
+              <a:defRPr sz="900"/>
+            </a:lvl9pPr>
+          </a:lstStyle>
+          <a:p>
+            <a:pPr lvl="0"/>
+            <a:r>
+              <a:rPr lang="en-US" smtClean="0"/>
+              <a:t>Click to edit Master text styles</a:t>
+            </a:r>
+          </a:p>
+        </p:txBody>
+      </p:sp>
+      <p:sp>
+        <p:nvSpPr>
+          <p:cNvPr id="3" name="Date Placeholder 2"/>
+          <p:cNvSpPr>
+            <a:spLocks noGrp="1"/>
+          </p:cNvSpPr>
+          <p:nvPr>
+            <p:ph type="dt" sz="half" idx="10"/>
+          </p:nvPr>
+        </p:nvSpPr>
+        <p:spPr/>
+        <p:txBody>
+          <a:bodyPr/>
+          <a:lstStyle/>
+          <a:p>
+            <a:fld id="{4A88F55E-F3C8-451A-88F1-3CC070D1BD1A}" type="datetimeFigureOut">
+              <a:rPr lang="en-US" smtClean="0"/>
+              <a:t>10/5/2016</a:t>
+            </a:fld>
+            <a:endParaRPr lang="en-US"/>
+          </a:p>
+        </p:txBody>
+      </p:sp>
+      <p:sp>
+        <p:nvSpPr>
+          <p:cNvPr id="4" name="Footer Placeholder 3"/>
+          <p:cNvSpPr>
+            <a:spLocks noGrp="1"/>
+          </p:cNvSpPr>
+          <p:nvPr>
+            <p:ph type="ftr" sz="quarter" idx="11"/>
+          </p:nvPr>
+        </p:nvSpPr>
+        <p:spPr/>
+        <p:txBody>
+          <a:bodyPr/>
+          <a:lstStyle/>
+          <a:p>
+            <a:endParaRPr lang="en-US"/>
+          </a:p>
+        </p:txBody>
+      </p:sp>
+      <p:sp>
+        <p:nvSpPr>
+          <p:cNvPr id="5" name="Slide Number Placeholder 4"/>
+          <p:cNvSpPr>
+            <a:spLocks noGrp="1"/>
+          </p:cNvSpPr>
+          <p:nvPr>
+            <p:ph type="sldNum" sz="quarter" idx="12"/>
+          </p:nvPr>
+        </p:nvSpPr>
+        <p:spPr/>
+        <p:txBody>
+          <a:bodyPr/>
+          <a:lstStyle/>
+          <a:p>
+            <a:fld id="{ECBC0D16-44B3-4B8F-B172-164D143D4BA2}" type="slidenum">
+              <a:rPr lang="en-US" smtClean="0"/>
+              <a:t>‹#›</a:t>
+            </a:fld>
+            <a:endParaRPr lang="en-US"/>
+          </a:p>
+        </p:txBody>
+      </p:sp>
+    </p:spTree>
+    <p:extLst>
+      <p:ext uri="{BB962C8B-B14F-4D97-AF65-F5344CB8AC3E}">
+        <p14:creationId xmlns:p14="http://schemas.microsoft.com/office/powerpoint/2010/main" val="2405394495"/>
+      </p:ext>
+    </p:extLst>
+  </p:cSld>
+  <p:clrMapOvr>
+    <a:masterClrMapping/>
+  </p:clrMapOvr>
+</p:sldLayout>
+</file>
+
+<file path=ppt/slideLayouts/slideLayout16.xml><?xml version="1.0" encoding="utf-8"?>
 <p:sldLayout xmlns:a="http://schemas.openxmlformats.org/drawingml/2006/main" xmlns:r="http://schemas.openxmlformats.org/officeDocument/2006/relationships" xmlns:p="http://schemas.openxmlformats.org/presentationml/2006/main" type="vertTx" preserve="1">
   <p:cSld name="Title and Vertical Text">
     <p:spTree>
@@ -413,7 +3004,7 @@
               <a:rPr lang="en-US" smtClean="0"/>
               <a:t>Click to edit Master title style</a:t>
             </a:r>
-            <a:endParaRPr lang="en-US"/>
+            <a:endParaRPr lang="en-US" dirty="0"/>
           </a:p>
         </p:txBody>
       </p:sp>
@@ -427,7 +3018,12 @@
             <p:ph type="body" orient="vert" idx="1"/>
           </p:nvPr>
         </p:nvSpPr>
-        <p:spPr/>
+        <p:spPr>
+          <a:xfrm>
+            <a:off x="594360" y="2194560"/>
+            <a:ext cx="7955280" cy="4069080"/>
+          </a:xfrm>
+        </p:spPr>
         <p:txBody>
           <a:bodyPr vert="eaVert"/>
           <a:lstStyle/>
@@ -465,7 +3061,7 @@
               <a:rPr lang="en-US" smtClean="0"/>
               <a:t>Fifth level</a:t>
             </a:r>
-            <a:endParaRPr lang="en-US"/>
+            <a:endParaRPr lang="en-US" dirty="0"/>
           </a:p>
         </p:txBody>
       </p:sp>
@@ -537,7 +3133,7 @@
     </p:spTree>
     <p:extLst>
       <p:ext uri="{BB962C8B-B14F-4D97-AF65-F5344CB8AC3E}">
-        <p14:creationId xmlns:p14="http://schemas.microsoft.com/office/powerpoint/2010/main" val="61790323"/>
+        <p14:creationId xmlns:p14="http://schemas.microsoft.com/office/powerpoint/2010/main" val="4046995206"/>
       </p:ext>
     </p:extLst>
   </p:cSld>
@@ -547,8 +3143,8 @@
 </p:sldLayout>
 </file>
 
-<file path=ppt/slideLayouts/slideLayout11.xml><?xml version="1.0" encoding="utf-8"?>
-<p:sldLayout xmlns:a="http://schemas.openxmlformats.org/drawingml/2006/main" xmlns:r="http://schemas.openxmlformats.org/officeDocument/2006/relationships" xmlns:p="http://schemas.openxmlformats.org/presentationml/2006/main" type="vertTitleAndTx" preserve="1">
+<file path=ppt/slideLayouts/slideLayout17.xml><?xml version="1.0" encoding="utf-8"?>
+<p:sldLayout xmlns:a="http://schemas.openxmlformats.org/drawingml/2006/main" xmlns:r="http://schemas.openxmlformats.org/officeDocument/2006/relationships" xmlns:p="http://schemas.openxmlformats.org/presentationml/2006/main" showMasterSp="0" type="vertTitleAndTx" preserve="1">
   <p:cSld name="Vertical Title and Text">
     <p:spTree>
       <p:nvGrpSpPr>
@@ -564,6 +3160,36 @@
           <a:chExt cx="0" cy="0"/>
         </a:xfrm>
       </p:grpSpPr>
+      <p:pic>
+        <p:nvPicPr>
+          <p:cNvPr id="9" name="Picture 8" descr="C0-HD-BTM.png"/>
+          <p:cNvPicPr>
+            <a:picLocks noChangeAspect="1"/>
+          </p:cNvPicPr>
+          <p:nvPr/>
+        </p:nvPicPr>
+        <p:blipFill>
+          <a:blip r:embed="rId2">
+            <a:extLst>
+              <a:ext uri="{28A0092B-C50C-407E-A947-70E740481C1C}">
+                <a14:useLocalDpi xmlns:a14="http://schemas.microsoft.com/office/drawing/2010/main" val="0"/>
+              </a:ext>
+            </a:extLst>
+          </a:blip>
+          <a:stretch>
+            <a:fillRect/>
+          </a:stretch>
+        </p:blipFill>
+        <p:spPr>
+          <a:xfrm>
+            <a:off x="0" y="4995862"/>
+            <a:ext cx="9144000" cy="1862138"/>
+          </a:xfrm>
+          <a:prstGeom prst="rect">
+            <a:avLst/>
+          </a:prstGeom>
+        </p:spPr>
+      </p:pic>
       <p:sp>
         <p:nvSpPr>
           <p:cNvPr id="2" name="Vertical Title 1"/>
@@ -576,19 +3202,23 @@
         </p:nvSpPr>
         <p:spPr>
           <a:xfrm>
-            <a:off x="6629400" y="274638"/>
-            <a:ext cx="2057400" cy="5851525"/>
+            <a:off x="7006590" y="747183"/>
+            <a:ext cx="1543050" cy="4248675"/>
           </a:xfrm>
         </p:spPr>
         <p:txBody>
           <a:bodyPr vert="eaVert"/>
-          <a:lstStyle/>
+          <a:lstStyle>
+            <a:lvl1pPr algn="l">
+              <a:defRPr/>
+            </a:lvl1pPr>
+          </a:lstStyle>
           <a:p>
             <a:r>
               <a:rPr lang="en-US" smtClean="0"/>
               <a:t>Click to edit Master title style</a:t>
             </a:r>
-            <a:endParaRPr lang="en-US"/>
+            <a:endParaRPr lang="en-US" dirty="0"/>
           </a:p>
         </p:txBody>
       </p:sp>
@@ -604,8 +3234,8 @@
         </p:nvSpPr>
         <p:spPr>
           <a:xfrm>
-            <a:off x="457200" y="274638"/>
-            <a:ext cx="6019800" cy="5851525"/>
+            <a:off x="594360" y="746126"/>
+            <a:ext cx="6278035" cy="4249732"/>
           </a:xfrm>
         </p:spPr>
         <p:txBody>
@@ -645,7 +3275,7 @@
               <a:rPr lang="en-US" smtClean="0"/>
               <a:t>Fifth level</a:t>
             </a:r>
-            <a:endParaRPr lang="en-US"/>
+            <a:endParaRPr lang="en-US" dirty="0"/>
           </a:p>
         </p:txBody>
       </p:sp>
@@ -659,10 +3289,19 @@
             <p:ph type="dt" sz="half" idx="10"/>
           </p:nvPr>
         </p:nvSpPr>
-        <p:spPr/>
-        <p:txBody>
-          <a:bodyPr/>
-          <a:lstStyle/>
+        <p:spPr>
+          <a:xfrm>
+            <a:off x="5562176" y="381001"/>
+            <a:ext cx="2183130" cy="365125"/>
+          </a:xfrm>
+        </p:spPr>
+        <p:txBody>
+          <a:bodyPr/>
+          <a:lstStyle>
+            <a:lvl1pPr algn="r">
+              <a:defRPr/>
+            </a:lvl1pPr>
+          </a:lstStyle>
           <a:p>
             <a:fld id="{4A88F55E-F3C8-451A-88F1-3CC070D1BD1A}" type="datetimeFigureOut">
               <a:rPr lang="en-US" smtClean="0"/>
@@ -682,7 +3321,12 @@
             <p:ph type="ftr" sz="quarter" idx="11"/>
           </p:nvPr>
         </p:nvSpPr>
-        <p:spPr/>
+        <p:spPr>
+          <a:xfrm>
+            <a:off x="594360" y="381001"/>
+            <a:ext cx="4830656" cy="365125"/>
+          </a:xfrm>
+        </p:spPr>
         <p:txBody>
           <a:bodyPr/>
           <a:lstStyle/>
@@ -701,7 +3345,12 @@
             <p:ph type="sldNum" sz="quarter" idx="12"/>
           </p:nvPr>
         </p:nvSpPr>
-        <p:spPr/>
+        <p:spPr>
+          <a:xfrm>
+            <a:off x="7882466" y="381001"/>
+            <a:ext cx="667174" cy="365125"/>
+          </a:xfrm>
+        </p:spPr>
         <p:txBody>
           <a:bodyPr/>
           <a:lstStyle/>
@@ -717,7 +3366,7 @@
     </p:spTree>
     <p:extLst>
       <p:ext uri="{BB962C8B-B14F-4D97-AF65-F5344CB8AC3E}">
-        <p14:creationId xmlns:p14="http://schemas.microsoft.com/office/powerpoint/2010/main" val="514439421"/>
+        <p14:creationId xmlns:p14="http://schemas.microsoft.com/office/powerpoint/2010/main" val="504290490"/>
       </p:ext>
     </p:extLst>
   </p:cSld>
@@ -763,7 +3412,7 @@
               <a:rPr lang="en-US" smtClean="0"/>
               <a:t>Click to edit Master title style</a:t>
             </a:r>
-            <a:endParaRPr lang="en-US"/>
+            <a:endParaRPr lang="en-US" dirty="0"/>
           </a:p>
         </p:txBody>
       </p:sp>
@@ -815,7 +3464,7 @@
               <a:rPr lang="en-US" smtClean="0"/>
               <a:t>Fifth level</a:t>
             </a:r>
-            <a:endParaRPr lang="en-US"/>
+            <a:endParaRPr lang="en-US" dirty="0"/>
           </a:p>
         </p:txBody>
       </p:sp>
@@ -887,7 +3536,7 @@
     </p:spTree>
     <p:extLst>
       <p:ext uri="{BB962C8B-B14F-4D97-AF65-F5344CB8AC3E}">
-        <p14:creationId xmlns:p14="http://schemas.microsoft.com/office/powerpoint/2010/main" val="1635427513"/>
+        <p14:creationId xmlns:p14="http://schemas.microsoft.com/office/powerpoint/2010/main" val="2161695564"/>
       </p:ext>
     </p:extLst>
   </p:cSld>
@@ -898,7 +3547,7 @@
 </file>
 
 <file path=ppt/slideLayouts/slideLayout3.xml><?xml version="1.0" encoding="utf-8"?>
-<p:sldLayout xmlns:a="http://schemas.openxmlformats.org/drawingml/2006/main" xmlns:r="http://schemas.openxmlformats.org/officeDocument/2006/relationships" xmlns:p="http://schemas.openxmlformats.org/presentationml/2006/main" type="secHead" preserve="1">
+<p:sldLayout xmlns:a="http://schemas.openxmlformats.org/drawingml/2006/main" xmlns:r="http://schemas.openxmlformats.org/officeDocument/2006/relationships" xmlns:p="http://schemas.openxmlformats.org/presentationml/2006/main" showMasterSp="0" type="secHead" preserve="1">
   <p:cSld name="Section Header">
     <p:spTree>
       <p:nvGrpSpPr>
@@ -914,6 +3563,36 @@
           <a:chExt cx="0" cy="0"/>
         </a:xfrm>
       </p:grpSpPr>
+      <p:pic>
+        <p:nvPicPr>
+          <p:cNvPr id="8" name="Picture 7" descr="C0-HD-BTM.png"/>
+          <p:cNvPicPr>
+            <a:picLocks noChangeAspect="1"/>
+          </p:cNvPicPr>
+          <p:nvPr/>
+        </p:nvPicPr>
+        <p:blipFill>
+          <a:blip r:embed="rId2">
+            <a:extLst>
+              <a:ext uri="{28A0092B-C50C-407E-A947-70E740481C1C}">
+                <a14:useLocalDpi xmlns:a14="http://schemas.microsoft.com/office/drawing/2010/main" val="0"/>
+              </a:ext>
+            </a:extLst>
+          </a:blip>
+          <a:stretch>
+            <a:fillRect/>
+          </a:stretch>
+        </p:blipFill>
+        <p:spPr>
+          <a:xfrm>
+            <a:off x="0" y="4995862"/>
+            <a:ext cx="9144000" cy="1862138"/>
+          </a:xfrm>
+          <a:prstGeom prst="rect">
+            <a:avLst/>
+          </a:prstGeom>
+        </p:spPr>
+      </p:pic>
       <p:sp>
         <p:nvSpPr>
           <p:cNvPr id="2" name="Title 1"/>
@@ -926,15 +3605,17 @@
         </p:nvSpPr>
         <p:spPr>
           <a:xfrm>
-            <a:off x="722313" y="4406900"/>
-            <a:ext cx="7772400" cy="1362075"/>
-          </a:xfrm>
-        </p:spPr>
-        <p:txBody>
-          <a:bodyPr anchor="t"/>
+            <a:off x="594360" y="753534"/>
+            <a:ext cx="7955280" cy="2801935"/>
+          </a:xfrm>
+        </p:spPr>
+        <p:txBody>
+          <a:bodyPr anchor="b">
+            <a:normAutofit/>
+          </a:bodyPr>
           <a:lstStyle>
-            <a:lvl1pPr algn="l">
-              <a:defRPr sz="4000" b="1" cap="all"/>
+            <a:lvl1pPr algn="r">
+              <a:defRPr sz="4000"/>
             </a:lvl1pPr>
           </a:lstStyle>
           <a:p>
@@ -942,7 +3623,7 @@
               <a:rPr lang="en-US" smtClean="0"/>
               <a:t>Click to edit Master title style</a:t>
             </a:r>
-            <a:endParaRPr lang="en-US"/>
+            <a:endParaRPr lang="en-US" dirty="0"/>
           </a:p>
         </p:txBody>
       </p:sp>
@@ -958,16 +3639,18 @@
         </p:nvSpPr>
         <p:spPr>
           <a:xfrm>
-            <a:off x="722313" y="2906713"/>
-            <a:ext cx="7772400" cy="1500187"/>
-          </a:xfrm>
-        </p:spPr>
-        <p:txBody>
-          <a:bodyPr anchor="b"/>
+            <a:off x="594360" y="3641726"/>
+            <a:ext cx="7955281" cy="1354134"/>
+          </a:xfrm>
+        </p:spPr>
+        <p:txBody>
+          <a:bodyPr>
+            <a:normAutofit/>
+          </a:bodyPr>
           <a:lstStyle>
-            <a:lvl1pPr marL="0" indent="0">
-              <a:buNone/>
-              <a:defRPr sz="2000">
+            <a:lvl1pPr marL="0" indent="0" algn="r">
+              <a:buNone/>
+              <a:defRPr sz="2200">
                 <a:solidFill>
                   <a:schemeClr val="tx1">
                     <a:tint val="75000"/>
@@ -977,7 +3660,7 @@
             </a:lvl1pPr>
             <a:lvl2pPr marL="457200" indent="0">
               <a:buNone/>
-              <a:defRPr sz="1800">
+              <a:defRPr sz="2000">
                 <a:solidFill>
                   <a:schemeClr val="tx1">
                     <a:tint val="75000"/>
@@ -987,7 +3670,7 @@
             </a:lvl2pPr>
             <a:lvl3pPr marL="914400" indent="0">
               <a:buNone/>
-              <a:defRPr sz="1600">
+              <a:defRPr sz="1800">
                 <a:solidFill>
                   <a:schemeClr val="tx1">
                     <a:tint val="75000"/>
@@ -997,7 +3680,7 @@
             </a:lvl3pPr>
             <a:lvl4pPr marL="1371600" indent="0">
               <a:buNone/>
-              <a:defRPr sz="1400">
+              <a:defRPr sz="1600">
                 <a:solidFill>
                   <a:schemeClr val="tx1">
                     <a:tint val="75000"/>
@@ -1007,7 +3690,7 @@
             </a:lvl4pPr>
             <a:lvl5pPr marL="1828800" indent="0">
               <a:buNone/>
-              <a:defRPr sz="1400">
+              <a:defRPr sz="1600">
                 <a:solidFill>
                   <a:schemeClr val="tx1">
                     <a:tint val="75000"/>
@@ -1017,7 +3700,7 @@
             </a:lvl5pPr>
             <a:lvl6pPr marL="2286000" indent="0">
               <a:buNone/>
-              <a:defRPr sz="1400">
+              <a:defRPr sz="1600">
                 <a:solidFill>
                   <a:schemeClr val="tx1">
                     <a:tint val="75000"/>
@@ -1027,7 +3710,7 @@
             </a:lvl6pPr>
             <a:lvl7pPr marL="2743200" indent="0">
               <a:buNone/>
-              <a:defRPr sz="1400">
+              <a:defRPr sz="1600">
                 <a:solidFill>
                   <a:schemeClr val="tx1">
                     <a:tint val="75000"/>
@@ -1037,7 +3720,7 @@
             </a:lvl7pPr>
             <a:lvl8pPr marL="3200400" indent="0">
               <a:buNone/>
-              <a:defRPr sz="1400">
+              <a:defRPr sz="1600">
                 <a:solidFill>
                   <a:schemeClr val="tx1">
                     <a:tint val="75000"/>
@@ -1047,7 +3730,7 @@
             </a:lvl8pPr>
             <a:lvl9pPr marL="3657600" indent="0">
               <a:buNone/>
-              <a:defRPr sz="1400">
+              <a:defRPr sz="1600">
                 <a:solidFill>
                   <a:schemeClr val="tx1">
                     <a:tint val="75000"/>
@@ -1075,10 +3758,19 @@
             <p:ph type="dt" sz="half" idx="10"/>
           </p:nvPr>
         </p:nvSpPr>
-        <p:spPr/>
-        <p:txBody>
-          <a:bodyPr/>
-          <a:lstStyle/>
+        <p:spPr>
+          <a:xfrm>
+            <a:off x="5562176" y="381001"/>
+            <a:ext cx="2183130" cy="365125"/>
+          </a:xfrm>
+        </p:spPr>
+        <p:txBody>
+          <a:bodyPr/>
+          <a:lstStyle>
+            <a:lvl1pPr algn="r">
+              <a:defRPr/>
+            </a:lvl1pPr>
+          </a:lstStyle>
           <a:p>
             <a:fld id="{4A88F55E-F3C8-451A-88F1-3CC070D1BD1A}" type="datetimeFigureOut">
               <a:rPr lang="en-US" smtClean="0"/>
@@ -1098,7 +3790,12 @@
             <p:ph type="ftr" sz="quarter" idx="11"/>
           </p:nvPr>
         </p:nvSpPr>
-        <p:spPr/>
+        <p:spPr>
+          <a:xfrm>
+            <a:off x="594360" y="381001"/>
+            <a:ext cx="4830656" cy="365125"/>
+          </a:xfrm>
+        </p:spPr>
         <p:txBody>
           <a:bodyPr/>
           <a:lstStyle/>
@@ -1117,7 +3814,12 @@
             <p:ph type="sldNum" sz="quarter" idx="12"/>
           </p:nvPr>
         </p:nvSpPr>
-        <p:spPr/>
+        <p:spPr>
+          <a:xfrm>
+            <a:off x="7882466" y="381001"/>
+            <a:ext cx="667173" cy="365125"/>
+          </a:xfrm>
+        </p:spPr>
         <p:txBody>
           <a:bodyPr/>
           <a:lstStyle/>
@@ -1133,7 +3835,7 @@
     </p:spTree>
     <p:extLst>
       <p:ext uri="{BB962C8B-B14F-4D97-AF65-F5344CB8AC3E}">
-        <p14:creationId xmlns:p14="http://schemas.microsoft.com/office/powerpoint/2010/main" val="3499366719"/>
+        <p14:creationId xmlns:p14="http://schemas.microsoft.com/office/powerpoint/2010/main" val="3044148113"/>
       </p:ext>
     </p:extLst>
   </p:cSld>
@@ -1179,7 +3881,7 @@
               <a:rPr lang="en-US" smtClean="0"/>
               <a:t>Click to edit Master title style</a:t>
             </a:r>
-            <a:endParaRPr lang="en-US"/>
+            <a:endParaRPr lang="en-US" dirty="0"/>
           </a:p>
         </p:txBody>
       </p:sp>
@@ -1195,41 +3897,13 @@
         </p:nvSpPr>
         <p:spPr>
           <a:xfrm>
-            <a:off x="457200" y="1600200"/>
-            <a:ext cx="4038600" cy="4525963"/>
-          </a:xfrm>
-        </p:spPr>
-        <p:txBody>
-          <a:bodyPr/>
-          <a:lstStyle>
-            <a:lvl1pPr>
-              <a:defRPr sz="2800"/>
-            </a:lvl1pPr>
-            <a:lvl2pPr>
-              <a:defRPr sz="2400"/>
-            </a:lvl2pPr>
-            <a:lvl3pPr>
-              <a:defRPr sz="2000"/>
-            </a:lvl3pPr>
-            <a:lvl4pPr>
-              <a:defRPr sz="1800"/>
-            </a:lvl4pPr>
-            <a:lvl5pPr>
-              <a:defRPr sz="1800"/>
-            </a:lvl5pPr>
-            <a:lvl6pPr>
-              <a:defRPr sz="1800"/>
-            </a:lvl6pPr>
-            <a:lvl7pPr>
-              <a:defRPr sz="1800"/>
-            </a:lvl7pPr>
-            <a:lvl8pPr>
-              <a:defRPr sz="1800"/>
-            </a:lvl8pPr>
-            <a:lvl9pPr>
-              <a:defRPr sz="1800"/>
-            </a:lvl9pPr>
-          </a:lstStyle>
+            <a:off x="594360" y="2194560"/>
+            <a:ext cx="3910579" cy="4069080"/>
+          </a:xfrm>
+        </p:spPr>
+        <p:txBody>
+          <a:bodyPr/>
+          <a:lstStyle/>
           <a:p>
             <a:pPr lvl="0"/>
             <a:r>
@@ -1264,7 +3938,7 @@
               <a:rPr lang="en-US" smtClean="0"/>
               <a:t>Fifth level</a:t>
             </a:r>
-            <a:endParaRPr lang="en-US"/>
+            <a:endParaRPr lang="en-US" dirty="0"/>
           </a:p>
         </p:txBody>
       </p:sp>
@@ -1280,41 +3954,13 @@
         </p:nvSpPr>
         <p:spPr>
           <a:xfrm>
-            <a:off x="4648200" y="1600200"/>
-            <a:ext cx="4038600" cy="4525963"/>
-          </a:xfrm>
-        </p:spPr>
-        <p:txBody>
-          <a:bodyPr/>
-          <a:lstStyle>
-            <a:lvl1pPr>
-              <a:defRPr sz="2800"/>
-            </a:lvl1pPr>
-            <a:lvl2pPr>
-              <a:defRPr sz="2400"/>
-            </a:lvl2pPr>
-            <a:lvl3pPr>
-              <a:defRPr sz="2000"/>
-            </a:lvl3pPr>
-            <a:lvl4pPr>
-              <a:defRPr sz="1800"/>
-            </a:lvl4pPr>
-            <a:lvl5pPr>
-              <a:defRPr sz="1800"/>
-            </a:lvl5pPr>
-            <a:lvl6pPr>
-              <a:defRPr sz="1800"/>
-            </a:lvl6pPr>
-            <a:lvl7pPr>
-              <a:defRPr sz="1800"/>
-            </a:lvl7pPr>
-            <a:lvl8pPr>
-              <a:defRPr sz="1800"/>
-            </a:lvl8pPr>
-            <a:lvl9pPr>
-              <a:defRPr sz="1800"/>
-            </a:lvl9pPr>
-          </a:lstStyle>
+            <a:off x="4642099" y="2194560"/>
+            <a:ext cx="3907540" cy="4069080"/>
+          </a:xfrm>
+        </p:spPr>
+        <p:txBody>
+          <a:bodyPr/>
+          <a:lstStyle/>
           <a:p>
             <a:pPr lvl="0"/>
             <a:r>
@@ -1349,7 +3995,7 @@
               <a:rPr lang="en-US" smtClean="0"/>
               <a:t>Fifth level</a:t>
             </a:r>
-            <a:endParaRPr lang="en-US"/>
+            <a:endParaRPr lang="en-US" dirty="0"/>
           </a:p>
         </p:txBody>
       </p:sp>
@@ -1421,7 +4067,7 @@
     </p:spTree>
     <p:extLst>
       <p:ext uri="{BB962C8B-B14F-4D97-AF65-F5344CB8AC3E}">
-        <p14:creationId xmlns:p14="http://schemas.microsoft.com/office/powerpoint/2010/main" val="3723931745"/>
+        <p14:creationId xmlns:p14="http://schemas.microsoft.com/office/powerpoint/2010/main" val="4207537512"/>
       </p:ext>
     </p:extLst>
   </p:cSld>
@@ -1458,20 +4104,21 @@
             <p:ph type="title"/>
           </p:nvPr>
         </p:nvSpPr>
-        <p:spPr/>
-        <p:txBody>
-          <a:bodyPr/>
-          <a:lstStyle>
-            <a:lvl1pPr>
-              <a:defRPr/>
-            </a:lvl1pPr>
-          </a:lstStyle>
+        <p:spPr>
+          <a:xfrm>
+            <a:off x="2171700" y="762000"/>
+            <a:ext cx="6377940" cy="1295400"/>
+          </a:xfrm>
+        </p:spPr>
+        <p:txBody>
+          <a:bodyPr/>
+          <a:lstStyle/>
           <a:p>
             <a:r>
               <a:rPr lang="en-US" smtClean="0"/>
               <a:t>Click to edit Master title style</a:t>
             </a:r>
-            <a:endParaRPr lang="en-US"/>
+            <a:endParaRPr lang="en-US" dirty="0"/>
           </a:p>
         </p:txBody>
       </p:sp>
@@ -1487,16 +4134,22 @@
         </p:nvSpPr>
         <p:spPr>
           <a:xfrm>
-            <a:off x="457200" y="1535113"/>
-            <a:ext cx="4040188" cy="639762"/>
-          </a:xfrm>
-        </p:spPr>
-        <p:txBody>
-          <a:bodyPr anchor="b"/>
+            <a:off x="821279" y="2183802"/>
+            <a:ext cx="3683659" cy="823912"/>
+          </a:xfrm>
+        </p:spPr>
+        <p:txBody>
+          <a:bodyPr anchor="b">
+            <a:normAutofit/>
+          </a:bodyPr>
           <a:lstStyle>
             <a:lvl1pPr marL="0" indent="0">
               <a:buNone/>
-              <a:defRPr sz="2400" b="1"/>
+              <a:defRPr sz="2800" b="0">
+                <a:solidFill>
+                  <a:schemeClr val="tx1"/>
+                </a:solidFill>
+              </a:defRPr>
             </a:lvl1pPr>
             <a:lvl2pPr marL="457200" indent="0">
               <a:buNone/>
@@ -1552,41 +4205,13 @@
         </p:nvSpPr>
         <p:spPr>
           <a:xfrm>
-            <a:off x="457200" y="2174875"/>
-            <a:ext cx="4040188" cy="3951288"/>
-          </a:xfrm>
-        </p:spPr>
-        <p:txBody>
-          <a:bodyPr/>
-          <a:lstStyle>
-            <a:lvl1pPr>
-              <a:defRPr sz="2400"/>
-            </a:lvl1pPr>
-            <a:lvl2pPr>
-              <a:defRPr sz="2000"/>
-            </a:lvl2pPr>
-            <a:lvl3pPr>
-              <a:defRPr sz="1800"/>
-            </a:lvl3pPr>
-            <a:lvl4pPr>
-              <a:defRPr sz="1600"/>
-            </a:lvl4pPr>
-            <a:lvl5pPr>
-              <a:defRPr sz="1600"/>
-            </a:lvl5pPr>
-            <a:lvl6pPr>
-              <a:defRPr sz="1600"/>
-            </a:lvl6pPr>
-            <a:lvl7pPr>
-              <a:defRPr sz="1600"/>
-            </a:lvl7pPr>
-            <a:lvl8pPr>
-              <a:defRPr sz="1600"/>
-            </a:lvl8pPr>
-            <a:lvl9pPr>
-              <a:defRPr sz="1600"/>
-            </a:lvl9pPr>
-          </a:lstStyle>
+            <a:off x="594359" y="3132667"/>
+            <a:ext cx="3910579" cy="3130973"/>
+          </a:xfrm>
+        </p:spPr>
+        <p:txBody>
+          <a:bodyPr/>
+          <a:lstStyle/>
           <a:p>
             <a:pPr lvl="0"/>
             <a:r>
@@ -1621,7 +4246,7 @@
               <a:rPr lang="en-US" smtClean="0"/>
               <a:t>Fifth level</a:t>
             </a:r>
-            <a:endParaRPr lang="en-US"/>
+            <a:endParaRPr lang="en-US" dirty="0"/>
           </a:p>
         </p:txBody>
       </p:sp>
@@ -1637,16 +4262,22 @@
         </p:nvSpPr>
         <p:spPr>
           <a:xfrm>
-            <a:off x="4645025" y="1535113"/>
-            <a:ext cx="4041775" cy="639762"/>
-          </a:xfrm>
-        </p:spPr>
-        <p:txBody>
-          <a:bodyPr anchor="b"/>
+            <a:off x="4869018" y="2183802"/>
+            <a:ext cx="3680621" cy="823912"/>
+          </a:xfrm>
+        </p:spPr>
+        <p:txBody>
+          <a:bodyPr anchor="b">
+            <a:normAutofit/>
+          </a:bodyPr>
           <a:lstStyle>
             <a:lvl1pPr marL="0" indent="0">
               <a:buNone/>
-              <a:defRPr sz="2400" b="1"/>
+              <a:defRPr sz="2800" b="0">
+                <a:solidFill>
+                  <a:schemeClr val="tx1"/>
+                </a:solidFill>
+              </a:defRPr>
             </a:lvl1pPr>
             <a:lvl2pPr marL="457200" indent="0">
               <a:buNone/>
@@ -1702,41 +4333,13 @@
         </p:nvSpPr>
         <p:spPr>
           <a:xfrm>
-            <a:off x="4645025" y="2174875"/>
-            <a:ext cx="4041775" cy="3951288"/>
-          </a:xfrm>
-        </p:spPr>
-        <p:txBody>
-          <a:bodyPr/>
-          <a:lstStyle>
-            <a:lvl1pPr>
-              <a:defRPr sz="2400"/>
-            </a:lvl1pPr>
-            <a:lvl2pPr>
-              <a:defRPr sz="2000"/>
-            </a:lvl2pPr>
-            <a:lvl3pPr>
-              <a:defRPr sz="1800"/>
-            </a:lvl3pPr>
-            <a:lvl4pPr>
-              <a:defRPr sz="1600"/>
-            </a:lvl4pPr>
-            <a:lvl5pPr>
-              <a:defRPr sz="1600"/>
-            </a:lvl5pPr>
-            <a:lvl6pPr>
-              <a:defRPr sz="1600"/>
-            </a:lvl6pPr>
-            <a:lvl7pPr>
-              <a:defRPr sz="1600"/>
-            </a:lvl7pPr>
-            <a:lvl8pPr>
-              <a:defRPr sz="1600"/>
-            </a:lvl8pPr>
-            <a:lvl9pPr>
-              <a:defRPr sz="1600"/>
-            </a:lvl9pPr>
-          </a:lstStyle>
+            <a:off x="4642098" y="3132667"/>
+            <a:ext cx="3907541" cy="3130973"/>
+          </a:xfrm>
+        </p:spPr>
+        <p:txBody>
+          <a:bodyPr/>
+          <a:lstStyle/>
           <a:p>
             <a:pPr lvl="0"/>
             <a:r>
@@ -1771,7 +4374,7 @@
               <a:rPr lang="en-US" smtClean="0"/>
               <a:t>Fifth level</a:t>
             </a:r>
-            <a:endParaRPr lang="en-US"/>
+            <a:endParaRPr lang="en-US" dirty="0"/>
           </a:p>
         </p:txBody>
       </p:sp>
@@ -1843,7 +4446,7 @@
     </p:spTree>
     <p:extLst>
       <p:ext uri="{BB962C8B-B14F-4D97-AF65-F5344CB8AC3E}">
-        <p14:creationId xmlns:p14="http://schemas.microsoft.com/office/powerpoint/2010/main" val="1987492127"/>
+        <p14:creationId xmlns:p14="http://schemas.microsoft.com/office/powerpoint/2010/main" val="947132343"/>
       </p:ext>
     </p:extLst>
   </p:cSld>
@@ -1889,7 +4492,7 @@
               <a:rPr lang="en-US" smtClean="0"/>
               <a:t>Click to edit Master title style</a:t>
             </a:r>
-            <a:endParaRPr lang="en-US"/>
+            <a:endParaRPr lang="en-US" dirty="0"/>
           </a:p>
         </p:txBody>
       </p:sp>
@@ -1961,7 +4564,7 @@
     </p:spTree>
     <p:extLst>
       <p:ext uri="{BB962C8B-B14F-4D97-AF65-F5344CB8AC3E}">
-        <p14:creationId xmlns:p14="http://schemas.microsoft.com/office/powerpoint/2010/main" val="1242445606"/>
+        <p14:creationId xmlns:p14="http://schemas.microsoft.com/office/powerpoint/2010/main" val="2998697420"/>
       </p:ext>
     </p:extLst>
   </p:cSld>
@@ -2056,7 +4659,7 @@
     </p:spTree>
     <p:extLst>
       <p:ext uri="{BB962C8B-B14F-4D97-AF65-F5344CB8AC3E}">
-        <p14:creationId xmlns:p14="http://schemas.microsoft.com/office/powerpoint/2010/main" val="3852276302"/>
+        <p14:creationId xmlns:p14="http://schemas.microsoft.com/office/powerpoint/2010/main" val="2789197327"/>
       </p:ext>
     </p:extLst>
   </p:cSld>
@@ -2095,15 +4698,15 @@
         </p:nvSpPr>
         <p:spPr>
           <a:xfrm>
-            <a:off x="457200" y="273050"/>
-            <a:ext cx="3008313" cy="1162050"/>
+            <a:off x="594360" y="1524000"/>
+            <a:ext cx="3086100" cy="1600200"/>
           </a:xfrm>
         </p:spPr>
         <p:txBody>
           <a:bodyPr anchor="b"/>
           <a:lstStyle>
             <a:lvl1pPr algn="l">
-              <a:defRPr sz="2000" b="1"/>
+              <a:defRPr sz="3200"/>
             </a:lvl1pPr>
           </a:lstStyle>
           <a:p>
@@ -2111,7 +4714,7 @@
               <a:rPr lang="en-US" smtClean="0"/>
               <a:t>Click to edit Master title style</a:t>
             </a:r>
-            <a:endParaRPr lang="en-US"/>
+            <a:endParaRPr lang="en-US" dirty="0"/>
           </a:p>
         </p:txBody>
       </p:sp>
@@ -2127,41 +4730,13 @@
         </p:nvSpPr>
         <p:spPr>
           <a:xfrm>
-            <a:off x="3575050" y="273050"/>
-            <a:ext cx="5111750" cy="5853113"/>
-          </a:xfrm>
-        </p:spPr>
-        <p:txBody>
-          <a:bodyPr/>
-          <a:lstStyle>
-            <a:lvl1pPr>
-              <a:defRPr sz="3200"/>
-            </a:lvl1pPr>
-            <a:lvl2pPr>
-              <a:defRPr sz="2800"/>
-            </a:lvl2pPr>
-            <a:lvl3pPr>
-              <a:defRPr sz="2400"/>
-            </a:lvl3pPr>
-            <a:lvl4pPr>
-              <a:defRPr sz="2000"/>
-            </a:lvl4pPr>
-            <a:lvl5pPr>
-              <a:defRPr sz="2000"/>
-            </a:lvl5pPr>
-            <a:lvl6pPr>
-              <a:defRPr sz="2000"/>
-            </a:lvl6pPr>
-            <a:lvl7pPr>
-              <a:defRPr sz="2000"/>
-            </a:lvl7pPr>
-            <a:lvl8pPr>
-              <a:defRPr sz="2000"/>
-            </a:lvl8pPr>
-            <a:lvl9pPr>
-              <a:defRPr sz="2000"/>
-            </a:lvl9pPr>
-          </a:lstStyle>
+            <a:off x="3886200" y="746760"/>
+            <a:ext cx="4663440" cy="5516880"/>
+          </a:xfrm>
+        </p:spPr>
+        <p:txBody>
+          <a:bodyPr anchor="ctr"/>
+          <a:lstStyle/>
           <a:p>
             <a:pPr lvl="0"/>
             <a:r>
@@ -2196,7 +4771,7 @@
               <a:rPr lang="en-US" smtClean="0"/>
               <a:t>Fifth level</a:t>
             </a:r>
-            <a:endParaRPr lang="en-US"/>
+            <a:endParaRPr lang="en-US" dirty="0"/>
           </a:p>
         </p:txBody>
       </p:sp>
@@ -2212,8 +4787,8 @@
         </p:nvSpPr>
         <p:spPr>
           <a:xfrm>
-            <a:off x="457200" y="1435100"/>
-            <a:ext cx="3008313" cy="4691063"/>
+            <a:off x="594360" y="3124200"/>
+            <a:ext cx="3086100" cy="3139440"/>
           </a:xfrm>
         </p:spPr>
         <p:txBody>
@@ -2221,39 +4796,39 @@
           <a:lstStyle>
             <a:lvl1pPr marL="0" indent="0">
               <a:buNone/>
-              <a:defRPr sz="1400"/>
+              <a:defRPr sz="1600"/>
             </a:lvl1pPr>
             <a:lvl2pPr marL="457200" indent="0">
               <a:buNone/>
-              <a:defRPr sz="1200"/>
+              <a:defRPr sz="1400"/>
             </a:lvl2pPr>
             <a:lvl3pPr marL="914400" indent="0">
               <a:buNone/>
-              <a:defRPr sz="1000"/>
+              <a:defRPr sz="1200"/>
             </a:lvl3pPr>
             <a:lvl4pPr marL="1371600" indent="0">
               <a:buNone/>
-              <a:defRPr sz="900"/>
+              <a:defRPr sz="1000"/>
             </a:lvl4pPr>
             <a:lvl5pPr marL="1828800" indent="0">
               <a:buNone/>
-              <a:defRPr sz="900"/>
+              <a:defRPr sz="1000"/>
             </a:lvl5pPr>
             <a:lvl6pPr marL="2286000" indent="0">
               <a:buNone/>
-              <a:defRPr sz="900"/>
+              <a:defRPr sz="1000"/>
             </a:lvl6pPr>
             <a:lvl7pPr marL="2743200" indent="0">
               <a:buNone/>
-              <a:defRPr sz="900"/>
+              <a:defRPr sz="1000"/>
             </a:lvl7pPr>
             <a:lvl8pPr marL="3200400" indent="0">
               <a:buNone/>
-              <a:defRPr sz="900"/>
+              <a:defRPr sz="1000"/>
             </a:lvl8pPr>
             <a:lvl9pPr marL="3657600" indent="0">
               <a:buNone/>
-              <a:defRPr sz="900"/>
+              <a:defRPr sz="1000"/>
             </a:lvl9pPr>
           </a:lstStyle>
           <a:p>
@@ -2333,7 +4908,7 @@
     </p:spTree>
     <p:extLst>
       <p:ext uri="{BB962C8B-B14F-4D97-AF65-F5344CB8AC3E}">
-        <p14:creationId xmlns:p14="http://schemas.microsoft.com/office/powerpoint/2010/main" val="2437281723"/>
+        <p14:creationId xmlns:p14="http://schemas.microsoft.com/office/powerpoint/2010/main" val="355266203"/>
       </p:ext>
     </p:extLst>
   </p:cSld>
@@ -2372,15 +4947,15 @@
         </p:nvSpPr>
         <p:spPr>
           <a:xfrm>
-            <a:off x="1792288" y="4800600"/>
-            <a:ext cx="5486400" cy="566738"/>
+            <a:off x="594360" y="1524000"/>
+            <a:ext cx="4075730" cy="1600200"/>
           </a:xfrm>
         </p:spPr>
         <p:txBody>
           <a:bodyPr anchor="b"/>
           <a:lstStyle>
             <a:lvl1pPr algn="l">
-              <a:defRPr sz="2000" b="1"/>
+              <a:defRPr sz="3200"/>
             </a:lvl1pPr>
           </a:lstStyle>
           <a:p>
@@ -2388,7 +4963,7 @@
               <a:rPr lang="en-US" smtClean="0"/>
               <a:t>Click to edit Master title style</a:t>
             </a:r>
-            <a:endParaRPr lang="en-US"/>
+            <a:endParaRPr lang="en-US" dirty="0"/>
           </a:p>
         </p:txBody>
       </p:sp>
@@ -2396,7 +4971,7 @@
         <p:nvSpPr>
           <p:cNvPr id="3" name="Picture Placeholder 2"/>
           <p:cNvSpPr>
-            <a:spLocks noGrp="1"/>
+            <a:spLocks noGrp="1" noChangeAspect="1"/>
           </p:cNvSpPr>
           <p:nvPr>
             <p:ph type="pic" idx="1"/>
@@ -2404,12 +4979,12 @@
         </p:nvSpPr>
         <p:spPr>
           <a:xfrm>
-            <a:off x="1792288" y="612775"/>
-            <a:ext cx="5486400" cy="4114800"/>
-          </a:xfrm>
-        </p:spPr>
-        <p:txBody>
-          <a:bodyPr/>
+            <a:off x="4877524" y="751242"/>
+            <a:ext cx="3674234" cy="5512398"/>
+          </a:xfrm>
+        </p:spPr>
+        <p:txBody>
+          <a:bodyPr anchor="t"/>
           <a:lstStyle>
             <a:lvl1pPr marL="0" indent="0">
               <a:buNone/>
@@ -2449,7 +5024,11 @@
             </a:lvl9pPr>
           </a:lstStyle>
           <a:p>
-            <a:endParaRPr lang="en-US"/>
+            <a:r>
+              <a:rPr lang="en-US" smtClean="0"/>
+              <a:t>Click icon to add picture</a:t>
+            </a:r>
+            <a:endParaRPr lang="en-US" dirty="0"/>
           </a:p>
         </p:txBody>
       </p:sp>
@@ -2465,8 +5044,8 @@
         </p:nvSpPr>
         <p:spPr>
           <a:xfrm>
-            <a:off x="1792288" y="5367338"/>
-            <a:ext cx="5486400" cy="804862"/>
+            <a:off x="594360" y="3124200"/>
+            <a:ext cx="4075730" cy="3139440"/>
           </a:xfrm>
         </p:spPr>
         <p:txBody>
@@ -2474,39 +5053,39 @@
           <a:lstStyle>
             <a:lvl1pPr marL="0" indent="0">
               <a:buNone/>
-              <a:defRPr sz="1400"/>
+              <a:defRPr sz="1600"/>
             </a:lvl1pPr>
             <a:lvl2pPr marL="457200" indent="0">
               <a:buNone/>
-              <a:defRPr sz="1200"/>
+              <a:defRPr sz="1400"/>
             </a:lvl2pPr>
             <a:lvl3pPr marL="914400" indent="0">
               <a:buNone/>
-              <a:defRPr sz="1000"/>
+              <a:defRPr sz="1200"/>
             </a:lvl3pPr>
             <a:lvl4pPr marL="1371600" indent="0">
               <a:buNone/>
-              <a:defRPr sz="900"/>
+              <a:defRPr sz="1000"/>
             </a:lvl4pPr>
             <a:lvl5pPr marL="1828800" indent="0">
               <a:buNone/>
-              <a:defRPr sz="900"/>
+              <a:defRPr sz="1000"/>
             </a:lvl5pPr>
             <a:lvl6pPr marL="2286000" indent="0">
               <a:buNone/>
-              <a:defRPr sz="900"/>
+              <a:defRPr sz="1000"/>
             </a:lvl6pPr>
             <a:lvl7pPr marL="2743200" indent="0">
               <a:buNone/>
-              <a:defRPr sz="900"/>
+              <a:defRPr sz="1000"/>
             </a:lvl7pPr>
             <a:lvl8pPr marL="3200400" indent="0">
               <a:buNone/>
-              <a:defRPr sz="900"/>
+              <a:defRPr sz="1000"/>
             </a:lvl8pPr>
             <a:lvl9pPr marL="3657600" indent="0">
               <a:buNone/>
-              <a:defRPr sz="900"/>
+              <a:defRPr sz="1000"/>
             </a:lvl9pPr>
           </a:lstStyle>
           <a:p>
@@ -2586,7 +5165,7 @@
     </p:spTree>
     <p:extLst>
       <p:ext uri="{BB962C8B-B14F-4D97-AF65-F5344CB8AC3E}">
-        <p14:creationId xmlns:p14="http://schemas.microsoft.com/office/powerpoint/2010/main" val="2234571232"/>
+        <p14:creationId xmlns:p14="http://schemas.microsoft.com/office/powerpoint/2010/main" val="3602406398"/>
       </p:ext>
     </p:extLst>
   </p:cSld>
@@ -2618,25 +5197,55 @@
           <a:chExt cx="0" cy="0"/>
         </a:xfrm>
       </p:grpSpPr>
-      <p:sp>
-        <p:nvSpPr>
-          <p:cNvPr id="2" name="Title Placeholder 1"/>
-          <p:cNvSpPr>
-            <a:spLocks noGrp="1"/>
-          </p:cNvSpPr>
-          <p:nvPr>
-            <p:ph type="title"/>
-          </p:nvPr>
-        </p:nvSpPr>
-        <p:spPr>
-          <a:xfrm>
-            <a:off x="457200" y="274638"/>
-            <a:ext cx="8229600" cy="1143000"/>
+      <p:pic>
+        <p:nvPicPr>
+          <p:cNvPr id="7" name="Picture 6" descr="C0-HD-TOP.png"/>
+          <p:cNvPicPr>
+            <a:picLocks noChangeAspect="1"/>
+          </p:cNvPicPr>
+          <p:nvPr/>
+        </p:nvPicPr>
+        <p:blipFill>
+          <a:blip r:embed="rId19">
+            <a:extLst>
+              <a:ext uri="{28A0092B-C50C-407E-A947-70E740481C1C}">
+                <a14:useLocalDpi xmlns:a14="http://schemas.microsoft.com/office/drawing/2010/main" val="0"/>
+              </a:ext>
+            </a:extLst>
+          </a:blip>
+          <a:stretch>
+            <a:fillRect/>
+          </a:stretch>
+        </p:blipFill>
+        <p:spPr>
+          <a:xfrm>
+            <a:off x="0" y="0"/>
+            <a:ext cx="9144000" cy="1081088"/>
           </a:xfrm>
           <a:prstGeom prst="rect">
             <a:avLst/>
           </a:prstGeom>
         </p:spPr>
+      </p:pic>
+      <p:sp>
+        <p:nvSpPr>
+          <p:cNvPr id="2" name="Title Placeholder 1"/>
+          <p:cNvSpPr>
+            <a:spLocks noGrp="1"/>
+          </p:cNvSpPr>
+          <p:nvPr>
+            <p:ph type="title"/>
+          </p:nvPr>
+        </p:nvSpPr>
+        <p:spPr>
+          <a:xfrm>
+            <a:off x="2171700" y="764373"/>
+            <a:ext cx="6377940" cy="1293028"/>
+          </a:xfrm>
+          <a:prstGeom prst="rect">
+            <a:avLst/>
+          </a:prstGeom>
+        </p:spPr>
         <p:txBody>
           <a:bodyPr vert="horz" lIns="91440" tIns="45720" rIns="91440" bIns="45720" rtlCol="0" anchor="ctr">
             <a:normAutofit/>
@@ -2647,7 +5256,7 @@
               <a:rPr lang="en-US" smtClean="0"/>
               <a:t>Click to edit Master title style</a:t>
             </a:r>
-            <a:endParaRPr lang="en-US"/>
+            <a:endParaRPr lang="en-US" dirty="0"/>
           </a:p>
         </p:txBody>
       </p:sp>
@@ -2663,8 +5272,8 @@
         </p:nvSpPr>
         <p:spPr>
           <a:xfrm>
-            <a:off x="457200" y="1600200"/>
-            <a:ext cx="8229600" cy="4525963"/>
+            <a:off x="594360" y="2194560"/>
+            <a:ext cx="7955280" cy="4069080"/>
           </a:xfrm>
           <a:prstGeom prst="rect">
             <a:avLst/>
@@ -2709,7 +5318,7 @@
               <a:rPr lang="en-US" smtClean="0"/>
               <a:t>Fifth level</a:t>
             </a:r>
-            <a:endParaRPr lang="en-US"/>
+            <a:endParaRPr lang="en-US" dirty="0"/>
           </a:p>
         </p:txBody>
       </p:sp>
@@ -2725,8 +5334,8 @@
         </p:nvSpPr>
         <p:spPr>
           <a:xfrm>
-            <a:off x="457200" y="6356350"/>
-            <a:ext cx="2133600" cy="365125"/>
+            <a:off x="6412230" y="6356351"/>
+            <a:ext cx="2137410" cy="365125"/>
           </a:xfrm>
           <a:prstGeom prst="rect">
             <a:avLst/>
@@ -2735,8 +5344,8 @@
         <p:txBody>
           <a:bodyPr vert="horz" lIns="91440" tIns="45720" rIns="91440" bIns="45720" rtlCol="0" anchor="ctr"/>
           <a:lstStyle>
-            <a:lvl1pPr algn="l">
-              <a:defRPr sz="1200">
+            <a:lvl1pPr algn="r">
+              <a:defRPr sz="1050">
                 <a:solidFill>
                   <a:schemeClr val="tx1">
                     <a:tint val="75000"/>
@@ -2766,8 +5375,8 @@
         </p:nvSpPr>
         <p:spPr>
           <a:xfrm>
-            <a:off x="3124200" y="6356350"/>
-            <a:ext cx="2895600" cy="365125"/>
+            <a:off x="594360" y="6355846"/>
+            <a:ext cx="5680710" cy="365125"/>
           </a:xfrm>
           <a:prstGeom prst="rect">
             <a:avLst/>
@@ -2776,8 +5385,8 @@
         <p:txBody>
           <a:bodyPr vert="horz" lIns="91440" tIns="45720" rIns="91440" bIns="45720" rtlCol="0" anchor="ctr"/>
           <a:lstStyle>
-            <a:lvl1pPr algn="ctr">
-              <a:defRPr sz="1200">
+            <a:lvl1pPr algn="l">
+              <a:defRPr sz="1050">
                 <a:solidFill>
                   <a:schemeClr val="tx1">
                     <a:tint val="75000"/>
@@ -2803,8 +5412,8 @@
         </p:nvSpPr>
         <p:spPr>
           <a:xfrm>
-            <a:off x="6553200" y="6356350"/>
-            <a:ext cx="2133600" cy="365125"/>
+            <a:off x="6572250" y="381001"/>
+            <a:ext cx="1977390" cy="365125"/>
           </a:xfrm>
           <a:prstGeom prst="rect">
             <a:avLst/>
@@ -2814,7 +5423,7 @@
           <a:bodyPr vert="horz" lIns="91440" tIns="45720" rIns="91440" bIns="45720" rtlCol="0" anchor="ctr"/>
           <a:lstStyle>
             <a:lvl1pPr algn="r">
-              <a:defRPr sz="1200">
+              <a:defRPr sz="1050">
                 <a:solidFill>
                   <a:schemeClr val="tx1">
                     <a:tint val="75000"/>
@@ -2835,32 +5444,41 @@
     </p:spTree>
     <p:extLst>
       <p:ext uri="{BB962C8B-B14F-4D97-AF65-F5344CB8AC3E}">
-        <p14:creationId xmlns:p14="http://schemas.microsoft.com/office/powerpoint/2010/main" val="2940348919"/>
+        <p14:creationId xmlns:p14="http://schemas.microsoft.com/office/powerpoint/2010/main" val="3141996393"/>
       </p:ext>
     </p:extLst>
   </p:cSld>
-  <p:clrMap bg1="lt1" tx1="dk1" bg2="lt2" tx2="dk2" accent1="accent1" accent2="accent2" accent3="accent3" accent4="accent4" accent5="accent5" accent6="accent6" hlink="hlink" folHlink="folHlink"/>
+  <p:clrMap bg1="dk1" tx1="lt1" bg2="dk2" tx2="lt2" accent1="accent1" accent2="accent2" accent3="accent3" accent4="accent4" accent5="accent5" accent6="accent6" hlink="hlink" folHlink="folHlink"/>
   <p:sldLayoutIdLst>
-    <p:sldLayoutId id="2147483649" r:id="rId1"/>
-    <p:sldLayoutId id="2147483650" r:id="rId2"/>
-    <p:sldLayoutId id="2147483651" r:id="rId3"/>
-    <p:sldLayoutId id="2147483652" r:id="rId4"/>
-    <p:sldLayoutId id="2147483653" r:id="rId5"/>
-    <p:sldLayoutId id="2147483654" r:id="rId6"/>
-    <p:sldLayoutId id="2147483655" r:id="rId7"/>
-    <p:sldLayoutId id="2147483656" r:id="rId8"/>
-    <p:sldLayoutId id="2147483657" r:id="rId9"/>
-    <p:sldLayoutId id="2147483658" r:id="rId10"/>
-    <p:sldLayoutId id="2147483659" r:id="rId11"/>
+    <p:sldLayoutId id="2147483661" r:id="rId1"/>
+    <p:sldLayoutId id="2147483662" r:id="rId2"/>
+    <p:sldLayoutId id="2147483663" r:id="rId3"/>
+    <p:sldLayoutId id="2147483664" r:id="rId4"/>
+    <p:sldLayoutId id="2147483665" r:id="rId5"/>
+    <p:sldLayoutId id="2147483666" r:id="rId6"/>
+    <p:sldLayoutId id="2147483667" r:id="rId7"/>
+    <p:sldLayoutId id="2147483668" r:id="rId8"/>
+    <p:sldLayoutId id="2147483669" r:id="rId9"/>
+    <p:sldLayoutId id="2147483670" r:id="rId10"/>
+    <p:sldLayoutId id="2147483671" r:id="rId11"/>
+    <p:sldLayoutId id="2147483672" r:id="rId12"/>
+    <p:sldLayoutId id="2147483673" r:id="rId13"/>
+    <p:sldLayoutId id="2147483674" r:id="rId14"/>
+    <p:sldLayoutId id="2147483675" r:id="rId15"/>
+    <p:sldLayoutId id="2147483676" r:id="rId16"/>
+    <p:sldLayoutId id="2147483677" r:id="rId17"/>
   </p:sldLayoutIdLst>
   <p:txStyles>
     <p:titleStyle>
-      <a:lvl1pPr algn="ctr" defTabSz="914400" rtl="0" eaLnBrk="1" latinLnBrk="0" hangingPunct="1">
+      <a:lvl1pPr algn="r" defTabSz="914400" rtl="0" eaLnBrk="1" latinLnBrk="0" hangingPunct="1">
+        <a:lnSpc>
+          <a:spcPct val="90000"/>
+        </a:lnSpc>
         <a:spcBef>
           <a:spcPct val="0"/>
         </a:spcBef>
         <a:buNone/>
-        <a:defRPr sz="4400" kern="1200">
+        <a:defRPr sz="4000" kern="1200" cap="all" baseline="0">
           <a:solidFill>
             <a:schemeClr val="tx1"/>
           </a:solidFill>
@@ -2871,13 +5489,16 @@
       </a:lvl1pPr>
     </p:titleStyle>
     <p:bodyStyle>
-      <a:lvl1pPr marL="342900" indent="-342900" algn="l" defTabSz="914400" rtl="0" eaLnBrk="1" latinLnBrk="0" hangingPunct="1">
+      <a:lvl1pPr marL="228600" indent="-228600" algn="l" defTabSz="914400" rtl="0" eaLnBrk="1" latinLnBrk="0" hangingPunct="1">
+        <a:lnSpc>
+          <a:spcPct val="90000"/>
+        </a:lnSpc>
         <a:spcBef>
-          <a:spcPct val="20000"/>
+          <a:spcPts val="1000"/>
         </a:spcBef>
         <a:buFont typeface="Arial" panose="020B0604020202020204" pitchFamily="34" charset="0"/>
         <a:buChar char="•"/>
-        <a:defRPr sz="3200" kern="1200">
+        <a:defRPr sz="2200" kern="1200">
           <a:solidFill>
             <a:schemeClr val="tx1"/>
           </a:solidFill>
@@ -2886,69 +5507,12 @@
           <a:cs typeface="+mn-cs"/>
         </a:defRPr>
       </a:lvl1pPr>
-      <a:lvl2pPr marL="742950" indent="-285750" algn="l" defTabSz="914400" rtl="0" eaLnBrk="1" latinLnBrk="0" hangingPunct="1">
+      <a:lvl2pPr marL="685800" indent="-228600" algn="l" defTabSz="914400" rtl="0" eaLnBrk="1" latinLnBrk="0" hangingPunct="1">
+        <a:lnSpc>
+          <a:spcPct val="90000"/>
+        </a:lnSpc>
         <a:spcBef>
-          <a:spcPct val="20000"/>
-        </a:spcBef>
-        <a:buFont typeface="Arial" panose="020B0604020202020204" pitchFamily="34" charset="0"/>
-        <a:buChar char="–"/>
-        <a:defRPr sz="2800" kern="1200">
-          <a:solidFill>
-            <a:schemeClr val="tx1"/>
-          </a:solidFill>
-          <a:latin typeface="+mn-lt"/>
-          <a:ea typeface="+mn-ea"/>
-          <a:cs typeface="+mn-cs"/>
-        </a:defRPr>
-      </a:lvl2pPr>
-      <a:lvl3pPr marL="1143000" indent="-228600" algn="l" defTabSz="914400" rtl="0" eaLnBrk="1" latinLnBrk="0" hangingPunct="1">
-        <a:spcBef>
-          <a:spcPct val="20000"/>
-        </a:spcBef>
-        <a:buFont typeface="Arial" panose="020B0604020202020204" pitchFamily="34" charset="0"/>
-        <a:buChar char="•"/>
-        <a:defRPr sz="2400" kern="1200">
-          <a:solidFill>
-            <a:schemeClr val="tx1"/>
-          </a:solidFill>
-          <a:latin typeface="+mn-lt"/>
-          <a:ea typeface="+mn-ea"/>
-          <a:cs typeface="+mn-cs"/>
-        </a:defRPr>
-      </a:lvl3pPr>
-      <a:lvl4pPr marL="1600200" indent="-228600" algn="l" defTabSz="914400" rtl="0" eaLnBrk="1" latinLnBrk="0" hangingPunct="1">
-        <a:spcBef>
-          <a:spcPct val="20000"/>
-        </a:spcBef>
-        <a:buFont typeface="Arial" panose="020B0604020202020204" pitchFamily="34" charset="0"/>
-        <a:buChar char="–"/>
-        <a:defRPr sz="2000" kern="1200">
-          <a:solidFill>
-            <a:schemeClr val="tx1"/>
-          </a:solidFill>
-          <a:latin typeface="+mn-lt"/>
-          <a:ea typeface="+mn-ea"/>
-          <a:cs typeface="+mn-cs"/>
-        </a:defRPr>
-      </a:lvl4pPr>
-      <a:lvl5pPr marL="2057400" indent="-228600" algn="l" defTabSz="914400" rtl="0" eaLnBrk="1" latinLnBrk="0" hangingPunct="1">
-        <a:spcBef>
-          <a:spcPct val="20000"/>
-        </a:spcBef>
-        <a:buFont typeface="Arial" panose="020B0604020202020204" pitchFamily="34" charset="0"/>
-        <a:buChar char="»"/>
-        <a:defRPr sz="2000" kern="1200">
-          <a:solidFill>
-            <a:schemeClr val="tx1"/>
-          </a:solidFill>
-          <a:latin typeface="+mn-lt"/>
-          <a:ea typeface="+mn-ea"/>
-          <a:cs typeface="+mn-cs"/>
-        </a:defRPr>
-      </a:lvl5pPr>
-      <a:lvl6pPr marL="2514600" indent="-228600" algn="l" defTabSz="914400" rtl="0" eaLnBrk="1" latinLnBrk="0" hangingPunct="1">
-        <a:spcBef>
-          <a:spcPct val="20000"/>
+          <a:spcPts val="500"/>
         </a:spcBef>
         <a:buFont typeface="Arial" panose="020B0604020202020204" pitchFamily="34" charset="0"/>
         <a:buChar char="•"/>
@@ -2960,14 +5524,89 @@
           <a:ea typeface="+mn-ea"/>
           <a:cs typeface="+mn-cs"/>
         </a:defRPr>
-      </a:lvl6pPr>
-      <a:lvl7pPr marL="2971800" indent="-228600" algn="l" defTabSz="914400" rtl="0" eaLnBrk="1" latinLnBrk="0" hangingPunct="1">
+      </a:lvl2pPr>
+      <a:lvl3pPr marL="1143000" indent="-228600" algn="l" defTabSz="914400" rtl="0" eaLnBrk="1" latinLnBrk="0" hangingPunct="1">
+        <a:lnSpc>
+          <a:spcPct val="90000"/>
+        </a:lnSpc>
         <a:spcBef>
-          <a:spcPct val="20000"/>
+          <a:spcPts val="500"/>
         </a:spcBef>
         <a:buFont typeface="Arial" panose="020B0604020202020204" pitchFamily="34" charset="0"/>
         <a:buChar char="•"/>
-        <a:defRPr sz="2000" kern="1200">
+        <a:defRPr sz="1800" kern="1200">
+          <a:solidFill>
+            <a:schemeClr val="tx1"/>
+          </a:solidFill>
+          <a:latin typeface="+mn-lt"/>
+          <a:ea typeface="+mn-ea"/>
+          <a:cs typeface="+mn-cs"/>
+        </a:defRPr>
+      </a:lvl3pPr>
+      <a:lvl4pPr marL="1600200" indent="-228600" algn="l" defTabSz="914400" rtl="0" eaLnBrk="1" latinLnBrk="0" hangingPunct="1">
+        <a:lnSpc>
+          <a:spcPct val="90000"/>
+        </a:lnSpc>
+        <a:spcBef>
+          <a:spcPts val="500"/>
+        </a:spcBef>
+        <a:buFont typeface="Arial" panose="020B0604020202020204" pitchFamily="34" charset="0"/>
+        <a:buChar char="•"/>
+        <a:defRPr sz="1600" kern="1200">
+          <a:solidFill>
+            <a:schemeClr val="tx1"/>
+          </a:solidFill>
+          <a:latin typeface="+mn-lt"/>
+          <a:ea typeface="+mn-ea"/>
+          <a:cs typeface="+mn-cs"/>
+        </a:defRPr>
+      </a:lvl4pPr>
+      <a:lvl5pPr marL="2057400" indent="-228600" algn="l" defTabSz="914400" rtl="0" eaLnBrk="1" latinLnBrk="0" hangingPunct="1">
+        <a:lnSpc>
+          <a:spcPct val="90000"/>
+        </a:lnSpc>
+        <a:spcBef>
+          <a:spcPts val="500"/>
+        </a:spcBef>
+        <a:buFont typeface="Arial" panose="020B0604020202020204" pitchFamily="34" charset="0"/>
+        <a:buChar char="•"/>
+        <a:defRPr sz="1600" kern="1200">
+          <a:solidFill>
+            <a:schemeClr val="tx1"/>
+          </a:solidFill>
+          <a:latin typeface="+mn-lt"/>
+          <a:ea typeface="+mn-ea"/>
+          <a:cs typeface="+mn-cs"/>
+        </a:defRPr>
+      </a:lvl5pPr>
+      <a:lvl6pPr marL="2514600" indent="-228600" algn="l" defTabSz="914400" rtl="0" eaLnBrk="1" latinLnBrk="0" hangingPunct="1">
+        <a:lnSpc>
+          <a:spcPct val="90000"/>
+        </a:lnSpc>
+        <a:spcBef>
+          <a:spcPts val="500"/>
+        </a:spcBef>
+        <a:buFont typeface="Arial" panose="020B0604020202020204" pitchFamily="34" charset="0"/>
+        <a:buChar char="•"/>
+        <a:defRPr sz="1600" kern="1200">
+          <a:solidFill>
+            <a:schemeClr val="tx1"/>
+          </a:solidFill>
+          <a:latin typeface="+mn-lt"/>
+          <a:ea typeface="+mn-ea"/>
+          <a:cs typeface="+mn-cs"/>
+        </a:defRPr>
+      </a:lvl6pPr>
+      <a:lvl7pPr marL="2971800" indent="-228600" algn="l" defTabSz="914400" rtl="0" eaLnBrk="1" latinLnBrk="0" hangingPunct="1">
+        <a:lnSpc>
+          <a:spcPct val="90000"/>
+        </a:lnSpc>
+        <a:spcBef>
+          <a:spcPts val="500"/>
+        </a:spcBef>
+        <a:buFont typeface="Arial" panose="020B0604020202020204" pitchFamily="34" charset="0"/>
+        <a:buChar char="•"/>
+        <a:defRPr sz="1600" kern="1200">
           <a:solidFill>
             <a:schemeClr val="tx1"/>
           </a:solidFill>
@@ -2977,12 +5616,15 @@
         </a:defRPr>
       </a:lvl7pPr>
       <a:lvl8pPr marL="3429000" indent="-228600" algn="l" defTabSz="914400" rtl="0" eaLnBrk="1" latinLnBrk="0" hangingPunct="1">
+        <a:lnSpc>
+          <a:spcPct val="90000"/>
+        </a:lnSpc>
         <a:spcBef>
-          <a:spcPct val="20000"/>
+          <a:spcPts val="500"/>
         </a:spcBef>
         <a:buFont typeface="Arial" panose="020B0604020202020204" pitchFamily="34" charset="0"/>
         <a:buChar char="•"/>
-        <a:defRPr sz="2000" kern="1200">
+        <a:defRPr sz="1600" kern="1200">
           <a:solidFill>
             <a:schemeClr val="tx1"/>
           </a:solidFill>
@@ -2992,12 +5634,15 @@
         </a:defRPr>
       </a:lvl8pPr>
       <a:lvl9pPr marL="3886200" indent="-228600" algn="l" defTabSz="914400" rtl="0" eaLnBrk="1" latinLnBrk="0" hangingPunct="1">
+        <a:lnSpc>
+          <a:spcPct val="90000"/>
+        </a:lnSpc>
         <a:spcBef>
-          <a:spcPct val="20000"/>
+          <a:spcPts val="500"/>
         </a:spcBef>
         <a:buFont typeface="Arial" panose="020B0604020202020204" pitchFamily="34" charset="0"/>
         <a:buChar char="•"/>
-        <a:defRPr sz="2000" kern="1200">
+        <a:defRPr sz="1600" kern="1200">
           <a:solidFill>
             <a:schemeClr val="tx1"/>
           </a:solidFill>
@@ -3158,7 +5803,9 @@
         </p:nvSpPr>
         <p:spPr/>
         <p:txBody>
-          <a:bodyPr/>
+          <a:bodyPr>
+            <a:noAutofit/>
+          </a:bodyPr>
           <a:lstStyle/>
           <a:p>
             <a:r>
@@ -3247,7 +5894,7 @@
         </p:blipFill>
         <p:spPr>
           <a:xfrm>
-            <a:off x="1143000" y="1509712"/>
+            <a:off x="1143000" y="1814512"/>
             <a:ext cx="7010400" cy="4510088"/>
           </a:xfrm>
           <a:prstGeom prst="rect">
@@ -3380,20 +6027,20 @@
           <p:nvPr>
             <p:extLst>
               <p:ext uri="{D42A27DB-BD31-4B8C-83A1-F6EECF244321}">
-                <p14:modId xmlns:p14="http://schemas.microsoft.com/office/powerpoint/2010/main" val="4196247521"/>
+                <p14:modId xmlns:p14="http://schemas.microsoft.com/office/powerpoint/2010/main" val="1260554635"/>
               </p:ext>
             </p:extLst>
           </p:nvPr>
         </p:nvGraphicFramePr>
         <p:xfrm>
-          <a:off x="1295400" y="1243012"/>
-          <a:ext cx="6629400" cy="5386388"/>
+          <a:off x="1752600" y="1955006"/>
+          <a:ext cx="5753100" cy="4674394"/>
         </p:xfrm>
         <a:graphic>
           <a:graphicData uri="http://schemas.openxmlformats.org/presentationml/2006/ole">
             <mc:AlternateContent xmlns:mc="http://schemas.openxmlformats.org/markup-compatibility/2006">
               <mc:Choice xmlns:v="urn:schemas-microsoft-com:vml" Requires="v">
-                <p:oleObj spid="_x0000_s5125" r:id="rId4" imgW="6305443" imgH="5124330" progId="Visio.Drawing.15">
+                <p:oleObj spid="_x0000_s5128" r:id="rId4" imgW="6305443" imgH="5124330" progId="Visio.Drawing.15">
                   <p:embed/>
                 </p:oleObj>
               </mc:Choice>
@@ -3423,8 +6070,8 @@
                     </p:blipFill>
                     <p:spPr bwMode="auto">
                       <a:xfrm>
-                        <a:off x="1295400" y="1243012"/>
-                        <a:ext cx="6629400" cy="5386388"/>
+                        <a:off x="1752600" y="1955006"/>
+                        <a:ext cx="5753100" cy="4674394"/>
                       </a:xfrm>
                       <a:prstGeom prst="rect">
                         <a:avLst/>
@@ -3478,7 +6125,12 @@
             <p:ph type="title"/>
           </p:nvPr>
         </p:nvSpPr>
-        <p:spPr/>
+        <p:spPr>
+          <a:xfrm>
+            <a:off x="609600" y="764373"/>
+            <a:ext cx="7940040" cy="1293028"/>
+          </a:xfrm>
+        </p:spPr>
         <p:txBody>
           <a:bodyPr/>
           <a:lstStyle/>
@@ -3563,20 +6215,20 @@
           <p:nvPr>
             <p:extLst>
               <p:ext uri="{D42A27DB-BD31-4B8C-83A1-F6EECF244321}">
-                <p14:modId xmlns:p14="http://schemas.microsoft.com/office/powerpoint/2010/main" val="2123616930"/>
+                <p14:modId xmlns:p14="http://schemas.microsoft.com/office/powerpoint/2010/main" val="3394196421"/>
               </p:ext>
             </p:extLst>
           </p:nvPr>
         </p:nvGraphicFramePr>
         <p:xfrm>
-          <a:off x="762000" y="1346200"/>
-          <a:ext cx="7696200" cy="5130800"/>
+          <a:off x="1295400" y="1955800"/>
+          <a:ext cx="6781800" cy="4521200"/>
         </p:xfrm>
         <a:graphic>
           <a:graphicData uri="http://schemas.openxmlformats.org/presentationml/2006/ole">
             <mc:AlternateContent xmlns:mc="http://schemas.openxmlformats.org/markup-compatibility/2006">
               <mc:Choice xmlns:v="urn:schemas-microsoft-com:vml" Requires="v">
-                <p:oleObj spid="_x0000_s6149" r:id="rId4" imgW="6991311" imgH="4667220" progId="Visio.Drawing.15">
+                <p:oleObj spid="_x0000_s6152" r:id="rId4" imgW="6991311" imgH="4667220" progId="Visio.Drawing.15">
                   <p:embed/>
                 </p:oleObj>
               </mc:Choice>
@@ -3606,8 +6258,8 @@
                     </p:blipFill>
                     <p:spPr bwMode="auto">
                       <a:xfrm>
-                        <a:off x="762000" y="1346200"/>
-                        <a:ext cx="7696200" cy="5130800"/>
+                        <a:off x="1295400" y="1955800"/>
+                        <a:ext cx="6781800" cy="4521200"/>
                       </a:xfrm>
                       <a:prstGeom prst="rect">
                         <a:avLst/>
@@ -3661,7 +6313,12 @@
             <p:ph type="title"/>
           </p:nvPr>
         </p:nvSpPr>
-        <p:spPr/>
+        <p:spPr>
+          <a:xfrm>
+            <a:off x="457200" y="764373"/>
+            <a:ext cx="8092440" cy="1293028"/>
+          </a:xfrm>
+        </p:spPr>
         <p:txBody>
           <a:bodyPr/>
           <a:lstStyle/>
@@ -3674,58 +6331,211 @@
           </a:p>
         </p:txBody>
       </p:sp>
-      <p:sp>
-        <p:nvSpPr>
-          <p:cNvPr id="3" name="Content Placeholder 2"/>
-          <p:cNvSpPr>
-            <a:spLocks noGrp="1"/>
-          </p:cNvSpPr>
-          <p:nvPr>
-            <p:ph idx="1"/>
-          </p:nvPr>
-        </p:nvSpPr>
-        <p:spPr/>
-        <p:txBody>
-          <a:bodyPr/>
-          <a:lstStyle/>
-          <a:p>
-            <a:r>
-              <a:rPr lang="en-US" dirty="0" smtClean="0"/>
-              <a:t>Unity 3D</a:t>
-            </a:r>
-          </a:p>
-          <a:p>
-            <a:r>
-              <a:rPr lang="en-US" dirty="0" smtClean="0"/>
-              <a:t>Visual Studio</a:t>
-            </a:r>
-          </a:p>
-          <a:p>
-            <a:r>
-              <a:rPr lang="en-US" dirty="0" smtClean="0"/>
-              <a:t>Git/</a:t>
-            </a:r>
-            <a:r>
-              <a:rPr lang="en-US" dirty="0" err="1" smtClean="0"/>
-              <a:t>Github</a:t>
-            </a:r>
-            <a:endParaRPr lang="en-US" dirty="0" smtClean="0"/>
-          </a:p>
-          <a:p>
-            <a:r>
-              <a:rPr lang="en-US" dirty="0" smtClean="0"/>
-              <a:t>Google Cardboard</a:t>
-            </a:r>
-          </a:p>
-          <a:p>
-            <a:r>
-              <a:rPr lang="en-US" dirty="0" smtClean="0"/>
-              <a:t>Android</a:t>
-            </a:r>
-            <a:endParaRPr lang="en-US" dirty="0"/>
-          </a:p>
-        </p:txBody>
-      </p:sp>
+      <p:pic>
+        <p:nvPicPr>
+          <p:cNvPr id="7178" name="Picture 10" descr="https://pbs.twimg.com/profile_images/552902707300675584/_zzPQBoj.png"/>
+          <p:cNvPicPr>
+            <a:picLocks noChangeAspect="1" noChangeArrowheads="1"/>
+          </p:cNvPicPr>
+          <p:nvPr/>
+        </p:nvPicPr>
+        <p:blipFill>
+          <a:blip r:embed="rId2">
+            <a:extLst>
+              <a:ext uri="{28A0092B-C50C-407E-A947-70E740481C1C}">
+                <a14:useLocalDpi xmlns:a14="http://schemas.microsoft.com/office/drawing/2010/main" val="0"/>
+              </a:ext>
+            </a:extLst>
+          </a:blip>
+          <a:srcRect/>
+          <a:stretch>
+            <a:fillRect/>
+          </a:stretch>
+        </p:blipFill>
+        <p:spPr bwMode="auto">
+          <a:xfrm>
+            <a:off x="3312795" y="1735455"/>
+            <a:ext cx="2381250" cy="2381250"/>
+          </a:xfrm>
+          <a:prstGeom prst="rect">
+            <a:avLst/>
+          </a:prstGeom>
+          <a:noFill/>
+          <a:extLst>
+            <a:ext uri="{909E8E84-426E-40DD-AFC4-6F175D3DCCD1}">
+              <a14:hiddenFill xmlns:a14="http://schemas.microsoft.com/office/drawing/2010/main">
+                <a:solidFill>
+                  <a:srgbClr val="FFFFFF"/>
+                </a:solidFill>
+              </a14:hiddenFill>
+            </a:ext>
+          </a:extLst>
+        </p:spPr>
+      </p:pic>
+      <p:pic>
+        <p:nvPicPr>
+          <p:cNvPr id="7182" name="Picture 14" descr="Image result for github"/>
+          <p:cNvPicPr>
+            <a:picLocks noChangeAspect="1" noChangeArrowheads="1"/>
+          </p:cNvPicPr>
+          <p:nvPr/>
+        </p:nvPicPr>
+        <p:blipFill>
+          <a:blip r:embed="rId3">
+            <a:extLst>
+              <a:ext uri="{28A0092B-C50C-407E-A947-70E740481C1C}">
+                <a14:useLocalDpi xmlns:a14="http://schemas.microsoft.com/office/drawing/2010/main" val="0"/>
+              </a:ext>
+            </a:extLst>
+          </a:blip>
+          <a:srcRect/>
+          <a:stretch>
+            <a:fillRect/>
+          </a:stretch>
+        </p:blipFill>
+        <p:spPr bwMode="auto">
+          <a:xfrm>
+            <a:off x="6702743" y="1733550"/>
+            <a:ext cx="2381250" cy="2381250"/>
+          </a:xfrm>
+          <a:prstGeom prst="rect">
+            <a:avLst/>
+          </a:prstGeom>
+          <a:noFill/>
+          <a:extLst>
+            <a:ext uri="{909E8E84-426E-40DD-AFC4-6F175D3DCCD1}">
+              <a14:hiddenFill xmlns:a14="http://schemas.microsoft.com/office/drawing/2010/main">
+                <a:solidFill>
+                  <a:srgbClr val="FFFFFF"/>
+                </a:solidFill>
+              </a14:hiddenFill>
+            </a:ext>
+          </a:extLst>
+        </p:spPr>
+      </p:pic>
+      <p:pic>
+        <p:nvPicPr>
+          <p:cNvPr id="7184" name="Picture 16" descr="Image result for unity"/>
+          <p:cNvPicPr>
+            <a:picLocks noChangeAspect="1" noChangeArrowheads="1"/>
+          </p:cNvPicPr>
+          <p:nvPr/>
+        </p:nvPicPr>
+        <p:blipFill>
+          <a:blip r:embed="rId4">
+            <a:extLst>
+              <a:ext uri="{28A0092B-C50C-407E-A947-70E740481C1C}">
+                <a14:useLocalDpi xmlns:a14="http://schemas.microsoft.com/office/drawing/2010/main" val="0"/>
+              </a:ext>
+            </a:extLst>
+          </a:blip>
+          <a:srcRect/>
+          <a:stretch>
+            <a:fillRect/>
+          </a:stretch>
+        </p:blipFill>
+        <p:spPr bwMode="auto">
+          <a:xfrm>
+            <a:off x="180023" y="1733550"/>
+            <a:ext cx="2381250" cy="2381250"/>
+          </a:xfrm>
+          <a:prstGeom prst="rect">
+            <a:avLst/>
+          </a:prstGeom>
+          <a:noFill/>
+          <a:extLst>
+            <a:ext uri="{909E8E84-426E-40DD-AFC4-6F175D3DCCD1}">
+              <a14:hiddenFill xmlns:a14="http://schemas.microsoft.com/office/drawing/2010/main">
+                <a:solidFill>
+                  <a:srgbClr val="FFFFFF"/>
+                </a:solidFill>
+              </a14:hiddenFill>
+            </a:ext>
+          </a:extLst>
+        </p:spPr>
+      </p:pic>
+      <p:pic>
+        <p:nvPicPr>
+          <p:cNvPr id="7186" name="Picture 18" descr="Image result for google cardboard"/>
+          <p:cNvPicPr>
+            <a:picLocks noChangeAspect="1" noChangeArrowheads="1"/>
+          </p:cNvPicPr>
+          <p:nvPr/>
+        </p:nvPicPr>
+        <p:blipFill>
+          <a:blip r:embed="rId5">
+            <a:extLst>
+              <a:ext uri="{28A0092B-C50C-407E-A947-70E740481C1C}">
+                <a14:useLocalDpi xmlns:a14="http://schemas.microsoft.com/office/drawing/2010/main" val="0"/>
+              </a:ext>
+            </a:extLst>
+          </a:blip>
+          <a:srcRect/>
+          <a:stretch>
+            <a:fillRect/>
+          </a:stretch>
+        </p:blipFill>
+        <p:spPr bwMode="auto">
+          <a:xfrm>
+            <a:off x="1370648" y="4114800"/>
+            <a:ext cx="2381250" cy="2381250"/>
+          </a:xfrm>
+          <a:prstGeom prst="rect">
+            <a:avLst/>
+          </a:prstGeom>
+          <a:noFill/>
+          <a:extLst>
+            <a:ext uri="{909E8E84-426E-40DD-AFC4-6F175D3DCCD1}">
+              <a14:hiddenFill xmlns:a14="http://schemas.microsoft.com/office/drawing/2010/main">
+                <a:solidFill>
+                  <a:srgbClr val="FFFFFF"/>
+                </a:solidFill>
+              </a14:hiddenFill>
+            </a:ext>
+          </a:extLst>
+        </p:spPr>
+      </p:pic>
+      <p:pic>
+        <p:nvPicPr>
+          <p:cNvPr id="7188" name="Picture 20" descr="Image result for android"/>
+          <p:cNvPicPr>
+            <a:picLocks noChangeAspect="1" noChangeArrowheads="1"/>
+          </p:cNvPicPr>
+          <p:nvPr/>
+        </p:nvPicPr>
+        <p:blipFill>
+          <a:blip r:embed="rId6">
+            <a:extLst>
+              <a:ext uri="{28A0092B-C50C-407E-A947-70E740481C1C}">
+                <a14:useLocalDpi xmlns:a14="http://schemas.microsoft.com/office/drawing/2010/main" val="0"/>
+              </a:ext>
+            </a:extLst>
+          </a:blip>
+          <a:srcRect/>
+          <a:stretch>
+            <a:fillRect/>
+          </a:stretch>
+        </p:blipFill>
+        <p:spPr bwMode="auto">
+          <a:xfrm>
+            <a:off x="5233171" y="4113848"/>
+            <a:ext cx="2381250" cy="2381250"/>
+          </a:xfrm>
+          <a:prstGeom prst="rect">
+            <a:avLst/>
+          </a:prstGeom>
+          <a:noFill/>
+          <a:extLst>
+            <a:ext uri="{909E8E84-426E-40DD-AFC4-6F175D3DCCD1}">
+              <a14:hiddenFill xmlns:a14="http://schemas.microsoft.com/office/drawing/2010/main">
+                <a:solidFill>
+                  <a:srgbClr val="FFFFFF"/>
+                </a:solidFill>
+              </a14:hiddenFill>
+            </a:ext>
+          </a:extLst>
+        </p:spPr>
+      </p:pic>
     </p:spTree>
     <p:extLst>
       <p:ext uri="{BB962C8B-B14F-4D97-AF65-F5344CB8AC3E}">
@@ -3791,20 +6601,22 @@
         </p:nvSpPr>
         <p:spPr/>
         <p:txBody>
-          <a:bodyPr/>
-          <a:lstStyle/>
-          <a:p>
-            <a:r>
-              <a:rPr lang="en-US" dirty="0" smtClean="0"/>
+          <a:bodyPr>
+            <a:normAutofit/>
+          </a:bodyPr>
+          <a:lstStyle/>
+          <a:p>
+            <a:r>
+              <a:rPr lang="en-US" sz="3600" dirty="0" smtClean="0"/>
               <a:t>Android app designed for agents to demonstrate the dangers of distracted driving to policy holders </a:t>
             </a:r>
           </a:p>
           <a:p>
             <a:r>
-              <a:rPr lang="en-US" dirty="0" smtClean="0"/>
+              <a:rPr lang="en-US" sz="3600" dirty="0" smtClean="0"/>
               <a:t>Utilizes Google Cardboard VR to create an immersive experience to engage younger audiences</a:t>
             </a:r>
-            <a:endParaRPr lang="en-US" dirty="0"/>
+            <a:endParaRPr lang="en-US" sz="3600" dirty="0"/>
           </a:p>
         </p:txBody>
       </p:sp>
@@ -3879,34 +6691,34 @@
           <a:lstStyle/>
           <a:p>
             <a:r>
-              <a:rPr lang="en-US" sz="2800" b="1" dirty="0" smtClean="0"/>
+              <a:rPr lang="en-US" sz="2400" b="1" dirty="0" smtClean="0"/>
               <a:t>Project Background:</a:t>
             </a:r>
             <a:r>
-              <a:rPr lang="en-US" sz="2800" dirty="0" smtClean="0"/>
+              <a:rPr lang="en-US" sz="2400" dirty="0" smtClean="0"/>
               <a:t> Distracted driving is becoming more prevalent with the rise of technology. Erie Insurance is invested in increasing awareness about this issue.</a:t>
             </a:r>
           </a:p>
           <a:p>
             <a:r>
-              <a:rPr lang="en-US" sz="2800" b="1" dirty="0" smtClean="0"/>
+              <a:rPr lang="en-US" sz="2400" b="1" dirty="0" smtClean="0"/>
               <a:t>Project Needs:</a:t>
             </a:r>
             <a:r>
-              <a:rPr lang="en-US" sz="2800" dirty="0" smtClean="0"/>
+              <a:rPr lang="en-US" sz="2400" dirty="0" smtClean="0"/>
               <a:t> Erie Insurance is looking for an innovative solution to engage younger audiences in learning about the dangers of distracted driving.</a:t>
             </a:r>
           </a:p>
           <a:p>
             <a:r>
-              <a:rPr lang="en-US" sz="2800" b="1" dirty="0" smtClean="0"/>
+              <a:rPr lang="en-US" sz="2400" b="1" dirty="0" smtClean="0"/>
               <a:t>Project Objective:</a:t>
             </a:r>
             <a:r>
-              <a:rPr lang="en-US" sz="2800" dirty="0" smtClean="0"/>
+              <a:rPr lang="en-US" sz="2400" dirty="0" smtClean="0"/>
               <a:t> This project aims to utilize virtual reality technology to create an immersive experience that involves users of all ages.</a:t>
             </a:r>
-            <a:endParaRPr lang="en-US" sz="2800" b="1" dirty="0"/>
+            <a:endParaRPr lang="en-US" sz="2400" b="1" dirty="0"/>
           </a:p>
         </p:txBody>
       </p:sp>
@@ -3986,7 +6798,7 @@
         </p:blipFill>
         <p:spPr bwMode="auto">
           <a:xfrm>
-            <a:off x="1228725" y="1533525"/>
+            <a:off x="1228725" y="2228850"/>
             <a:ext cx="6686550" cy="3790950"/>
           </a:xfrm>
           <a:prstGeom prst="rect">
@@ -4200,7 +7012,7 @@
         </p:blipFill>
         <p:spPr bwMode="auto">
           <a:xfrm>
-            <a:off x="1233488" y="2519363"/>
+            <a:off x="1233488" y="2209800"/>
             <a:ext cx="6677025" cy="1819275"/>
           </a:xfrm>
           <a:prstGeom prst="rect">
@@ -4369,7 +7181,7 @@
           <a:graphicData uri="http://schemas.openxmlformats.org/presentationml/2006/ole">
             <mc:AlternateContent xmlns:mc="http://schemas.openxmlformats.org/markup-compatibility/2006">
               <mc:Choice xmlns:v="urn:schemas-microsoft-com:vml" Requires="v">
-                <p:oleObj spid="_x0000_s4101" r:id="rId4" imgW="5086333" imgH="2457540" progId="Visio.Drawing.15">
+                <p:oleObj spid="_x0000_s4104" r:id="rId4" imgW="5086333" imgH="2457540" progId="Visio.Drawing.15">
                   <p:embed/>
                 </p:oleObj>
               </mc:Choice>
@@ -4490,7 +7302,7 @@
         </p:blipFill>
         <p:spPr bwMode="auto">
           <a:xfrm>
-            <a:off x="1371600" y="1524000"/>
+            <a:off x="1295400" y="1866900"/>
             <a:ext cx="6638925" cy="4610100"/>
           </a:xfrm>
           <a:prstGeom prst="rect">
@@ -4588,7 +7400,7 @@
         </p:blipFill>
         <p:spPr>
           <a:xfrm>
-            <a:off x="1295400" y="1521460"/>
+            <a:off x="1295400" y="1826260"/>
             <a:ext cx="6629400" cy="4650740"/>
           </a:xfrm>
           <a:prstGeom prst="rect">
@@ -4610,9 +7422,9 @@
 </file>
 
 <file path=ppt/theme/theme1.xml><?xml version="1.0" encoding="utf-8"?>
-<a:theme xmlns:a="http://schemas.openxmlformats.org/drawingml/2006/main" name="Office Theme">
+<a:theme xmlns:a="http://schemas.openxmlformats.org/drawingml/2006/main" name="Vapor Trail">
   <a:themeElements>
-    <a:clrScheme name="Office">
+    <a:clrScheme name="Vapor Trail">
       <a:dk1>
         <a:sysClr val="windowText" lastClr="000000"/>
       </a:dk1>
@@ -4620,39 +7432,39 @@
         <a:sysClr val="window" lastClr="FFFFFF"/>
       </a:lt1>
       <a:dk2>
-        <a:srgbClr val="1F497D"/>
+        <a:srgbClr val="454545"/>
       </a:dk2>
       <a:lt2>
-        <a:srgbClr val="EEECE1"/>
+        <a:srgbClr val="DADADA"/>
       </a:lt2>
       <a:accent1>
-        <a:srgbClr val="4F81BD"/>
+        <a:srgbClr val="DF2E28"/>
       </a:accent1>
       <a:accent2>
-        <a:srgbClr val="C0504D"/>
+        <a:srgbClr val="FE801A"/>
       </a:accent2>
       <a:accent3>
-        <a:srgbClr val="9BBB59"/>
+        <a:srgbClr val="E9BF35"/>
       </a:accent3>
       <a:accent4>
-        <a:srgbClr val="8064A2"/>
+        <a:srgbClr val="81BB42"/>
       </a:accent4>
       <a:accent5>
-        <a:srgbClr val="4BACC6"/>
+        <a:srgbClr val="32C7A9"/>
       </a:accent5>
       <a:accent6>
-        <a:srgbClr val="F79646"/>
+        <a:srgbClr val="4A9BDC"/>
       </a:accent6>
       <a:hlink>
-        <a:srgbClr val="0000FF"/>
+        <a:srgbClr val="F0532B"/>
       </a:hlink>
       <a:folHlink>
-        <a:srgbClr val="800080"/>
+        <a:srgbClr val="F38B53"/>
       </a:folHlink>
     </a:clrScheme>
-    <a:fontScheme name="Office">
+    <a:fontScheme name="Vapor Trail">
       <a:majorFont>
-        <a:latin typeface="Calibri"/>
+        <a:latin typeface="Century Gothic" panose="020B0502020202020204"/>
         <a:ea typeface=""/>
         <a:cs typeface=""/>
         <a:font script="Jpan" typeface="ＭＳ Ｐゴシック"/>
@@ -4687,7 +7499,7 @@
         <a:font script="Geor" typeface="Sylfaen"/>
       </a:majorFont>
       <a:minorFont>
-        <a:latin typeface="Calibri"/>
+        <a:latin typeface="Century Gothic" panose="020B0502020202020204"/>
         <a:ea typeface=""/>
         <a:cs typeface=""/>
         <a:font script="Jpan" typeface="ＭＳ Ｐゴシック"/>
@@ -4722,7 +7534,7 @@
         <a:font script="Geor" typeface="Sylfaen"/>
       </a:minorFont>
     </a:fontScheme>
-    <a:fmtScheme name="Office">
+    <a:fmtScheme name="Vapor Trail">
       <a:fillStyleLst>
         <a:solidFill>
           <a:schemeClr val="phClr"/>
@@ -4731,66 +7543,63 @@
           <a:gsLst>
             <a:gs pos="0">
               <a:schemeClr val="phClr">
-                <a:tint val="50000"/>
-                <a:satMod val="300000"/>
+                <a:tint val="69000"/>
+                <a:alpha val="100000"/>
+                <a:satMod val="109000"/>
+                <a:lumMod val="110000"/>
               </a:schemeClr>
             </a:gs>
-            <a:gs pos="35000">
+            <a:gs pos="52000">
               <a:schemeClr val="phClr">
-                <a:tint val="37000"/>
-                <a:satMod val="300000"/>
+                <a:tint val="74000"/>
+                <a:satMod val="100000"/>
+                <a:lumMod val="104000"/>
               </a:schemeClr>
             </a:gs>
             <a:gs pos="100000">
               <a:schemeClr val="phClr">
-                <a:tint val="15000"/>
-                <a:satMod val="350000"/>
+                <a:tint val="78000"/>
+                <a:satMod val="100000"/>
+                <a:lumMod val="100000"/>
               </a:schemeClr>
             </a:gs>
           </a:gsLst>
-          <a:lin ang="16200000" scaled="1"/>
+          <a:lin ang="5400000" scaled="0"/>
         </a:gradFill>
         <a:gradFill rotWithShape="1">
           <a:gsLst>
             <a:gs pos="0">
               <a:schemeClr val="phClr">
-                <a:shade val="51000"/>
-                <a:satMod val="130000"/>
+                <a:tint val="96000"/>
+                <a:satMod val="100000"/>
+                <a:lumMod val="104000"/>
               </a:schemeClr>
             </a:gs>
-            <a:gs pos="80000">
+            <a:gs pos="78000">
               <a:schemeClr val="phClr">
-                <a:shade val="93000"/>
-                <a:satMod val="130000"/>
-              </a:schemeClr>
-            </a:gs>
-            <a:gs pos="100000">
-              <a:schemeClr val="phClr">
-                <a:shade val="94000"/>
-                <a:satMod val="135000"/>
+                <a:shade val="100000"/>
+                <a:satMod val="110000"/>
+                <a:lumMod val="100000"/>
               </a:schemeClr>
             </a:gs>
           </a:gsLst>
-          <a:lin ang="16200000" scaled="0"/>
+          <a:lin ang="5400000" scaled="0"/>
         </a:gradFill>
       </a:fillStyleLst>
       <a:lnStyleLst>
         <a:ln w="9525" cap="flat" cmpd="sng" algn="ctr">
           <a:solidFill>
-            <a:schemeClr val="phClr">
-              <a:shade val="95000"/>
-              <a:satMod val="105000"/>
-            </a:schemeClr>
+            <a:schemeClr val="phClr"/>
           </a:solidFill>
           <a:prstDash val="solid"/>
         </a:ln>
-        <a:ln w="25400" cap="flat" cmpd="sng" algn="ctr">
+        <a:ln w="12700" cap="flat" cmpd="sng" algn="ctr">
           <a:solidFill>
             <a:schemeClr val="phClr"/>
           </a:solidFill>
           <a:prstDash val="solid"/>
         </a:ln>
-        <a:ln w="38100" cap="flat" cmpd="sng" algn="ctr">
+        <a:ln w="19050" cap="flat" cmpd="sng" algn="ctr">
           <a:solidFill>
             <a:schemeClr val="phClr"/>
           </a:solidFill>
@@ -4799,28 +7608,25 @@
       </a:lnStyleLst>
       <a:effectStyleLst>
         <a:effectStyle>
-          <a:effectLst>
-            <a:outerShdw blurRad="40000" dist="20000" dir="5400000" rotWithShape="0">
-              <a:srgbClr val="000000">
-                <a:alpha val="38000"/>
-              </a:srgbClr>
-            </a:outerShdw>
-          </a:effectLst>
+          <a:effectLst/>
+        </a:effectStyle>
+        <a:effectStyle>
+          <a:effectLst/>
+          <a:scene3d>
+            <a:camera prst="orthographicFront">
+              <a:rot lat="0" lon="0" rev="0"/>
+            </a:camera>
+            <a:lightRig rig="threePt" dir="t"/>
+          </a:scene3d>
+          <a:sp3d>
+            <a:bevelT w="25400" h="12700"/>
+          </a:sp3d>
         </a:effectStyle>
         <a:effectStyle>
           <a:effectLst>
-            <a:outerShdw blurRad="40000" dist="23000" dir="5400000" rotWithShape="0">
+            <a:outerShdw blurRad="57150" dist="19050" dir="5400000" algn="ctr" rotWithShape="0">
               <a:srgbClr val="000000">
-                <a:alpha val="35000"/>
-              </a:srgbClr>
-            </a:outerShdw>
-          </a:effectLst>
-        </a:effectStyle>
-        <a:effectStyle>
-          <a:effectLst>
-            <a:outerShdw blurRad="40000" dist="23000" dir="5400000" rotWithShape="0">
-              <a:srgbClr val="000000">
-                <a:alpha val="35000"/>
+                <a:alpha val="48000"/>
               </a:srgbClr>
             </a:outerShdw>
           </a:effectLst>
@@ -4828,12 +7634,10 @@
             <a:camera prst="orthographicFront">
               <a:rot lat="0" lon="0" rev="0"/>
             </a:camera>
-            <a:lightRig rig="threePt" dir="t">
-              <a:rot lat="0" lon="0" rev="1200000"/>
-            </a:lightRig>
+            <a:lightRig rig="threePt" dir="t"/>
           </a:scene3d>
           <a:sp3d>
-            <a:bevelT w="63500" h="25400"/>
+            <a:bevelT w="50800" h="25400"/>
           </a:sp3d>
         </a:effectStyle>
       </a:effectStyleLst>
@@ -4841,55 +7645,48 @@
         <a:solidFill>
           <a:schemeClr val="phClr"/>
         </a:solidFill>
+        <a:solidFill>
+          <a:schemeClr val="phClr">
+            <a:tint val="95000"/>
+            <a:satMod val="170000"/>
+          </a:schemeClr>
+        </a:solidFill>
         <a:gradFill rotWithShape="1">
           <a:gsLst>
             <a:gs pos="0">
               <a:schemeClr val="phClr">
-                <a:tint val="40000"/>
-                <a:satMod val="350000"/>
+                <a:tint val="93000"/>
+                <a:shade val="98000"/>
+                <a:satMod val="150000"/>
+                <a:lumMod val="102000"/>
               </a:schemeClr>
             </a:gs>
-            <a:gs pos="40000">
+            <a:gs pos="50000">
               <a:schemeClr val="phClr">
-                <a:tint val="45000"/>
-                <a:shade val="99000"/>
-                <a:satMod val="350000"/>
+                <a:tint val="98000"/>
+                <a:shade val="90000"/>
+                <a:satMod val="130000"/>
+                <a:lumMod val="103000"/>
               </a:schemeClr>
             </a:gs>
             <a:gs pos="100000">
               <a:schemeClr val="phClr">
-                <a:shade val="20000"/>
-                <a:satMod val="255000"/>
+                <a:shade val="63000"/>
+                <a:satMod val="120000"/>
               </a:schemeClr>
             </a:gs>
           </a:gsLst>
-          <a:path path="circle">
-            <a:fillToRect l="50000" t="-80000" r="50000" b="180000"/>
-          </a:path>
-        </a:gradFill>
-        <a:gradFill rotWithShape="1">
-          <a:gsLst>
-            <a:gs pos="0">
-              <a:schemeClr val="phClr">
-                <a:tint val="80000"/>
-                <a:satMod val="300000"/>
-              </a:schemeClr>
-            </a:gs>
-            <a:gs pos="100000">
-              <a:schemeClr val="phClr">
-                <a:shade val="30000"/>
-                <a:satMod val="200000"/>
-              </a:schemeClr>
-            </a:gs>
-          </a:gsLst>
-          <a:path path="circle">
-            <a:fillToRect l="50000" t="50000" r="50000" b="50000"/>
-          </a:path>
+          <a:lin ang="5400000" scaled="0"/>
         </a:gradFill>
       </a:bgFillStyleLst>
     </a:fmtScheme>
   </a:themeElements>
   <a:objectDefaults/>
   <a:extraClrSchemeLst/>
+  <a:extLst>
+    <a:ext uri="{05A4C25C-085E-4340-85A3-A5531E510DB2}">
+      <thm15:themeFamily xmlns:thm15="http://schemas.microsoft.com/office/thememl/2012/main" name="Vapor Trail" id="{4FDF2955-7D9C-493C-B9F9-C205151B46CD}" vid="{8F31A783-2159-4870-BC29-2BA7D038EA44}"/>
+    </a:ext>
+  </a:extLst>
 </a:theme>
 </file>
--- a/Documents/Presentations/Presentation1.pptx
+++ b/Documents/Presentations/Presentation1.pptx
@@ -8,16 +8,20 @@
     <p:sldId id="256" r:id="rId2"/>
     <p:sldId id="257" r:id="rId3"/>
     <p:sldId id="258" r:id="rId4"/>
-    <p:sldId id="259" r:id="rId5"/>
-    <p:sldId id="260" r:id="rId6"/>
-    <p:sldId id="261" r:id="rId7"/>
-    <p:sldId id="262" r:id="rId8"/>
-    <p:sldId id="269" r:id="rId9"/>
-    <p:sldId id="268" r:id="rId10"/>
-    <p:sldId id="267" r:id="rId11"/>
-    <p:sldId id="263" r:id="rId12"/>
-    <p:sldId id="264" r:id="rId13"/>
-    <p:sldId id="265" r:id="rId14"/>
+    <p:sldId id="270" r:id="rId5"/>
+    <p:sldId id="259" r:id="rId6"/>
+    <p:sldId id="260" r:id="rId7"/>
+    <p:sldId id="261" r:id="rId8"/>
+    <p:sldId id="262" r:id="rId9"/>
+    <p:sldId id="269" r:id="rId10"/>
+    <p:sldId id="268" r:id="rId11"/>
+    <p:sldId id="267" r:id="rId12"/>
+    <p:sldId id="275" r:id="rId13"/>
+    <p:sldId id="274" r:id="rId14"/>
+    <p:sldId id="271" r:id="rId15"/>
+    <p:sldId id="272" r:id="rId16"/>
+    <p:sldId id="265" r:id="rId17"/>
+    <p:sldId id="273" r:id="rId18"/>
   </p:sldIdLst>
   <p:sldSz cx="9144000" cy="6858000" type="screen4x3"/>
   <p:notesSz cx="6858000" cy="9144000"/>
@@ -305,7 +309,7 @@
           <a:p>
             <a:fld id="{4A88F55E-F3C8-451A-88F1-3CC070D1BD1A}" type="datetimeFigureOut">
               <a:rPr lang="en-US" smtClean="0"/>
-              <a:t>10/5/2016</a:t>
+              <a:t>10/10/2016</a:t>
             </a:fld>
             <a:endParaRPr lang="en-US"/>
           </a:p>
@@ -572,7 +576,7 @@
           <a:p>
             <a:fld id="{4A88F55E-F3C8-451A-88F1-3CC070D1BD1A}" type="datetimeFigureOut">
               <a:rPr lang="en-US" smtClean="0"/>
-              <a:t>10/5/2016</a:t>
+              <a:t>10/10/2016</a:t>
             </a:fld>
             <a:endParaRPr lang="en-US"/>
           </a:p>
@@ -803,7 +807,7 @@
           <a:p>
             <a:fld id="{4A88F55E-F3C8-451A-88F1-3CC070D1BD1A}" type="datetimeFigureOut">
               <a:rPr lang="en-US" smtClean="0"/>
-              <a:t>10/5/2016</a:t>
+              <a:t>10/10/2016</a:t>
             </a:fld>
             <a:endParaRPr lang="en-US"/>
           </a:p>
@@ -1113,7 +1117,7 @@
           <a:p>
             <a:fld id="{4A88F55E-F3C8-451A-88F1-3CC070D1BD1A}" type="datetimeFigureOut">
               <a:rPr lang="en-US" smtClean="0"/>
-              <a:t>10/5/2016</a:t>
+              <a:t>10/10/2016</a:t>
             </a:fld>
             <a:endParaRPr lang="en-US"/>
           </a:p>
@@ -1586,7 +1590,7 @@
           <a:p>
             <a:fld id="{4A88F55E-F3C8-451A-88F1-3CC070D1BD1A}" type="datetimeFigureOut">
               <a:rPr lang="en-US" smtClean="0"/>
-              <a:t>10/5/2016</a:t>
+              <a:t>10/10/2016</a:t>
             </a:fld>
             <a:endParaRPr lang="en-US"/>
           </a:p>
@@ -2133,7 +2137,7 @@
           <a:p>
             <a:fld id="{4A88F55E-F3C8-451A-88F1-3CC070D1BD1A}" type="datetimeFigureOut">
               <a:rPr lang="en-US" smtClean="0"/>
-              <a:t>10/5/2016</a:t>
+              <a:t>10/10/2016</a:t>
             </a:fld>
             <a:endParaRPr lang="en-US"/>
           </a:p>
@@ -2907,7 +2911,7 @@
           <a:p>
             <a:fld id="{4A88F55E-F3C8-451A-88F1-3CC070D1BD1A}" type="datetimeFigureOut">
               <a:rPr lang="en-US" smtClean="0"/>
-              <a:t>10/5/2016</a:t>
+              <a:t>10/10/2016</a:t>
             </a:fld>
             <a:endParaRPr lang="en-US"/>
           </a:p>
@@ -3082,7 +3086,7 @@
           <a:p>
             <a:fld id="{4A88F55E-F3C8-451A-88F1-3CC070D1BD1A}" type="datetimeFigureOut">
               <a:rPr lang="en-US" smtClean="0"/>
-              <a:t>10/5/2016</a:t>
+              <a:t>10/10/2016</a:t>
             </a:fld>
             <a:endParaRPr lang="en-US"/>
           </a:p>
@@ -3305,7 +3309,7 @@
           <a:p>
             <a:fld id="{4A88F55E-F3C8-451A-88F1-3CC070D1BD1A}" type="datetimeFigureOut">
               <a:rPr lang="en-US" smtClean="0"/>
-              <a:t>10/5/2016</a:t>
+              <a:t>10/10/2016</a:t>
             </a:fld>
             <a:endParaRPr lang="en-US"/>
           </a:p>
@@ -3485,7 +3489,7 @@
           <a:p>
             <a:fld id="{4A88F55E-F3C8-451A-88F1-3CC070D1BD1A}" type="datetimeFigureOut">
               <a:rPr lang="en-US" smtClean="0"/>
-              <a:t>10/5/2016</a:t>
+              <a:t>10/10/2016</a:t>
             </a:fld>
             <a:endParaRPr lang="en-US"/>
           </a:p>
@@ -3774,7 +3778,7 @@
           <a:p>
             <a:fld id="{4A88F55E-F3C8-451A-88F1-3CC070D1BD1A}" type="datetimeFigureOut">
               <a:rPr lang="en-US" smtClean="0"/>
-              <a:t>10/5/2016</a:t>
+              <a:t>10/10/2016</a:t>
             </a:fld>
             <a:endParaRPr lang="en-US"/>
           </a:p>
@@ -4016,7 +4020,7 @@
           <a:p>
             <a:fld id="{4A88F55E-F3C8-451A-88F1-3CC070D1BD1A}" type="datetimeFigureOut">
               <a:rPr lang="en-US" smtClean="0"/>
-              <a:t>10/5/2016</a:t>
+              <a:t>10/10/2016</a:t>
             </a:fld>
             <a:endParaRPr lang="en-US"/>
           </a:p>
@@ -4395,7 +4399,7 @@
           <a:p>
             <a:fld id="{4A88F55E-F3C8-451A-88F1-3CC070D1BD1A}" type="datetimeFigureOut">
               <a:rPr lang="en-US" smtClean="0"/>
-              <a:t>10/5/2016</a:t>
+              <a:t>10/10/2016</a:t>
             </a:fld>
             <a:endParaRPr lang="en-US"/>
           </a:p>
@@ -4513,7 +4517,7 @@
           <a:p>
             <a:fld id="{4A88F55E-F3C8-451A-88F1-3CC070D1BD1A}" type="datetimeFigureOut">
               <a:rPr lang="en-US" smtClean="0"/>
-              <a:t>10/5/2016</a:t>
+              <a:t>10/10/2016</a:t>
             </a:fld>
             <a:endParaRPr lang="en-US"/>
           </a:p>
@@ -4608,7 +4612,7 @@
           <a:p>
             <a:fld id="{4A88F55E-F3C8-451A-88F1-3CC070D1BD1A}" type="datetimeFigureOut">
               <a:rPr lang="en-US" smtClean="0"/>
-              <a:t>10/5/2016</a:t>
+              <a:t>10/10/2016</a:t>
             </a:fld>
             <a:endParaRPr lang="en-US"/>
           </a:p>
@@ -4857,7 +4861,7 @@
           <a:p>
             <a:fld id="{4A88F55E-F3C8-451A-88F1-3CC070D1BD1A}" type="datetimeFigureOut">
               <a:rPr lang="en-US" smtClean="0"/>
-              <a:t>10/5/2016</a:t>
+              <a:t>10/10/2016</a:t>
             </a:fld>
             <a:endParaRPr lang="en-US"/>
           </a:p>
@@ -5114,7 +5118,7 @@
           <a:p>
             <a:fld id="{4A88F55E-F3C8-451A-88F1-3CC070D1BD1A}" type="datetimeFigureOut">
               <a:rPr lang="en-US" smtClean="0"/>
-              <a:t>10/5/2016</a:t>
+              <a:t>10/10/2016</a:t>
             </a:fld>
             <a:endParaRPr lang="en-US"/>
           </a:p>
@@ -5357,7 +5361,7 @@
           <a:p>
             <a:fld id="{4A88F55E-F3C8-451A-88F1-3CC070D1BD1A}" type="datetimeFigureOut">
               <a:rPr lang="en-US" smtClean="0"/>
-              <a:t>10/5/2016</a:t>
+              <a:t>10/10/2016</a:t>
             </a:fld>
             <a:endParaRPr lang="en-US"/>
           </a:p>
@@ -5867,7 +5871,12 @@
             <p:ph type="title"/>
           </p:nvPr>
         </p:nvSpPr>
-        <p:spPr/>
+        <p:spPr>
+          <a:xfrm>
+            <a:off x="2171700" y="228600"/>
+            <a:ext cx="6377940" cy="1293028"/>
+          </a:xfrm>
+        </p:spPr>
         <p:txBody>
           <a:bodyPr/>
           <a:lstStyle/>
@@ -5894,18 +5903,48 @@
         </p:blipFill>
         <p:spPr>
           <a:xfrm>
-            <a:off x="1143000" y="1814512"/>
-            <a:ext cx="7010400" cy="4510088"/>
+            <a:off x="1295400" y="1371600"/>
+            <a:ext cx="6629400" cy="4650740"/>
           </a:xfrm>
           <a:prstGeom prst="rect">
             <a:avLst/>
           </a:prstGeom>
         </p:spPr>
       </p:pic>
+      <p:sp>
+        <p:nvSpPr>
+          <p:cNvPr id="6" name="TextBox 5"/>
+          <p:cNvSpPr txBox="1"/>
+          <p:nvPr/>
+        </p:nvSpPr>
+        <p:spPr>
+          <a:xfrm>
+            <a:off x="1219200" y="6248400"/>
+            <a:ext cx="7315200" cy="415498"/>
+          </a:xfrm>
+          <a:prstGeom prst="rect">
+            <a:avLst/>
+          </a:prstGeom>
+          <a:noFill/>
+        </p:spPr>
+        <p:txBody>
+          <a:bodyPr wrap="square" rtlCol="0">
+            <a:spAutoFit/>
+          </a:bodyPr>
+          <a:lstStyle/>
+          <a:p>
+            <a:r>
+              <a:rPr lang="en-US" sz="1050" dirty="0" smtClean="0"/>
+              <a:t>Note: These are our initial set of use cases. We may add new use cases as we progress and current use cases may change in the future.</a:t>
+            </a:r>
+            <a:endParaRPr lang="en-US" sz="1050" dirty="0"/>
+          </a:p>
+        </p:txBody>
+      </p:sp>
     </p:spTree>
     <p:extLst>
       <p:ext uri="{BB962C8B-B14F-4D97-AF65-F5344CB8AC3E}">
-        <p14:creationId xmlns:p14="http://schemas.microsoft.com/office/powerpoint/2010/main" val="1048500946"/>
+        <p14:creationId xmlns:p14="http://schemas.microsoft.com/office/powerpoint/2010/main" val="3424105124"/>
       </p:ext>
     </p:extLst>
   </p:cSld>
@@ -5942,6 +5981,280 @@
             <p:ph type="title"/>
           </p:nvPr>
         </p:nvSpPr>
+        <p:spPr>
+          <a:xfrm>
+            <a:off x="2171700" y="381000"/>
+            <a:ext cx="6377940" cy="1293028"/>
+          </a:xfrm>
+        </p:spPr>
+        <p:txBody>
+          <a:bodyPr/>
+          <a:lstStyle/>
+          <a:p>
+            <a:r>
+              <a:rPr lang="en-US" dirty="0" smtClean="0"/>
+              <a:t>Use Cases – Cont.</a:t>
+            </a:r>
+            <a:endParaRPr lang="en-US" dirty="0"/>
+          </a:p>
+        </p:txBody>
+      </p:sp>
+      <p:pic>
+        <p:nvPicPr>
+          <p:cNvPr id="4" name="Picture 3"/>
+          <p:cNvPicPr/>
+          <p:nvPr/>
+        </p:nvPicPr>
+        <p:blipFill>
+          <a:blip r:embed="rId2"/>
+          <a:stretch>
+            <a:fillRect/>
+          </a:stretch>
+        </p:blipFill>
+        <p:spPr>
+          <a:xfrm>
+            <a:off x="1143000" y="1447800"/>
+            <a:ext cx="7010400" cy="4510088"/>
+          </a:xfrm>
+          <a:prstGeom prst="rect">
+            <a:avLst/>
+          </a:prstGeom>
+        </p:spPr>
+      </p:pic>
+      <p:sp>
+        <p:nvSpPr>
+          <p:cNvPr id="6" name="TextBox 5"/>
+          <p:cNvSpPr txBox="1"/>
+          <p:nvPr/>
+        </p:nvSpPr>
+        <p:spPr>
+          <a:xfrm>
+            <a:off x="1219200" y="6248400"/>
+            <a:ext cx="7315200" cy="415498"/>
+          </a:xfrm>
+          <a:prstGeom prst="rect">
+            <a:avLst/>
+          </a:prstGeom>
+          <a:noFill/>
+        </p:spPr>
+        <p:txBody>
+          <a:bodyPr wrap="square" rtlCol="0">
+            <a:spAutoFit/>
+          </a:bodyPr>
+          <a:lstStyle/>
+          <a:p>
+            <a:r>
+              <a:rPr lang="en-US" sz="1050" dirty="0" smtClean="0"/>
+              <a:t>Note: These are our initial set of use cases. We may add new use cases as we progress and current use cases may change in the future.</a:t>
+            </a:r>
+            <a:endParaRPr lang="en-US" sz="1050" dirty="0"/>
+          </a:p>
+        </p:txBody>
+      </p:sp>
+    </p:spTree>
+    <p:extLst>
+      <p:ext uri="{BB962C8B-B14F-4D97-AF65-F5344CB8AC3E}">
+        <p14:creationId xmlns:p14="http://schemas.microsoft.com/office/powerpoint/2010/main" val="1048500946"/>
+      </p:ext>
+    </p:extLst>
+  </p:cSld>
+  <p:clrMapOvr>
+    <a:masterClrMapping/>
+  </p:clrMapOvr>
+</p:sld>
+</file>
+
+<file path=ppt/slides/slide12.xml><?xml version="1.0" encoding="utf-8"?>
+<p:sld xmlns:a="http://schemas.openxmlformats.org/drawingml/2006/main" xmlns:r="http://schemas.openxmlformats.org/officeDocument/2006/relationships" xmlns:p="http://schemas.openxmlformats.org/presentationml/2006/main">
+  <p:cSld>
+    <p:spTree>
+      <p:nvGrpSpPr>
+        <p:cNvPr id="1" name=""/>
+        <p:cNvGrpSpPr/>
+        <p:nvPr/>
+      </p:nvGrpSpPr>
+      <p:grpSpPr>
+        <a:xfrm>
+          <a:off x="0" y="0"/>
+          <a:ext cx="0" cy="0"/>
+          <a:chOff x="0" y="0"/>
+          <a:chExt cx="0" cy="0"/>
+        </a:xfrm>
+      </p:grpSpPr>
+      <p:sp>
+        <p:nvSpPr>
+          <p:cNvPr id="2" name="Title 1"/>
+          <p:cNvSpPr>
+            <a:spLocks noGrp="1"/>
+          </p:cNvSpPr>
+          <p:nvPr>
+            <p:ph type="title"/>
+          </p:nvPr>
+        </p:nvSpPr>
+        <p:spPr>
+          <a:xfrm>
+            <a:off x="457200" y="764373"/>
+            <a:ext cx="8092440" cy="1293028"/>
+          </a:xfrm>
+        </p:spPr>
+        <p:txBody>
+          <a:bodyPr/>
+          <a:lstStyle/>
+          <a:p>
+            <a:r>
+              <a:rPr lang="en-US" dirty="0" smtClean="0"/>
+              <a:t>Sequence diagrams </a:t>
+            </a:r>
+            <a:endParaRPr lang="en-US" dirty="0"/>
+          </a:p>
+        </p:txBody>
+      </p:sp>
+      <p:pic>
+        <p:nvPicPr>
+          <p:cNvPr id="4" name="Picture 3"/>
+          <p:cNvPicPr>
+            <a:picLocks noChangeAspect="1"/>
+          </p:cNvPicPr>
+          <p:nvPr/>
+        </p:nvPicPr>
+        <p:blipFill>
+          <a:blip r:embed="rId2"/>
+          <a:stretch>
+            <a:fillRect/>
+          </a:stretch>
+        </p:blipFill>
+        <p:spPr>
+          <a:xfrm>
+            <a:off x="990600" y="1752600"/>
+            <a:ext cx="7391400" cy="4899722"/>
+          </a:xfrm>
+          <a:prstGeom prst="rect">
+            <a:avLst/>
+          </a:prstGeom>
+        </p:spPr>
+      </p:pic>
+    </p:spTree>
+    <p:extLst>
+      <p:ext uri="{BB962C8B-B14F-4D97-AF65-F5344CB8AC3E}">
+        <p14:creationId xmlns:p14="http://schemas.microsoft.com/office/powerpoint/2010/main" val="887487479"/>
+      </p:ext>
+    </p:extLst>
+  </p:cSld>
+  <p:clrMapOvr>
+    <a:masterClrMapping/>
+  </p:clrMapOvr>
+</p:sld>
+</file>
+
+<file path=ppt/slides/slide13.xml><?xml version="1.0" encoding="utf-8"?>
+<p:sld xmlns:a="http://schemas.openxmlformats.org/drawingml/2006/main" xmlns:r="http://schemas.openxmlformats.org/officeDocument/2006/relationships" xmlns:p="http://schemas.openxmlformats.org/presentationml/2006/main">
+  <p:cSld>
+    <p:spTree>
+      <p:nvGrpSpPr>
+        <p:cNvPr id="1" name=""/>
+        <p:cNvGrpSpPr/>
+        <p:nvPr/>
+      </p:nvGrpSpPr>
+      <p:grpSpPr>
+        <a:xfrm>
+          <a:off x="0" y="0"/>
+          <a:ext cx="0" cy="0"/>
+          <a:chOff x="0" y="0"/>
+          <a:chExt cx="0" cy="0"/>
+        </a:xfrm>
+      </p:grpSpPr>
+      <p:sp>
+        <p:nvSpPr>
+          <p:cNvPr id="2" name="Title 1"/>
+          <p:cNvSpPr>
+            <a:spLocks noGrp="1"/>
+          </p:cNvSpPr>
+          <p:nvPr>
+            <p:ph type="title"/>
+          </p:nvPr>
+        </p:nvSpPr>
+        <p:spPr>
+          <a:xfrm>
+            <a:off x="685800" y="764373"/>
+            <a:ext cx="7863840" cy="1293028"/>
+          </a:xfrm>
+        </p:spPr>
+        <p:txBody>
+          <a:bodyPr/>
+          <a:lstStyle/>
+          <a:p>
+            <a:r>
+              <a:rPr lang="en-US" dirty="0" smtClean="0"/>
+              <a:t>Sequence diagrams – cont.</a:t>
+            </a:r>
+            <a:endParaRPr lang="en-US" dirty="0"/>
+          </a:p>
+        </p:txBody>
+      </p:sp>
+      <p:pic>
+        <p:nvPicPr>
+          <p:cNvPr id="4" name="Picture 3"/>
+          <p:cNvPicPr>
+            <a:picLocks noChangeAspect="1"/>
+          </p:cNvPicPr>
+          <p:nvPr/>
+        </p:nvPicPr>
+        <p:blipFill>
+          <a:blip r:embed="rId2"/>
+          <a:stretch>
+            <a:fillRect/>
+          </a:stretch>
+        </p:blipFill>
+        <p:spPr>
+          <a:xfrm>
+            <a:off x="1371600" y="2051305"/>
+            <a:ext cx="6613445" cy="4076700"/>
+          </a:xfrm>
+          <a:prstGeom prst="rect">
+            <a:avLst/>
+          </a:prstGeom>
+        </p:spPr>
+      </p:pic>
+    </p:spTree>
+    <p:extLst>
+      <p:ext uri="{BB962C8B-B14F-4D97-AF65-F5344CB8AC3E}">
+        <p14:creationId xmlns:p14="http://schemas.microsoft.com/office/powerpoint/2010/main" val="683119086"/>
+      </p:ext>
+    </p:extLst>
+  </p:cSld>
+  <p:clrMapOvr>
+    <a:masterClrMapping/>
+  </p:clrMapOvr>
+</p:sld>
+</file>
+
+<file path=ppt/slides/slide14.xml><?xml version="1.0" encoding="utf-8"?>
+<p:sld xmlns:a="http://schemas.openxmlformats.org/drawingml/2006/main" xmlns:r="http://schemas.openxmlformats.org/officeDocument/2006/relationships" xmlns:p="http://schemas.openxmlformats.org/presentationml/2006/main">
+  <p:cSld>
+    <p:spTree>
+      <p:nvGrpSpPr>
+        <p:cNvPr id="1" name=""/>
+        <p:cNvGrpSpPr/>
+        <p:nvPr/>
+      </p:nvGrpSpPr>
+      <p:grpSpPr>
+        <a:xfrm>
+          <a:off x="0" y="0"/>
+          <a:ext cx="0" cy="0"/>
+          <a:chOff x="0" y="0"/>
+          <a:chExt cx="0" cy="0"/>
+        </a:xfrm>
+      </p:grpSpPr>
+      <p:sp>
+        <p:nvSpPr>
+          <p:cNvPr id="2" name="Title 1"/>
+          <p:cNvSpPr>
+            <a:spLocks noGrp="1"/>
+          </p:cNvSpPr>
+          <p:nvPr>
+            <p:ph type="title"/>
+          </p:nvPr>
+        </p:nvSpPr>
         <p:spPr/>
         <p:txBody>
           <a:bodyPr/>
@@ -5949,7 +6262,1324 @@
           <a:p>
             <a:r>
               <a:rPr lang="en-US" dirty="0" smtClean="0"/>
-              <a:t>Sequence Diagrams</a:t>
+              <a:t>Exploratory studies</a:t>
+            </a:r>
+            <a:endParaRPr lang="en-US" dirty="0"/>
+          </a:p>
+        </p:txBody>
+      </p:sp>
+      <p:sp>
+        <p:nvSpPr>
+          <p:cNvPr id="3" name="Content Placeholder 2"/>
+          <p:cNvSpPr>
+            <a:spLocks noGrp="1"/>
+          </p:cNvSpPr>
+          <p:nvPr>
+            <p:ph idx="1"/>
+          </p:nvPr>
+        </p:nvSpPr>
+        <p:spPr/>
+        <p:txBody>
+          <a:bodyPr/>
+          <a:lstStyle/>
+          <a:p>
+            <a:r>
+              <a:rPr lang="en-US" b="1" dirty="0" smtClean="0"/>
+              <a:t>Relevant Techniques: </a:t>
+            </a:r>
+            <a:r>
+              <a:rPr lang="en-US" dirty="0" smtClean="0"/>
+              <a:t>Due to the nature of Unity Engine being component based, we plan to adopt a component based design.</a:t>
+            </a:r>
+          </a:p>
+          <a:p>
+            <a:r>
+              <a:rPr lang="en-US" b="1" dirty="0" smtClean="0"/>
+              <a:t>Relevant packages/products: </a:t>
+            </a:r>
+            <a:r>
+              <a:rPr lang="en-US" dirty="0" smtClean="0"/>
+              <a:t>The Unity asset store contains models, scripts, animations, and other assets we can use. We are experimenting with some currently to discover what we want to use in our prototype.</a:t>
+            </a:r>
+          </a:p>
+          <a:p>
+            <a:r>
+              <a:rPr lang="en-US" b="1" dirty="0" smtClean="0"/>
+              <a:t>Broader Impacts:</a:t>
+            </a:r>
+            <a:r>
+              <a:rPr lang="en-US" dirty="0" smtClean="0"/>
+              <a:t> Aside from Erie Insurance benefitting from our project, drivers and their families will benefit since they will give a second thought to distracted driving after using the application.</a:t>
+            </a:r>
+            <a:endParaRPr lang="en-US" b="1" dirty="0"/>
+          </a:p>
+        </p:txBody>
+      </p:sp>
+    </p:spTree>
+    <p:extLst>
+      <p:ext uri="{BB962C8B-B14F-4D97-AF65-F5344CB8AC3E}">
+        <p14:creationId xmlns:p14="http://schemas.microsoft.com/office/powerpoint/2010/main" val="3673460285"/>
+      </p:ext>
+    </p:extLst>
+  </p:cSld>
+  <p:clrMapOvr>
+    <a:masterClrMapping/>
+  </p:clrMapOvr>
+</p:sld>
+</file>
+
+<file path=ppt/slides/slide15.xml><?xml version="1.0" encoding="utf-8"?>
+<p:sld xmlns:a="http://schemas.openxmlformats.org/drawingml/2006/main" xmlns:r="http://schemas.openxmlformats.org/officeDocument/2006/relationships" xmlns:p="http://schemas.openxmlformats.org/presentationml/2006/main">
+  <p:cSld>
+    <p:spTree>
+      <p:nvGrpSpPr>
+        <p:cNvPr id="1" name=""/>
+        <p:cNvGrpSpPr/>
+        <p:nvPr/>
+      </p:nvGrpSpPr>
+      <p:grpSpPr>
+        <a:xfrm>
+          <a:off x="0" y="0"/>
+          <a:ext cx="0" cy="0"/>
+          <a:chOff x="0" y="0"/>
+          <a:chExt cx="0" cy="0"/>
+        </a:xfrm>
+      </p:grpSpPr>
+      <p:sp>
+        <p:nvSpPr>
+          <p:cNvPr id="2" name="Title 1"/>
+          <p:cNvSpPr>
+            <a:spLocks noGrp="1"/>
+          </p:cNvSpPr>
+          <p:nvPr>
+            <p:ph type="title"/>
+          </p:nvPr>
+        </p:nvSpPr>
+        <p:spPr>
+          <a:xfrm>
+            <a:off x="594360" y="764373"/>
+            <a:ext cx="7955280" cy="1293028"/>
+          </a:xfrm>
+        </p:spPr>
+        <p:txBody>
+          <a:bodyPr>
+            <a:normAutofit/>
+          </a:bodyPr>
+          <a:lstStyle/>
+          <a:p>
+            <a:r>
+              <a:rPr lang="en-US" dirty="0" smtClean="0"/>
+              <a:t>Initial consideration of system architecture</a:t>
+            </a:r>
+            <a:endParaRPr lang="en-US" dirty="0"/>
+          </a:p>
+        </p:txBody>
+      </p:sp>
+      <p:sp>
+        <p:nvSpPr>
+          <p:cNvPr id="3" name="Content Placeholder 2"/>
+          <p:cNvSpPr>
+            <a:spLocks noGrp="1"/>
+          </p:cNvSpPr>
+          <p:nvPr>
+            <p:ph idx="1"/>
+          </p:nvPr>
+        </p:nvSpPr>
+        <p:spPr>
+          <a:xfrm>
+            <a:off x="594360" y="2407920"/>
+            <a:ext cx="7955280" cy="4069080"/>
+          </a:xfrm>
+        </p:spPr>
+        <p:txBody>
+          <a:bodyPr>
+            <a:normAutofit/>
+          </a:bodyPr>
+          <a:lstStyle/>
+          <a:p>
+            <a:r>
+              <a:rPr lang="en-US" sz="3200" dirty="0" smtClean="0"/>
+              <a:t>We are currently considering the MVC architecture</a:t>
+            </a:r>
+          </a:p>
+          <a:p>
+            <a:r>
+              <a:rPr lang="en-US" sz="3200" dirty="0" smtClean="0"/>
+              <a:t>As we progress with a prototype, we will reassess our architecture</a:t>
+            </a:r>
+          </a:p>
+          <a:p>
+            <a:r>
+              <a:rPr lang="en-US" sz="3200" dirty="0" smtClean="0"/>
+              <a:t>We may adapt to another architecture if it makes sense to do so</a:t>
+            </a:r>
+            <a:endParaRPr lang="en-US" sz="3200" dirty="0"/>
+          </a:p>
+        </p:txBody>
+      </p:sp>
+    </p:spTree>
+    <p:extLst>
+      <p:ext uri="{BB962C8B-B14F-4D97-AF65-F5344CB8AC3E}">
+        <p14:creationId xmlns:p14="http://schemas.microsoft.com/office/powerpoint/2010/main" val="391028762"/>
+      </p:ext>
+    </p:extLst>
+  </p:cSld>
+  <p:clrMapOvr>
+    <a:masterClrMapping/>
+  </p:clrMapOvr>
+</p:sld>
+</file>
+
+<file path=ppt/slides/slide16.xml><?xml version="1.0" encoding="utf-8"?>
+<p:sld xmlns:a="http://schemas.openxmlformats.org/drawingml/2006/main" xmlns:r="http://schemas.openxmlformats.org/officeDocument/2006/relationships" xmlns:p="http://schemas.openxmlformats.org/presentationml/2006/main">
+  <p:cSld>
+    <p:spTree>
+      <p:nvGrpSpPr>
+        <p:cNvPr id="1" name=""/>
+        <p:cNvGrpSpPr/>
+        <p:nvPr/>
+      </p:nvGrpSpPr>
+      <p:grpSpPr>
+        <a:xfrm>
+          <a:off x="0" y="0"/>
+          <a:ext cx="0" cy="0"/>
+          <a:chOff x="0" y="0"/>
+          <a:chExt cx="0" cy="0"/>
+        </a:xfrm>
+      </p:grpSpPr>
+      <p:sp>
+        <p:nvSpPr>
+          <p:cNvPr id="2" name="Title 1"/>
+          <p:cNvSpPr>
+            <a:spLocks noGrp="1"/>
+          </p:cNvSpPr>
+          <p:nvPr>
+            <p:ph type="title"/>
+          </p:nvPr>
+        </p:nvSpPr>
+        <p:spPr>
+          <a:xfrm>
+            <a:off x="457200" y="764373"/>
+            <a:ext cx="8092440" cy="1293028"/>
+          </a:xfrm>
+        </p:spPr>
+        <p:txBody>
+          <a:bodyPr/>
+          <a:lstStyle/>
+          <a:p>
+            <a:r>
+              <a:rPr lang="en-US" dirty="0" smtClean="0"/>
+              <a:t>Development Environment</a:t>
+            </a:r>
+            <a:endParaRPr lang="en-US" dirty="0"/>
+          </a:p>
+        </p:txBody>
+      </p:sp>
+      <p:pic>
+        <p:nvPicPr>
+          <p:cNvPr id="7178" name="Picture 10" descr="https://pbs.twimg.com/profile_images/552902707300675584/_zzPQBoj.png"/>
+          <p:cNvPicPr>
+            <a:picLocks noChangeAspect="1" noChangeArrowheads="1"/>
+          </p:cNvPicPr>
+          <p:nvPr/>
+        </p:nvPicPr>
+        <p:blipFill>
+          <a:blip r:embed="rId2">
+            <a:extLst>
+              <a:ext uri="{28A0092B-C50C-407E-A947-70E740481C1C}">
+                <a14:useLocalDpi xmlns:a14="http://schemas.microsoft.com/office/drawing/2010/main" val="0"/>
+              </a:ext>
+            </a:extLst>
+          </a:blip>
+          <a:srcRect/>
+          <a:stretch>
+            <a:fillRect/>
+          </a:stretch>
+        </p:blipFill>
+        <p:spPr bwMode="auto">
+          <a:xfrm>
+            <a:off x="6324600" y="1732598"/>
+            <a:ext cx="2381250" cy="2381250"/>
+          </a:xfrm>
+          <a:prstGeom prst="rect">
+            <a:avLst/>
+          </a:prstGeom>
+          <a:noFill/>
+          <a:extLst>
+            <a:ext uri="{909E8E84-426E-40DD-AFC4-6F175D3DCCD1}">
+              <a14:hiddenFill xmlns:a14="http://schemas.microsoft.com/office/drawing/2010/main">
+                <a:solidFill>
+                  <a:srgbClr val="FFFFFF"/>
+                </a:solidFill>
+              </a14:hiddenFill>
+            </a:ext>
+          </a:extLst>
+        </p:spPr>
+      </p:pic>
+      <p:pic>
+        <p:nvPicPr>
+          <p:cNvPr id="7184" name="Picture 16" descr="Image result for unity"/>
+          <p:cNvPicPr>
+            <a:picLocks noChangeAspect="1" noChangeArrowheads="1"/>
+          </p:cNvPicPr>
+          <p:nvPr/>
+        </p:nvPicPr>
+        <p:blipFill>
+          <a:blip r:embed="rId3">
+            <a:extLst>
+              <a:ext uri="{28A0092B-C50C-407E-A947-70E740481C1C}">
+                <a14:useLocalDpi xmlns:a14="http://schemas.microsoft.com/office/drawing/2010/main" val="0"/>
+              </a:ext>
+            </a:extLst>
+          </a:blip>
+          <a:srcRect/>
+          <a:stretch>
+            <a:fillRect/>
+          </a:stretch>
+        </p:blipFill>
+        <p:spPr bwMode="auto">
+          <a:xfrm>
+            <a:off x="3886200" y="1733550"/>
+            <a:ext cx="2381250" cy="2381250"/>
+          </a:xfrm>
+          <a:prstGeom prst="rect">
+            <a:avLst/>
+          </a:prstGeom>
+          <a:noFill/>
+          <a:extLst>
+            <a:ext uri="{909E8E84-426E-40DD-AFC4-6F175D3DCCD1}">
+              <a14:hiddenFill xmlns:a14="http://schemas.microsoft.com/office/drawing/2010/main">
+                <a:solidFill>
+                  <a:srgbClr val="FFFFFF"/>
+                </a:solidFill>
+              </a14:hiddenFill>
+            </a:ext>
+          </a:extLst>
+        </p:spPr>
+      </p:pic>
+      <p:pic>
+        <p:nvPicPr>
+          <p:cNvPr id="7186" name="Picture 18" descr="Image result for google cardboard"/>
+          <p:cNvPicPr>
+            <a:picLocks noChangeAspect="1" noChangeArrowheads="1"/>
+          </p:cNvPicPr>
+          <p:nvPr/>
+        </p:nvPicPr>
+        <p:blipFill>
+          <a:blip r:embed="rId4">
+            <a:extLst>
+              <a:ext uri="{28A0092B-C50C-407E-A947-70E740481C1C}">
+                <a14:useLocalDpi xmlns:a14="http://schemas.microsoft.com/office/drawing/2010/main" val="0"/>
+              </a:ext>
+            </a:extLst>
+          </a:blip>
+          <a:srcRect/>
+          <a:stretch>
+            <a:fillRect/>
+          </a:stretch>
+        </p:blipFill>
+        <p:spPr bwMode="auto">
+          <a:xfrm>
+            <a:off x="4503420" y="4113848"/>
+            <a:ext cx="2381250" cy="2381250"/>
+          </a:xfrm>
+          <a:prstGeom prst="rect">
+            <a:avLst/>
+          </a:prstGeom>
+          <a:noFill/>
+          <a:extLst>
+            <a:ext uri="{909E8E84-426E-40DD-AFC4-6F175D3DCCD1}">
+              <a14:hiddenFill xmlns:a14="http://schemas.microsoft.com/office/drawing/2010/main">
+                <a:solidFill>
+                  <a:srgbClr val="FFFFFF"/>
+                </a:solidFill>
+              </a14:hiddenFill>
+            </a:ext>
+          </a:extLst>
+        </p:spPr>
+      </p:pic>
+      <p:pic>
+        <p:nvPicPr>
+          <p:cNvPr id="7188" name="Picture 20" descr="Image result for android"/>
+          <p:cNvPicPr>
+            <a:picLocks noChangeAspect="1" noChangeArrowheads="1"/>
+          </p:cNvPicPr>
+          <p:nvPr/>
+        </p:nvPicPr>
+        <p:blipFill>
+          <a:blip r:embed="rId5">
+            <a:extLst>
+              <a:ext uri="{28A0092B-C50C-407E-A947-70E740481C1C}">
+                <a14:useLocalDpi xmlns:a14="http://schemas.microsoft.com/office/drawing/2010/main" val="0"/>
+              </a:ext>
+            </a:extLst>
+          </a:blip>
+          <a:srcRect/>
+          <a:stretch>
+            <a:fillRect/>
+          </a:stretch>
+        </p:blipFill>
+        <p:spPr bwMode="auto">
+          <a:xfrm>
+            <a:off x="6553200" y="4113848"/>
+            <a:ext cx="2381250" cy="2381250"/>
+          </a:xfrm>
+          <a:prstGeom prst="rect">
+            <a:avLst/>
+          </a:prstGeom>
+          <a:noFill/>
+          <a:extLst>
+            <a:ext uri="{909E8E84-426E-40DD-AFC4-6F175D3DCCD1}">
+              <a14:hiddenFill xmlns:a14="http://schemas.microsoft.com/office/drawing/2010/main">
+                <a:solidFill>
+                  <a:srgbClr val="FFFFFF"/>
+                </a:solidFill>
+              </a14:hiddenFill>
+            </a:ext>
+          </a:extLst>
+        </p:spPr>
+      </p:pic>
+      <p:sp>
+        <p:nvSpPr>
+          <p:cNvPr id="3" name="TextBox 2"/>
+          <p:cNvSpPr txBox="1"/>
+          <p:nvPr/>
+        </p:nvSpPr>
+        <p:spPr>
+          <a:xfrm>
+            <a:off x="304800" y="2438400"/>
+            <a:ext cx="3733800" cy="2862322"/>
+          </a:xfrm>
+          <a:prstGeom prst="rect">
+            <a:avLst/>
+          </a:prstGeom>
+          <a:noFill/>
+        </p:spPr>
+        <p:txBody>
+          <a:bodyPr wrap="square" rtlCol="0">
+            <a:spAutoFit/>
+          </a:bodyPr>
+          <a:lstStyle/>
+          <a:p>
+            <a:r>
+              <a:rPr lang="en-US" b="1" dirty="0" smtClean="0"/>
+              <a:t>Hardware:</a:t>
+            </a:r>
+            <a:endParaRPr lang="en-US" dirty="0" smtClean="0"/>
+          </a:p>
+          <a:p>
+            <a:pPr marL="285750" indent="-285750">
+              <a:buFont typeface="Arial" panose="020B0604020202020204" pitchFamily="34" charset="0"/>
+              <a:buChar char="•"/>
+            </a:pPr>
+            <a:r>
+              <a:rPr lang="en-US" dirty="0" smtClean="0"/>
+              <a:t>Personal laptops</a:t>
+            </a:r>
+          </a:p>
+          <a:p>
+            <a:pPr marL="285750" indent="-285750">
+              <a:buFont typeface="Arial" panose="020B0604020202020204" pitchFamily="34" charset="0"/>
+              <a:buChar char="•"/>
+            </a:pPr>
+            <a:r>
+              <a:rPr lang="en-US" dirty="0" smtClean="0"/>
+              <a:t>Lab computers</a:t>
+            </a:r>
+          </a:p>
+          <a:p>
+            <a:pPr marL="285750" indent="-285750">
+              <a:buFont typeface="Arial" panose="020B0604020202020204" pitchFamily="34" charset="0"/>
+              <a:buChar char="•"/>
+            </a:pPr>
+            <a:r>
+              <a:rPr lang="en-US" dirty="0" smtClean="0"/>
+              <a:t>Home desktops</a:t>
+            </a:r>
+          </a:p>
+          <a:p>
+            <a:pPr marL="285750" indent="-285750">
+              <a:buFont typeface="Arial" panose="020B0604020202020204" pitchFamily="34" charset="0"/>
+              <a:buChar char="•"/>
+            </a:pPr>
+            <a:endParaRPr lang="en-US" dirty="0"/>
+          </a:p>
+          <a:p>
+            <a:r>
+              <a:rPr lang="en-US" b="1" dirty="0" smtClean="0"/>
+              <a:t>Software tools:</a:t>
+            </a:r>
+          </a:p>
+          <a:p>
+            <a:pPr marL="285750" indent="-285750">
+              <a:buFont typeface="Arial" panose="020B0604020202020204" pitchFamily="34" charset="0"/>
+              <a:buChar char="•"/>
+            </a:pPr>
+            <a:r>
+              <a:rPr lang="en-US" dirty="0" smtClean="0"/>
+              <a:t>C# in Visual Studio</a:t>
+            </a:r>
+          </a:p>
+          <a:p>
+            <a:pPr marL="285750" indent="-285750">
+              <a:buFont typeface="Arial" panose="020B0604020202020204" pitchFamily="34" charset="0"/>
+              <a:buChar char="•"/>
+            </a:pPr>
+            <a:r>
+              <a:rPr lang="en-US" dirty="0" smtClean="0"/>
+              <a:t>Versioning with Git</a:t>
+            </a:r>
+          </a:p>
+          <a:p>
+            <a:pPr marL="285750" indent="-285750">
+              <a:buFont typeface="Arial" panose="020B0604020202020204" pitchFamily="34" charset="0"/>
+              <a:buChar char="•"/>
+            </a:pPr>
+            <a:r>
+              <a:rPr lang="en-US" dirty="0" smtClean="0"/>
+              <a:t>Unity Test Tools package for testing</a:t>
+            </a:r>
+            <a:endParaRPr lang="en-US" dirty="0"/>
+          </a:p>
+        </p:txBody>
+      </p:sp>
+    </p:spTree>
+    <p:extLst>
+      <p:ext uri="{BB962C8B-B14F-4D97-AF65-F5344CB8AC3E}">
+        <p14:creationId xmlns:p14="http://schemas.microsoft.com/office/powerpoint/2010/main" val="1204134341"/>
+      </p:ext>
+    </p:extLst>
+  </p:cSld>
+  <p:clrMapOvr>
+    <a:masterClrMapping/>
+  </p:clrMapOvr>
+</p:sld>
+</file>
+
+<file path=ppt/slides/slide17.xml><?xml version="1.0" encoding="utf-8"?>
+<p:sld xmlns:a="http://schemas.openxmlformats.org/drawingml/2006/main" xmlns:r="http://schemas.openxmlformats.org/officeDocument/2006/relationships" xmlns:p="http://schemas.openxmlformats.org/presentationml/2006/main">
+  <p:cSld>
+    <p:spTree>
+      <p:nvGrpSpPr>
+        <p:cNvPr id="1" name=""/>
+        <p:cNvGrpSpPr/>
+        <p:nvPr/>
+      </p:nvGrpSpPr>
+      <p:grpSpPr>
+        <a:xfrm>
+          <a:off x="0" y="0"/>
+          <a:ext cx="0" cy="0"/>
+          <a:chOff x="0" y="0"/>
+          <a:chExt cx="0" cy="0"/>
+        </a:xfrm>
+      </p:grpSpPr>
+      <p:sp>
+        <p:nvSpPr>
+          <p:cNvPr id="2" name="Title 1"/>
+          <p:cNvSpPr>
+            <a:spLocks noGrp="1"/>
+          </p:cNvSpPr>
+          <p:nvPr>
+            <p:ph type="title"/>
+          </p:nvPr>
+        </p:nvSpPr>
+        <p:spPr/>
+        <p:txBody>
+          <a:bodyPr/>
+          <a:lstStyle/>
+          <a:p>
+            <a:r>
+              <a:rPr lang="en-US" dirty="0" smtClean="0"/>
+              <a:t>Wrap up</a:t>
+            </a:r>
+            <a:endParaRPr lang="en-US" dirty="0"/>
+          </a:p>
+        </p:txBody>
+      </p:sp>
+      <p:sp>
+        <p:nvSpPr>
+          <p:cNvPr id="3" name="Content Placeholder 2"/>
+          <p:cNvSpPr>
+            <a:spLocks noGrp="1"/>
+          </p:cNvSpPr>
+          <p:nvPr>
+            <p:ph idx="1"/>
+          </p:nvPr>
+        </p:nvSpPr>
+        <p:spPr>
+          <a:xfrm>
+            <a:off x="1295400" y="2941320"/>
+            <a:ext cx="6781800" cy="1325880"/>
+          </a:xfrm>
+        </p:spPr>
+        <p:txBody>
+          <a:bodyPr>
+            <a:noAutofit/>
+          </a:bodyPr>
+          <a:lstStyle/>
+          <a:p>
+            <a:pPr marL="0" indent="0">
+              <a:buNone/>
+            </a:pPr>
+            <a:r>
+              <a:rPr lang="en-US" sz="9600" dirty="0" smtClean="0"/>
+              <a:t>Questions?</a:t>
+            </a:r>
+            <a:endParaRPr lang="en-US" sz="9600" dirty="0"/>
+          </a:p>
+        </p:txBody>
+      </p:sp>
+    </p:spTree>
+    <p:extLst>
+      <p:ext uri="{BB962C8B-B14F-4D97-AF65-F5344CB8AC3E}">
+        <p14:creationId xmlns:p14="http://schemas.microsoft.com/office/powerpoint/2010/main" val="3637520302"/>
+      </p:ext>
+    </p:extLst>
+  </p:cSld>
+  <p:clrMapOvr>
+    <a:masterClrMapping/>
+  </p:clrMapOvr>
+</p:sld>
+</file>
+
+<file path=ppt/slides/slide2.xml><?xml version="1.0" encoding="utf-8"?>
+<p:sld xmlns:a="http://schemas.openxmlformats.org/drawingml/2006/main" xmlns:r="http://schemas.openxmlformats.org/officeDocument/2006/relationships" xmlns:p="http://schemas.openxmlformats.org/presentationml/2006/main">
+  <p:cSld>
+    <p:spTree>
+      <p:nvGrpSpPr>
+        <p:cNvPr id="1" name=""/>
+        <p:cNvGrpSpPr/>
+        <p:nvPr/>
+      </p:nvGrpSpPr>
+      <p:grpSpPr>
+        <a:xfrm>
+          <a:off x="0" y="0"/>
+          <a:ext cx="0" cy="0"/>
+          <a:chOff x="0" y="0"/>
+          <a:chExt cx="0" cy="0"/>
+        </a:xfrm>
+      </p:grpSpPr>
+      <p:sp>
+        <p:nvSpPr>
+          <p:cNvPr id="2" name="Title 1"/>
+          <p:cNvSpPr>
+            <a:spLocks noGrp="1"/>
+          </p:cNvSpPr>
+          <p:nvPr>
+            <p:ph type="title"/>
+          </p:nvPr>
+        </p:nvSpPr>
+        <p:spPr/>
+        <p:txBody>
+          <a:bodyPr/>
+          <a:lstStyle/>
+          <a:p>
+            <a:r>
+              <a:rPr lang="en-US" dirty="0" smtClean="0"/>
+              <a:t>Project Overview</a:t>
+            </a:r>
+            <a:endParaRPr lang="en-US" dirty="0"/>
+          </a:p>
+        </p:txBody>
+      </p:sp>
+      <p:sp>
+        <p:nvSpPr>
+          <p:cNvPr id="3" name="Content Placeholder 2"/>
+          <p:cNvSpPr>
+            <a:spLocks noGrp="1"/>
+          </p:cNvSpPr>
+          <p:nvPr>
+            <p:ph idx="1"/>
+          </p:nvPr>
+        </p:nvSpPr>
+        <p:spPr>
+          <a:xfrm>
+            <a:off x="304800" y="2194560"/>
+            <a:ext cx="8382000" cy="4069080"/>
+          </a:xfrm>
+        </p:spPr>
+        <p:txBody>
+          <a:bodyPr>
+            <a:normAutofit/>
+          </a:bodyPr>
+          <a:lstStyle/>
+          <a:p>
+            <a:r>
+              <a:rPr lang="en-US" sz="3600" dirty="0" smtClean="0"/>
+              <a:t>Sponsored by Erie Insurance</a:t>
+            </a:r>
+          </a:p>
+          <a:p>
+            <a:r>
+              <a:rPr lang="en-US" sz="3600" dirty="0" smtClean="0"/>
+              <a:t>Android app designed for agents to demonstrate the dangers of distracted driving to policy holders </a:t>
+            </a:r>
+          </a:p>
+          <a:p>
+            <a:r>
+              <a:rPr lang="en-US" sz="3600" dirty="0" smtClean="0"/>
+              <a:t>Utilizes Google Cardboard VR to create an immersive experience to engage younger audiences</a:t>
+            </a:r>
+            <a:endParaRPr lang="en-US" sz="3600" dirty="0"/>
+          </a:p>
+        </p:txBody>
+      </p:sp>
+    </p:spTree>
+    <p:extLst>
+      <p:ext uri="{BB962C8B-B14F-4D97-AF65-F5344CB8AC3E}">
+        <p14:creationId xmlns:p14="http://schemas.microsoft.com/office/powerpoint/2010/main" val="2747763330"/>
+      </p:ext>
+    </p:extLst>
+  </p:cSld>
+  <p:clrMapOvr>
+    <a:masterClrMapping/>
+  </p:clrMapOvr>
+</p:sld>
+</file>
+
+<file path=ppt/slides/slide3.xml><?xml version="1.0" encoding="utf-8"?>
+<p:sld xmlns:a="http://schemas.openxmlformats.org/drawingml/2006/main" xmlns:r="http://schemas.openxmlformats.org/officeDocument/2006/relationships" xmlns:p="http://schemas.openxmlformats.org/presentationml/2006/main">
+  <p:cSld>
+    <p:spTree>
+      <p:nvGrpSpPr>
+        <p:cNvPr id="1" name=""/>
+        <p:cNvGrpSpPr/>
+        <p:nvPr/>
+      </p:nvGrpSpPr>
+      <p:grpSpPr>
+        <a:xfrm>
+          <a:off x="0" y="0"/>
+          <a:ext cx="0" cy="0"/>
+          <a:chOff x="0" y="0"/>
+          <a:chExt cx="0" cy="0"/>
+        </a:xfrm>
+      </p:grpSpPr>
+      <p:sp>
+        <p:nvSpPr>
+          <p:cNvPr id="2" name="Title 1"/>
+          <p:cNvSpPr>
+            <a:spLocks noGrp="1"/>
+          </p:cNvSpPr>
+          <p:nvPr>
+            <p:ph type="title"/>
+          </p:nvPr>
+        </p:nvSpPr>
+        <p:spPr>
+          <a:xfrm>
+            <a:off x="2171700" y="152400"/>
+            <a:ext cx="6377940" cy="1293028"/>
+          </a:xfrm>
+        </p:spPr>
+        <p:txBody>
+          <a:bodyPr/>
+          <a:lstStyle/>
+          <a:p>
+            <a:r>
+              <a:rPr lang="en-US" dirty="0" smtClean="0"/>
+              <a:t>Business Problem</a:t>
+            </a:r>
+            <a:endParaRPr lang="en-US" dirty="0"/>
+          </a:p>
+        </p:txBody>
+      </p:sp>
+      <p:sp>
+        <p:nvSpPr>
+          <p:cNvPr id="3" name="Content Placeholder 2"/>
+          <p:cNvSpPr>
+            <a:spLocks noGrp="1"/>
+          </p:cNvSpPr>
+          <p:nvPr>
+            <p:ph idx="1"/>
+          </p:nvPr>
+        </p:nvSpPr>
+        <p:spPr>
+          <a:xfrm>
+            <a:off x="594360" y="1722120"/>
+            <a:ext cx="7955280" cy="4373880"/>
+          </a:xfrm>
+        </p:spPr>
+        <p:txBody>
+          <a:bodyPr>
+            <a:noAutofit/>
+          </a:bodyPr>
+          <a:lstStyle/>
+          <a:p>
+            <a:r>
+              <a:rPr lang="en-US" sz="2000" b="1" dirty="0" smtClean="0"/>
+              <a:t>Project Background:</a:t>
+            </a:r>
+            <a:r>
+              <a:rPr lang="en-US" sz="2000" dirty="0" smtClean="0"/>
+              <a:t> Distracted driving is becoming more prevalent with the rise of technology. Erie Insurance is invested in increasing awareness about this issue.</a:t>
+            </a:r>
+          </a:p>
+          <a:p>
+            <a:r>
+              <a:rPr lang="en-US" sz="2000" b="1" dirty="0" smtClean="0"/>
+              <a:t>Project Needs:</a:t>
+            </a:r>
+            <a:r>
+              <a:rPr lang="en-US" sz="2000" dirty="0" smtClean="0"/>
+              <a:t> Erie Insurance is looking for an innovative solution to engage younger audiences in learning about the dangers of distracted driving.</a:t>
+            </a:r>
+          </a:p>
+          <a:p>
+            <a:r>
+              <a:rPr lang="en-US" sz="2000" b="1" dirty="0" smtClean="0"/>
+              <a:t>Project Objective:</a:t>
+            </a:r>
+            <a:r>
+              <a:rPr lang="en-US" sz="2000" dirty="0" smtClean="0"/>
+              <a:t> This project aims to utilize virtual reality technology to create an immersive experience that involves users of all ages.</a:t>
+            </a:r>
+          </a:p>
+          <a:p>
+            <a:r>
+              <a:rPr lang="en-US" sz="2000" b="1" dirty="0" smtClean="0"/>
+              <a:t>Broader Impacts:</a:t>
+            </a:r>
+            <a:r>
+              <a:rPr lang="en-US" sz="2000" dirty="0"/>
+              <a:t> This virtual reality experience has the potential to help minimize distracted </a:t>
+            </a:r>
+            <a:r>
+              <a:rPr lang="en-US" sz="2000" dirty="0" smtClean="0"/>
+              <a:t>driving. Since </a:t>
+            </a:r>
+            <a:r>
+              <a:rPr lang="en-US" sz="2000" dirty="0"/>
+              <a:t>the application runs on the Android operating system, which is used by millions of people every day, this application has the potential to reach a large number of drivers and passengers.</a:t>
+            </a:r>
+            <a:endParaRPr lang="en-US" sz="2000" b="1" dirty="0"/>
+          </a:p>
+        </p:txBody>
+      </p:sp>
+    </p:spTree>
+    <p:extLst>
+      <p:ext uri="{BB962C8B-B14F-4D97-AF65-F5344CB8AC3E}">
+        <p14:creationId xmlns:p14="http://schemas.microsoft.com/office/powerpoint/2010/main" val="2288543293"/>
+      </p:ext>
+    </p:extLst>
+  </p:cSld>
+  <p:clrMapOvr>
+    <a:masterClrMapping/>
+  </p:clrMapOvr>
+</p:sld>
+</file>
+
+<file path=ppt/slides/slide4.xml><?xml version="1.0" encoding="utf-8"?>
+<p:sld xmlns:a="http://schemas.openxmlformats.org/drawingml/2006/main" xmlns:r="http://schemas.openxmlformats.org/officeDocument/2006/relationships" xmlns:p="http://schemas.openxmlformats.org/presentationml/2006/main">
+  <p:cSld>
+    <p:spTree>
+      <p:nvGrpSpPr>
+        <p:cNvPr id="1" name=""/>
+        <p:cNvGrpSpPr/>
+        <p:nvPr/>
+      </p:nvGrpSpPr>
+      <p:grpSpPr>
+        <a:xfrm>
+          <a:off x="0" y="0"/>
+          <a:ext cx="0" cy="0"/>
+          <a:chOff x="0" y="0"/>
+          <a:chExt cx="0" cy="0"/>
+        </a:xfrm>
+      </p:grpSpPr>
+      <p:sp>
+        <p:nvSpPr>
+          <p:cNvPr id="2" name="Title 1"/>
+          <p:cNvSpPr>
+            <a:spLocks noGrp="1"/>
+          </p:cNvSpPr>
+          <p:nvPr>
+            <p:ph type="title"/>
+          </p:nvPr>
+        </p:nvSpPr>
+        <p:spPr/>
+        <p:txBody>
+          <a:bodyPr/>
+          <a:lstStyle/>
+          <a:p>
+            <a:r>
+              <a:rPr lang="en-US" dirty="0" smtClean="0"/>
+              <a:t>Development Process</a:t>
+            </a:r>
+            <a:endParaRPr lang="en-US" dirty="0"/>
+          </a:p>
+        </p:txBody>
+      </p:sp>
+      <p:pic>
+        <p:nvPicPr>
+          <p:cNvPr id="5" name="Picture 4"/>
+          <p:cNvPicPr>
+            <a:picLocks noChangeAspect="1"/>
+          </p:cNvPicPr>
+          <p:nvPr/>
+        </p:nvPicPr>
+        <p:blipFill>
+          <a:blip r:embed="rId2"/>
+          <a:stretch>
+            <a:fillRect/>
+          </a:stretch>
+        </p:blipFill>
+        <p:spPr>
+          <a:xfrm>
+            <a:off x="457200" y="1828800"/>
+            <a:ext cx="8279785" cy="4638675"/>
+          </a:xfrm>
+          <a:prstGeom prst="rect">
+            <a:avLst/>
+          </a:prstGeom>
+        </p:spPr>
+      </p:pic>
+    </p:spTree>
+    <p:extLst>
+      <p:ext uri="{BB962C8B-B14F-4D97-AF65-F5344CB8AC3E}">
+        <p14:creationId xmlns:p14="http://schemas.microsoft.com/office/powerpoint/2010/main" val="2551059484"/>
+      </p:ext>
+    </p:extLst>
+  </p:cSld>
+  <p:clrMapOvr>
+    <a:masterClrMapping/>
+  </p:clrMapOvr>
+</p:sld>
+</file>
+
+<file path=ppt/slides/slide5.xml><?xml version="1.0" encoding="utf-8"?>
+<p:sld xmlns:a="http://schemas.openxmlformats.org/drawingml/2006/main" xmlns:r="http://schemas.openxmlformats.org/officeDocument/2006/relationships" xmlns:p="http://schemas.openxmlformats.org/presentationml/2006/main">
+  <p:cSld>
+    <p:spTree>
+      <p:nvGrpSpPr>
+        <p:cNvPr id="1" name=""/>
+        <p:cNvGrpSpPr/>
+        <p:nvPr/>
+      </p:nvGrpSpPr>
+      <p:grpSpPr>
+        <a:xfrm>
+          <a:off x="0" y="0"/>
+          <a:ext cx="0" cy="0"/>
+          <a:chOff x="0" y="0"/>
+          <a:chExt cx="0" cy="0"/>
+        </a:xfrm>
+      </p:grpSpPr>
+      <p:sp>
+        <p:nvSpPr>
+          <p:cNvPr id="2" name="Title 1"/>
+          <p:cNvSpPr>
+            <a:spLocks noGrp="1"/>
+          </p:cNvSpPr>
+          <p:nvPr>
+            <p:ph type="title"/>
+          </p:nvPr>
+        </p:nvSpPr>
+        <p:spPr>
+          <a:xfrm>
+            <a:off x="670560" y="609600"/>
+            <a:ext cx="8244840" cy="1293028"/>
+          </a:xfrm>
+        </p:spPr>
+        <p:txBody>
+          <a:bodyPr>
+            <a:normAutofit fontScale="90000"/>
+          </a:bodyPr>
+          <a:lstStyle/>
+          <a:p>
+            <a:r>
+              <a:rPr lang="en-US" dirty="0" smtClean="0"/>
+              <a:t>Initial </a:t>
+            </a:r>
+            <a:r>
+              <a:rPr lang="en-US" dirty="0" smtClean="0"/>
+              <a:t>user </a:t>
+            </a:r>
+            <a:r>
+              <a:rPr lang="en-US" dirty="0" smtClean="0"/>
+              <a:t>requirements &amp; engineered system Requirements</a:t>
+            </a:r>
+            <a:endParaRPr lang="en-US" dirty="0"/>
+          </a:p>
+        </p:txBody>
+      </p:sp>
+      <p:pic>
+        <p:nvPicPr>
+          <p:cNvPr id="3" name="Picture 2"/>
+          <p:cNvPicPr>
+            <a:picLocks noChangeAspect="1"/>
+          </p:cNvPicPr>
+          <p:nvPr/>
+        </p:nvPicPr>
+        <p:blipFill>
+          <a:blip r:embed="rId2"/>
+          <a:stretch>
+            <a:fillRect/>
+          </a:stretch>
+        </p:blipFill>
+        <p:spPr>
+          <a:xfrm>
+            <a:off x="1295400" y="1828800"/>
+            <a:ext cx="6667500" cy="4428745"/>
+          </a:xfrm>
+          <a:prstGeom prst="rect">
+            <a:avLst/>
+          </a:prstGeom>
+        </p:spPr>
+      </p:pic>
+      <p:sp>
+        <p:nvSpPr>
+          <p:cNvPr id="4" name="TextBox 3"/>
+          <p:cNvSpPr txBox="1"/>
+          <p:nvPr/>
+        </p:nvSpPr>
+        <p:spPr>
+          <a:xfrm>
+            <a:off x="1219200" y="6248400"/>
+            <a:ext cx="7315200" cy="415498"/>
+          </a:xfrm>
+          <a:prstGeom prst="rect">
+            <a:avLst/>
+          </a:prstGeom>
+          <a:noFill/>
+        </p:spPr>
+        <p:txBody>
+          <a:bodyPr wrap="square" rtlCol="0">
+            <a:spAutoFit/>
+          </a:bodyPr>
+          <a:lstStyle/>
+          <a:p>
+            <a:r>
+              <a:rPr lang="en-US" sz="1050" dirty="0" smtClean="0"/>
+              <a:t>Note: These are our initial set of requirements. We may add new requirements as we progress and current requirements may change in the future.</a:t>
+            </a:r>
+            <a:endParaRPr lang="en-US" sz="1050" dirty="0"/>
+          </a:p>
+        </p:txBody>
+      </p:sp>
+    </p:spTree>
+    <p:extLst>
+      <p:ext uri="{BB962C8B-B14F-4D97-AF65-F5344CB8AC3E}">
+        <p14:creationId xmlns:p14="http://schemas.microsoft.com/office/powerpoint/2010/main" val="664915384"/>
+      </p:ext>
+    </p:extLst>
+  </p:cSld>
+  <p:clrMapOvr>
+    <a:masterClrMapping/>
+  </p:clrMapOvr>
+</p:sld>
+</file>
+
+<file path=ppt/slides/slide6.xml><?xml version="1.0" encoding="utf-8"?>
+<p:sld xmlns:a="http://schemas.openxmlformats.org/drawingml/2006/main" xmlns:r="http://schemas.openxmlformats.org/officeDocument/2006/relationships" xmlns:p="http://schemas.openxmlformats.org/presentationml/2006/main">
+  <p:cSld>
+    <p:spTree>
+      <p:nvGrpSpPr>
+        <p:cNvPr id="1" name=""/>
+        <p:cNvGrpSpPr/>
+        <p:nvPr/>
+      </p:nvGrpSpPr>
+      <p:grpSpPr>
+        <a:xfrm>
+          <a:off x="0" y="0"/>
+          <a:ext cx="0" cy="0"/>
+          <a:chOff x="0" y="0"/>
+          <a:chExt cx="0" cy="0"/>
+        </a:xfrm>
+      </p:grpSpPr>
+      <p:sp>
+        <p:nvSpPr>
+          <p:cNvPr id="2" name="Title 1"/>
+          <p:cNvSpPr>
+            <a:spLocks noGrp="1"/>
+          </p:cNvSpPr>
+          <p:nvPr>
+            <p:ph type="title"/>
+          </p:nvPr>
+        </p:nvSpPr>
+        <p:spPr/>
+        <p:txBody>
+          <a:bodyPr/>
+          <a:lstStyle/>
+          <a:p>
+            <a:r>
+              <a:rPr lang="en-US" dirty="0" smtClean="0"/>
+              <a:t>Requirements – Cont.</a:t>
+            </a:r>
+            <a:endParaRPr lang="en-US" dirty="0"/>
+          </a:p>
+        </p:txBody>
+      </p:sp>
+      <p:pic>
+        <p:nvPicPr>
+          <p:cNvPr id="2050" name="Picture 2"/>
+          <p:cNvPicPr>
+            <a:picLocks noChangeAspect="1" noChangeArrowheads="1"/>
+          </p:cNvPicPr>
+          <p:nvPr/>
+        </p:nvPicPr>
+        <p:blipFill>
+          <a:blip r:embed="rId2">
+            <a:extLst>
+              <a:ext uri="{28A0092B-C50C-407E-A947-70E740481C1C}">
+                <a14:useLocalDpi xmlns:a14="http://schemas.microsoft.com/office/drawing/2010/main" val="0"/>
+              </a:ext>
+            </a:extLst>
+          </a:blip>
+          <a:srcRect/>
+          <a:stretch>
+            <a:fillRect/>
+          </a:stretch>
+        </p:blipFill>
+        <p:spPr bwMode="auto">
+          <a:xfrm>
+            <a:off x="1233488" y="2228850"/>
+            <a:ext cx="6677025" cy="2400300"/>
+          </a:xfrm>
+          <a:prstGeom prst="rect">
+            <a:avLst/>
+          </a:prstGeom>
+          <a:noFill/>
+          <a:ln>
+            <a:noFill/>
+          </a:ln>
+          <a:extLst>
+            <a:ext uri="{909E8E84-426E-40DD-AFC4-6F175D3DCCD1}">
+              <a14:hiddenFill xmlns:a14="http://schemas.microsoft.com/office/drawing/2010/main">
+                <a:solidFill>
+                  <a:schemeClr val="accent1"/>
+                </a:solidFill>
+              </a14:hiddenFill>
+            </a:ext>
+            <a:ext uri="{91240B29-F687-4F45-9708-019B960494DF}">
+              <a14:hiddenLine xmlns:a14="http://schemas.microsoft.com/office/drawing/2010/main" w="9525">
+                <a:solidFill>
+                  <a:schemeClr val="tx1"/>
+                </a:solidFill>
+                <a:miter lim="800000"/>
+                <a:headEnd/>
+                <a:tailEnd/>
+              </a14:hiddenLine>
+            </a:ext>
+          </a:extLst>
+        </p:spPr>
+      </p:pic>
+      <p:sp>
+        <p:nvSpPr>
+          <p:cNvPr id="4" name="TextBox 3"/>
+          <p:cNvSpPr txBox="1"/>
+          <p:nvPr/>
+        </p:nvSpPr>
+        <p:spPr>
+          <a:xfrm>
+            <a:off x="1219200" y="6248400"/>
+            <a:ext cx="7315200" cy="415498"/>
+          </a:xfrm>
+          <a:prstGeom prst="rect">
+            <a:avLst/>
+          </a:prstGeom>
+          <a:noFill/>
+        </p:spPr>
+        <p:txBody>
+          <a:bodyPr wrap="square" rtlCol="0">
+            <a:spAutoFit/>
+          </a:bodyPr>
+          <a:lstStyle/>
+          <a:p>
+            <a:r>
+              <a:rPr lang="en-US" sz="1050" dirty="0" smtClean="0"/>
+              <a:t>Note: These are our initial set of requirements. We may add new requirements as we progress and current requirements may change in the future.</a:t>
+            </a:r>
+            <a:endParaRPr lang="en-US" sz="1050" dirty="0"/>
+          </a:p>
+        </p:txBody>
+      </p:sp>
+    </p:spTree>
+    <p:extLst>
+      <p:ext uri="{BB962C8B-B14F-4D97-AF65-F5344CB8AC3E}">
+        <p14:creationId xmlns:p14="http://schemas.microsoft.com/office/powerpoint/2010/main" val="1865500975"/>
+      </p:ext>
+    </p:extLst>
+  </p:cSld>
+  <p:clrMapOvr>
+    <a:masterClrMapping/>
+  </p:clrMapOvr>
+</p:sld>
+</file>
+
+<file path=ppt/slides/slide7.xml><?xml version="1.0" encoding="utf-8"?>
+<p:sld xmlns:a="http://schemas.openxmlformats.org/drawingml/2006/main" xmlns:r="http://schemas.openxmlformats.org/officeDocument/2006/relationships" xmlns:p="http://schemas.openxmlformats.org/presentationml/2006/main">
+  <p:cSld>
+    <p:spTree>
+      <p:nvGrpSpPr>
+        <p:cNvPr id="1" name=""/>
+        <p:cNvGrpSpPr/>
+        <p:nvPr/>
+      </p:nvGrpSpPr>
+      <p:grpSpPr>
+        <a:xfrm>
+          <a:off x="0" y="0"/>
+          <a:ext cx="0" cy="0"/>
+          <a:chOff x="0" y="0"/>
+          <a:chExt cx="0" cy="0"/>
+        </a:xfrm>
+      </p:grpSpPr>
+      <p:sp>
+        <p:nvSpPr>
+          <p:cNvPr id="2" name="Title 1"/>
+          <p:cNvSpPr>
+            <a:spLocks noGrp="1"/>
+          </p:cNvSpPr>
+          <p:nvPr>
+            <p:ph type="title"/>
+          </p:nvPr>
+        </p:nvSpPr>
+        <p:spPr/>
+        <p:txBody>
+          <a:bodyPr/>
+          <a:lstStyle/>
+          <a:p>
+            <a:r>
+              <a:rPr lang="en-US" dirty="0" smtClean="0"/>
+              <a:t>Requirements – Cont.</a:t>
+            </a:r>
+            <a:endParaRPr lang="en-US" dirty="0"/>
+          </a:p>
+        </p:txBody>
+      </p:sp>
+      <p:pic>
+        <p:nvPicPr>
+          <p:cNvPr id="3074" name="Picture 2"/>
+          <p:cNvPicPr>
+            <a:picLocks noChangeAspect="1" noChangeArrowheads="1"/>
+          </p:cNvPicPr>
+          <p:nvPr/>
+        </p:nvPicPr>
+        <p:blipFill>
+          <a:blip r:embed="rId2">
+            <a:extLst>
+              <a:ext uri="{28A0092B-C50C-407E-A947-70E740481C1C}">
+                <a14:useLocalDpi xmlns:a14="http://schemas.microsoft.com/office/drawing/2010/main" val="0"/>
+              </a:ext>
+            </a:extLst>
+          </a:blip>
+          <a:srcRect/>
+          <a:stretch>
+            <a:fillRect/>
+          </a:stretch>
+        </p:blipFill>
+        <p:spPr bwMode="auto">
+          <a:xfrm>
+            <a:off x="1233488" y="2209800"/>
+            <a:ext cx="6677025" cy="1819275"/>
+          </a:xfrm>
+          <a:prstGeom prst="rect">
+            <a:avLst/>
+          </a:prstGeom>
+          <a:noFill/>
+          <a:ln>
+            <a:noFill/>
+          </a:ln>
+          <a:extLst>
+            <a:ext uri="{909E8E84-426E-40DD-AFC4-6F175D3DCCD1}">
+              <a14:hiddenFill xmlns:a14="http://schemas.microsoft.com/office/drawing/2010/main">
+                <a:solidFill>
+                  <a:schemeClr val="accent1"/>
+                </a:solidFill>
+              </a14:hiddenFill>
+            </a:ext>
+            <a:ext uri="{91240B29-F687-4F45-9708-019B960494DF}">
+              <a14:hiddenLine xmlns:a14="http://schemas.microsoft.com/office/drawing/2010/main" w="9525">
+                <a:solidFill>
+                  <a:schemeClr val="tx1"/>
+                </a:solidFill>
+                <a:miter lim="800000"/>
+                <a:headEnd/>
+                <a:tailEnd/>
+              </a14:hiddenLine>
+            </a:ext>
+          </a:extLst>
+        </p:spPr>
+      </p:pic>
+      <p:sp>
+        <p:nvSpPr>
+          <p:cNvPr id="4" name="TextBox 3"/>
+          <p:cNvSpPr txBox="1"/>
+          <p:nvPr/>
+        </p:nvSpPr>
+        <p:spPr>
+          <a:xfrm>
+            <a:off x="1219200" y="6248400"/>
+            <a:ext cx="7315200" cy="415498"/>
+          </a:xfrm>
+          <a:prstGeom prst="rect">
+            <a:avLst/>
+          </a:prstGeom>
+          <a:noFill/>
+        </p:spPr>
+        <p:txBody>
+          <a:bodyPr wrap="square" rtlCol="0">
+            <a:spAutoFit/>
+          </a:bodyPr>
+          <a:lstStyle/>
+          <a:p>
+            <a:r>
+              <a:rPr lang="en-US" sz="1050" dirty="0" smtClean="0"/>
+              <a:t>Note: These are our initial set of requirements. We may add new requirements as we progress and current requirements may change in the future.</a:t>
+            </a:r>
+            <a:endParaRPr lang="en-US" sz="1050" dirty="0"/>
+          </a:p>
+        </p:txBody>
+      </p:sp>
+    </p:spTree>
+    <p:extLst>
+      <p:ext uri="{BB962C8B-B14F-4D97-AF65-F5344CB8AC3E}">
+        <p14:creationId xmlns:p14="http://schemas.microsoft.com/office/powerpoint/2010/main" val="1693246604"/>
+      </p:ext>
+    </p:extLst>
+  </p:cSld>
+  <p:clrMapOvr>
+    <a:masterClrMapping/>
+  </p:clrMapOvr>
+</p:sld>
+</file>
+
+<file path=ppt/slides/slide8.xml><?xml version="1.0" encoding="utf-8"?>
+<p:sld xmlns:a="http://schemas.openxmlformats.org/drawingml/2006/main" xmlns:r="http://schemas.openxmlformats.org/officeDocument/2006/relationships" xmlns:p="http://schemas.openxmlformats.org/presentationml/2006/main">
+  <p:cSld>
+    <p:spTree>
+      <p:nvGrpSpPr>
+        <p:cNvPr id="1" name=""/>
+        <p:cNvGrpSpPr/>
+        <p:nvPr/>
+      </p:nvGrpSpPr>
+      <p:grpSpPr>
+        <a:xfrm>
+          <a:off x="0" y="0"/>
+          <a:ext cx="0" cy="0"/>
+          <a:chOff x="0" y="0"/>
+          <a:chExt cx="0" cy="0"/>
+        </a:xfrm>
+      </p:grpSpPr>
+      <p:sp>
+        <p:nvSpPr>
+          <p:cNvPr id="2" name="Title 1"/>
+          <p:cNvSpPr>
+            <a:spLocks noGrp="1"/>
+          </p:cNvSpPr>
+          <p:nvPr>
+            <p:ph type="title"/>
+          </p:nvPr>
+        </p:nvSpPr>
+        <p:spPr>
+          <a:xfrm>
+            <a:off x="2171700" y="0"/>
+            <a:ext cx="6377940" cy="1293028"/>
+          </a:xfrm>
+        </p:spPr>
+        <p:txBody>
+          <a:bodyPr/>
+          <a:lstStyle/>
+          <a:p>
+            <a:r>
+              <a:rPr lang="en-US" dirty="0" smtClean="0"/>
+              <a:t>Use Case Diagram</a:t>
             </a:r>
             <a:endParaRPr lang="en-US" dirty="0"/>
           </a:p>
@@ -6027,25 +7657,25 @@
           <p:nvPr>
             <p:extLst>
               <p:ext uri="{D42A27DB-BD31-4B8C-83A1-F6EECF244321}">
-                <p14:modId xmlns:p14="http://schemas.microsoft.com/office/powerpoint/2010/main" val="1260554635"/>
+                <p14:modId xmlns:p14="http://schemas.microsoft.com/office/powerpoint/2010/main" val="1755622135"/>
               </p:ext>
             </p:extLst>
           </p:nvPr>
         </p:nvGraphicFramePr>
         <p:xfrm>
-          <a:off x="1752600" y="1955006"/>
-          <a:ext cx="5753100" cy="4674394"/>
+          <a:off x="1600200" y="1066800"/>
+          <a:ext cx="6032648" cy="2914650"/>
         </p:xfrm>
         <a:graphic>
           <a:graphicData uri="http://schemas.openxmlformats.org/presentationml/2006/ole">
             <mc:AlternateContent xmlns:mc="http://schemas.openxmlformats.org/markup-compatibility/2006">
               <mc:Choice xmlns:v="urn:schemas-microsoft-com:vml" Requires="v">
-                <p:oleObj spid="_x0000_s5128" r:id="rId4" imgW="6305443" imgH="5124330" progId="Visio.Drawing.15">
+                <p:oleObj spid="_x0000_s4120" r:id="rId3" imgW="5086333" imgH="2457540" progId="Visio.Drawing.15">
                   <p:embed/>
                 </p:oleObj>
               </mc:Choice>
               <mc:Fallback>
-                <p:oleObj r:id="rId4" imgW="6305443" imgH="5124330" progId="Visio.Drawing.15">
+                <p:oleObj r:id="rId3" imgW="5086333" imgH="2457540" progId="Visio.Drawing.15">
                   <p:embed/>
                   <p:pic>
                     <p:nvPicPr>
@@ -6056,7 +7686,7 @@
                       <p:nvPr/>
                     </p:nvPicPr>
                     <p:blipFill>
-                      <a:blip r:embed="rId5">
+                      <a:blip r:embed="rId4">
                         <a:extLst>
                           <a:ext uri="{28A0092B-C50C-407E-A947-70E740481C1C}">
                             <a14:useLocalDpi xmlns:a14="http://schemas.microsoft.com/office/drawing/2010/main" val="0"/>
@@ -6070,8 +7700,8 @@
                     </p:blipFill>
                     <p:spPr bwMode="auto">
                       <a:xfrm>
-                        <a:off x="1752600" y="1955006"/>
-                        <a:ext cx="5753100" cy="4674394"/>
+                        <a:off x="1600200" y="1066800"/>
+                        <a:ext cx="6032648" cy="2914650"/>
                       </a:xfrm>
                       <a:prstGeom prst="rect">
                         <a:avLst/>
@@ -6085,10 +7715,64 @@
           </a:graphicData>
         </a:graphic>
       </p:graphicFrame>
+      <p:sp>
+        <p:nvSpPr>
+          <p:cNvPr id="6" name="TextBox 5"/>
+          <p:cNvSpPr txBox="1"/>
+          <p:nvPr/>
+        </p:nvSpPr>
+        <p:spPr>
+          <a:xfrm>
+            <a:off x="1143000" y="5410200"/>
+            <a:ext cx="7315200" cy="646331"/>
+          </a:xfrm>
+          <a:prstGeom prst="rect">
+            <a:avLst/>
+          </a:prstGeom>
+          <a:noFill/>
+        </p:spPr>
+        <p:txBody>
+          <a:bodyPr wrap="square" rtlCol="0">
+            <a:spAutoFit/>
+          </a:bodyPr>
+          <a:lstStyle/>
+          <a:p>
+            <a:r>
+              <a:rPr lang="en-US" dirty="0" smtClean="0"/>
+              <a:t>This is our current use case diagram to meet our industry partner’s needs. These use cases may change in the future.</a:t>
+            </a:r>
+            <a:endParaRPr lang="en-US" dirty="0"/>
+          </a:p>
+        </p:txBody>
+      </p:sp>
+      <p:pic>
+        <p:nvPicPr>
+          <p:cNvPr id="3" name="Picture 2"/>
+          <p:cNvPicPr>
+            <a:picLocks noChangeAspect="1"/>
+          </p:cNvPicPr>
+          <p:nvPr/>
+        </p:nvPicPr>
+        <p:blipFill>
+          <a:blip r:embed="rId5"/>
+          <a:stretch>
+            <a:fillRect/>
+          </a:stretch>
+        </p:blipFill>
+        <p:spPr>
+          <a:xfrm>
+            <a:off x="1362075" y="4143375"/>
+            <a:ext cx="6638925" cy="1114425"/>
+          </a:xfrm>
+          <a:prstGeom prst="rect">
+            <a:avLst/>
+          </a:prstGeom>
+        </p:spPr>
+      </p:pic>
     </p:spTree>
     <p:extLst>
       <p:ext uri="{BB962C8B-B14F-4D97-AF65-F5344CB8AC3E}">
-        <p14:creationId xmlns:p14="http://schemas.microsoft.com/office/powerpoint/2010/main" val="2278986696"/>
+        <p14:creationId xmlns:p14="http://schemas.microsoft.com/office/powerpoint/2010/main" val="549260242"/>
       </p:ext>
     </p:extLst>
   </p:cSld>
@@ -6098,7 +7782,7 @@
 </p:sld>
 </file>
 
-<file path=ppt/slides/slide12.xml><?xml version="1.0" encoding="utf-8"?>
+<file path=ppt/slides/slide9.xml><?xml version="1.0" encoding="utf-8"?>
 <p:sld xmlns:a="http://schemas.openxmlformats.org/drawingml/2006/main" xmlns:r="http://schemas.openxmlformats.org/officeDocument/2006/relationships" xmlns:p="http://schemas.openxmlformats.org/presentationml/2006/main">
   <p:cSld>
     <p:spTree>
@@ -6127,8 +7811,8 @@
         </p:nvSpPr>
         <p:spPr>
           <a:xfrm>
-            <a:off x="609600" y="764373"/>
-            <a:ext cx="7940040" cy="1293028"/>
+            <a:off x="2171700" y="228600"/>
+            <a:ext cx="6377940" cy="1293028"/>
           </a:xfrm>
         </p:spPr>
         <p:txBody>
@@ -6137,203 +7821,18 @@
           <a:p>
             <a:r>
               <a:rPr lang="en-US" dirty="0" smtClean="0"/>
-              <a:t>Sequence Diagrams – Cont.</a:t>
-            </a:r>
-            <a:endParaRPr lang="en-US" dirty="0"/>
-          </a:p>
-        </p:txBody>
-      </p:sp>
-      <p:sp>
-        <p:nvSpPr>
-          <p:cNvPr id="4" name="Rectangle 2"/>
-          <p:cNvSpPr>
-            <a:spLocks noChangeArrowheads="1"/>
-          </p:cNvSpPr>
-          <p:nvPr/>
-        </p:nvSpPr>
-        <p:spPr bwMode="auto">
-          <a:xfrm>
-            <a:off x="0" y="0"/>
-            <a:ext cx="9144000" cy="0"/>
-          </a:xfrm>
-          <a:prstGeom prst="rect">
-            <a:avLst/>
-          </a:prstGeom>
-          <a:noFill/>
-          <a:ln>
-            <a:noFill/>
-          </a:ln>
-          <a:effectLst/>
-          <a:extLst>
-            <a:ext uri="{909E8E84-426E-40DD-AFC4-6F175D3DCCD1}">
-              <a14:hiddenFill xmlns:a14="http://schemas.microsoft.com/office/drawing/2010/main">
-                <a:solidFill>
-                  <a:schemeClr val="accent1"/>
-                </a:solidFill>
-              </a14:hiddenFill>
-            </a:ext>
-            <a:ext uri="{91240B29-F687-4F45-9708-019B960494DF}">
-              <a14:hiddenLine xmlns:a14="http://schemas.microsoft.com/office/drawing/2010/main" w="9525">
-                <a:solidFill>
-                  <a:schemeClr val="tx1"/>
-                </a:solidFill>
-                <a:miter lim="800000"/>
-                <a:headEnd/>
-                <a:tailEnd/>
-              </a14:hiddenLine>
-            </a:ext>
-            <a:ext uri="{AF507438-7753-43E0-B8FC-AC1667EBCBE1}">
-              <a14:hiddenEffects xmlns:a14="http://schemas.microsoft.com/office/drawing/2010/main">
-                <a:effectLst>
-                  <a:outerShdw dist="35921" dir="2700000" algn="ctr" rotWithShape="0">
-                    <a:schemeClr val="bg2"/>
-                  </a:outerShdw>
-                </a:effectLst>
-              </a14:hiddenEffects>
-            </a:ext>
-          </a:extLst>
-        </p:spPr>
-        <p:txBody>
-          <a:bodyPr vert="horz" wrap="none" lIns="91440" tIns="45720" rIns="91440" bIns="45720" numCol="1" anchor="ctr" anchorCtr="0" compatLnSpc="1">
-            <a:prstTxWarp prst="textNoShape">
-              <a:avLst/>
-            </a:prstTxWarp>
-            <a:spAutoFit/>
-          </a:bodyPr>
-          <a:lstStyle/>
-          <a:p>
-            <a:endParaRPr lang="en-US"/>
-          </a:p>
-        </p:txBody>
-      </p:sp>
-      <p:graphicFrame>
-        <p:nvGraphicFramePr>
-          <p:cNvPr id="5" name="Object 4"/>
-          <p:cNvGraphicFramePr>
-            <a:graphicFrameLocks noChangeAspect="1"/>
-          </p:cNvGraphicFramePr>
-          <p:nvPr>
-            <p:extLst>
-              <p:ext uri="{D42A27DB-BD31-4B8C-83A1-F6EECF244321}">
-                <p14:modId xmlns:p14="http://schemas.microsoft.com/office/powerpoint/2010/main" val="3394196421"/>
-              </p:ext>
-            </p:extLst>
-          </p:nvPr>
-        </p:nvGraphicFramePr>
-        <p:xfrm>
-          <a:off x="1295400" y="1955800"/>
-          <a:ext cx="6781800" cy="4521200"/>
-        </p:xfrm>
-        <a:graphic>
-          <a:graphicData uri="http://schemas.openxmlformats.org/presentationml/2006/ole">
-            <mc:AlternateContent xmlns:mc="http://schemas.openxmlformats.org/markup-compatibility/2006">
-              <mc:Choice xmlns:v="urn:schemas-microsoft-com:vml" Requires="v">
-                <p:oleObj spid="_x0000_s6152" r:id="rId4" imgW="6991311" imgH="4667220" progId="Visio.Drawing.15">
-                  <p:embed/>
-                </p:oleObj>
-              </mc:Choice>
-              <mc:Fallback>
-                <p:oleObj r:id="rId4" imgW="6991311" imgH="4667220" progId="Visio.Drawing.15">
-                  <p:embed/>
-                  <p:pic>
-                    <p:nvPicPr>
-                      <p:cNvPr id="0" name="Object 1"/>
-                      <p:cNvPicPr>
-                        <a:picLocks noChangeAspect="1" noChangeArrowheads="1"/>
-                      </p:cNvPicPr>
-                      <p:nvPr/>
-                    </p:nvPicPr>
-                    <p:blipFill>
-                      <a:blip r:embed="rId5">
-                        <a:extLst>
-                          <a:ext uri="{28A0092B-C50C-407E-A947-70E740481C1C}">
-                            <a14:useLocalDpi xmlns:a14="http://schemas.microsoft.com/office/drawing/2010/main" val="0"/>
-                          </a:ext>
-                        </a:extLst>
-                      </a:blip>
-                      <a:srcRect/>
-                      <a:stretch>
-                        <a:fillRect/>
-                      </a:stretch>
-                    </p:blipFill>
-                    <p:spPr bwMode="auto">
-                      <a:xfrm>
-                        <a:off x="1295400" y="1955800"/>
-                        <a:ext cx="6781800" cy="4521200"/>
-                      </a:xfrm>
-                      <a:prstGeom prst="rect">
-                        <a:avLst/>
-                      </a:prstGeom>
-                      <a:noFill/>
-                    </p:spPr>
-                  </p:pic>
-                </p:oleObj>
-              </mc:Fallback>
-            </mc:AlternateContent>
-          </a:graphicData>
-        </a:graphic>
-      </p:graphicFrame>
-    </p:spTree>
-    <p:extLst>
-      <p:ext uri="{BB962C8B-B14F-4D97-AF65-F5344CB8AC3E}">
-        <p14:creationId xmlns:p14="http://schemas.microsoft.com/office/powerpoint/2010/main" val="4212167653"/>
-      </p:ext>
-    </p:extLst>
-  </p:cSld>
-  <p:clrMapOvr>
-    <a:masterClrMapping/>
-  </p:clrMapOvr>
-</p:sld>
-</file>
-
-<file path=ppt/slides/slide13.xml><?xml version="1.0" encoding="utf-8"?>
-<p:sld xmlns:a="http://schemas.openxmlformats.org/drawingml/2006/main" xmlns:r="http://schemas.openxmlformats.org/officeDocument/2006/relationships" xmlns:p="http://schemas.openxmlformats.org/presentationml/2006/main">
-  <p:cSld>
-    <p:spTree>
-      <p:nvGrpSpPr>
-        <p:cNvPr id="1" name=""/>
-        <p:cNvGrpSpPr/>
-        <p:nvPr/>
-      </p:nvGrpSpPr>
-      <p:grpSpPr>
-        <a:xfrm>
-          <a:off x="0" y="0"/>
-          <a:ext cx="0" cy="0"/>
-          <a:chOff x="0" y="0"/>
-          <a:chExt cx="0" cy="0"/>
-        </a:xfrm>
-      </p:grpSpPr>
-      <p:sp>
-        <p:nvSpPr>
-          <p:cNvPr id="2" name="Title 1"/>
-          <p:cNvSpPr>
-            <a:spLocks noGrp="1"/>
-          </p:cNvSpPr>
-          <p:nvPr>
-            <p:ph type="title"/>
-          </p:nvPr>
-        </p:nvSpPr>
-        <p:spPr>
-          <a:xfrm>
-            <a:off x="457200" y="764373"/>
-            <a:ext cx="8092440" cy="1293028"/>
-          </a:xfrm>
-        </p:spPr>
-        <p:txBody>
-          <a:bodyPr/>
-          <a:lstStyle/>
-          <a:p>
-            <a:r>
-              <a:rPr lang="en-US" dirty="0" smtClean="0"/>
-              <a:t>Development Environment</a:t>
-            </a:r>
-            <a:endParaRPr lang="en-US" dirty="0"/>
+              <a:t>Use Cases – cont</a:t>
+            </a:r>
+            <a:r>
+              <a:rPr lang="en-US" dirty="0"/>
+              <a:t>.</a:t>
+            </a:r>
           </a:p>
         </p:txBody>
       </p:sp>
       <p:pic>
         <p:nvPicPr>
-          <p:cNvPr id="7178" name="Picture 10" descr="https://pbs.twimg.com/profile_images/552902707300675584/_zzPQBoj.png"/>
+          <p:cNvPr id="7170" name="Picture 2"/>
           <p:cNvPicPr>
             <a:picLocks noChangeAspect="1" noChangeArrowheads="1"/>
           </p:cNvPicPr>
@@ -6354,452 +7853,8 @@
         </p:blipFill>
         <p:spPr bwMode="auto">
           <a:xfrm>
-            <a:off x="3312795" y="1735455"/>
-            <a:ext cx="2381250" cy="2381250"/>
-          </a:xfrm>
-          <a:prstGeom prst="rect">
-            <a:avLst/>
-          </a:prstGeom>
-          <a:noFill/>
-          <a:extLst>
-            <a:ext uri="{909E8E84-426E-40DD-AFC4-6F175D3DCCD1}">
-              <a14:hiddenFill xmlns:a14="http://schemas.microsoft.com/office/drawing/2010/main">
-                <a:solidFill>
-                  <a:srgbClr val="FFFFFF"/>
-                </a:solidFill>
-              </a14:hiddenFill>
-            </a:ext>
-          </a:extLst>
-        </p:spPr>
-      </p:pic>
-      <p:pic>
-        <p:nvPicPr>
-          <p:cNvPr id="7182" name="Picture 14" descr="Image result for github"/>
-          <p:cNvPicPr>
-            <a:picLocks noChangeAspect="1" noChangeArrowheads="1"/>
-          </p:cNvPicPr>
-          <p:nvPr/>
-        </p:nvPicPr>
-        <p:blipFill>
-          <a:blip r:embed="rId3">
-            <a:extLst>
-              <a:ext uri="{28A0092B-C50C-407E-A947-70E740481C1C}">
-                <a14:useLocalDpi xmlns:a14="http://schemas.microsoft.com/office/drawing/2010/main" val="0"/>
-              </a:ext>
-            </a:extLst>
-          </a:blip>
-          <a:srcRect/>
-          <a:stretch>
-            <a:fillRect/>
-          </a:stretch>
-        </p:blipFill>
-        <p:spPr bwMode="auto">
-          <a:xfrm>
-            <a:off x="6702743" y="1733550"/>
-            <a:ext cx="2381250" cy="2381250"/>
-          </a:xfrm>
-          <a:prstGeom prst="rect">
-            <a:avLst/>
-          </a:prstGeom>
-          <a:noFill/>
-          <a:extLst>
-            <a:ext uri="{909E8E84-426E-40DD-AFC4-6F175D3DCCD1}">
-              <a14:hiddenFill xmlns:a14="http://schemas.microsoft.com/office/drawing/2010/main">
-                <a:solidFill>
-                  <a:srgbClr val="FFFFFF"/>
-                </a:solidFill>
-              </a14:hiddenFill>
-            </a:ext>
-          </a:extLst>
-        </p:spPr>
-      </p:pic>
-      <p:pic>
-        <p:nvPicPr>
-          <p:cNvPr id="7184" name="Picture 16" descr="Image result for unity"/>
-          <p:cNvPicPr>
-            <a:picLocks noChangeAspect="1" noChangeArrowheads="1"/>
-          </p:cNvPicPr>
-          <p:nvPr/>
-        </p:nvPicPr>
-        <p:blipFill>
-          <a:blip r:embed="rId4">
-            <a:extLst>
-              <a:ext uri="{28A0092B-C50C-407E-A947-70E740481C1C}">
-                <a14:useLocalDpi xmlns:a14="http://schemas.microsoft.com/office/drawing/2010/main" val="0"/>
-              </a:ext>
-            </a:extLst>
-          </a:blip>
-          <a:srcRect/>
-          <a:stretch>
-            <a:fillRect/>
-          </a:stretch>
-        </p:blipFill>
-        <p:spPr bwMode="auto">
-          <a:xfrm>
-            <a:off x="180023" y="1733550"/>
-            <a:ext cx="2381250" cy="2381250"/>
-          </a:xfrm>
-          <a:prstGeom prst="rect">
-            <a:avLst/>
-          </a:prstGeom>
-          <a:noFill/>
-          <a:extLst>
-            <a:ext uri="{909E8E84-426E-40DD-AFC4-6F175D3DCCD1}">
-              <a14:hiddenFill xmlns:a14="http://schemas.microsoft.com/office/drawing/2010/main">
-                <a:solidFill>
-                  <a:srgbClr val="FFFFFF"/>
-                </a:solidFill>
-              </a14:hiddenFill>
-            </a:ext>
-          </a:extLst>
-        </p:spPr>
-      </p:pic>
-      <p:pic>
-        <p:nvPicPr>
-          <p:cNvPr id="7186" name="Picture 18" descr="Image result for google cardboard"/>
-          <p:cNvPicPr>
-            <a:picLocks noChangeAspect="1" noChangeArrowheads="1"/>
-          </p:cNvPicPr>
-          <p:nvPr/>
-        </p:nvPicPr>
-        <p:blipFill>
-          <a:blip r:embed="rId5">
-            <a:extLst>
-              <a:ext uri="{28A0092B-C50C-407E-A947-70E740481C1C}">
-                <a14:useLocalDpi xmlns:a14="http://schemas.microsoft.com/office/drawing/2010/main" val="0"/>
-              </a:ext>
-            </a:extLst>
-          </a:blip>
-          <a:srcRect/>
-          <a:stretch>
-            <a:fillRect/>
-          </a:stretch>
-        </p:blipFill>
-        <p:spPr bwMode="auto">
-          <a:xfrm>
-            <a:off x="1370648" y="4114800"/>
-            <a:ext cx="2381250" cy="2381250"/>
-          </a:xfrm>
-          <a:prstGeom prst="rect">
-            <a:avLst/>
-          </a:prstGeom>
-          <a:noFill/>
-          <a:extLst>
-            <a:ext uri="{909E8E84-426E-40DD-AFC4-6F175D3DCCD1}">
-              <a14:hiddenFill xmlns:a14="http://schemas.microsoft.com/office/drawing/2010/main">
-                <a:solidFill>
-                  <a:srgbClr val="FFFFFF"/>
-                </a:solidFill>
-              </a14:hiddenFill>
-            </a:ext>
-          </a:extLst>
-        </p:spPr>
-      </p:pic>
-      <p:pic>
-        <p:nvPicPr>
-          <p:cNvPr id="7188" name="Picture 20" descr="Image result for android"/>
-          <p:cNvPicPr>
-            <a:picLocks noChangeAspect="1" noChangeArrowheads="1"/>
-          </p:cNvPicPr>
-          <p:nvPr/>
-        </p:nvPicPr>
-        <p:blipFill>
-          <a:blip r:embed="rId6">
-            <a:extLst>
-              <a:ext uri="{28A0092B-C50C-407E-A947-70E740481C1C}">
-                <a14:useLocalDpi xmlns:a14="http://schemas.microsoft.com/office/drawing/2010/main" val="0"/>
-              </a:ext>
-            </a:extLst>
-          </a:blip>
-          <a:srcRect/>
-          <a:stretch>
-            <a:fillRect/>
-          </a:stretch>
-        </p:blipFill>
-        <p:spPr bwMode="auto">
-          <a:xfrm>
-            <a:off x="5233171" y="4113848"/>
-            <a:ext cx="2381250" cy="2381250"/>
-          </a:xfrm>
-          <a:prstGeom prst="rect">
-            <a:avLst/>
-          </a:prstGeom>
-          <a:noFill/>
-          <a:extLst>
-            <a:ext uri="{909E8E84-426E-40DD-AFC4-6F175D3DCCD1}">
-              <a14:hiddenFill xmlns:a14="http://schemas.microsoft.com/office/drawing/2010/main">
-                <a:solidFill>
-                  <a:srgbClr val="FFFFFF"/>
-                </a:solidFill>
-              </a14:hiddenFill>
-            </a:ext>
-          </a:extLst>
-        </p:spPr>
-      </p:pic>
-    </p:spTree>
-    <p:extLst>
-      <p:ext uri="{BB962C8B-B14F-4D97-AF65-F5344CB8AC3E}">
-        <p14:creationId xmlns:p14="http://schemas.microsoft.com/office/powerpoint/2010/main" val="1204134341"/>
-      </p:ext>
-    </p:extLst>
-  </p:cSld>
-  <p:clrMapOvr>
-    <a:masterClrMapping/>
-  </p:clrMapOvr>
-</p:sld>
-</file>
-
-<file path=ppt/slides/slide2.xml><?xml version="1.0" encoding="utf-8"?>
-<p:sld xmlns:a="http://schemas.openxmlformats.org/drawingml/2006/main" xmlns:r="http://schemas.openxmlformats.org/officeDocument/2006/relationships" xmlns:p="http://schemas.openxmlformats.org/presentationml/2006/main">
-  <p:cSld>
-    <p:spTree>
-      <p:nvGrpSpPr>
-        <p:cNvPr id="1" name=""/>
-        <p:cNvGrpSpPr/>
-        <p:nvPr/>
-      </p:nvGrpSpPr>
-      <p:grpSpPr>
-        <a:xfrm>
-          <a:off x="0" y="0"/>
-          <a:ext cx="0" cy="0"/>
-          <a:chOff x="0" y="0"/>
-          <a:chExt cx="0" cy="0"/>
-        </a:xfrm>
-      </p:grpSpPr>
-      <p:sp>
-        <p:nvSpPr>
-          <p:cNvPr id="2" name="Title 1"/>
-          <p:cNvSpPr>
-            <a:spLocks noGrp="1"/>
-          </p:cNvSpPr>
-          <p:nvPr>
-            <p:ph type="title"/>
-          </p:nvPr>
-        </p:nvSpPr>
-        <p:spPr/>
-        <p:txBody>
-          <a:bodyPr/>
-          <a:lstStyle/>
-          <a:p>
-            <a:r>
-              <a:rPr lang="en-US" dirty="0" smtClean="0"/>
-              <a:t>Project Overview</a:t>
-            </a:r>
-            <a:endParaRPr lang="en-US" dirty="0"/>
-          </a:p>
-        </p:txBody>
-      </p:sp>
-      <p:sp>
-        <p:nvSpPr>
-          <p:cNvPr id="3" name="Content Placeholder 2"/>
-          <p:cNvSpPr>
-            <a:spLocks noGrp="1"/>
-          </p:cNvSpPr>
-          <p:nvPr>
-            <p:ph idx="1"/>
-          </p:nvPr>
-        </p:nvSpPr>
-        <p:spPr/>
-        <p:txBody>
-          <a:bodyPr>
-            <a:normAutofit/>
-          </a:bodyPr>
-          <a:lstStyle/>
-          <a:p>
-            <a:r>
-              <a:rPr lang="en-US" sz="3600" dirty="0" smtClean="0"/>
-              <a:t>Android app designed for agents to demonstrate the dangers of distracted driving to policy holders </a:t>
-            </a:r>
-          </a:p>
-          <a:p>
-            <a:r>
-              <a:rPr lang="en-US" sz="3600" dirty="0" smtClean="0"/>
-              <a:t>Utilizes Google Cardboard VR to create an immersive experience to engage younger audiences</a:t>
-            </a:r>
-            <a:endParaRPr lang="en-US" sz="3600" dirty="0"/>
-          </a:p>
-        </p:txBody>
-      </p:sp>
-    </p:spTree>
-    <p:extLst>
-      <p:ext uri="{BB962C8B-B14F-4D97-AF65-F5344CB8AC3E}">
-        <p14:creationId xmlns:p14="http://schemas.microsoft.com/office/powerpoint/2010/main" val="2747763330"/>
-      </p:ext>
-    </p:extLst>
-  </p:cSld>
-  <p:clrMapOvr>
-    <a:masterClrMapping/>
-  </p:clrMapOvr>
-</p:sld>
-</file>
-
-<file path=ppt/slides/slide3.xml><?xml version="1.0" encoding="utf-8"?>
-<p:sld xmlns:a="http://schemas.openxmlformats.org/drawingml/2006/main" xmlns:r="http://schemas.openxmlformats.org/officeDocument/2006/relationships" xmlns:p="http://schemas.openxmlformats.org/presentationml/2006/main">
-  <p:cSld>
-    <p:spTree>
-      <p:nvGrpSpPr>
-        <p:cNvPr id="1" name=""/>
-        <p:cNvGrpSpPr/>
-        <p:nvPr/>
-      </p:nvGrpSpPr>
-      <p:grpSpPr>
-        <a:xfrm>
-          <a:off x="0" y="0"/>
-          <a:ext cx="0" cy="0"/>
-          <a:chOff x="0" y="0"/>
-          <a:chExt cx="0" cy="0"/>
-        </a:xfrm>
-      </p:grpSpPr>
-      <p:sp>
-        <p:nvSpPr>
-          <p:cNvPr id="2" name="Title 1"/>
-          <p:cNvSpPr>
-            <a:spLocks noGrp="1"/>
-          </p:cNvSpPr>
-          <p:nvPr>
-            <p:ph type="title"/>
-          </p:nvPr>
-        </p:nvSpPr>
-        <p:spPr/>
-        <p:txBody>
-          <a:bodyPr/>
-          <a:lstStyle/>
-          <a:p>
-            <a:r>
-              <a:rPr lang="en-US" dirty="0" smtClean="0"/>
-              <a:t>Business Problem</a:t>
-            </a:r>
-            <a:endParaRPr lang="en-US" dirty="0"/>
-          </a:p>
-        </p:txBody>
-      </p:sp>
-      <p:sp>
-        <p:nvSpPr>
-          <p:cNvPr id="3" name="Content Placeholder 2"/>
-          <p:cNvSpPr>
-            <a:spLocks noGrp="1"/>
-          </p:cNvSpPr>
-          <p:nvPr>
-            <p:ph idx="1"/>
-          </p:nvPr>
-        </p:nvSpPr>
-        <p:spPr/>
-        <p:txBody>
-          <a:bodyPr>
-            <a:noAutofit/>
-          </a:bodyPr>
-          <a:lstStyle/>
-          <a:p>
-            <a:r>
-              <a:rPr lang="en-US" sz="2400" b="1" dirty="0" smtClean="0"/>
-              <a:t>Project Background:</a:t>
-            </a:r>
-            <a:r>
-              <a:rPr lang="en-US" sz="2400" dirty="0" smtClean="0"/>
-              <a:t> Distracted driving is becoming more prevalent with the rise of technology. Erie Insurance is invested in increasing awareness about this issue.</a:t>
-            </a:r>
-          </a:p>
-          <a:p>
-            <a:r>
-              <a:rPr lang="en-US" sz="2400" b="1" dirty="0" smtClean="0"/>
-              <a:t>Project Needs:</a:t>
-            </a:r>
-            <a:r>
-              <a:rPr lang="en-US" sz="2400" dirty="0" smtClean="0"/>
-              <a:t> Erie Insurance is looking for an innovative solution to engage younger audiences in learning about the dangers of distracted driving.</a:t>
-            </a:r>
-          </a:p>
-          <a:p>
-            <a:r>
-              <a:rPr lang="en-US" sz="2400" b="1" dirty="0" smtClean="0"/>
-              <a:t>Project Objective:</a:t>
-            </a:r>
-            <a:r>
-              <a:rPr lang="en-US" sz="2400" dirty="0" smtClean="0"/>
-              <a:t> This project aims to utilize virtual reality technology to create an immersive experience that involves users of all ages.</a:t>
-            </a:r>
-            <a:endParaRPr lang="en-US" sz="2400" b="1" dirty="0"/>
-          </a:p>
-        </p:txBody>
-      </p:sp>
-    </p:spTree>
-    <p:extLst>
-      <p:ext uri="{BB962C8B-B14F-4D97-AF65-F5344CB8AC3E}">
-        <p14:creationId xmlns:p14="http://schemas.microsoft.com/office/powerpoint/2010/main" val="2288543293"/>
-      </p:ext>
-    </p:extLst>
-  </p:cSld>
-  <p:clrMapOvr>
-    <a:masterClrMapping/>
-  </p:clrMapOvr>
-</p:sld>
-</file>
-
-<file path=ppt/slides/slide4.xml><?xml version="1.0" encoding="utf-8"?>
-<p:sld xmlns:a="http://schemas.openxmlformats.org/drawingml/2006/main" xmlns:r="http://schemas.openxmlformats.org/officeDocument/2006/relationships" xmlns:p="http://schemas.openxmlformats.org/presentationml/2006/main">
-  <p:cSld>
-    <p:spTree>
-      <p:nvGrpSpPr>
-        <p:cNvPr id="1" name=""/>
-        <p:cNvGrpSpPr/>
-        <p:nvPr/>
-      </p:nvGrpSpPr>
-      <p:grpSpPr>
-        <a:xfrm>
-          <a:off x="0" y="0"/>
-          <a:ext cx="0" cy="0"/>
-          <a:chOff x="0" y="0"/>
-          <a:chExt cx="0" cy="0"/>
-        </a:xfrm>
-      </p:grpSpPr>
-      <p:sp>
-        <p:nvSpPr>
-          <p:cNvPr id="2" name="Title 1"/>
-          <p:cNvSpPr>
-            <a:spLocks noGrp="1"/>
-          </p:cNvSpPr>
-          <p:nvPr>
-            <p:ph type="title"/>
-          </p:nvPr>
-        </p:nvSpPr>
-        <p:spPr/>
-        <p:txBody>
-          <a:bodyPr/>
-          <a:lstStyle/>
-          <a:p>
-            <a:r>
-              <a:rPr lang="en-US" dirty="0" smtClean="0"/>
-              <a:t>Requirements</a:t>
-            </a:r>
-            <a:endParaRPr lang="en-US" dirty="0"/>
-          </a:p>
-        </p:txBody>
-      </p:sp>
-      <p:pic>
-        <p:nvPicPr>
-          <p:cNvPr id="1026" name="Picture 2"/>
-          <p:cNvPicPr>
-            <a:picLocks noChangeAspect="1" noChangeArrowheads="1"/>
-          </p:cNvPicPr>
-          <p:nvPr/>
-        </p:nvPicPr>
-        <p:blipFill>
-          <a:blip r:embed="rId2">
-            <a:extLst>
-              <a:ext uri="{28A0092B-C50C-407E-A947-70E740481C1C}">
-                <a14:useLocalDpi xmlns:a14="http://schemas.microsoft.com/office/drawing/2010/main" val="0"/>
-              </a:ext>
-            </a:extLst>
-          </a:blip>
-          <a:srcRect/>
-          <a:stretch>
-            <a:fillRect/>
-          </a:stretch>
-        </p:blipFill>
-        <p:spPr bwMode="auto">
-          <a:xfrm>
-            <a:off x="1228725" y="2228850"/>
-            <a:ext cx="6686550" cy="3790950"/>
+            <a:off x="1295400" y="1371600"/>
+            <a:ext cx="6638925" cy="4610100"/>
           </a:xfrm>
           <a:prstGeom prst="rect">
             <a:avLst/>
@@ -6829,589 +7884,40 @@
           </a:extLst>
         </p:spPr>
       </p:pic>
-    </p:spTree>
-    <p:extLst>
-      <p:ext uri="{BB962C8B-B14F-4D97-AF65-F5344CB8AC3E}">
-        <p14:creationId xmlns:p14="http://schemas.microsoft.com/office/powerpoint/2010/main" val="664915384"/>
-      </p:ext>
-    </p:extLst>
-  </p:cSld>
-  <p:clrMapOvr>
-    <a:masterClrMapping/>
-  </p:clrMapOvr>
-</p:sld>
-</file>
-
-<file path=ppt/slides/slide5.xml><?xml version="1.0" encoding="utf-8"?>
-<p:sld xmlns:a="http://schemas.openxmlformats.org/drawingml/2006/main" xmlns:r="http://schemas.openxmlformats.org/officeDocument/2006/relationships" xmlns:p="http://schemas.openxmlformats.org/presentationml/2006/main">
-  <p:cSld>
-    <p:spTree>
-      <p:nvGrpSpPr>
-        <p:cNvPr id="1" name=""/>
-        <p:cNvGrpSpPr/>
-        <p:nvPr/>
-      </p:nvGrpSpPr>
-      <p:grpSpPr>
-        <a:xfrm>
-          <a:off x="0" y="0"/>
-          <a:ext cx="0" cy="0"/>
-          <a:chOff x="0" y="0"/>
-          <a:chExt cx="0" cy="0"/>
-        </a:xfrm>
-      </p:grpSpPr>
-      <p:sp>
-        <p:nvSpPr>
-          <p:cNvPr id="2" name="Title 1"/>
-          <p:cNvSpPr>
-            <a:spLocks noGrp="1"/>
-          </p:cNvSpPr>
-          <p:nvPr>
-            <p:ph type="title"/>
-          </p:nvPr>
-        </p:nvSpPr>
-        <p:spPr/>
-        <p:txBody>
-          <a:bodyPr/>
-          <a:lstStyle/>
-          <a:p>
-            <a:r>
-              <a:rPr lang="en-US" dirty="0" smtClean="0"/>
-              <a:t>Requirements – Cont.</a:t>
-            </a:r>
-            <a:endParaRPr lang="en-US" dirty="0"/>
-          </a:p>
-        </p:txBody>
-      </p:sp>
-      <p:pic>
-        <p:nvPicPr>
-          <p:cNvPr id="2050" name="Picture 2"/>
-          <p:cNvPicPr>
-            <a:picLocks noChangeAspect="1" noChangeArrowheads="1"/>
-          </p:cNvPicPr>
+      <p:sp>
+        <p:nvSpPr>
+          <p:cNvPr id="4" name="TextBox 3"/>
+          <p:cNvSpPr txBox="1"/>
           <p:nvPr/>
-        </p:nvPicPr>
-        <p:blipFill>
-          <a:blip r:embed="rId2">
-            <a:extLst>
-              <a:ext uri="{28A0092B-C50C-407E-A947-70E740481C1C}">
-                <a14:useLocalDpi xmlns:a14="http://schemas.microsoft.com/office/drawing/2010/main" val="0"/>
-              </a:ext>
-            </a:extLst>
-          </a:blip>
-          <a:srcRect/>
-          <a:stretch>
-            <a:fillRect/>
-          </a:stretch>
-        </p:blipFill>
-        <p:spPr bwMode="auto">
-          <a:xfrm>
-            <a:off x="1233488" y="2228850"/>
-            <a:ext cx="6677025" cy="2400300"/>
+        </p:nvSpPr>
+        <p:spPr>
+          <a:xfrm>
+            <a:off x="1219200" y="6248400"/>
+            <a:ext cx="7315200" cy="415498"/>
           </a:xfrm>
           <a:prstGeom prst="rect">
             <a:avLst/>
           </a:prstGeom>
           <a:noFill/>
-          <a:ln>
-            <a:noFill/>
-          </a:ln>
-          <a:extLst>
-            <a:ext uri="{909E8E84-426E-40DD-AFC4-6F175D3DCCD1}">
-              <a14:hiddenFill xmlns:a14="http://schemas.microsoft.com/office/drawing/2010/main">
-                <a:solidFill>
-                  <a:schemeClr val="accent1"/>
-                </a:solidFill>
-              </a14:hiddenFill>
-            </a:ext>
-            <a:ext uri="{91240B29-F687-4F45-9708-019B960494DF}">
-              <a14:hiddenLine xmlns:a14="http://schemas.microsoft.com/office/drawing/2010/main" w="9525">
-                <a:solidFill>
-                  <a:schemeClr val="tx1"/>
-                </a:solidFill>
-                <a:miter lim="800000"/>
-                <a:headEnd/>
-                <a:tailEnd/>
-              </a14:hiddenLine>
-            </a:ext>
-          </a:extLst>
-        </p:spPr>
-      </p:pic>
-    </p:spTree>
-    <p:extLst>
-      <p:ext uri="{BB962C8B-B14F-4D97-AF65-F5344CB8AC3E}">
-        <p14:creationId xmlns:p14="http://schemas.microsoft.com/office/powerpoint/2010/main" val="1865500975"/>
-      </p:ext>
-    </p:extLst>
-  </p:cSld>
-  <p:clrMapOvr>
-    <a:masterClrMapping/>
-  </p:clrMapOvr>
-</p:sld>
-</file>
-
-<file path=ppt/slides/slide6.xml><?xml version="1.0" encoding="utf-8"?>
-<p:sld xmlns:a="http://schemas.openxmlformats.org/drawingml/2006/main" xmlns:r="http://schemas.openxmlformats.org/officeDocument/2006/relationships" xmlns:p="http://schemas.openxmlformats.org/presentationml/2006/main">
-  <p:cSld>
-    <p:spTree>
-      <p:nvGrpSpPr>
-        <p:cNvPr id="1" name=""/>
-        <p:cNvGrpSpPr/>
-        <p:nvPr/>
-      </p:nvGrpSpPr>
-      <p:grpSpPr>
-        <a:xfrm>
-          <a:off x="0" y="0"/>
-          <a:ext cx="0" cy="0"/>
-          <a:chOff x="0" y="0"/>
-          <a:chExt cx="0" cy="0"/>
-        </a:xfrm>
-      </p:grpSpPr>
-      <p:sp>
-        <p:nvSpPr>
-          <p:cNvPr id="2" name="Title 1"/>
-          <p:cNvSpPr>
-            <a:spLocks noGrp="1"/>
-          </p:cNvSpPr>
-          <p:nvPr>
-            <p:ph type="title"/>
-          </p:nvPr>
-        </p:nvSpPr>
-        <p:spPr/>
-        <p:txBody>
-          <a:bodyPr/>
-          <a:lstStyle/>
-          <a:p>
-            <a:r>
-              <a:rPr lang="en-US" dirty="0" smtClean="0"/>
-              <a:t>Requirements – Cont.</a:t>
-            </a:r>
-            <a:endParaRPr lang="en-US" dirty="0"/>
-          </a:p>
-        </p:txBody>
-      </p:sp>
-      <p:pic>
-        <p:nvPicPr>
-          <p:cNvPr id="3074" name="Picture 2"/>
-          <p:cNvPicPr>
-            <a:picLocks noChangeAspect="1" noChangeArrowheads="1"/>
-          </p:cNvPicPr>
-          <p:nvPr/>
-        </p:nvPicPr>
-        <p:blipFill>
-          <a:blip r:embed="rId2">
-            <a:extLst>
-              <a:ext uri="{28A0092B-C50C-407E-A947-70E740481C1C}">
-                <a14:useLocalDpi xmlns:a14="http://schemas.microsoft.com/office/drawing/2010/main" val="0"/>
-              </a:ext>
-            </a:extLst>
-          </a:blip>
-          <a:srcRect/>
-          <a:stretch>
-            <a:fillRect/>
-          </a:stretch>
-        </p:blipFill>
-        <p:spPr bwMode="auto">
-          <a:xfrm>
-            <a:off x="1233488" y="2209800"/>
-            <a:ext cx="6677025" cy="1819275"/>
-          </a:xfrm>
-          <a:prstGeom prst="rect">
-            <a:avLst/>
-          </a:prstGeom>
-          <a:noFill/>
-          <a:ln>
-            <a:noFill/>
-          </a:ln>
-          <a:extLst>
-            <a:ext uri="{909E8E84-426E-40DD-AFC4-6F175D3DCCD1}">
-              <a14:hiddenFill xmlns:a14="http://schemas.microsoft.com/office/drawing/2010/main">
-                <a:solidFill>
-                  <a:schemeClr val="accent1"/>
-                </a:solidFill>
-              </a14:hiddenFill>
-            </a:ext>
-            <a:ext uri="{91240B29-F687-4F45-9708-019B960494DF}">
-              <a14:hiddenLine xmlns:a14="http://schemas.microsoft.com/office/drawing/2010/main" w="9525">
-                <a:solidFill>
-                  <a:schemeClr val="tx1"/>
-                </a:solidFill>
-                <a:miter lim="800000"/>
-                <a:headEnd/>
-                <a:tailEnd/>
-              </a14:hiddenLine>
-            </a:ext>
-          </a:extLst>
-        </p:spPr>
-      </p:pic>
-    </p:spTree>
-    <p:extLst>
-      <p:ext uri="{BB962C8B-B14F-4D97-AF65-F5344CB8AC3E}">
-        <p14:creationId xmlns:p14="http://schemas.microsoft.com/office/powerpoint/2010/main" val="1693246604"/>
-      </p:ext>
-    </p:extLst>
-  </p:cSld>
-  <p:clrMapOvr>
-    <a:masterClrMapping/>
-  </p:clrMapOvr>
-</p:sld>
-</file>
-
-<file path=ppt/slides/slide7.xml><?xml version="1.0" encoding="utf-8"?>
-<p:sld xmlns:a="http://schemas.openxmlformats.org/drawingml/2006/main" xmlns:r="http://schemas.openxmlformats.org/officeDocument/2006/relationships" xmlns:p="http://schemas.openxmlformats.org/presentationml/2006/main">
-  <p:cSld>
-    <p:spTree>
-      <p:nvGrpSpPr>
-        <p:cNvPr id="1" name=""/>
-        <p:cNvGrpSpPr/>
-        <p:nvPr/>
-      </p:nvGrpSpPr>
-      <p:grpSpPr>
-        <a:xfrm>
-          <a:off x="0" y="0"/>
-          <a:ext cx="0" cy="0"/>
-          <a:chOff x="0" y="0"/>
-          <a:chExt cx="0" cy="0"/>
-        </a:xfrm>
-      </p:grpSpPr>
-      <p:sp>
-        <p:nvSpPr>
-          <p:cNvPr id="2" name="Title 1"/>
-          <p:cNvSpPr>
-            <a:spLocks noGrp="1"/>
-          </p:cNvSpPr>
-          <p:nvPr>
-            <p:ph type="title"/>
-          </p:nvPr>
-        </p:nvSpPr>
-        <p:spPr/>
-        <p:txBody>
-          <a:bodyPr/>
-          <a:lstStyle/>
-          <a:p>
-            <a:r>
-              <a:rPr lang="en-US" dirty="0" smtClean="0"/>
-              <a:t>Use Case Diagram</a:t>
-            </a:r>
-            <a:endParaRPr lang="en-US" dirty="0"/>
-          </a:p>
-        </p:txBody>
-      </p:sp>
-      <p:sp>
-        <p:nvSpPr>
-          <p:cNvPr id="4" name="Rectangle 2"/>
-          <p:cNvSpPr>
-            <a:spLocks noChangeArrowheads="1"/>
-          </p:cNvSpPr>
-          <p:nvPr/>
-        </p:nvSpPr>
-        <p:spPr bwMode="auto">
-          <a:xfrm>
-            <a:off x="0" y="0"/>
-            <a:ext cx="9144000" cy="0"/>
-          </a:xfrm>
-          <a:prstGeom prst="rect">
-            <a:avLst/>
-          </a:prstGeom>
-          <a:noFill/>
-          <a:ln>
-            <a:noFill/>
-          </a:ln>
-          <a:effectLst/>
-          <a:extLst>
-            <a:ext uri="{909E8E84-426E-40DD-AFC4-6F175D3DCCD1}">
-              <a14:hiddenFill xmlns:a14="http://schemas.microsoft.com/office/drawing/2010/main">
-                <a:solidFill>
-                  <a:schemeClr val="accent1"/>
-                </a:solidFill>
-              </a14:hiddenFill>
-            </a:ext>
-            <a:ext uri="{91240B29-F687-4F45-9708-019B960494DF}">
-              <a14:hiddenLine xmlns:a14="http://schemas.microsoft.com/office/drawing/2010/main" w="9525">
-                <a:solidFill>
-                  <a:schemeClr val="tx1"/>
-                </a:solidFill>
-                <a:miter lim="800000"/>
-                <a:headEnd/>
-                <a:tailEnd/>
-              </a14:hiddenLine>
-            </a:ext>
-            <a:ext uri="{AF507438-7753-43E0-B8FC-AC1667EBCBE1}">
-              <a14:hiddenEffects xmlns:a14="http://schemas.microsoft.com/office/drawing/2010/main">
-                <a:effectLst>
-                  <a:outerShdw dist="35921" dir="2700000" algn="ctr" rotWithShape="0">
-                    <a:schemeClr val="bg2"/>
-                  </a:outerShdw>
-                </a:effectLst>
-              </a14:hiddenEffects>
-            </a:ext>
-          </a:extLst>
-        </p:spPr>
-        <p:txBody>
-          <a:bodyPr vert="horz" wrap="none" lIns="91440" tIns="45720" rIns="91440" bIns="45720" numCol="1" anchor="ctr" anchorCtr="0" compatLnSpc="1">
-            <a:prstTxWarp prst="textNoShape">
-              <a:avLst/>
-            </a:prstTxWarp>
+        </p:spPr>
+        <p:txBody>
+          <a:bodyPr wrap="square" rtlCol="0">
             <a:spAutoFit/>
           </a:bodyPr>
           <a:lstStyle/>
           <a:p>
-            <a:endParaRPr lang="en-US"/>
-          </a:p>
-        </p:txBody>
-      </p:sp>
-      <p:graphicFrame>
-        <p:nvGraphicFramePr>
-          <p:cNvPr id="5" name="Object 4"/>
-          <p:cNvGraphicFramePr>
-            <a:graphicFrameLocks noChangeAspect="1"/>
-          </p:cNvGraphicFramePr>
-          <p:nvPr>
-            <p:extLst>
-              <p:ext uri="{D42A27DB-BD31-4B8C-83A1-F6EECF244321}">
-                <p14:modId xmlns:p14="http://schemas.microsoft.com/office/powerpoint/2010/main" val="2401830687"/>
-              </p:ext>
-            </p:extLst>
-          </p:nvPr>
-        </p:nvGraphicFramePr>
-        <p:xfrm>
-          <a:off x="1752600" y="2133600"/>
-          <a:ext cx="6032648" cy="2914650"/>
-        </p:xfrm>
-        <a:graphic>
-          <a:graphicData uri="http://schemas.openxmlformats.org/presentationml/2006/ole">
-            <mc:AlternateContent xmlns:mc="http://schemas.openxmlformats.org/markup-compatibility/2006">
-              <mc:Choice xmlns:v="urn:schemas-microsoft-com:vml" Requires="v">
-                <p:oleObj spid="_x0000_s4104" r:id="rId4" imgW="5086333" imgH="2457540" progId="Visio.Drawing.15">
-                  <p:embed/>
-                </p:oleObj>
-              </mc:Choice>
-              <mc:Fallback>
-                <p:oleObj r:id="rId4" imgW="5086333" imgH="2457540" progId="Visio.Drawing.15">
-                  <p:embed/>
-                  <p:pic>
-                    <p:nvPicPr>
-                      <p:cNvPr id="0" name="Object 1"/>
-                      <p:cNvPicPr>
-                        <a:picLocks noChangeAspect="1" noChangeArrowheads="1"/>
-                      </p:cNvPicPr>
-                      <p:nvPr/>
-                    </p:nvPicPr>
-                    <p:blipFill>
-                      <a:blip r:embed="rId5">
-                        <a:extLst>
-                          <a:ext uri="{28A0092B-C50C-407E-A947-70E740481C1C}">
-                            <a14:useLocalDpi xmlns:a14="http://schemas.microsoft.com/office/drawing/2010/main" val="0"/>
-                          </a:ext>
-                        </a:extLst>
-                      </a:blip>
-                      <a:srcRect/>
-                      <a:stretch>
-                        <a:fillRect/>
-                      </a:stretch>
-                    </p:blipFill>
-                    <p:spPr bwMode="auto">
-                      <a:xfrm>
-                        <a:off x="1752600" y="2133600"/>
-                        <a:ext cx="6032648" cy="2914650"/>
-                      </a:xfrm>
-                      <a:prstGeom prst="rect">
-                        <a:avLst/>
-                      </a:prstGeom>
-                      <a:noFill/>
-                    </p:spPr>
-                  </p:pic>
-                </p:oleObj>
-              </mc:Fallback>
-            </mc:AlternateContent>
-          </a:graphicData>
-        </a:graphic>
-      </p:graphicFrame>
-    </p:spTree>
-    <p:extLst>
-      <p:ext uri="{BB962C8B-B14F-4D97-AF65-F5344CB8AC3E}">
-        <p14:creationId xmlns:p14="http://schemas.microsoft.com/office/powerpoint/2010/main" val="549260242"/>
-      </p:ext>
-    </p:extLst>
-  </p:cSld>
-  <p:clrMapOvr>
-    <a:masterClrMapping/>
-  </p:clrMapOvr>
-</p:sld>
-</file>
-
-<file path=ppt/slides/slide8.xml><?xml version="1.0" encoding="utf-8"?>
-<p:sld xmlns:a="http://schemas.openxmlformats.org/drawingml/2006/main" xmlns:r="http://schemas.openxmlformats.org/officeDocument/2006/relationships" xmlns:p="http://schemas.openxmlformats.org/presentationml/2006/main">
-  <p:cSld>
-    <p:spTree>
-      <p:nvGrpSpPr>
-        <p:cNvPr id="1" name=""/>
-        <p:cNvGrpSpPr/>
-        <p:nvPr/>
-      </p:nvGrpSpPr>
-      <p:grpSpPr>
-        <a:xfrm>
-          <a:off x="0" y="0"/>
-          <a:ext cx="0" cy="0"/>
-          <a:chOff x="0" y="0"/>
-          <a:chExt cx="0" cy="0"/>
-        </a:xfrm>
-      </p:grpSpPr>
-      <p:sp>
-        <p:nvSpPr>
-          <p:cNvPr id="2" name="Title 1"/>
-          <p:cNvSpPr>
-            <a:spLocks noGrp="1"/>
-          </p:cNvSpPr>
-          <p:nvPr>
-            <p:ph type="title"/>
-          </p:nvPr>
-        </p:nvSpPr>
-        <p:spPr/>
-        <p:txBody>
-          <a:bodyPr/>
-          <a:lstStyle/>
-          <a:p>
-            <a:r>
-              <a:rPr lang="en-US" dirty="0" smtClean="0"/>
-              <a:t>Use Cases</a:t>
-            </a:r>
-            <a:endParaRPr lang="en-US" dirty="0"/>
-          </a:p>
-        </p:txBody>
-      </p:sp>
-      <p:pic>
-        <p:nvPicPr>
-          <p:cNvPr id="7170" name="Picture 2"/>
-          <p:cNvPicPr>
-            <a:picLocks noChangeAspect="1" noChangeArrowheads="1"/>
-          </p:cNvPicPr>
-          <p:nvPr/>
-        </p:nvPicPr>
-        <p:blipFill>
-          <a:blip r:embed="rId2">
-            <a:extLst>
-              <a:ext uri="{28A0092B-C50C-407E-A947-70E740481C1C}">
-                <a14:useLocalDpi xmlns:a14="http://schemas.microsoft.com/office/drawing/2010/main" val="0"/>
-              </a:ext>
-            </a:extLst>
-          </a:blip>
-          <a:srcRect/>
-          <a:stretch>
-            <a:fillRect/>
-          </a:stretch>
-        </p:blipFill>
-        <p:spPr bwMode="auto">
-          <a:xfrm>
-            <a:off x="1295400" y="1866900"/>
-            <a:ext cx="6638925" cy="4610100"/>
-          </a:xfrm>
-          <a:prstGeom prst="rect">
-            <a:avLst/>
-          </a:prstGeom>
-          <a:noFill/>
-          <a:ln>
-            <a:noFill/>
-          </a:ln>
-          <a:extLst>
-            <a:ext uri="{909E8E84-426E-40DD-AFC4-6F175D3DCCD1}">
-              <a14:hiddenFill xmlns:a14="http://schemas.microsoft.com/office/drawing/2010/main">
-                <a:solidFill>
-                  <a:schemeClr val="accent1"/>
-                </a:solidFill>
-              </a14:hiddenFill>
-            </a:ext>
-            <a:ext uri="{91240B29-F687-4F45-9708-019B960494DF}">
-              <a14:hiddenLine xmlns:a14="http://schemas.microsoft.com/office/drawing/2010/main" w="9525">
-                <a:solidFill>
-                  <a:schemeClr val="tx1"/>
-                </a:solidFill>
-                <a:miter lim="800000"/>
-                <a:headEnd/>
-                <a:tailEnd/>
-              </a14:hiddenLine>
-            </a:ext>
-          </a:extLst>
-        </p:spPr>
-      </p:pic>
+            <a:r>
+              <a:rPr lang="en-US" sz="1050" dirty="0" smtClean="0"/>
+              <a:t>Note: These are our initial set of use cases. We may add new use cases as we progress and current use cases may change in the future.</a:t>
+            </a:r>
+            <a:endParaRPr lang="en-US" sz="1050" dirty="0"/>
+          </a:p>
+        </p:txBody>
+      </p:sp>
     </p:spTree>
     <p:extLst>
       <p:ext uri="{BB962C8B-B14F-4D97-AF65-F5344CB8AC3E}">
         <p14:creationId xmlns:p14="http://schemas.microsoft.com/office/powerpoint/2010/main" val="3930391348"/>
-      </p:ext>
-    </p:extLst>
-  </p:cSld>
-  <p:clrMapOvr>
-    <a:masterClrMapping/>
-  </p:clrMapOvr>
-</p:sld>
-</file>
-
-<file path=ppt/slides/slide9.xml><?xml version="1.0" encoding="utf-8"?>
-<p:sld xmlns:a="http://schemas.openxmlformats.org/drawingml/2006/main" xmlns:r="http://schemas.openxmlformats.org/officeDocument/2006/relationships" xmlns:p="http://schemas.openxmlformats.org/presentationml/2006/main">
-  <p:cSld>
-    <p:spTree>
-      <p:nvGrpSpPr>
-        <p:cNvPr id="1" name=""/>
-        <p:cNvGrpSpPr/>
-        <p:nvPr/>
-      </p:nvGrpSpPr>
-      <p:grpSpPr>
-        <a:xfrm>
-          <a:off x="0" y="0"/>
-          <a:ext cx="0" cy="0"/>
-          <a:chOff x="0" y="0"/>
-          <a:chExt cx="0" cy="0"/>
-        </a:xfrm>
-      </p:grpSpPr>
-      <p:sp>
-        <p:nvSpPr>
-          <p:cNvPr id="2" name="Title 1"/>
-          <p:cNvSpPr>
-            <a:spLocks noGrp="1"/>
-          </p:cNvSpPr>
-          <p:nvPr>
-            <p:ph type="title"/>
-          </p:nvPr>
-        </p:nvSpPr>
-        <p:spPr/>
-        <p:txBody>
-          <a:bodyPr/>
-          <a:lstStyle/>
-          <a:p>
-            <a:r>
-              <a:rPr lang="en-US" dirty="0" smtClean="0"/>
-              <a:t>Use Cases – Cont.</a:t>
-            </a:r>
-            <a:endParaRPr lang="en-US" dirty="0"/>
-          </a:p>
-        </p:txBody>
-      </p:sp>
-      <p:pic>
-        <p:nvPicPr>
-          <p:cNvPr id="4" name="Picture 3"/>
-          <p:cNvPicPr/>
-          <p:nvPr/>
-        </p:nvPicPr>
-        <p:blipFill>
-          <a:blip r:embed="rId2"/>
-          <a:stretch>
-            <a:fillRect/>
-          </a:stretch>
-        </p:blipFill>
-        <p:spPr>
-          <a:xfrm>
-            <a:off x="1295400" y="1826260"/>
-            <a:ext cx="6629400" cy="4650740"/>
-          </a:xfrm>
-          <a:prstGeom prst="rect">
-            <a:avLst/>
-          </a:prstGeom>
-        </p:spPr>
-      </p:pic>
-    </p:spTree>
-    <p:extLst>
-      <p:ext uri="{BB962C8B-B14F-4D97-AF65-F5344CB8AC3E}">
-        <p14:creationId xmlns:p14="http://schemas.microsoft.com/office/powerpoint/2010/main" val="3424105124"/>
       </p:ext>
     </p:extLst>
   </p:cSld>

--- a/Documents/Presentations/Presentation1.pptx
+++ b/Documents/Presentations/Presentation1.pptx
@@ -7,21 +7,22 @@
   <p:sldIdLst>
     <p:sldId id="256" r:id="rId2"/>
     <p:sldId id="257" r:id="rId3"/>
-    <p:sldId id="258" r:id="rId4"/>
-    <p:sldId id="270" r:id="rId5"/>
-    <p:sldId id="259" r:id="rId6"/>
-    <p:sldId id="260" r:id="rId7"/>
-    <p:sldId id="261" r:id="rId8"/>
-    <p:sldId id="262" r:id="rId9"/>
-    <p:sldId id="269" r:id="rId10"/>
-    <p:sldId id="268" r:id="rId11"/>
-    <p:sldId id="267" r:id="rId12"/>
-    <p:sldId id="275" r:id="rId13"/>
-    <p:sldId id="274" r:id="rId14"/>
-    <p:sldId id="271" r:id="rId15"/>
-    <p:sldId id="272" r:id="rId16"/>
-    <p:sldId id="265" r:id="rId17"/>
-    <p:sldId id="273" r:id="rId18"/>
+    <p:sldId id="276" r:id="rId4"/>
+    <p:sldId id="258" r:id="rId5"/>
+    <p:sldId id="270" r:id="rId6"/>
+    <p:sldId id="259" r:id="rId7"/>
+    <p:sldId id="260" r:id="rId8"/>
+    <p:sldId id="261" r:id="rId9"/>
+    <p:sldId id="262" r:id="rId10"/>
+    <p:sldId id="269" r:id="rId11"/>
+    <p:sldId id="268" r:id="rId12"/>
+    <p:sldId id="267" r:id="rId13"/>
+    <p:sldId id="275" r:id="rId14"/>
+    <p:sldId id="274" r:id="rId15"/>
+    <p:sldId id="271" r:id="rId16"/>
+    <p:sldId id="272" r:id="rId17"/>
+    <p:sldId id="265" r:id="rId18"/>
+    <p:sldId id="273" r:id="rId19"/>
   </p:sldIdLst>
   <p:sldSz cx="9144000" cy="6858000" type="screen4x3"/>
   <p:notesSz cx="6858000" cy="9144000"/>
@@ -213,7 +214,7 @@
           </a:lstStyle>
           <a:p>
             <a:r>
-              <a:rPr lang="en-US" smtClean="0"/>
+              <a:rPr lang="en-US"/>
               <a:t>Click to edit Master title style</a:t>
             </a:r>
             <a:endParaRPr lang="en-US" dirty="0"/>
@@ -280,7 +281,7 @@
           </a:lstStyle>
           <a:p>
             <a:r>
-              <a:rPr lang="en-US" smtClean="0"/>
+              <a:rPr lang="en-US"/>
               <a:t>Click to edit Master subtitle style</a:t>
             </a:r>
             <a:endParaRPr lang="en-US" dirty="0"/>
@@ -309,7 +310,7 @@
           <a:p>
             <a:fld id="{4A88F55E-F3C8-451A-88F1-3CC070D1BD1A}" type="datetimeFigureOut">
               <a:rPr lang="en-US" smtClean="0"/>
-              <a:t>10/10/2016</a:t>
+              <a:t>10/11/2016</a:t>
             </a:fld>
             <a:endParaRPr lang="en-US"/>
           </a:p>
@@ -422,7 +423,7 @@
           </a:lstStyle>
           <a:p>
             <a:r>
-              <a:rPr lang="en-US" smtClean="0"/>
+              <a:rPr lang="en-US"/>
               <a:t>Click to edit Master title style</a:t>
             </a:r>
             <a:endParaRPr lang="en-US" dirty="0"/>
@@ -487,7 +488,7 @@
           </a:lstStyle>
           <a:p>
             <a:r>
-              <a:rPr lang="en-US" smtClean="0"/>
+              <a:rPr lang="en-US"/>
               <a:t>Click icon to add picture</a:t>
             </a:r>
             <a:endParaRPr lang="en-US" dirty="0"/>
@@ -553,7 +554,7 @@
           <a:p>
             <a:pPr lvl="0"/>
             <a:r>
-              <a:rPr lang="en-US" smtClean="0"/>
+              <a:rPr lang="en-US"/>
               <a:t>Click to edit Master text styles</a:t>
             </a:r>
           </a:p>
@@ -576,7 +577,7 @@
           <a:p>
             <a:fld id="{4A88F55E-F3C8-451A-88F1-3CC070D1BD1A}" type="datetimeFigureOut">
               <a:rPr lang="en-US" smtClean="0"/>
-              <a:t>10/10/2016</a:t>
+              <a:t>10/11/2016</a:t>
             </a:fld>
             <a:endParaRPr lang="en-US"/>
           </a:p>
@@ -709,7 +710,7 @@
           </a:lstStyle>
           <a:p>
             <a:r>
-              <a:rPr lang="en-US" smtClean="0"/>
+              <a:rPr lang="en-US"/>
               <a:t>Click to edit Master title style</a:t>
             </a:r>
             <a:endParaRPr lang="en-US" dirty="0"/>
@@ -775,7 +776,7 @@
           <a:p>
             <a:pPr lvl="0"/>
             <a:r>
-              <a:rPr lang="en-US" smtClean="0"/>
+              <a:rPr lang="en-US"/>
               <a:t>Click to edit Master text styles</a:t>
             </a:r>
           </a:p>
@@ -807,7 +808,7 @@
           <a:p>
             <a:fld id="{4A88F55E-F3C8-451A-88F1-3CC070D1BD1A}" type="datetimeFigureOut">
               <a:rPr lang="en-US" smtClean="0"/>
-              <a:t>10/10/2016</a:t>
+              <a:t>10/11/2016</a:t>
             </a:fld>
             <a:endParaRPr lang="en-US"/>
           </a:p>
@@ -950,7 +951,7 @@
           </a:lstStyle>
           <a:p>
             <a:r>
-              <a:rPr lang="en-US" smtClean="0"/>
+              <a:rPr lang="en-US"/>
               <a:t>Click to edit Master title style</a:t>
             </a:r>
             <a:endParaRPr lang="en-US" dirty="0"/>
@@ -1018,7 +1019,7 @@
           <a:p>
             <a:pPr lvl="0"/>
             <a:r>
-              <a:rPr lang="en-US" smtClean="0"/>
+              <a:rPr lang="en-US"/>
               <a:t>Click to edit Master text styles</a:t>
             </a:r>
           </a:p>
@@ -1085,7 +1086,7 @@
           <a:p>
             <a:pPr lvl="0"/>
             <a:r>
-              <a:rPr lang="en-US" smtClean="0"/>
+              <a:rPr lang="en-US"/>
               <a:t>Click to edit Master text styles</a:t>
             </a:r>
           </a:p>
@@ -1117,7 +1118,7 @@
           <a:p>
             <a:fld id="{4A88F55E-F3C8-451A-88F1-3CC070D1BD1A}" type="datetimeFigureOut">
               <a:rPr lang="en-US" smtClean="0"/>
-              <a:t>10/10/2016</a:t>
+              <a:t>10/11/2016</a:t>
             </a:fld>
             <a:endParaRPr lang="en-US"/>
           </a:p>
@@ -1492,7 +1493,7 @@
           </a:lstStyle>
           <a:p>
             <a:r>
-              <a:rPr lang="en-US" smtClean="0"/>
+              <a:rPr lang="en-US"/>
               <a:t>Click to edit Master title style</a:t>
             </a:r>
             <a:endParaRPr lang="en-US" dirty="0"/>
@@ -1558,7 +1559,7 @@
           <a:p>
             <a:pPr lvl="0"/>
             <a:r>
-              <a:rPr lang="en-US" smtClean="0"/>
+              <a:rPr lang="en-US"/>
               <a:t>Click to edit Master text styles</a:t>
             </a:r>
           </a:p>
@@ -1590,7 +1591,7 @@
           <a:p>
             <a:fld id="{4A88F55E-F3C8-451A-88F1-3CC070D1BD1A}" type="datetimeFigureOut">
               <a:rPr lang="en-US" smtClean="0"/>
-              <a:t>10/10/2016</a:t>
+              <a:t>10/11/2016</a:t>
             </a:fld>
             <a:endParaRPr lang="en-US"/>
           </a:p>
@@ -1699,7 +1700,7 @@
           <a:lstStyle/>
           <a:p>
             <a:r>
-              <a:rPr lang="en-US" smtClean="0"/>
+              <a:rPr lang="en-US"/>
               <a:t>Click to edit Master title style</a:t>
             </a:r>
             <a:endParaRPr lang="en-US" dirty="0"/>
@@ -1771,7 +1772,7 @@
           <a:p>
             <a:pPr lvl="0"/>
             <a:r>
-              <a:rPr lang="en-US" smtClean="0"/>
+              <a:rPr lang="en-US"/>
               <a:t>Click to edit Master text styles</a:t>
             </a:r>
           </a:p>
@@ -1838,7 +1839,7 @@
           <a:p>
             <a:pPr lvl="0"/>
             <a:r>
-              <a:rPr lang="en-US" smtClean="0"/>
+              <a:rPr lang="en-US"/>
               <a:t>Click to edit Master text styles</a:t>
             </a:r>
           </a:p>
@@ -1909,7 +1910,7 @@
           <a:p>
             <a:pPr lvl="0"/>
             <a:r>
-              <a:rPr lang="en-US" smtClean="0"/>
+              <a:rPr lang="en-US"/>
               <a:t>Click to edit Master text styles</a:t>
             </a:r>
           </a:p>
@@ -1976,7 +1977,7 @@
           <a:p>
             <a:pPr lvl="0"/>
             <a:r>
-              <a:rPr lang="en-US" smtClean="0"/>
+              <a:rPr lang="en-US"/>
               <a:t>Click to edit Master text styles</a:t>
             </a:r>
           </a:p>
@@ -2047,7 +2048,7 @@
           <a:p>
             <a:pPr lvl="0"/>
             <a:r>
-              <a:rPr lang="en-US" smtClean="0"/>
+              <a:rPr lang="en-US"/>
               <a:t>Click to edit Master text styles</a:t>
             </a:r>
           </a:p>
@@ -2114,7 +2115,7 @@
           <a:p>
             <a:pPr lvl="0"/>
             <a:r>
-              <a:rPr lang="en-US" smtClean="0"/>
+              <a:rPr lang="en-US"/>
               <a:t>Click to edit Master text styles</a:t>
             </a:r>
           </a:p>
@@ -2137,7 +2138,7 @@
           <a:p>
             <a:fld id="{4A88F55E-F3C8-451A-88F1-3CC070D1BD1A}" type="datetimeFigureOut">
               <a:rPr lang="en-US" smtClean="0"/>
-              <a:t>10/10/2016</a:t>
+              <a:t>10/11/2016</a:t>
             </a:fld>
             <a:endParaRPr lang="en-US"/>
           </a:p>
@@ -2236,7 +2237,7 @@
           <a:lstStyle/>
           <a:p>
             <a:r>
-              <a:rPr lang="en-US" smtClean="0"/>
+              <a:rPr lang="en-US"/>
               <a:t>Click to edit Master title style</a:t>
             </a:r>
             <a:endParaRPr lang="en-US" dirty="0"/>
@@ -2308,7 +2309,7 @@
           <a:p>
             <a:pPr lvl="0"/>
             <a:r>
-              <a:rPr lang="en-US" smtClean="0"/>
+              <a:rPr lang="en-US"/>
               <a:t>Click to edit Master text styles</a:t>
             </a:r>
           </a:p>
@@ -2386,7 +2387,7 @@
           </a:lstStyle>
           <a:p>
             <a:r>
-              <a:rPr lang="en-US" smtClean="0"/>
+              <a:rPr lang="en-US"/>
               <a:t>Click icon to add picture</a:t>
             </a:r>
             <a:endParaRPr lang="en-US" dirty="0"/>
@@ -2454,7 +2455,7 @@
           <a:p>
             <a:pPr lvl="0"/>
             <a:r>
-              <a:rPr lang="en-US" smtClean="0"/>
+              <a:rPr lang="en-US"/>
               <a:t>Click to edit Master text styles</a:t>
             </a:r>
           </a:p>
@@ -2525,7 +2526,7 @@
           <a:p>
             <a:pPr lvl="0"/>
             <a:r>
-              <a:rPr lang="en-US" smtClean="0"/>
+              <a:rPr lang="en-US"/>
               <a:t>Click to edit Master text styles</a:t>
             </a:r>
           </a:p>
@@ -2603,7 +2604,7 @@
           </a:lstStyle>
           <a:p>
             <a:r>
-              <a:rPr lang="en-US" smtClean="0"/>
+              <a:rPr lang="en-US"/>
               <a:t>Click icon to add picture</a:t>
             </a:r>
             <a:endParaRPr lang="en-US" dirty="0"/>
@@ -2671,7 +2672,7 @@
           <a:p>
             <a:pPr lvl="0"/>
             <a:r>
-              <a:rPr lang="en-US" smtClean="0"/>
+              <a:rPr lang="en-US"/>
               <a:t>Click to edit Master text styles</a:t>
             </a:r>
           </a:p>
@@ -2742,7 +2743,7 @@
           <a:p>
             <a:pPr lvl="0"/>
             <a:r>
-              <a:rPr lang="en-US" smtClean="0"/>
+              <a:rPr lang="en-US"/>
               <a:t>Click to edit Master text styles</a:t>
             </a:r>
           </a:p>
@@ -2820,7 +2821,7 @@
           </a:lstStyle>
           <a:p>
             <a:r>
-              <a:rPr lang="en-US" smtClean="0"/>
+              <a:rPr lang="en-US"/>
               <a:t>Click icon to add picture</a:t>
             </a:r>
             <a:endParaRPr lang="en-US" dirty="0"/>
@@ -2888,7 +2889,7 @@
           <a:p>
             <a:pPr lvl="0"/>
             <a:r>
-              <a:rPr lang="en-US" smtClean="0"/>
+              <a:rPr lang="en-US"/>
               <a:t>Click to edit Master text styles</a:t>
             </a:r>
           </a:p>
@@ -2911,7 +2912,7 @@
           <a:p>
             <a:fld id="{4A88F55E-F3C8-451A-88F1-3CC070D1BD1A}" type="datetimeFigureOut">
               <a:rPr lang="en-US" smtClean="0"/>
-              <a:t>10/10/2016</a:t>
+              <a:t>10/11/2016</a:t>
             </a:fld>
             <a:endParaRPr lang="en-US"/>
           </a:p>
@@ -3005,7 +3006,7 @@
           <a:lstStyle/>
           <a:p>
             <a:r>
-              <a:rPr lang="en-US" smtClean="0"/>
+              <a:rPr lang="en-US"/>
               <a:t>Click to edit Master title style</a:t>
             </a:r>
             <a:endParaRPr lang="en-US" dirty="0"/>
@@ -3034,35 +3035,35 @@
           <a:p>
             <a:pPr lvl="0"/>
             <a:r>
-              <a:rPr lang="en-US" smtClean="0"/>
+              <a:rPr lang="en-US"/>
               <a:t>Click to edit Master text styles</a:t>
             </a:r>
           </a:p>
           <a:p>
             <a:pPr lvl="1"/>
             <a:r>
-              <a:rPr lang="en-US" smtClean="0"/>
+              <a:rPr lang="en-US"/>
               <a:t>Second level</a:t>
             </a:r>
           </a:p>
           <a:p>
             <a:pPr lvl="2"/>
             <a:r>
-              <a:rPr lang="en-US" smtClean="0"/>
+              <a:rPr lang="en-US"/>
               <a:t>Third level</a:t>
             </a:r>
           </a:p>
           <a:p>
             <a:pPr lvl="3"/>
             <a:r>
-              <a:rPr lang="en-US" smtClean="0"/>
+              <a:rPr lang="en-US"/>
               <a:t>Fourth level</a:t>
             </a:r>
           </a:p>
           <a:p>
             <a:pPr lvl="4"/>
             <a:r>
-              <a:rPr lang="en-US" smtClean="0"/>
+              <a:rPr lang="en-US"/>
               <a:t>Fifth level</a:t>
             </a:r>
             <a:endParaRPr lang="en-US" dirty="0"/>
@@ -3086,7 +3087,7 @@
           <a:p>
             <a:fld id="{4A88F55E-F3C8-451A-88F1-3CC070D1BD1A}" type="datetimeFigureOut">
               <a:rPr lang="en-US" smtClean="0"/>
-              <a:t>10/10/2016</a:t>
+              <a:t>10/11/2016</a:t>
             </a:fld>
             <a:endParaRPr lang="en-US"/>
           </a:p>
@@ -3219,7 +3220,7 @@
           </a:lstStyle>
           <a:p>
             <a:r>
-              <a:rPr lang="en-US" smtClean="0"/>
+              <a:rPr lang="en-US"/>
               <a:t>Click to edit Master title style</a:t>
             </a:r>
             <a:endParaRPr lang="en-US" dirty="0"/>
@@ -3248,35 +3249,35 @@
           <a:p>
             <a:pPr lvl="0"/>
             <a:r>
-              <a:rPr lang="en-US" smtClean="0"/>
+              <a:rPr lang="en-US"/>
               <a:t>Click to edit Master text styles</a:t>
             </a:r>
           </a:p>
           <a:p>
             <a:pPr lvl="1"/>
             <a:r>
-              <a:rPr lang="en-US" smtClean="0"/>
+              <a:rPr lang="en-US"/>
               <a:t>Second level</a:t>
             </a:r>
           </a:p>
           <a:p>
             <a:pPr lvl="2"/>
             <a:r>
-              <a:rPr lang="en-US" smtClean="0"/>
+              <a:rPr lang="en-US"/>
               <a:t>Third level</a:t>
             </a:r>
           </a:p>
           <a:p>
             <a:pPr lvl="3"/>
             <a:r>
-              <a:rPr lang="en-US" smtClean="0"/>
+              <a:rPr lang="en-US"/>
               <a:t>Fourth level</a:t>
             </a:r>
           </a:p>
           <a:p>
             <a:pPr lvl="4"/>
             <a:r>
-              <a:rPr lang="en-US" smtClean="0"/>
+              <a:rPr lang="en-US"/>
               <a:t>Fifth level</a:t>
             </a:r>
             <a:endParaRPr lang="en-US" dirty="0"/>
@@ -3309,7 +3310,7 @@
           <a:p>
             <a:fld id="{4A88F55E-F3C8-451A-88F1-3CC070D1BD1A}" type="datetimeFigureOut">
               <a:rPr lang="en-US" smtClean="0"/>
-              <a:t>10/10/2016</a:t>
+              <a:t>10/11/2016</a:t>
             </a:fld>
             <a:endParaRPr lang="en-US"/>
           </a:p>
@@ -3413,7 +3414,7 @@
           <a:lstStyle/>
           <a:p>
             <a:r>
-              <a:rPr lang="en-US" smtClean="0"/>
+              <a:rPr lang="en-US"/>
               <a:t>Click to edit Master title style</a:t>
             </a:r>
             <a:endParaRPr lang="en-US" dirty="0"/>
@@ -3437,35 +3438,35 @@
           <a:p>
             <a:pPr lvl="0"/>
             <a:r>
-              <a:rPr lang="en-US" smtClean="0"/>
+              <a:rPr lang="en-US"/>
               <a:t>Click to edit Master text styles</a:t>
             </a:r>
           </a:p>
           <a:p>
             <a:pPr lvl="1"/>
             <a:r>
-              <a:rPr lang="en-US" smtClean="0"/>
+              <a:rPr lang="en-US"/>
               <a:t>Second level</a:t>
             </a:r>
           </a:p>
           <a:p>
             <a:pPr lvl="2"/>
             <a:r>
-              <a:rPr lang="en-US" smtClean="0"/>
+              <a:rPr lang="en-US"/>
               <a:t>Third level</a:t>
             </a:r>
           </a:p>
           <a:p>
             <a:pPr lvl="3"/>
             <a:r>
-              <a:rPr lang="en-US" smtClean="0"/>
+              <a:rPr lang="en-US"/>
               <a:t>Fourth level</a:t>
             </a:r>
           </a:p>
           <a:p>
             <a:pPr lvl="4"/>
             <a:r>
-              <a:rPr lang="en-US" smtClean="0"/>
+              <a:rPr lang="en-US"/>
               <a:t>Fifth level</a:t>
             </a:r>
             <a:endParaRPr lang="en-US" dirty="0"/>
@@ -3489,7 +3490,7 @@
           <a:p>
             <a:fld id="{4A88F55E-F3C8-451A-88F1-3CC070D1BD1A}" type="datetimeFigureOut">
               <a:rPr lang="en-US" smtClean="0"/>
-              <a:t>10/10/2016</a:t>
+              <a:t>10/11/2016</a:t>
             </a:fld>
             <a:endParaRPr lang="en-US"/>
           </a:p>
@@ -3624,7 +3625,7 @@
           </a:lstStyle>
           <a:p>
             <a:r>
-              <a:rPr lang="en-US" smtClean="0"/>
+              <a:rPr lang="en-US"/>
               <a:t>Click to edit Master title style</a:t>
             </a:r>
             <a:endParaRPr lang="en-US" dirty="0"/>
@@ -3746,7 +3747,7 @@
           <a:p>
             <a:pPr lvl="0"/>
             <a:r>
-              <a:rPr lang="en-US" smtClean="0"/>
+              <a:rPr lang="en-US"/>
               <a:t>Click to edit Master text styles</a:t>
             </a:r>
           </a:p>
@@ -3778,7 +3779,7 @@
           <a:p>
             <a:fld id="{4A88F55E-F3C8-451A-88F1-3CC070D1BD1A}" type="datetimeFigureOut">
               <a:rPr lang="en-US" smtClean="0"/>
-              <a:t>10/10/2016</a:t>
+              <a:t>10/11/2016</a:t>
             </a:fld>
             <a:endParaRPr lang="en-US"/>
           </a:p>
@@ -3882,7 +3883,7 @@
           <a:lstStyle/>
           <a:p>
             <a:r>
-              <a:rPr lang="en-US" smtClean="0"/>
+              <a:rPr lang="en-US"/>
               <a:t>Click to edit Master title style</a:t>
             </a:r>
             <a:endParaRPr lang="en-US" dirty="0"/>
@@ -3911,35 +3912,35 @@
           <a:p>
             <a:pPr lvl="0"/>
             <a:r>
-              <a:rPr lang="en-US" smtClean="0"/>
+              <a:rPr lang="en-US"/>
               <a:t>Click to edit Master text styles</a:t>
             </a:r>
           </a:p>
           <a:p>
             <a:pPr lvl="1"/>
             <a:r>
-              <a:rPr lang="en-US" smtClean="0"/>
+              <a:rPr lang="en-US"/>
               <a:t>Second level</a:t>
             </a:r>
           </a:p>
           <a:p>
             <a:pPr lvl="2"/>
             <a:r>
-              <a:rPr lang="en-US" smtClean="0"/>
+              <a:rPr lang="en-US"/>
               <a:t>Third level</a:t>
             </a:r>
           </a:p>
           <a:p>
             <a:pPr lvl="3"/>
             <a:r>
-              <a:rPr lang="en-US" smtClean="0"/>
+              <a:rPr lang="en-US"/>
               <a:t>Fourth level</a:t>
             </a:r>
           </a:p>
           <a:p>
             <a:pPr lvl="4"/>
             <a:r>
-              <a:rPr lang="en-US" smtClean="0"/>
+              <a:rPr lang="en-US"/>
               <a:t>Fifth level</a:t>
             </a:r>
             <a:endParaRPr lang="en-US" dirty="0"/>
@@ -3968,35 +3969,35 @@
           <a:p>
             <a:pPr lvl="0"/>
             <a:r>
-              <a:rPr lang="en-US" smtClean="0"/>
+              <a:rPr lang="en-US"/>
               <a:t>Click to edit Master text styles</a:t>
             </a:r>
           </a:p>
           <a:p>
             <a:pPr lvl="1"/>
             <a:r>
-              <a:rPr lang="en-US" smtClean="0"/>
+              <a:rPr lang="en-US"/>
               <a:t>Second level</a:t>
             </a:r>
           </a:p>
           <a:p>
             <a:pPr lvl="2"/>
             <a:r>
-              <a:rPr lang="en-US" smtClean="0"/>
+              <a:rPr lang="en-US"/>
               <a:t>Third level</a:t>
             </a:r>
           </a:p>
           <a:p>
             <a:pPr lvl="3"/>
             <a:r>
-              <a:rPr lang="en-US" smtClean="0"/>
+              <a:rPr lang="en-US"/>
               <a:t>Fourth level</a:t>
             </a:r>
           </a:p>
           <a:p>
             <a:pPr lvl="4"/>
             <a:r>
-              <a:rPr lang="en-US" smtClean="0"/>
+              <a:rPr lang="en-US"/>
               <a:t>Fifth level</a:t>
             </a:r>
             <a:endParaRPr lang="en-US" dirty="0"/>
@@ -4020,7 +4021,7 @@
           <a:p>
             <a:fld id="{4A88F55E-F3C8-451A-88F1-3CC070D1BD1A}" type="datetimeFigureOut">
               <a:rPr lang="en-US" smtClean="0"/>
-              <a:t>10/10/2016</a:t>
+              <a:t>10/11/2016</a:t>
             </a:fld>
             <a:endParaRPr lang="en-US"/>
           </a:p>
@@ -4119,7 +4120,7 @@
           <a:lstStyle/>
           <a:p>
             <a:r>
-              <a:rPr lang="en-US" smtClean="0"/>
+              <a:rPr lang="en-US"/>
               <a:t>Click to edit Master title style</a:t>
             </a:r>
             <a:endParaRPr lang="en-US" dirty="0"/>
@@ -4191,7 +4192,7 @@
           <a:p>
             <a:pPr lvl="0"/>
             <a:r>
-              <a:rPr lang="en-US" smtClean="0"/>
+              <a:rPr lang="en-US"/>
               <a:t>Click to edit Master text styles</a:t>
             </a:r>
           </a:p>
@@ -4219,35 +4220,35 @@
           <a:p>
             <a:pPr lvl="0"/>
             <a:r>
-              <a:rPr lang="en-US" smtClean="0"/>
+              <a:rPr lang="en-US"/>
               <a:t>Click to edit Master text styles</a:t>
             </a:r>
           </a:p>
           <a:p>
             <a:pPr lvl="1"/>
             <a:r>
-              <a:rPr lang="en-US" smtClean="0"/>
+              <a:rPr lang="en-US"/>
               <a:t>Second level</a:t>
             </a:r>
           </a:p>
           <a:p>
             <a:pPr lvl="2"/>
             <a:r>
-              <a:rPr lang="en-US" smtClean="0"/>
+              <a:rPr lang="en-US"/>
               <a:t>Third level</a:t>
             </a:r>
           </a:p>
           <a:p>
             <a:pPr lvl="3"/>
             <a:r>
-              <a:rPr lang="en-US" smtClean="0"/>
+              <a:rPr lang="en-US"/>
               <a:t>Fourth level</a:t>
             </a:r>
           </a:p>
           <a:p>
             <a:pPr lvl="4"/>
             <a:r>
-              <a:rPr lang="en-US" smtClean="0"/>
+              <a:rPr lang="en-US"/>
               <a:t>Fifth level</a:t>
             </a:r>
             <a:endParaRPr lang="en-US" dirty="0"/>
@@ -4319,7 +4320,7 @@
           <a:p>
             <a:pPr lvl="0"/>
             <a:r>
-              <a:rPr lang="en-US" smtClean="0"/>
+              <a:rPr lang="en-US"/>
               <a:t>Click to edit Master text styles</a:t>
             </a:r>
           </a:p>
@@ -4347,35 +4348,35 @@
           <a:p>
             <a:pPr lvl="0"/>
             <a:r>
-              <a:rPr lang="en-US" smtClean="0"/>
+              <a:rPr lang="en-US"/>
               <a:t>Click to edit Master text styles</a:t>
             </a:r>
           </a:p>
           <a:p>
             <a:pPr lvl="1"/>
             <a:r>
-              <a:rPr lang="en-US" smtClean="0"/>
+              <a:rPr lang="en-US"/>
               <a:t>Second level</a:t>
             </a:r>
           </a:p>
           <a:p>
             <a:pPr lvl="2"/>
             <a:r>
-              <a:rPr lang="en-US" smtClean="0"/>
+              <a:rPr lang="en-US"/>
               <a:t>Third level</a:t>
             </a:r>
           </a:p>
           <a:p>
             <a:pPr lvl="3"/>
             <a:r>
-              <a:rPr lang="en-US" smtClean="0"/>
+              <a:rPr lang="en-US"/>
               <a:t>Fourth level</a:t>
             </a:r>
           </a:p>
           <a:p>
             <a:pPr lvl="4"/>
             <a:r>
-              <a:rPr lang="en-US" smtClean="0"/>
+              <a:rPr lang="en-US"/>
               <a:t>Fifth level</a:t>
             </a:r>
             <a:endParaRPr lang="en-US" dirty="0"/>
@@ -4399,7 +4400,7 @@
           <a:p>
             <a:fld id="{4A88F55E-F3C8-451A-88F1-3CC070D1BD1A}" type="datetimeFigureOut">
               <a:rPr lang="en-US" smtClean="0"/>
-              <a:t>10/10/2016</a:t>
+              <a:t>10/11/2016</a:t>
             </a:fld>
             <a:endParaRPr lang="en-US"/>
           </a:p>
@@ -4493,7 +4494,7 @@
           <a:lstStyle/>
           <a:p>
             <a:r>
-              <a:rPr lang="en-US" smtClean="0"/>
+              <a:rPr lang="en-US"/>
               <a:t>Click to edit Master title style</a:t>
             </a:r>
             <a:endParaRPr lang="en-US" dirty="0"/>
@@ -4517,7 +4518,7 @@
           <a:p>
             <a:fld id="{4A88F55E-F3C8-451A-88F1-3CC070D1BD1A}" type="datetimeFigureOut">
               <a:rPr lang="en-US" smtClean="0"/>
-              <a:t>10/10/2016</a:t>
+              <a:t>10/11/2016</a:t>
             </a:fld>
             <a:endParaRPr lang="en-US"/>
           </a:p>
@@ -4612,7 +4613,7 @@
           <a:p>
             <a:fld id="{4A88F55E-F3C8-451A-88F1-3CC070D1BD1A}" type="datetimeFigureOut">
               <a:rPr lang="en-US" smtClean="0"/>
-              <a:t>10/10/2016</a:t>
+              <a:t>10/11/2016</a:t>
             </a:fld>
             <a:endParaRPr lang="en-US"/>
           </a:p>
@@ -4715,7 +4716,7 @@
           </a:lstStyle>
           <a:p>
             <a:r>
-              <a:rPr lang="en-US" smtClean="0"/>
+              <a:rPr lang="en-US"/>
               <a:t>Click to edit Master title style</a:t>
             </a:r>
             <a:endParaRPr lang="en-US" dirty="0"/>
@@ -4744,35 +4745,35 @@
           <a:p>
             <a:pPr lvl="0"/>
             <a:r>
-              <a:rPr lang="en-US" smtClean="0"/>
+              <a:rPr lang="en-US"/>
               <a:t>Click to edit Master text styles</a:t>
             </a:r>
           </a:p>
           <a:p>
             <a:pPr lvl="1"/>
             <a:r>
-              <a:rPr lang="en-US" smtClean="0"/>
+              <a:rPr lang="en-US"/>
               <a:t>Second level</a:t>
             </a:r>
           </a:p>
           <a:p>
             <a:pPr lvl="2"/>
             <a:r>
-              <a:rPr lang="en-US" smtClean="0"/>
+              <a:rPr lang="en-US"/>
               <a:t>Third level</a:t>
             </a:r>
           </a:p>
           <a:p>
             <a:pPr lvl="3"/>
             <a:r>
-              <a:rPr lang="en-US" smtClean="0"/>
+              <a:rPr lang="en-US"/>
               <a:t>Fourth level</a:t>
             </a:r>
           </a:p>
           <a:p>
             <a:pPr lvl="4"/>
             <a:r>
-              <a:rPr lang="en-US" smtClean="0"/>
+              <a:rPr lang="en-US"/>
               <a:t>Fifth level</a:t>
             </a:r>
             <a:endParaRPr lang="en-US" dirty="0"/>
@@ -4838,7 +4839,7 @@
           <a:p>
             <a:pPr lvl="0"/>
             <a:r>
-              <a:rPr lang="en-US" smtClean="0"/>
+              <a:rPr lang="en-US"/>
               <a:t>Click to edit Master text styles</a:t>
             </a:r>
           </a:p>
@@ -4861,7 +4862,7 @@
           <a:p>
             <a:fld id="{4A88F55E-F3C8-451A-88F1-3CC070D1BD1A}" type="datetimeFigureOut">
               <a:rPr lang="en-US" smtClean="0"/>
-              <a:t>10/10/2016</a:t>
+              <a:t>10/11/2016</a:t>
             </a:fld>
             <a:endParaRPr lang="en-US"/>
           </a:p>
@@ -4964,7 +4965,7 @@
           </a:lstStyle>
           <a:p>
             <a:r>
-              <a:rPr lang="en-US" smtClean="0"/>
+              <a:rPr lang="en-US"/>
               <a:t>Click to edit Master title style</a:t>
             </a:r>
             <a:endParaRPr lang="en-US" dirty="0"/>
@@ -5029,7 +5030,7 @@
           </a:lstStyle>
           <a:p>
             <a:r>
-              <a:rPr lang="en-US" smtClean="0"/>
+              <a:rPr lang="en-US"/>
               <a:t>Click icon to add picture</a:t>
             </a:r>
             <a:endParaRPr lang="en-US" dirty="0"/>
@@ -5095,7 +5096,7 @@
           <a:p>
             <a:pPr lvl="0"/>
             <a:r>
-              <a:rPr lang="en-US" smtClean="0"/>
+              <a:rPr lang="en-US"/>
               <a:t>Click to edit Master text styles</a:t>
             </a:r>
           </a:p>
@@ -5118,7 +5119,7 @@
           <a:p>
             <a:fld id="{4A88F55E-F3C8-451A-88F1-3CC070D1BD1A}" type="datetimeFigureOut">
               <a:rPr lang="en-US" smtClean="0"/>
-              <a:t>10/10/2016</a:t>
+              <a:t>10/11/2016</a:t>
             </a:fld>
             <a:endParaRPr lang="en-US"/>
           </a:p>
@@ -5257,7 +5258,7 @@
           <a:lstStyle/>
           <a:p>
             <a:r>
-              <a:rPr lang="en-US" smtClean="0"/>
+              <a:rPr lang="en-US"/>
               <a:t>Click to edit Master title style</a:t>
             </a:r>
             <a:endParaRPr lang="en-US" dirty="0"/>
@@ -5291,35 +5292,35 @@
           <a:p>
             <a:pPr lvl="0"/>
             <a:r>
-              <a:rPr lang="en-US" smtClean="0"/>
+              <a:rPr lang="en-US"/>
               <a:t>Click to edit Master text styles</a:t>
             </a:r>
           </a:p>
           <a:p>
             <a:pPr lvl="1"/>
             <a:r>
-              <a:rPr lang="en-US" smtClean="0"/>
+              <a:rPr lang="en-US"/>
               <a:t>Second level</a:t>
             </a:r>
           </a:p>
           <a:p>
             <a:pPr lvl="2"/>
             <a:r>
-              <a:rPr lang="en-US" smtClean="0"/>
+              <a:rPr lang="en-US"/>
               <a:t>Third level</a:t>
             </a:r>
           </a:p>
           <a:p>
             <a:pPr lvl="3"/>
             <a:r>
-              <a:rPr lang="en-US" smtClean="0"/>
+              <a:rPr lang="en-US"/>
               <a:t>Fourth level</a:t>
             </a:r>
           </a:p>
           <a:p>
             <a:pPr lvl="4"/>
             <a:r>
-              <a:rPr lang="en-US" smtClean="0"/>
+              <a:rPr lang="en-US"/>
               <a:t>Fifth level</a:t>
             </a:r>
             <a:endParaRPr lang="en-US" dirty="0"/>
@@ -5361,7 +5362,7 @@
           <a:p>
             <a:fld id="{4A88F55E-F3C8-451A-88F1-3CC070D1BD1A}" type="datetimeFigureOut">
               <a:rPr lang="en-US" smtClean="0"/>
-              <a:t>10/10/2016</a:t>
+              <a:t>10/11/2016</a:t>
             </a:fld>
             <a:endParaRPr lang="en-US"/>
           </a:p>
@@ -5788,10 +5789,9 @@
           <a:lstStyle/>
           <a:p>
             <a:r>
-              <a:rPr lang="en-US" dirty="0" smtClean="0"/>
+              <a:rPr lang="en-US" dirty="0"/>
               <a:t>Team 1 – VR Texting &amp; Driving</a:t>
             </a:r>
-            <a:endParaRPr lang="en-US" dirty="0"/>
           </a:p>
         </p:txBody>
       </p:sp>
@@ -5813,19 +5813,19 @@
           <a:lstStyle/>
           <a:p>
             <a:r>
-              <a:rPr lang="en-US" dirty="0" smtClean="0"/>
+              <a:rPr lang="en-US" dirty="0"/>
               <a:t>Nate Christiansen</a:t>
             </a:r>
           </a:p>
           <a:p>
             <a:r>
-              <a:rPr lang="en-US" dirty="0" smtClean="0"/>
+              <a:rPr lang="en-US" dirty="0"/>
               <a:t>Jake Wheeler</a:t>
             </a:r>
           </a:p>
           <a:p>
             <a:r>
-              <a:rPr lang="en-US" dirty="0" smtClean="0"/>
+              <a:rPr lang="en-US" dirty="0"/>
               <a:t>Nick Kapty</a:t>
             </a:r>
           </a:p>
@@ -5882,50 +5882,81 @@
           <a:lstStyle/>
           <a:p>
             <a:r>
-              <a:rPr lang="en-US" dirty="0" smtClean="0"/>
-              <a:t>Use Cases – Cont.</a:t>
-            </a:r>
-            <a:endParaRPr lang="en-US" dirty="0"/>
+              <a:rPr lang="en-US" dirty="0"/>
+              <a:t>Use Cases – cont.</a:t>
+            </a:r>
           </a:p>
         </p:txBody>
       </p:sp>
       <p:pic>
         <p:nvPicPr>
-          <p:cNvPr id="4" name="Picture 3"/>
-          <p:cNvPicPr/>
+          <p:cNvPr id="7170" name="Picture 2"/>
+          <p:cNvPicPr>
+            <a:picLocks noChangeAspect="1" noChangeArrowheads="1"/>
+          </p:cNvPicPr>
           <p:nvPr/>
         </p:nvPicPr>
         <p:blipFill>
-          <a:blip r:embed="rId2"/>
+          <a:blip r:embed="rId2">
+            <a:extLst>
+              <a:ext uri="{28A0092B-C50C-407E-A947-70E740481C1C}">
+                <a14:useLocalDpi xmlns:a14="http://schemas.microsoft.com/office/drawing/2010/main" val="0"/>
+              </a:ext>
+            </a:extLst>
+          </a:blip>
+          <a:srcRect/>
           <a:stretch>
             <a:fillRect/>
           </a:stretch>
         </p:blipFill>
-        <p:spPr>
+        <p:spPr bwMode="auto">
           <a:xfrm>
             <a:off x="1295400" y="1371600"/>
-            <a:ext cx="6629400" cy="4650740"/>
-          </a:xfrm>
-          <a:prstGeom prst="rect">
-            <a:avLst/>
-          </a:prstGeom>
-        </p:spPr>
-      </p:pic>
-      <p:sp>
-        <p:nvSpPr>
-          <p:cNvPr id="6" name="TextBox 5"/>
-          <p:cNvSpPr txBox="1"/>
-          <p:nvPr/>
-        </p:nvSpPr>
-        <p:spPr>
-          <a:xfrm>
-            <a:off x="1219200" y="6248400"/>
-            <a:ext cx="7315200" cy="415498"/>
+            <a:ext cx="6638925" cy="4610100"/>
           </a:xfrm>
           <a:prstGeom prst="rect">
             <a:avLst/>
           </a:prstGeom>
           <a:noFill/>
+          <a:ln>
+            <a:noFill/>
+          </a:ln>
+          <a:extLst>
+            <a:ext uri="{909E8E84-426E-40DD-AFC4-6F175D3DCCD1}">
+              <a14:hiddenFill xmlns:a14="http://schemas.microsoft.com/office/drawing/2010/main">
+                <a:solidFill>
+                  <a:schemeClr val="accent1"/>
+                </a:solidFill>
+              </a14:hiddenFill>
+            </a:ext>
+            <a:ext uri="{91240B29-F687-4F45-9708-019B960494DF}">
+              <a14:hiddenLine xmlns:a14="http://schemas.microsoft.com/office/drawing/2010/main" w="9525">
+                <a:solidFill>
+                  <a:schemeClr val="tx1"/>
+                </a:solidFill>
+                <a:miter lim="800000"/>
+                <a:headEnd/>
+                <a:tailEnd/>
+              </a14:hiddenLine>
+            </a:ext>
+          </a:extLst>
+        </p:spPr>
+      </p:pic>
+      <p:sp>
+        <p:nvSpPr>
+          <p:cNvPr id="4" name="TextBox 3"/>
+          <p:cNvSpPr txBox="1"/>
+          <p:nvPr/>
+        </p:nvSpPr>
+        <p:spPr>
+          <a:xfrm>
+            <a:off x="1219200" y="6248400"/>
+            <a:ext cx="7315200" cy="415498"/>
+          </a:xfrm>
+          <a:prstGeom prst="rect">
+            <a:avLst/>
+          </a:prstGeom>
+          <a:noFill/>
         </p:spPr>
         <p:txBody>
           <a:bodyPr wrap="square" rtlCol="0">
@@ -5934,17 +5965,16 @@
           <a:lstStyle/>
           <a:p>
             <a:r>
-              <a:rPr lang="en-US" sz="1050" dirty="0" smtClean="0"/>
+              <a:rPr lang="en-US" sz="1050" dirty="0"/>
               <a:t>Note: These are our initial set of use cases. We may add new use cases as we progress and current use cases may change in the future.</a:t>
             </a:r>
-            <a:endParaRPr lang="en-US" sz="1050" dirty="0"/>
           </a:p>
         </p:txBody>
       </p:sp>
     </p:spTree>
     <p:extLst>
       <p:ext uri="{BB962C8B-B14F-4D97-AF65-F5344CB8AC3E}">
-        <p14:creationId xmlns:p14="http://schemas.microsoft.com/office/powerpoint/2010/main" val="3424105124"/>
+        <p14:creationId xmlns:p14="http://schemas.microsoft.com/office/powerpoint/2010/main" val="3930391348"/>
       </p:ext>
     </p:extLst>
   </p:cSld>
@@ -5983,7 +6013,7 @@
         </p:nvSpPr>
         <p:spPr>
           <a:xfrm>
-            <a:off x="2171700" y="381000"/>
+            <a:off x="2171700" y="228600"/>
             <a:ext cx="6377940" cy="1293028"/>
           </a:xfrm>
         </p:spPr>
@@ -5992,10 +6022,9 @@
           <a:lstStyle/>
           <a:p>
             <a:r>
-              <a:rPr lang="en-US" dirty="0" smtClean="0"/>
+              <a:rPr lang="en-US" dirty="0"/>
               <a:t>Use Cases – Cont.</a:t>
             </a:r>
-            <a:endParaRPr lang="en-US" dirty="0"/>
           </a:p>
         </p:txBody>
       </p:sp>
@@ -6013,8 +6042,8 @@
         </p:blipFill>
         <p:spPr>
           <a:xfrm>
-            <a:off x="1143000" y="1447800"/>
-            <a:ext cx="7010400" cy="4510088"/>
+            <a:off x="1295400" y="1371600"/>
+            <a:ext cx="6629400" cy="4650740"/>
           </a:xfrm>
           <a:prstGeom prst="rect">
             <a:avLst/>
@@ -6044,17 +6073,16 @@
           <a:lstStyle/>
           <a:p>
             <a:r>
-              <a:rPr lang="en-US" sz="1050" dirty="0" smtClean="0"/>
+              <a:rPr lang="en-US" sz="1050" dirty="0"/>
               <a:t>Note: These are our initial set of use cases. We may add new use cases as we progress and current use cases may change in the future.</a:t>
             </a:r>
-            <a:endParaRPr lang="en-US" sz="1050" dirty="0"/>
           </a:p>
         </p:txBody>
       </p:sp>
     </p:spTree>
     <p:extLst>
       <p:ext uri="{BB962C8B-B14F-4D97-AF65-F5344CB8AC3E}">
-        <p14:creationId xmlns:p14="http://schemas.microsoft.com/office/powerpoint/2010/main" val="1048500946"/>
+        <p14:creationId xmlns:p14="http://schemas.microsoft.com/office/powerpoint/2010/main" val="3424105124"/>
       </p:ext>
     </p:extLst>
   </p:cSld>
@@ -6093,8 +6121,8 @@
         </p:nvSpPr>
         <p:spPr>
           <a:xfrm>
-            <a:off x="457200" y="764373"/>
-            <a:ext cx="8092440" cy="1293028"/>
+            <a:off x="2171700" y="381000"/>
+            <a:ext cx="6377940" cy="1293028"/>
           </a:xfrm>
         </p:spPr>
         <p:txBody>
@@ -6102,19 +6130,16 @@
           <a:lstStyle/>
           <a:p>
             <a:r>
-              <a:rPr lang="en-US" dirty="0" smtClean="0"/>
-              <a:t>Sequence diagrams </a:t>
-            </a:r>
-            <a:endParaRPr lang="en-US" dirty="0"/>
+              <a:rPr lang="en-US" dirty="0"/>
+              <a:t>Use Cases – Cont.</a:t>
+            </a:r>
           </a:p>
         </p:txBody>
       </p:sp>
       <p:pic>
         <p:nvPicPr>
           <p:cNvPr id="4" name="Picture 3"/>
-          <p:cNvPicPr>
-            <a:picLocks noChangeAspect="1"/>
-          </p:cNvPicPr>
+          <p:cNvPicPr/>
           <p:nvPr/>
         </p:nvPicPr>
         <p:blipFill>
@@ -6125,18 +6150,47 @@
         </p:blipFill>
         <p:spPr>
           <a:xfrm>
-            <a:off x="990600" y="1752600"/>
-            <a:ext cx="7391400" cy="4899722"/>
+            <a:off x="1143000" y="1447800"/>
+            <a:ext cx="7010400" cy="4510088"/>
           </a:xfrm>
           <a:prstGeom prst="rect">
             <a:avLst/>
           </a:prstGeom>
         </p:spPr>
       </p:pic>
+      <p:sp>
+        <p:nvSpPr>
+          <p:cNvPr id="6" name="TextBox 5"/>
+          <p:cNvSpPr txBox="1"/>
+          <p:nvPr/>
+        </p:nvSpPr>
+        <p:spPr>
+          <a:xfrm>
+            <a:off x="1219200" y="6248400"/>
+            <a:ext cx="7315200" cy="415498"/>
+          </a:xfrm>
+          <a:prstGeom prst="rect">
+            <a:avLst/>
+          </a:prstGeom>
+          <a:noFill/>
+        </p:spPr>
+        <p:txBody>
+          <a:bodyPr wrap="square" rtlCol="0">
+            <a:spAutoFit/>
+          </a:bodyPr>
+          <a:lstStyle/>
+          <a:p>
+            <a:r>
+              <a:rPr lang="en-US" sz="1050" dirty="0"/>
+              <a:t>Note: These are our initial set of use cases. We may add new use cases as we progress and current use cases may change in the future.</a:t>
+            </a:r>
+          </a:p>
+        </p:txBody>
+      </p:sp>
     </p:spTree>
     <p:extLst>
       <p:ext uri="{BB962C8B-B14F-4D97-AF65-F5344CB8AC3E}">
-        <p14:creationId xmlns:p14="http://schemas.microsoft.com/office/powerpoint/2010/main" val="887487479"/>
+        <p14:creationId xmlns:p14="http://schemas.microsoft.com/office/powerpoint/2010/main" val="1048500946"/>
       </p:ext>
     </p:extLst>
   </p:cSld>
@@ -6175,8 +6229,8 @@
         </p:nvSpPr>
         <p:spPr>
           <a:xfrm>
-            <a:off x="685800" y="764373"/>
-            <a:ext cx="7863840" cy="1293028"/>
+            <a:off x="457200" y="764373"/>
+            <a:ext cx="8092440" cy="1293028"/>
           </a:xfrm>
         </p:spPr>
         <p:txBody>
@@ -6184,10 +6238,9 @@
           <a:lstStyle/>
           <a:p>
             <a:r>
-              <a:rPr lang="en-US" dirty="0" smtClean="0"/>
-              <a:t>Sequence diagrams – cont.</a:t>
-            </a:r>
-            <a:endParaRPr lang="en-US" dirty="0"/>
+              <a:rPr lang="en-US" dirty="0"/>
+              <a:t>Sequence diagrams </a:t>
+            </a:r>
           </a:p>
         </p:txBody>
       </p:sp>
@@ -6207,8 +6260,8 @@
         </p:blipFill>
         <p:spPr>
           <a:xfrm>
-            <a:off x="1371600" y="2051305"/>
-            <a:ext cx="6613445" cy="4076700"/>
+            <a:off x="990600" y="1752600"/>
+            <a:ext cx="7391400" cy="4899722"/>
           </a:xfrm>
           <a:prstGeom prst="rect">
             <a:avLst/>
@@ -6218,7 +6271,7 @@
     </p:spTree>
     <p:extLst>
       <p:ext uri="{BB962C8B-B14F-4D97-AF65-F5344CB8AC3E}">
-        <p14:creationId xmlns:p14="http://schemas.microsoft.com/office/powerpoint/2010/main" val="683119086"/>
+        <p14:creationId xmlns:p14="http://schemas.microsoft.com/office/powerpoint/2010/main" val="887487479"/>
       </p:ext>
     </p:extLst>
   </p:cSld>
@@ -6255,70 +6308,51 @@
             <p:ph type="title"/>
           </p:nvPr>
         </p:nvSpPr>
-        <p:spPr/>
+        <p:spPr>
+          <a:xfrm>
+            <a:off x="685800" y="764373"/>
+            <a:ext cx="7863840" cy="1293028"/>
+          </a:xfrm>
+        </p:spPr>
         <p:txBody>
           <a:bodyPr/>
           <a:lstStyle/>
           <a:p>
             <a:r>
-              <a:rPr lang="en-US" dirty="0" smtClean="0"/>
-              <a:t>Exploratory studies</a:t>
-            </a:r>
-            <a:endParaRPr lang="en-US" dirty="0"/>
-          </a:p>
-        </p:txBody>
-      </p:sp>
-      <p:sp>
-        <p:nvSpPr>
-          <p:cNvPr id="3" name="Content Placeholder 2"/>
-          <p:cNvSpPr>
-            <a:spLocks noGrp="1"/>
-          </p:cNvSpPr>
-          <p:nvPr>
-            <p:ph idx="1"/>
-          </p:nvPr>
-        </p:nvSpPr>
-        <p:spPr/>
-        <p:txBody>
-          <a:bodyPr/>
-          <a:lstStyle/>
-          <a:p>
-            <a:r>
-              <a:rPr lang="en-US" b="1" dirty="0" smtClean="0"/>
-              <a:t>Relevant Techniques: </a:t>
-            </a:r>
-            <a:r>
-              <a:rPr lang="en-US" dirty="0" smtClean="0"/>
-              <a:t>Due to the nature of Unity Engine being component based, we plan to adopt a component based design.</a:t>
-            </a:r>
-          </a:p>
-          <a:p>
-            <a:r>
-              <a:rPr lang="en-US" b="1" dirty="0" smtClean="0"/>
-              <a:t>Relevant packages/products: </a:t>
-            </a:r>
-            <a:r>
-              <a:rPr lang="en-US" dirty="0" smtClean="0"/>
-              <a:t>The Unity asset store contains models, scripts, animations, and other assets we can use. We are experimenting with some currently to discover what we want to use in our prototype.</a:t>
-            </a:r>
-          </a:p>
-          <a:p>
-            <a:r>
-              <a:rPr lang="en-US" b="1" dirty="0" smtClean="0"/>
-              <a:t>Broader Impacts:</a:t>
-            </a:r>
-            <a:r>
-              <a:rPr lang="en-US" dirty="0" smtClean="0"/>
-              <a:t> Aside from Erie Insurance benefitting from our project, drivers and their families will benefit since they will give a second thought to distracted driving after using the application.</a:t>
-            </a:r>
-            <a:endParaRPr lang="en-US" b="1" dirty="0"/>
-          </a:p>
-        </p:txBody>
-      </p:sp>
+              <a:rPr lang="en-US" dirty="0"/>
+              <a:t>Sequence diagrams – cont.</a:t>
+            </a:r>
+          </a:p>
+        </p:txBody>
+      </p:sp>
+      <p:pic>
+        <p:nvPicPr>
+          <p:cNvPr id="4" name="Picture 3"/>
+          <p:cNvPicPr>
+            <a:picLocks noChangeAspect="1"/>
+          </p:cNvPicPr>
+          <p:nvPr/>
+        </p:nvPicPr>
+        <p:blipFill>
+          <a:blip r:embed="rId2"/>
+          <a:stretch>
+            <a:fillRect/>
+          </a:stretch>
+        </p:blipFill>
+        <p:spPr>
+          <a:xfrm>
+            <a:off x="1371600" y="2051305"/>
+            <a:ext cx="6613445" cy="4076700"/>
+          </a:xfrm>
+          <a:prstGeom prst="rect">
+            <a:avLst/>
+          </a:prstGeom>
+        </p:spPr>
+      </p:pic>
     </p:spTree>
     <p:extLst>
       <p:ext uri="{BB962C8B-B14F-4D97-AF65-F5344CB8AC3E}">
-        <p14:creationId xmlns:p14="http://schemas.microsoft.com/office/powerpoint/2010/main" val="3673460285"/>
+        <p14:creationId xmlns:p14="http://schemas.microsoft.com/office/powerpoint/2010/main" val="683119086"/>
       </p:ext>
     </p:extLst>
   </p:cSld>
@@ -6355,10 +6389,32 @@
             <p:ph type="title"/>
           </p:nvPr>
         </p:nvSpPr>
-        <p:spPr>
-          <a:xfrm>
-            <a:off x="594360" y="764373"/>
-            <a:ext cx="7955280" cy="1293028"/>
+        <p:spPr/>
+        <p:txBody>
+          <a:bodyPr/>
+          <a:lstStyle/>
+          <a:p>
+            <a:r>
+              <a:rPr lang="en-US" dirty="0"/>
+              <a:t>Exploratory studies</a:t>
+            </a:r>
+          </a:p>
+        </p:txBody>
+      </p:sp>
+      <p:sp>
+        <p:nvSpPr>
+          <p:cNvPr id="3" name="Content Placeholder 2"/>
+          <p:cNvSpPr>
+            <a:spLocks noGrp="1"/>
+          </p:cNvSpPr>
+          <p:nvPr>
+            <p:ph idx="1"/>
+          </p:nvPr>
+        </p:nvSpPr>
+        <p:spPr>
+          <a:xfrm>
+            <a:off x="594360" y="2407920"/>
+            <a:ext cx="7955280" cy="4069080"/>
           </a:xfrm>
         </p:spPr>
         <p:txBody>
@@ -6368,59 +6424,84 @@
           <a:lstStyle/>
           <a:p>
             <a:r>
-              <a:rPr lang="en-US" dirty="0" smtClean="0"/>
-              <a:t>Initial consideration of system architecture</a:t>
-            </a:r>
-            <a:endParaRPr lang="en-US" dirty="0"/>
-          </a:p>
-        </p:txBody>
-      </p:sp>
-      <p:sp>
-        <p:nvSpPr>
-          <p:cNvPr id="3" name="Content Placeholder 2"/>
-          <p:cNvSpPr>
-            <a:spLocks noGrp="1"/>
-          </p:cNvSpPr>
-          <p:nvPr>
-            <p:ph idx="1"/>
-          </p:nvPr>
-        </p:nvSpPr>
-        <p:spPr>
-          <a:xfrm>
-            <a:off x="594360" y="2407920"/>
-            <a:ext cx="7955280" cy="4069080"/>
-          </a:xfrm>
-        </p:spPr>
-        <p:txBody>
-          <a:bodyPr>
-            <a:normAutofit/>
-          </a:bodyPr>
-          <a:lstStyle/>
-          <a:p>
-            <a:r>
-              <a:rPr lang="en-US" sz="3200" dirty="0" smtClean="0"/>
-              <a:t>We are currently considering the MVC architecture</a:t>
-            </a:r>
-          </a:p>
-          <a:p>
-            <a:r>
-              <a:rPr lang="en-US" sz="3200" dirty="0" smtClean="0"/>
-              <a:t>As we progress with a prototype, we will reassess our architecture</a:t>
-            </a:r>
-          </a:p>
-          <a:p>
-            <a:r>
-              <a:rPr lang="en-US" sz="3200" dirty="0" smtClean="0"/>
-              <a:t>We may adapt to another architecture if it makes sense to do so</a:t>
-            </a:r>
-            <a:endParaRPr lang="en-US" sz="3200" dirty="0"/>
+              <a:rPr lang="en-US" sz="1800" b="1" dirty="0"/>
+              <a:t>Relevant Techniques</a:t>
+            </a:r>
+          </a:p>
+          <a:p>
+            <a:pPr lvl="1"/>
+            <a:r>
+              <a:rPr lang="en-US" sz="1800" dirty="0"/>
+              <a:t>Unity Engine – Component based design</a:t>
+            </a:r>
+          </a:p>
+          <a:p>
+            <a:r>
+              <a:rPr lang="en-US" sz="1800" b="1" dirty="0"/>
+              <a:t>Relevant packages/products</a:t>
+            </a:r>
+          </a:p>
+          <a:p>
+            <a:pPr lvl="1"/>
+            <a:r>
+              <a:rPr lang="en-US" sz="1800" dirty="0"/>
+              <a:t>Unity Asset Store</a:t>
+            </a:r>
+          </a:p>
+          <a:p>
+            <a:pPr lvl="2"/>
+            <a:r>
+              <a:rPr lang="en-US" dirty="0"/>
+              <a:t>Models</a:t>
+            </a:r>
+          </a:p>
+          <a:p>
+            <a:pPr lvl="2"/>
+            <a:r>
+              <a:rPr lang="en-US" dirty="0"/>
+              <a:t>Scripts</a:t>
+            </a:r>
+          </a:p>
+          <a:p>
+            <a:pPr lvl="2"/>
+            <a:r>
+              <a:rPr lang="en-US" dirty="0"/>
+              <a:t>Animations</a:t>
+            </a:r>
+          </a:p>
+          <a:p>
+            <a:r>
+              <a:rPr lang="en-US" sz="1800" b="1" dirty="0"/>
+              <a:t>Broader Impacts</a:t>
+            </a:r>
+          </a:p>
+          <a:p>
+            <a:pPr lvl="1"/>
+            <a:r>
+              <a:rPr lang="en-US" sz="1800" dirty="0"/>
+              <a:t>Erie Insurance</a:t>
+            </a:r>
+          </a:p>
+          <a:p>
+            <a:pPr lvl="1"/>
+            <a:r>
+              <a:rPr lang="en-US" sz="1800" dirty="0"/>
+              <a:t>Young drivers and their families</a:t>
+            </a:r>
+          </a:p>
+          <a:p>
+            <a:pPr lvl="1"/>
+            <a:r>
+              <a:rPr lang="en-US" sz="1800" dirty="0"/>
+              <a:t>Other drivers</a:t>
+            </a:r>
           </a:p>
         </p:txBody>
       </p:sp>
     </p:spTree>
     <p:extLst>
       <p:ext uri="{BB962C8B-B14F-4D97-AF65-F5344CB8AC3E}">
-        <p14:creationId xmlns:p14="http://schemas.microsoft.com/office/powerpoint/2010/main" val="391028762"/>
+        <p14:creationId xmlns:p14="http://schemas.microsoft.com/office/powerpoint/2010/main" val="3673460285"/>
       </p:ext>
     </p:extLst>
   </p:cSld>
@@ -6459,25 +6540,71 @@
         </p:nvSpPr>
         <p:spPr>
           <a:xfrm>
-            <a:off x="457200" y="764373"/>
-            <a:ext cx="8092440" cy="1293028"/>
-          </a:xfrm>
-        </p:spPr>
-        <p:txBody>
-          <a:bodyPr/>
-          <a:lstStyle/>
-          <a:p>
-            <a:r>
-              <a:rPr lang="en-US" dirty="0" smtClean="0"/>
-              <a:t>Development Environment</a:t>
-            </a:r>
-            <a:endParaRPr lang="en-US" dirty="0"/>
+            <a:off x="594360" y="764373"/>
+            <a:ext cx="7955280" cy="1293028"/>
+          </a:xfrm>
+        </p:spPr>
+        <p:txBody>
+          <a:bodyPr>
+            <a:normAutofit/>
+          </a:bodyPr>
+          <a:lstStyle/>
+          <a:p>
+            <a:r>
+              <a:rPr lang="en-US" dirty="0"/>
+              <a:t>Initial consideration of system architecture</a:t>
+            </a:r>
+          </a:p>
+        </p:txBody>
+      </p:sp>
+      <p:sp>
+        <p:nvSpPr>
+          <p:cNvPr id="3" name="Content Placeholder 2"/>
+          <p:cNvSpPr>
+            <a:spLocks noGrp="1"/>
+          </p:cNvSpPr>
+          <p:nvPr>
+            <p:ph idx="1"/>
+          </p:nvPr>
+        </p:nvSpPr>
+        <p:spPr>
+          <a:xfrm>
+            <a:off x="594360" y="2407920"/>
+            <a:ext cx="7955280" cy="4069080"/>
+          </a:xfrm>
+        </p:spPr>
+        <p:txBody>
+          <a:bodyPr>
+            <a:normAutofit/>
+          </a:bodyPr>
+          <a:lstStyle/>
+          <a:p>
+            <a:r>
+              <a:rPr lang="en-US" sz="1800" dirty="0"/>
+              <a:t>We are currently considering the </a:t>
+            </a:r>
+            <a:r>
+              <a:rPr lang="en-US" sz="1800" b="1" dirty="0"/>
+              <a:t>MVC architecture</a:t>
+            </a:r>
+          </a:p>
+          <a:p>
+            <a:r>
+              <a:rPr lang="en-US" sz="1800" dirty="0"/>
+              <a:t>As we progress with a prototype, we will reassess our architecture</a:t>
+            </a:r>
+          </a:p>
+          <a:p>
+            <a:r>
+              <a:rPr lang="en-US" sz="1800" dirty="0"/>
+              <a:t>We may adapt to another architecture if it makes sense to do so</a:t>
+            </a:r>
           </a:p>
         </p:txBody>
       </p:sp>
       <p:pic>
         <p:nvPicPr>
-          <p:cNvPr id="7178" name="Picture 10" descr="https://pbs.twimg.com/profile_images/552902707300675584/_zzPQBoj.png"/>
+          <p:cNvPr id="5122" name="Picture 2" descr="https://developer.chrome.com/static/images/mvc.png"/>
           <p:cNvPicPr>
             <a:picLocks noChangeAspect="1" noChangeArrowheads="1"/>
           </p:cNvPicPr>
@@ -6498,8 +6625,8 @@
         </p:blipFill>
         <p:spPr bwMode="auto">
           <a:xfrm>
-            <a:off x="6324600" y="1732598"/>
-            <a:ext cx="2381250" cy="2381250"/>
+            <a:off x="2352675" y="3590925"/>
+            <a:ext cx="4438650" cy="2886075"/>
           </a:xfrm>
           <a:prstGeom prst="rect">
             <a:avLst/>
@@ -6516,144 +6643,21 @@
           </a:extLst>
         </p:spPr>
       </p:pic>
-      <p:pic>
-        <p:nvPicPr>
-          <p:cNvPr id="7184" name="Picture 16" descr="Image result for unity"/>
-          <p:cNvPicPr>
-            <a:picLocks noChangeAspect="1" noChangeArrowheads="1"/>
-          </p:cNvPicPr>
+      <p:sp>
+        <p:nvSpPr>
+          <p:cNvPr id="4" name="TextBox 3"/>
+          <p:cNvSpPr txBox="1"/>
           <p:nvPr/>
-        </p:nvPicPr>
-        <p:blipFill>
-          <a:blip r:embed="rId3">
-            <a:extLst>
-              <a:ext uri="{28A0092B-C50C-407E-A947-70E740481C1C}">
-                <a14:useLocalDpi xmlns:a14="http://schemas.microsoft.com/office/drawing/2010/main" val="0"/>
-              </a:ext>
-            </a:extLst>
-          </a:blip>
-          <a:srcRect/>
-          <a:stretch>
-            <a:fillRect/>
-          </a:stretch>
-        </p:blipFill>
-        <p:spPr bwMode="auto">
-          <a:xfrm>
-            <a:off x="3886200" y="1733550"/>
-            <a:ext cx="2381250" cy="2381250"/>
+        </p:nvSpPr>
+        <p:spPr>
+          <a:xfrm>
+            <a:off x="2438400" y="6502400"/>
+            <a:ext cx="4800600" cy="246221"/>
           </a:xfrm>
           <a:prstGeom prst="rect">
             <a:avLst/>
           </a:prstGeom>
           <a:noFill/>
-          <a:extLst>
-            <a:ext uri="{909E8E84-426E-40DD-AFC4-6F175D3DCCD1}">
-              <a14:hiddenFill xmlns:a14="http://schemas.microsoft.com/office/drawing/2010/main">
-                <a:solidFill>
-                  <a:srgbClr val="FFFFFF"/>
-                </a:solidFill>
-              </a14:hiddenFill>
-            </a:ext>
-          </a:extLst>
-        </p:spPr>
-      </p:pic>
-      <p:pic>
-        <p:nvPicPr>
-          <p:cNvPr id="7186" name="Picture 18" descr="Image result for google cardboard"/>
-          <p:cNvPicPr>
-            <a:picLocks noChangeAspect="1" noChangeArrowheads="1"/>
-          </p:cNvPicPr>
-          <p:nvPr/>
-        </p:nvPicPr>
-        <p:blipFill>
-          <a:blip r:embed="rId4">
-            <a:extLst>
-              <a:ext uri="{28A0092B-C50C-407E-A947-70E740481C1C}">
-                <a14:useLocalDpi xmlns:a14="http://schemas.microsoft.com/office/drawing/2010/main" val="0"/>
-              </a:ext>
-            </a:extLst>
-          </a:blip>
-          <a:srcRect/>
-          <a:stretch>
-            <a:fillRect/>
-          </a:stretch>
-        </p:blipFill>
-        <p:spPr bwMode="auto">
-          <a:xfrm>
-            <a:off x="4503420" y="4113848"/>
-            <a:ext cx="2381250" cy="2381250"/>
-          </a:xfrm>
-          <a:prstGeom prst="rect">
-            <a:avLst/>
-          </a:prstGeom>
-          <a:noFill/>
-          <a:extLst>
-            <a:ext uri="{909E8E84-426E-40DD-AFC4-6F175D3DCCD1}">
-              <a14:hiddenFill xmlns:a14="http://schemas.microsoft.com/office/drawing/2010/main">
-                <a:solidFill>
-                  <a:srgbClr val="FFFFFF"/>
-                </a:solidFill>
-              </a14:hiddenFill>
-            </a:ext>
-          </a:extLst>
-        </p:spPr>
-      </p:pic>
-      <p:pic>
-        <p:nvPicPr>
-          <p:cNvPr id="7188" name="Picture 20" descr="Image result for android"/>
-          <p:cNvPicPr>
-            <a:picLocks noChangeAspect="1" noChangeArrowheads="1"/>
-          </p:cNvPicPr>
-          <p:nvPr/>
-        </p:nvPicPr>
-        <p:blipFill>
-          <a:blip r:embed="rId5">
-            <a:extLst>
-              <a:ext uri="{28A0092B-C50C-407E-A947-70E740481C1C}">
-                <a14:useLocalDpi xmlns:a14="http://schemas.microsoft.com/office/drawing/2010/main" val="0"/>
-              </a:ext>
-            </a:extLst>
-          </a:blip>
-          <a:srcRect/>
-          <a:stretch>
-            <a:fillRect/>
-          </a:stretch>
-        </p:blipFill>
-        <p:spPr bwMode="auto">
-          <a:xfrm>
-            <a:off x="6553200" y="4113848"/>
-            <a:ext cx="2381250" cy="2381250"/>
-          </a:xfrm>
-          <a:prstGeom prst="rect">
-            <a:avLst/>
-          </a:prstGeom>
-          <a:noFill/>
-          <a:extLst>
-            <a:ext uri="{909E8E84-426E-40DD-AFC4-6F175D3DCCD1}">
-              <a14:hiddenFill xmlns:a14="http://schemas.microsoft.com/office/drawing/2010/main">
-                <a:solidFill>
-                  <a:srgbClr val="FFFFFF"/>
-                </a:solidFill>
-              </a14:hiddenFill>
-            </a:ext>
-          </a:extLst>
-        </p:spPr>
-      </p:pic>
-      <p:sp>
-        <p:nvSpPr>
-          <p:cNvPr id="3" name="TextBox 2"/>
-          <p:cNvSpPr txBox="1"/>
-          <p:nvPr/>
-        </p:nvSpPr>
-        <p:spPr>
-          <a:xfrm>
-            <a:off x="304800" y="2438400"/>
-            <a:ext cx="3733800" cy="2862322"/>
-          </a:xfrm>
-          <a:prstGeom prst="rect">
-            <a:avLst/>
-          </a:prstGeom>
-          <a:noFill/>
         </p:spPr>
         <p:txBody>
           <a:bodyPr wrap="square" rtlCol="0">
@@ -6662,91 +6666,16 @@
           <a:lstStyle/>
           <a:p>
             <a:r>
-              <a:rPr lang="en-US" b="1" dirty="0" smtClean="0"/>
-              <a:t>Hardware:</a:t>
-            </a:r>
-            <a:endParaRPr lang="en-US" dirty="0" smtClean="0"/>
-          </a:p>
-          <a:p>
-            <a:pPr marL="285750" indent="-285750">
-              <a:buFont typeface="Arial" panose="020B0604020202020204" pitchFamily="34" charset="0"/>
-              <a:buChar char="•"/>
-            </a:pPr>
-            <a:r>
-              <a:rPr lang="en-US" dirty="0" smtClean="0"/>
-              <a:t>Personal laptops</a:t>
-            </a:r>
-          </a:p>
-          <a:p>
-            <a:pPr marL="285750" indent="-285750">
-              <a:buFont typeface="Arial" panose="020B0604020202020204" pitchFamily="34" charset="0"/>
-              <a:buChar char="•"/>
-            </a:pPr>
-            <a:r>
-              <a:rPr lang="en-US" dirty="0" smtClean="0"/>
-              <a:t>Lab computers</a:t>
-            </a:r>
-          </a:p>
-          <a:p>
-            <a:pPr marL="285750" indent="-285750">
-              <a:buFont typeface="Arial" panose="020B0604020202020204" pitchFamily="34" charset="0"/>
-              <a:buChar char="•"/>
-            </a:pPr>
-            <a:r>
-              <a:rPr lang="en-US" dirty="0" smtClean="0"/>
-              <a:t>Home desktops</a:t>
-            </a:r>
-          </a:p>
-          <a:p>
-            <a:pPr marL="285750" indent="-285750">
-              <a:buFont typeface="Arial" panose="020B0604020202020204" pitchFamily="34" charset="0"/>
-              <a:buChar char="•"/>
-            </a:pPr>
-            <a:endParaRPr lang="en-US" dirty="0"/>
-          </a:p>
-          <a:p>
-            <a:r>
-              <a:rPr lang="en-US" b="1" dirty="0" smtClean="0"/>
-              <a:t>Software tools:</a:t>
-            </a:r>
-          </a:p>
-          <a:p>
-            <a:pPr marL="285750" indent="-285750">
-              <a:buFont typeface="Arial" panose="020B0604020202020204" pitchFamily="34" charset="0"/>
-              <a:buChar char="•"/>
-            </a:pPr>
-            <a:r>
-              <a:rPr lang="en-US" dirty="0" smtClean="0"/>
-              <a:t>C# in Visual Studio</a:t>
-            </a:r>
-          </a:p>
-          <a:p>
-            <a:pPr marL="285750" indent="-285750">
-              <a:buFont typeface="Arial" panose="020B0604020202020204" pitchFamily="34" charset="0"/>
-              <a:buChar char="•"/>
-            </a:pPr>
-            <a:r>
-              <a:rPr lang="en-US" dirty="0" smtClean="0"/>
-              <a:t>Versioning with Git</a:t>
-            </a:r>
-          </a:p>
-          <a:p>
-            <a:pPr marL="285750" indent="-285750">
-              <a:buFont typeface="Arial" panose="020B0604020202020204" pitchFamily="34" charset="0"/>
-              <a:buChar char="•"/>
-            </a:pPr>
-            <a:r>
-              <a:rPr lang="en-US" dirty="0" smtClean="0"/>
-              <a:t>Unity Test Tools package for testing</a:t>
-            </a:r>
-            <a:endParaRPr lang="en-US" dirty="0"/>
+              <a:rPr lang="en-US" sz="1000" dirty="0"/>
+              <a:t>Image from: https://developer.chrome.com/apps/app_frameworks</a:t>
+            </a:r>
           </a:p>
         </p:txBody>
       </p:sp>
     </p:spTree>
     <p:extLst>
       <p:ext uri="{BB962C8B-B14F-4D97-AF65-F5344CB8AC3E}">
-        <p14:creationId xmlns:p14="http://schemas.microsoft.com/office/powerpoint/2010/main" val="1204134341"/>
+        <p14:creationId xmlns:p14="http://schemas.microsoft.com/office/powerpoint/2010/main" val="391028762"/>
       </p:ext>
     </p:extLst>
   </p:cSld>
@@ -6783,16 +6712,339 @@
             <p:ph type="title"/>
           </p:nvPr>
         </p:nvSpPr>
+        <p:spPr>
+          <a:xfrm>
+            <a:off x="457200" y="764373"/>
+            <a:ext cx="8092440" cy="1293028"/>
+          </a:xfrm>
+        </p:spPr>
+        <p:txBody>
+          <a:bodyPr/>
+          <a:lstStyle/>
+          <a:p>
+            <a:r>
+              <a:rPr lang="en-US" dirty="0"/>
+              <a:t>Development Environment</a:t>
+            </a:r>
+          </a:p>
+        </p:txBody>
+      </p:sp>
+      <p:pic>
+        <p:nvPicPr>
+          <p:cNvPr id="7178" name="Picture 10" descr="https://pbs.twimg.com/profile_images/552902707300675584/_zzPQBoj.png"/>
+          <p:cNvPicPr>
+            <a:picLocks noChangeAspect="1" noChangeArrowheads="1"/>
+          </p:cNvPicPr>
+          <p:nvPr/>
+        </p:nvPicPr>
+        <p:blipFill>
+          <a:blip r:embed="rId2">
+            <a:extLst>
+              <a:ext uri="{28A0092B-C50C-407E-A947-70E740481C1C}">
+                <a14:useLocalDpi xmlns:a14="http://schemas.microsoft.com/office/drawing/2010/main" val="0"/>
+              </a:ext>
+            </a:extLst>
+          </a:blip>
+          <a:srcRect/>
+          <a:stretch>
+            <a:fillRect/>
+          </a:stretch>
+        </p:blipFill>
+        <p:spPr bwMode="auto">
+          <a:xfrm>
+            <a:off x="6324600" y="1732598"/>
+            <a:ext cx="2381250" cy="2381250"/>
+          </a:xfrm>
+          <a:prstGeom prst="rect">
+            <a:avLst/>
+          </a:prstGeom>
+          <a:noFill/>
+          <a:extLst>
+            <a:ext uri="{909E8E84-426E-40DD-AFC4-6F175D3DCCD1}">
+              <a14:hiddenFill xmlns:a14="http://schemas.microsoft.com/office/drawing/2010/main">
+                <a:solidFill>
+                  <a:srgbClr val="FFFFFF"/>
+                </a:solidFill>
+              </a14:hiddenFill>
+            </a:ext>
+          </a:extLst>
+        </p:spPr>
+      </p:pic>
+      <p:pic>
+        <p:nvPicPr>
+          <p:cNvPr id="7184" name="Picture 16" descr="Image result for unity"/>
+          <p:cNvPicPr>
+            <a:picLocks noChangeAspect="1" noChangeArrowheads="1"/>
+          </p:cNvPicPr>
+          <p:nvPr/>
+        </p:nvPicPr>
+        <p:blipFill>
+          <a:blip r:embed="rId3">
+            <a:extLst>
+              <a:ext uri="{28A0092B-C50C-407E-A947-70E740481C1C}">
+                <a14:useLocalDpi xmlns:a14="http://schemas.microsoft.com/office/drawing/2010/main" val="0"/>
+              </a:ext>
+            </a:extLst>
+          </a:blip>
+          <a:srcRect/>
+          <a:stretch>
+            <a:fillRect/>
+          </a:stretch>
+        </p:blipFill>
+        <p:spPr bwMode="auto">
+          <a:xfrm>
+            <a:off x="3886200" y="1733550"/>
+            <a:ext cx="2381250" cy="2381250"/>
+          </a:xfrm>
+          <a:prstGeom prst="rect">
+            <a:avLst/>
+          </a:prstGeom>
+          <a:noFill/>
+          <a:extLst>
+            <a:ext uri="{909E8E84-426E-40DD-AFC4-6F175D3DCCD1}">
+              <a14:hiddenFill xmlns:a14="http://schemas.microsoft.com/office/drawing/2010/main">
+                <a:solidFill>
+                  <a:srgbClr val="FFFFFF"/>
+                </a:solidFill>
+              </a14:hiddenFill>
+            </a:ext>
+          </a:extLst>
+        </p:spPr>
+      </p:pic>
+      <p:pic>
+        <p:nvPicPr>
+          <p:cNvPr id="7186" name="Picture 18" descr="Image result for google cardboard"/>
+          <p:cNvPicPr>
+            <a:picLocks noChangeAspect="1" noChangeArrowheads="1"/>
+          </p:cNvPicPr>
+          <p:nvPr/>
+        </p:nvPicPr>
+        <p:blipFill>
+          <a:blip r:embed="rId4">
+            <a:extLst>
+              <a:ext uri="{28A0092B-C50C-407E-A947-70E740481C1C}">
+                <a14:useLocalDpi xmlns:a14="http://schemas.microsoft.com/office/drawing/2010/main" val="0"/>
+              </a:ext>
+            </a:extLst>
+          </a:blip>
+          <a:srcRect/>
+          <a:stretch>
+            <a:fillRect/>
+          </a:stretch>
+        </p:blipFill>
+        <p:spPr bwMode="auto">
+          <a:xfrm>
+            <a:off x="4503420" y="4113848"/>
+            <a:ext cx="2381250" cy="2381250"/>
+          </a:xfrm>
+          <a:prstGeom prst="rect">
+            <a:avLst/>
+          </a:prstGeom>
+          <a:noFill/>
+          <a:extLst>
+            <a:ext uri="{909E8E84-426E-40DD-AFC4-6F175D3DCCD1}">
+              <a14:hiddenFill xmlns:a14="http://schemas.microsoft.com/office/drawing/2010/main">
+                <a:solidFill>
+                  <a:srgbClr val="FFFFFF"/>
+                </a:solidFill>
+              </a14:hiddenFill>
+            </a:ext>
+          </a:extLst>
+        </p:spPr>
+      </p:pic>
+      <p:pic>
+        <p:nvPicPr>
+          <p:cNvPr id="7188" name="Picture 20" descr="Image result for android"/>
+          <p:cNvPicPr>
+            <a:picLocks noChangeAspect="1" noChangeArrowheads="1"/>
+          </p:cNvPicPr>
+          <p:nvPr/>
+        </p:nvPicPr>
+        <p:blipFill>
+          <a:blip r:embed="rId5">
+            <a:extLst>
+              <a:ext uri="{28A0092B-C50C-407E-A947-70E740481C1C}">
+                <a14:useLocalDpi xmlns:a14="http://schemas.microsoft.com/office/drawing/2010/main" val="0"/>
+              </a:ext>
+            </a:extLst>
+          </a:blip>
+          <a:srcRect/>
+          <a:stretch>
+            <a:fillRect/>
+          </a:stretch>
+        </p:blipFill>
+        <p:spPr bwMode="auto">
+          <a:xfrm>
+            <a:off x="6553200" y="4113848"/>
+            <a:ext cx="2381250" cy="2381250"/>
+          </a:xfrm>
+          <a:prstGeom prst="rect">
+            <a:avLst/>
+          </a:prstGeom>
+          <a:noFill/>
+          <a:extLst>
+            <a:ext uri="{909E8E84-426E-40DD-AFC4-6F175D3DCCD1}">
+              <a14:hiddenFill xmlns:a14="http://schemas.microsoft.com/office/drawing/2010/main">
+                <a:solidFill>
+                  <a:srgbClr val="FFFFFF"/>
+                </a:solidFill>
+              </a14:hiddenFill>
+            </a:ext>
+          </a:extLst>
+        </p:spPr>
+      </p:pic>
+      <p:sp>
+        <p:nvSpPr>
+          <p:cNvPr id="3" name="TextBox 2"/>
+          <p:cNvSpPr txBox="1"/>
+          <p:nvPr/>
+        </p:nvSpPr>
+        <p:spPr>
+          <a:xfrm>
+            <a:off x="304800" y="2438400"/>
+            <a:ext cx="3733800" cy="2862322"/>
+          </a:xfrm>
+          <a:prstGeom prst="rect">
+            <a:avLst/>
+          </a:prstGeom>
+          <a:noFill/>
+        </p:spPr>
+        <p:txBody>
+          <a:bodyPr wrap="square" rtlCol="0">
+            <a:spAutoFit/>
+          </a:bodyPr>
+          <a:lstStyle/>
+          <a:p>
+            <a:r>
+              <a:rPr lang="en-US" b="1" dirty="0"/>
+              <a:t>Hardware:</a:t>
+            </a:r>
+            <a:endParaRPr lang="en-US" dirty="0"/>
+          </a:p>
+          <a:p>
+            <a:pPr marL="285750" indent="-285750">
+              <a:buFont typeface="Arial" panose="020B0604020202020204" pitchFamily="34" charset="0"/>
+              <a:buChar char="•"/>
+            </a:pPr>
+            <a:r>
+              <a:rPr lang="en-US" dirty="0"/>
+              <a:t>Personal laptops</a:t>
+            </a:r>
+          </a:p>
+          <a:p>
+            <a:pPr marL="285750" indent="-285750">
+              <a:buFont typeface="Arial" panose="020B0604020202020204" pitchFamily="34" charset="0"/>
+              <a:buChar char="•"/>
+            </a:pPr>
+            <a:r>
+              <a:rPr lang="en-US" dirty="0"/>
+              <a:t>Lab computers</a:t>
+            </a:r>
+          </a:p>
+          <a:p>
+            <a:pPr marL="285750" indent="-285750">
+              <a:buFont typeface="Arial" panose="020B0604020202020204" pitchFamily="34" charset="0"/>
+              <a:buChar char="•"/>
+            </a:pPr>
+            <a:r>
+              <a:rPr lang="en-US" dirty="0"/>
+              <a:t>Home desktops</a:t>
+            </a:r>
+          </a:p>
+          <a:p>
+            <a:pPr marL="285750" indent="-285750">
+              <a:buFont typeface="Arial" panose="020B0604020202020204" pitchFamily="34" charset="0"/>
+              <a:buChar char="•"/>
+            </a:pPr>
+            <a:endParaRPr lang="en-US" dirty="0"/>
+          </a:p>
+          <a:p>
+            <a:r>
+              <a:rPr lang="en-US" b="1" dirty="0"/>
+              <a:t>Software tools:</a:t>
+            </a:r>
+          </a:p>
+          <a:p>
+            <a:pPr marL="285750" indent="-285750">
+              <a:buFont typeface="Arial" panose="020B0604020202020204" pitchFamily="34" charset="0"/>
+              <a:buChar char="•"/>
+            </a:pPr>
+            <a:r>
+              <a:rPr lang="en-US" dirty="0"/>
+              <a:t>C# in Visual Studio</a:t>
+            </a:r>
+          </a:p>
+          <a:p>
+            <a:pPr marL="285750" indent="-285750">
+              <a:buFont typeface="Arial" panose="020B0604020202020204" pitchFamily="34" charset="0"/>
+              <a:buChar char="•"/>
+            </a:pPr>
+            <a:r>
+              <a:rPr lang="en-US" dirty="0"/>
+              <a:t>Versioning with Git</a:t>
+            </a:r>
+          </a:p>
+          <a:p>
+            <a:pPr marL="285750" indent="-285750">
+              <a:buFont typeface="Arial" panose="020B0604020202020204" pitchFamily="34" charset="0"/>
+              <a:buChar char="•"/>
+            </a:pPr>
+            <a:r>
+              <a:rPr lang="en-US" dirty="0"/>
+              <a:t>Unity Test Tools package for testing</a:t>
+            </a:r>
+          </a:p>
+        </p:txBody>
+      </p:sp>
+    </p:spTree>
+    <p:extLst>
+      <p:ext uri="{BB962C8B-B14F-4D97-AF65-F5344CB8AC3E}">
+        <p14:creationId xmlns:p14="http://schemas.microsoft.com/office/powerpoint/2010/main" val="1204134341"/>
+      </p:ext>
+    </p:extLst>
+  </p:cSld>
+  <p:clrMapOvr>
+    <a:masterClrMapping/>
+  </p:clrMapOvr>
+</p:sld>
+</file>
+
+<file path=ppt/slides/slide18.xml><?xml version="1.0" encoding="utf-8"?>
+<p:sld xmlns:a="http://schemas.openxmlformats.org/drawingml/2006/main" xmlns:r="http://schemas.openxmlformats.org/officeDocument/2006/relationships" xmlns:p="http://schemas.openxmlformats.org/presentationml/2006/main">
+  <p:cSld>
+    <p:spTree>
+      <p:nvGrpSpPr>
+        <p:cNvPr id="1" name=""/>
+        <p:cNvGrpSpPr/>
+        <p:nvPr/>
+      </p:nvGrpSpPr>
+      <p:grpSpPr>
+        <a:xfrm>
+          <a:off x="0" y="0"/>
+          <a:ext cx="0" cy="0"/>
+          <a:chOff x="0" y="0"/>
+          <a:chExt cx="0" cy="0"/>
+        </a:xfrm>
+      </p:grpSpPr>
+      <p:sp>
+        <p:nvSpPr>
+          <p:cNvPr id="2" name="Title 1"/>
+          <p:cNvSpPr>
+            <a:spLocks noGrp="1"/>
+          </p:cNvSpPr>
+          <p:nvPr>
+            <p:ph type="title"/>
+          </p:nvPr>
+        </p:nvSpPr>
         <p:spPr/>
         <p:txBody>
           <a:bodyPr/>
           <a:lstStyle/>
           <a:p>
             <a:r>
-              <a:rPr lang="en-US" dirty="0" smtClean="0"/>
+              <a:rPr lang="en-US" dirty="0"/>
               <a:t>Wrap up</a:t>
             </a:r>
-            <a:endParaRPr lang="en-US" dirty="0"/>
           </a:p>
         </p:txBody>
       </p:sp>
@@ -6822,10 +7074,9 @@
               <a:buNone/>
             </a:pPr>
             <a:r>
-              <a:rPr lang="en-US" sz="9600" dirty="0" smtClean="0"/>
+              <a:rPr lang="en-US" sz="9600" dirty="0"/>
               <a:t>Questions?</a:t>
             </a:r>
-            <a:endParaRPr lang="en-US" sz="9600" dirty="0"/>
           </a:p>
         </p:txBody>
       </p:sp>
@@ -6875,10 +7126,9 @@
           <a:lstStyle/>
           <a:p>
             <a:r>
-              <a:rPr lang="en-US" dirty="0" smtClean="0"/>
+              <a:rPr lang="en-US" dirty="0"/>
               <a:t>Project Overview</a:t>
             </a:r>
-            <a:endParaRPr lang="en-US" dirty="0"/>
           </a:p>
         </p:txBody>
       </p:sp>
@@ -6905,22 +7155,28 @@
           <a:lstStyle/>
           <a:p>
             <a:r>
-              <a:rPr lang="en-US" sz="3600" dirty="0" smtClean="0"/>
+              <a:rPr lang="en-US" sz="3600" dirty="0"/>
               <a:t>Sponsored by Erie Insurance</a:t>
             </a:r>
           </a:p>
           <a:p>
             <a:r>
-              <a:rPr lang="en-US" sz="3600" dirty="0" smtClean="0"/>
-              <a:t>Android app designed for agents to demonstrate the dangers of distracted driving to policy holders </a:t>
-            </a:r>
-          </a:p>
-          <a:p>
-            <a:r>
-              <a:rPr lang="en-US" sz="3600" dirty="0" smtClean="0"/>
-              <a:t>Utilizes Google Cardboard VR to create an immersive experience to engage younger audiences</a:t>
-            </a:r>
-            <a:endParaRPr lang="en-US" sz="3600" dirty="0"/>
+              <a:rPr lang="en-US" sz="3600" dirty="0"/>
+              <a:t>Android app to show dangers of texting while driving</a:t>
+            </a:r>
+          </a:p>
+          <a:p>
+            <a:r>
+              <a:rPr lang="en-US" sz="3600" dirty="0"/>
+              <a:t>Google Cardboard VR</a:t>
+            </a:r>
+          </a:p>
+          <a:p>
+            <a:pPr lvl="1"/>
+            <a:r>
+              <a:rPr lang="en-US" sz="3400" dirty="0"/>
+              <a:t>Immersive experience</a:t>
+            </a:r>
           </a:p>
         </p:txBody>
       </p:sp>
@@ -6964,100 +7220,97 @@
             <p:ph type="title"/>
           </p:nvPr>
         </p:nvSpPr>
-        <p:spPr>
-          <a:xfrm>
-            <a:off x="2171700" y="152400"/>
-            <a:ext cx="6377940" cy="1293028"/>
-          </a:xfrm>
-        </p:spPr>
+        <p:spPr/>
         <p:txBody>
           <a:bodyPr/>
           <a:lstStyle/>
           <a:p>
             <a:r>
-              <a:rPr lang="en-US" dirty="0" smtClean="0"/>
-              <a:t>Business Problem</a:t>
-            </a:r>
+              <a:rPr lang="en-US" dirty="0"/>
+              <a:t>Project background</a:t>
+            </a:r>
+          </a:p>
+        </p:txBody>
+      </p:sp>
+      <p:sp>
+        <p:nvSpPr>
+          <p:cNvPr id="3" name="Content Placeholder 2"/>
+          <p:cNvSpPr>
+            <a:spLocks noGrp="1"/>
+          </p:cNvSpPr>
+          <p:nvPr>
+            <p:ph idx="1"/>
+          </p:nvPr>
+        </p:nvSpPr>
+        <p:spPr>
+          <a:xfrm>
+            <a:off x="594360" y="2194560"/>
+            <a:ext cx="7955280" cy="2987040"/>
+          </a:xfrm>
+        </p:spPr>
+        <p:txBody>
+          <a:bodyPr/>
+          <a:lstStyle/>
+          <a:p>
+            <a:r>
+              <a:rPr lang="en-US" sz="2400" dirty="0"/>
+              <a:t>Distracted driving is becoming more prevalent with the rise of technology. Erie Insurance is invested in increasing awareness about this issue.</a:t>
+            </a:r>
+          </a:p>
+          <a:p>
+            <a:r>
+              <a:rPr lang="en-US" sz="2400" dirty="0"/>
+              <a:t>In 2014, 3,179 people were killed, and 431,000 were injured in motor vehicle crashes involving distracted drivers.</a:t>
+            </a:r>
+          </a:p>
+          <a:p>
+            <a:r>
+              <a:rPr lang="en-US" dirty="0"/>
+              <a:t>One-third of drivers admitted to texting while driving, and three-quarters saying they’ve seen others do it.</a:t>
+            </a:r>
+            <a:endParaRPr lang="en-US" sz="2400" dirty="0"/>
+          </a:p>
+          <a:p>
+            <a:pPr marL="0" indent="0">
+              <a:buNone/>
+            </a:pPr>
             <a:endParaRPr lang="en-US" dirty="0"/>
           </a:p>
         </p:txBody>
       </p:sp>
       <p:sp>
         <p:nvSpPr>
-          <p:cNvPr id="3" name="Content Placeholder 2"/>
-          <p:cNvSpPr>
-            <a:spLocks noGrp="1"/>
-          </p:cNvSpPr>
-          <p:nvPr>
-            <p:ph idx="1"/>
-          </p:nvPr>
-        </p:nvSpPr>
-        <p:spPr>
-          <a:xfrm>
-            <a:off x="594360" y="1722120"/>
-            <a:ext cx="7955280" cy="4373880"/>
-          </a:xfrm>
-        </p:spPr>
-        <p:txBody>
-          <a:bodyPr>
-            <a:noAutofit/>
+          <p:cNvPr id="4" name="TextBox 3"/>
+          <p:cNvSpPr txBox="1"/>
+          <p:nvPr/>
+        </p:nvSpPr>
+        <p:spPr>
+          <a:xfrm>
+            <a:off x="1676400" y="5867400"/>
+            <a:ext cx="5943600" cy="253916"/>
+          </a:xfrm>
+          <a:prstGeom prst="rect">
+            <a:avLst/>
+          </a:prstGeom>
+          <a:noFill/>
+        </p:spPr>
+        <p:txBody>
+          <a:bodyPr wrap="square" rtlCol="0">
+            <a:spAutoFit/>
           </a:bodyPr>
           <a:lstStyle/>
           <a:p>
             <a:r>
-              <a:rPr lang="en-US" sz="2000" b="1" dirty="0" smtClean="0"/>
-              <a:t>Project Background:</a:t>
-            </a:r>
-            <a:r>
-              <a:rPr lang="en-US" sz="2000" dirty="0" smtClean="0"/>
-              <a:t> Distracted driving is becoming more prevalent with the rise of technology. Erie Insurance is invested in increasing awareness about this issue.</a:t>
-            </a:r>
-          </a:p>
-          <a:p>
-            <a:r>
-              <a:rPr lang="en-US" sz="2000" b="1" dirty="0" smtClean="0"/>
-              <a:t>Project Needs:</a:t>
-            </a:r>
-            <a:r>
-              <a:rPr lang="en-US" sz="2000" dirty="0" smtClean="0"/>
-              <a:t> Erie Insurance is looking for an innovative solution to engage younger audiences in learning about the dangers of distracted driving.</a:t>
-            </a:r>
-          </a:p>
-          <a:p>
-            <a:r>
-              <a:rPr lang="en-US" sz="2000" b="1" dirty="0" smtClean="0"/>
-              <a:t>Project Objective:</a:t>
-            </a:r>
-            <a:r>
-              <a:rPr lang="en-US" sz="2000" dirty="0" smtClean="0"/>
-              <a:t> This project aims to utilize virtual reality technology to create an immersive experience that involves users of all ages.</a:t>
-            </a:r>
-          </a:p>
-          <a:p>
-            <a:r>
-              <a:rPr lang="en-US" sz="2000" b="1" dirty="0" smtClean="0"/>
-              <a:t>Broader Impacts:</a:t>
-            </a:r>
-            <a:r>
-              <a:rPr lang="en-US" sz="2000" dirty="0"/>
-              <a:t> This virtual reality experience has the potential to help minimize distracted </a:t>
-            </a:r>
-            <a:r>
-              <a:rPr lang="en-US" sz="2000" dirty="0" smtClean="0"/>
-              <a:t>driving. Since </a:t>
-            </a:r>
-            <a:r>
-              <a:rPr lang="en-US" sz="2000" dirty="0"/>
-              <a:t>the application runs on the Android operating system, which is used by millions of people every day, this application has the potential to reach a large number of drivers and passengers.</a:t>
-            </a:r>
-            <a:endParaRPr lang="en-US" sz="2000" b="1" dirty="0"/>
+              <a:rPr lang="en-US" sz="1050" dirty="0"/>
+              <a:t>Information from: http://www.distraction.gov/stats-research-laws/facts-and-statistics.html</a:t>
+            </a:r>
           </a:p>
         </p:txBody>
       </p:sp>
     </p:spTree>
     <p:extLst>
       <p:ext uri="{BB962C8B-B14F-4D97-AF65-F5344CB8AC3E}">
-        <p14:creationId xmlns:p14="http://schemas.microsoft.com/office/powerpoint/2010/main" val="2288543293"/>
+        <p14:creationId xmlns:p14="http://schemas.microsoft.com/office/powerpoint/2010/main" val="1725478658"/>
       </p:ext>
     </p:extLst>
   </p:cSld>
@@ -7094,47 +7347,114 @@
             <p:ph type="title"/>
           </p:nvPr>
         </p:nvSpPr>
-        <p:spPr/>
+        <p:spPr>
+          <a:xfrm>
+            <a:off x="2171700" y="152400"/>
+            <a:ext cx="6377940" cy="1293028"/>
+          </a:xfrm>
+        </p:spPr>
         <p:txBody>
           <a:bodyPr/>
           <a:lstStyle/>
           <a:p>
             <a:r>
-              <a:rPr lang="en-US" dirty="0" smtClean="0"/>
-              <a:t>Development Process</a:t>
-            </a:r>
-            <a:endParaRPr lang="en-US" dirty="0"/>
-          </a:p>
-        </p:txBody>
-      </p:sp>
-      <p:pic>
-        <p:nvPicPr>
-          <p:cNvPr id="5" name="Picture 4"/>
-          <p:cNvPicPr>
-            <a:picLocks noChangeAspect="1"/>
-          </p:cNvPicPr>
-          <p:nvPr/>
-        </p:nvPicPr>
-        <p:blipFill>
-          <a:blip r:embed="rId2"/>
-          <a:stretch>
-            <a:fillRect/>
-          </a:stretch>
-        </p:blipFill>
-        <p:spPr>
-          <a:xfrm>
-            <a:off x="457200" y="1828800"/>
-            <a:ext cx="8279785" cy="4638675"/>
-          </a:xfrm>
-          <a:prstGeom prst="rect">
-            <a:avLst/>
-          </a:prstGeom>
-        </p:spPr>
-      </p:pic>
+              <a:rPr lang="en-US" dirty="0"/>
+              <a:t>Business Problem</a:t>
+            </a:r>
+          </a:p>
+        </p:txBody>
+      </p:sp>
+      <p:sp>
+        <p:nvSpPr>
+          <p:cNvPr id="3" name="Content Placeholder 2"/>
+          <p:cNvSpPr>
+            <a:spLocks noGrp="1"/>
+          </p:cNvSpPr>
+          <p:nvPr>
+            <p:ph idx="1"/>
+          </p:nvPr>
+        </p:nvSpPr>
+        <p:spPr>
+          <a:xfrm>
+            <a:off x="594360" y="1722120"/>
+            <a:ext cx="7955280" cy="4373880"/>
+          </a:xfrm>
+        </p:spPr>
+        <p:txBody>
+          <a:bodyPr>
+            <a:noAutofit/>
+          </a:bodyPr>
+          <a:lstStyle/>
+          <a:p>
+            <a:r>
+              <a:rPr lang="en-US" sz="1800" b="1" dirty="0"/>
+              <a:t>Project Needs</a:t>
+            </a:r>
+            <a:r>
+              <a:rPr lang="en-US" sz="1800" dirty="0"/>
+              <a:t> </a:t>
+            </a:r>
+          </a:p>
+          <a:p>
+            <a:pPr lvl="1"/>
+            <a:r>
+              <a:rPr lang="en-US" sz="1800" dirty="0"/>
+              <a:t>Erie Insurance is looking for an innovative solution to engage younger audiences in learning about the dangers of distracted driving</a:t>
+            </a:r>
+          </a:p>
+          <a:p>
+            <a:r>
+              <a:rPr lang="en-US" sz="1800" b="1" dirty="0"/>
+              <a:t>Project Objective</a:t>
+            </a:r>
+          </a:p>
+          <a:p>
+            <a:pPr lvl="1"/>
+            <a:r>
+              <a:rPr lang="en-US" sz="1800" dirty="0"/>
+              <a:t>Foster engagement between agents, parents, and young drivers</a:t>
+            </a:r>
+          </a:p>
+          <a:p>
+            <a:pPr lvl="1"/>
+            <a:r>
+              <a:rPr lang="en-US" sz="1800" dirty="0"/>
+              <a:t>Allow the agent a helpful way to start the conversation about distracted driving</a:t>
+            </a:r>
+          </a:p>
+          <a:p>
+            <a:pPr lvl="1"/>
+            <a:r>
+              <a:rPr lang="en-US" sz="1800" dirty="0"/>
+              <a:t>Demonstrate the dangers of distracted driving to young drivers</a:t>
+            </a:r>
+          </a:p>
+          <a:p>
+            <a:r>
+              <a:rPr lang="en-US" sz="1800" b="1" dirty="0"/>
+              <a:t>Broader Impacts</a:t>
+            </a:r>
+          </a:p>
+          <a:p>
+            <a:pPr lvl="1"/>
+            <a:r>
+              <a:rPr lang="en-US" sz="1800" dirty="0"/>
+              <a:t>App will be easily distributable if ERIE desires</a:t>
+            </a:r>
+          </a:p>
+          <a:p>
+            <a:pPr lvl="1"/>
+            <a:r>
+              <a:rPr lang="en-US" sz="1800" dirty="0"/>
+              <a:t>Potential to protect young drivers and those around them</a:t>
+            </a:r>
+          </a:p>
+        </p:txBody>
+      </p:sp>
     </p:spTree>
     <p:extLst>
       <p:ext uri="{BB962C8B-B14F-4D97-AF65-F5344CB8AC3E}">
-        <p14:creationId xmlns:p14="http://schemas.microsoft.com/office/powerpoint/2010/main" val="2551059484"/>
+        <p14:creationId xmlns:p14="http://schemas.microsoft.com/office/powerpoint/2010/main" val="2288543293"/>
       </p:ext>
     </p:extLst>
   </p:cSld>
@@ -7171,37 +7491,21 @@
             <p:ph type="title"/>
           </p:nvPr>
         </p:nvSpPr>
-        <p:spPr>
-          <a:xfrm>
-            <a:off x="670560" y="609600"/>
-            <a:ext cx="8244840" cy="1293028"/>
-          </a:xfrm>
-        </p:spPr>
-        <p:txBody>
-          <a:bodyPr>
-            <a:normAutofit fontScale="90000"/>
-          </a:bodyPr>
-          <a:lstStyle/>
-          <a:p>
-            <a:r>
-              <a:rPr lang="en-US" dirty="0" smtClean="0"/>
-              <a:t>Initial </a:t>
-            </a:r>
-            <a:r>
-              <a:rPr lang="en-US" dirty="0" smtClean="0"/>
-              <a:t>user </a:t>
-            </a:r>
-            <a:r>
-              <a:rPr lang="en-US" dirty="0" smtClean="0"/>
-              <a:t>requirements &amp; engineered system Requirements</a:t>
-            </a:r>
-            <a:endParaRPr lang="en-US" dirty="0"/>
+        <p:spPr/>
+        <p:txBody>
+          <a:bodyPr/>
+          <a:lstStyle/>
+          <a:p>
+            <a:r>
+              <a:rPr lang="en-US" dirty="0"/>
+              <a:t>Development Process</a:t>
+            </a:r>
           </a:p>
         </p:txBody>
       </p:sp>
       <p:pic>
         <p:nvPicPr>
-          <p:cNvPr id="3" name="Picture 2"/>
+          <p:cNvPr id="5" name="Picture 4"/>
           <p:cNvPicPr>
             <a:picLocks noChangeAspect="1"/>
           </p:cNvPicPr>
@@ -7215,48 +7519,18 @@
         </p:blipFill>
         <p:spPr>
           <a:xfrm>
-            <a:off x="1295400" y="1828800"/>
-            <a:ext cx="6667500" cy="4428745"/>
+            <a:off x="457200" y="1828800"/>
+            <a:ext cx="8279785" cy="4638675"/>
           </a:xfrm>
           <a:prstGeom prst="rect">
             <a:avLst/>
           </a:prstGeom>
         </p:spPr>
       </p:pic>
-      <p:sp>
-        <p:nvSpPr>
-          <p:cNvPr id="4" name="TextBox 3"/>
-          <p:cNvSpPr txBox="1"/>
-          <p:nvPr/>
-        </p:nvSpPr>
-        <p:spPr>
-          <a:xfrm>
-            <a:off x="1219200" y="6248400"/>
-            <a:ext cx="7315200" cy="415498"/>
-          </a:xfrm>
-          <a:prstGeom prst="rect">
-            <a:avLst/>
-          </a:prstGeom>
-          <a:noFill/>
-        </p:spPr>
-        <p:txBody>
-          <a:bodyPr wrap="square" rtlCol="0">
-            <a:spAutoFit/>
-          </a:bodyPr>
-          <a:lstStyle/>
-          <a:p>
-            <a:r>
-              <a:rPr lang="en-US" sz="1050" dirty="0" smtClean="0"/>
-              <a:t>Note: These are our initial set of requirements. We may add new requirements as we progress and current requirements may change in the future.</a:t>
-            </a:r>
-            <a:endParaRPr lang="en-US" sz="1050" dirty="0"/>
-          </a:p>
-        </p:txBody>
-      </p:sp>
     </p:spTree>
     <p:extLst>
       <p:ext uri="{BB962C8B-B14F-4D97-AF65-F5344CB8AC3E}">
-        <p14:creationId xmlns:p14="http://schemas.microsoft.com/office/powerpoint/2010/main" val="664915384"/>
+        <p14:creationId xmlns:p14="http://schemas.microsoft.com/office/powerpoint/2010/main" val="2551059484"/>
       </p:ext>
     </p:extLst>
   </p:cSld>
@@ -7293,16 +7567,127 @@
             <p:ph type="title"/>
           </p:nvPr>
         </p:nvSpPr>
+        <p:spPr>
+          <a:xfrm>
+            <a:off x="670560" y="609600"/>
+            <a:ext cx="8244840" cy="1293028"/>
+          </a:xfrm>
+        </p:spPr>
+        <p:txBody>
+          <a:bodyPr>
+            <a:normAutofit fontScale="90000"/>
+          </a:bodyPr>
+          <a:lstStyle/>
+          <a:p>
+            <a:r>
+              <a:rPr lang="en-US" dirty="0"/>
+              <a:t>Initial user requirements &amp; engineered system Requirements</a:t>
+            </a:r>
+          </a:p>
+        </p:txBody>
+      </p:sp>
+      <p:pic>
+        <p:nvPicPr>
+          <p:cNvPr id="3" name="Picture 2"/>
+          <p:cNvPicPr>
+            <a:picLocks noChangeAspect="1"/>
+          </p:cNvPicPr>
+          <p:nvPr/>
+        </p:nvPicPr>
+        <p:blipFill>
+          <a:blip r:embed="rId2"/>
+          <a:stretch>
+            <a:fillRect/>
+          </a:stretch>
+        </p:blipFill>
+        <p:spPr>
+          <a:xfrm>
+            <a:off x="1295400" y="1828800"/>
+            <a:ext cx="6667500" cy="4428745"/>
+          </a:xfrm>
+          <a:prstGeom prst="rect">
+            <a:avLst/>
+          </a:prstGeom>
+        </p:spPr>
+      </p:pic>
+      <p:sp>
+        <p:nvSpPr>
+          <p:cNvPr id="4" name="TextBox 3"/>
+          <p:cNvSpPr txBox="1"/>
+          <p:nvPr/>
+        </p:nvSpPr>
+        <p:spPr>
+          <a:xfrm>
+            <a:off x="1219200" y="6248400"/>
+            <a:ext cx="7315200" cy="415498"/>
+          </a:xfrm>
+          <a:prstGeom prst="rect">
+            <a:avLst/>
+          </a:prstGeom>
+          <a:noFill/>
+        </p:spPr>
+        <p:txBody>
+          <a:bodyPr wrap="square" rtlCol="0">
+            <a:spAutoFit/>
+          </a:bodyPr>
+          <a:lstStyle/>
+          <a:p>
+            <a:r>
+              <a:rPr lang="en-US" sz="1050" dirty="0"/>
+              <a:t>Note: These are our initial set of requirements. We may add new requirements as we progress and current requirements may change in the future.</a:t>
+            </a:r>
+          </a:p>
+        </p:txBody>
+      </p:sp>
+    </p:spTree>
+    <p:extLst>
+      <p:ext uri="{BB962C8B-B14F-4D97-AF65-F5344CB8AC3E}">
+        <p14:creationId xmlns:p14="http://schemas.microsoft.com/office/powerpoint/2010/main" val="664915384"/>
+      </p:ext>
+    </p:extLst>
+  </p:cSld>
+  <p:clrMapOvr>
+    <a:masterClrMapping/>
+  </p:clrMapOvr>
+</p:sld>
+</file>
+
+<file path=ppt/slides/slide7.xml><?xml version="1.0" encoding="utf-8"?>
+<p:sld xmlns:a="http://schemas.openxmlformats.org/drawingml/2006/main" xmlns:r="http://schemas.openxmlformats.org/officeDocument/2006/relationships" xmlns:p="http://schemas.openxmlformats.org/presentationml/2006/main">
+  <p:cSld>
+    <p:spTree>
+      <p:nvGrpSpPr>
+        <p:cNvPr id="1" name=""/>
+        <p:cNvGrpSpPr/>
+        <p:nvPr/>
+      </p:nvGrpSpPr>
+      <p:grpSpPr>
+        <a:xfrm>
+          <a:off x="0" y="0"/>
+          <a:ext cx="0" cy="0"/>
+          <a:chOff x="0" y="0"/>
+          <a:chExt cx="0" cy="0"/>
+        </a:xfrm>
+      </p:grpSpPr>
+      <p:sp>
+        <p:nvSpPr>
+          <p:cNvPr id="2" name="Title 1"/>
+          <p:cNvSpPr>
+            <a:spLocks noGrp="1"/>
+          </p:cNvSpPr>
+          <p:nvPr>
+            <p:ph type="title"/>
+          </p:nvPr>
+        </p:nvSpPr>
         <p:spPr/>
         <p:txBody>
           <a:bodyPr/>
           <a:lstStyle/>
           <a:p>
             <a:r>
-              <a:rPr lang="en-US" dirty="0" smtClean="0"/>
+              <a:rPr lang="en-US" dirty="0"/>
               <a:t>Requirements – Cont.</a:t>
             </a:r>
-            <a:endParaRPr lang="en-US" dirty="0"/>
           </a:p>
         </p:txBody>
       </p:sp>
@@ -7383,10 +7768,9 @@
           <a:lstStyle/>
           <a:p>
             <a:r>
-              <a:rPr lang="en-US" sz="1050" dirty="0" smtClean="0"/>
+              <a:rPr lang="en-US" sz="1050" dirty="0"/>
               <a:t>Note: These are our initial set of requirements. We may add new requirements as we progress and current requirements may change in the future.</a:t>
             </a:r>
-            <a:endParaRPr lang="en-US" sz="1050" dirty="0"/>
           </a:p>
         </p:txBody>
       </p:sp>
@@ -7403,7 +7787,7 @@
 </p:sld>
 </file>
 
-<file path=ppt/slides/slide7.xml><?xml version="1.0" encoding="utf-8"?>
+<file path=ppt/slides/slide8.xml><?xml version="1.0" encoding="utf-8"?>
 <p:sld xmlns:a="http://schemas.openxmlformats.org/drawingml/2006/main" xmlns:r="http://schemas.openxmlformats.org/officeDocument/2006/relationships" xmlns:p="http://schemas.openxmlformats.org/presentationml/2006/main">
   <p:cSld>
     <p:spTree>
@@ -7436,10 +7820,9 @@
           <a:lstStyle/>
           <a:p>
             <a:r>
-              <a:rPr lang="en-US" dirty="0" smtClean="0"/>
+              <a:rPr lang="en-US" dirty="0"/>
               <a:t>Requirements – Cont.</a:t>
             </a:r>
-            <a:endParaRPr lang="en-US" dirty="0"/>
           </a:p>
         </p:txBody>
       </p:sp>
@@ -7520,10 +7903,9 @@
           <a:lstStyle/>
           <a:p>
             <a:r>
-              <a:rPr lang="en-US" sz="1050" dirty="0" smtClean="0"/>
+              <a:rPr lang="en-US" sz="1050" dirty="0"/>
               <a:t>Note: These are our initial set of requirements. We may add new requirements as we progress and current requirements may change in the future.</a:t>
             </a:r>
-            <a:endParaRPr lang="en-US" sz="1050" dirty="0"/>
           </a:p>
         </p:txBody>
       </p:sp>
@@ -7540,7 +7922,7 @@
 </p:sld>
 </file>
 
-<file path=ppt/slides/slide8.xml><?xml version="1.0" encoding="utf-8"?>
+<file path=ppt/slides/slide9.xml><?xml version="1.0" encoding="utf-8"?>
 <p:sld xmlns:a="http://schemas.openxmlformats.org/drawingml/2006/main" xmlns:r="http://schemas.openxmlformats.org/officeDocument/2006/relationships" xmlns:p="http://schemas.openxmlformats.org/presentationml/2006/main">
   <p:cSld>
     <p:spTree>
@@ -7578,10 +7960,9 @@
           <a:lstStyle/>
           <a:p>
             <a:r>
-              <a:rPr lang="en-US" dirty="0" smtClean="0"/>
+              <a:rPr lang="en-US" dirty="0"/>
               <a:t>Use Case Diagram</a:t>
             </a:r>
-            <a:endParaRPr lang="en-US" dirty="0"/>
           </a:p>
         </p:txBody>
       </p:sp>
@@ -7670,7 +8051,7 @@
           <a:graphicData uri="http://schemas.openxmlformats.org/presentationml/2006/ole">
             <mc:AlternateContent xmlns:mc="http://schemas.openxmlformats.org/markup-compatibility/2006">
               <mc:Choice xmlns:v="urn:schemas-microsoft-com:vml" Requires="v">
-                <p:oleObj spid="_x0000_s4120" r:id="rId3" imgW="5086333" imgH="2457540" progId="Visio.Drawing.15">
+                <p:oleObj spid="_x0000_s4126" r:id="rId3" imgW="5086333" imgH="2457540" progId="Visio.Drawing.15">
                   <p:embed/>
                 </p:oleObj>
               </mc:Choice>
@@ -7738,10 +8119,9 @@
           <a:lstStyle/>
           <a:p>
             <a:r>
-              <a:rPr lang="en-US" dirty="0" smtClean="0"/>
+              <a:rPr lang="en-US" dirty="0"/>
               <a:t>This is our current use case diagram to meet our industry partner’s needs. These use cases may change in the future.</a:t>
             </a:r>
-            <a:endParaRPr lang="en-US" dirty="0"/>
           </a:p>
         </p:txBody>
       </p:sp>
@@ -7773,151 +8153,6 @@
     <p:extLst>
       <p:ext uri="{BB962C8B-B14F-4D97-AF65-F5344CB8AC3E}">
         <p14:creationId xmlns:p14="http://schemas.microsoft.com/office/powerpoint/2010/main" val="549260242"/>
-      </p:ext>
-    </p:extLst>
-  </p:cSld>
-  <p:clrMapOvr>
-    <a:masterClrMapping/>
-  </p:clrMapOvr>
-</p:sld>
-</file>
-
-<file path=ppt/slides/slide9.xml><?xml version="1.0" encoding="utf-8"?>
-<p:sld xmlns:a="http://schemas.openxmlformats.org/drawingml/2006/main" xmlns:r="http://schemas.openxmlformats.org/officeDocument/2006/relationships" xmlns:p="http://schemas.openxmlformats.org/presentationml/2006/main">
-  <p:cSld>
-    <p:spTree>
-      <p:nvGrpSpPr>
-        <p:cNvPr id="1" name=""/>
-        <p:cNvGrpSpPr/>
-        <p:nvPr/>
-      </p:nvGrpSpPr>
-      <p:grpSpPr>
-        <a:xfrm>
-          <a:off x="0" y="0"/>
-          <a:ext cx="0" cy="0"/>
-          <a:chOff x="0" y="0"/>
-          <a:chExt cx="0" cy="0"/>
-        </a:xfrm>
-      </p:grpSpPr>
-      <p:sp>
-        <p:nvSpPr>
-          <p:cNvPr id="2" name="Title 1"/>
-          <p:cNvSpPr>
-            <a:spLocks noGrp="1"/>
-          </p:cNvSpPr>
-          <p:nvPr>
-            <p:ph type="title"/>
-          </p:nvPr>
-        </p:nvSpPr>
-        <p:spPr>
-          <a:xfrm>
-            <a:off x="2171700" y="228600"/>
-            <a:ext cx="6377940" cy="1293028"/>
-          </a:xfrm>
-        </p:spPr>
-        <p:txBody>
-          <a:bodyPr/>
-          <a:lstStyle/>
-          <a:p>
-            <a:r>
-              <a:rPr lang="en-US" dirty="0" smtClean="0"/>
-              <a:t>Use Cases – cont</a:t>
-            </a:r>
-            <a:r>
-              <a:rPr lang="en-US" dirty="0"/>
-              <a:t>.</a:t>
-            </a:r>
-          </a:p>
-        </p:txBody>
-      </p:sp>
-      <p:pic>
-        <p:nvPicPr>
-          <p:cNvPr id="7170" name="Picture 2"/>
-          <p:cNvPicPr>
-            <a:picLocks noChangeAspect="1" noChangeArrowheads="1"/>
-          </p:cNvPicPr>
-          <p:nvPr/>
-        </p:nvPicPr>
-        <p:blipFill>
-          <a:blip r:embed="rId2">
-            <a:extLst>
-              <a:ext uri="{28A0092B-C50C-407E-A947-70E740481C1C}">
-                <a14:useLocalDpi xmlns:a14="http://schemas.microsoft.com/office/drawing/2010/main" val="0"/>
-              </a:ext>
-            </a:extLst>
-          </a:blip>
-          <a:srcRect/>
-          <a:stretch>
-            <a:fillRect/>
-          </a:stretch>
-        </p:blipFill>
-        <p:spPr bwMode="auto">
-          <a:xfrm>
-            <a:off x="1295400" y="1371600"/>
-            <a:ext cx="6638925" cy="4610100"/>
-          </a:xfrm>
-          <a:prstGeom prst="rect">
-            <a:avLst/>
-          </a:prstGeom>
-          <a:noFill/>
-          <a:ln>
-            <a:noFill/>
-          </a:ln>
-          <a:extLst>
-            <a:ext uri="{909E8E84-426E-40DD-AFC4-6F175D3DCCD1}">
-              <a14:hiddenFill xmlns:a14="http://schemas.microsoft.com/office/drawing/2010/main">
-                <a:solidFill>
-                  <a:schemeClr val="accent1"/>
-                </a:solidFill>
-              </a14:hiddenFill>
-            </a:ext>
-            <a:ext uri="{91240B29-F687-4F45-9708-019B960494DF}">
-              <a14:hiddenLine xmlns:a14="http://schemas.microsoft.com/office/drawing/2010/main" w="9525">
-                <a:solidFill>
-                  <a:schemeClr val="tx1"/>
-                </a:solidFill>
-                <a:miter lim="800000"/>
-                <a:headEnd/>
-                <a:tailEnd/>
-              </a14:hiddenLine>
-            </a:ext>
-          </a:extLst>
-        </p:spPr>
-      </p:pic>
-      <p:sp>
-        <p:nvSpPr>
-          <p:cNvPr id="4" name="TextBox 3"/>
-          <p:cNvSpPr txBox="1"/>
-          <p:nvPr/>
-        </p:nvSpPr>
-        <p:spPr>
-          <a:xfrm>
-            <a:off x="1219200" y="6248400"/>
-            <a:ext cx="7315200" cy="415498"/>
-          </a:xfrm>
-          <a:prstGeom prst="rect">
-            <a:avLst/>
-          </a:prstGeom>
-          <a:noFill/>
-        </p:spPr>
-        <p:txBody>
-          <a:bodyPr wrap="square" rtlCol="0">
-            <a:spAutoFit/>
-          </a:bodyPr>
-          <a:lstStyle/>
-          <a:p>
-            <a:r>
-              <a:rPr lang="en-US" sz="1050" dirty="0" smtClean="0"/>
-              <a:t>Note: These are our initial set of use cases. We may add new use cases as we progress and current use cases may change in the future.</a:t>
-            </a:r>
-            <a:endParaRPr lang="en-US" sz="1050" dirty="0"/>
-          </a:p>
-        </p:txBody>
-      </p:sp>
-    </p:spTree>
-    <p:extLst>
-      <p:ext uri="{BB962C8B-B14F-4D97-AF65-F5344CB8AC3E}">
-        <p14:creationId xmlns:p14="http://schemas.microsoft.com/office/powerpoint/2010/main" val="3930391348"/>
       </p:ext>
     </p:extLst>
   </p:cSld>
